--- a/other/Group2_Phase2.pptx
+++ b/other/Group2_Phase2.pptx
@@ -5,7 +5,7 @@
     <p:sldMasterId id="2147483660" r:id="rId1"/>
   </p:sldMasterIdLst>
   <p:notesMasterIdLst>
-    <p:notesMasterId r:id="rId18"/>
+    <p:notesMasterId r:id="rId12"/>
   </p:notesMasterIdLst>
   <p:sldIdLst>
     <p:sldId id="256" r:id="rId2"/>
@@ -13,17 +13,11 @@
     <p:sldId id="264" r:id="rId4"/>
     <p:sldId id="269" r:id="rId5"/>
     <p:sldId id="258" r:id="rId6"/>
-    <p:sldId id="267" r:id="rId7"/>
-    <p:sldId id="263" r:id="rId8"/>
-    <p:sldId id="259" r:id="rId9"/>
-    <p:sldId id="260" r:id="rId10"/>
-    <p:sldId id="270" r:id="rId11"/>
-    <p:sldId id="261" r:id="rId12"/>
-    <p:sldId id="271" r:id="rId13"/>
-    <p:sldId id="265" r:id="rId14"/>
-    <p:sldId id="272" r:id="rId15"/>
-    <p:sldId id="266" r:id="rId16"/>
-    <p:sldId id="262" r:id="rId17"/>
+    <p:sldId id="270" r:id="rId7"/>
+    <p:sldId id="271" r:id="rId8"/>
+    <p:sldId id="272" r:id="rId9"/>
+    <p:sldId id="266" r:id="rId10"/>
+    <p:sldId id="262" r:id="rId11"/>
   </p:sldIdLst>
   <p:sldSz cx="12192000" cy="6858000"/>
   <p:notesSz cx="6858000" cy="9144000"/>
@@ -212,7 +206,7 @@
           <a:p>
             <a:fld id="{CF6B6267-2028-3F42-A601-94E7AF39776D}" type="datetimeFigureOut">
               <a:rPr lang="en-US" smtClean="0"/>
-              <a:t>4/26/21</a:t>
+              <a:t>4/27/21</a:t>
             </a:fld>
             <a:endParaRPr lang="en-US"/>
           </a:p>
@@ -828,108 +822,6 @@
               <a:defRPr/>
             </a:pPr>
             <a:r>
-              <a:rPr lang="en-US" sz="1200" b="0" i="0" kern="1200" dirty="0">
-                <a:solidFill>
-                  <a:schemeClr val="tx1"/>
-                </a:solidFill>
-                <a:effectLst/>
-                <a:latin typeface="+mn-lt"/>
-                <a:ea typeface="+mn-ea"/>
-                <a:cs typeface="+mn-cs"/>
-              </a:rPr>
-              <a:t>Modeling Pipelines</a:t>
-            </a:r>
-          </a:p>
-          <a:p>
-            <a:pPr marL="0" marR="0" lvl="0" indent="0" algn="l" defTabSz="914400" rtl="0" eaLnBrk="1" fontAlgn="auto" latinLnBrk="0" hangingPunct="1">
-              <a:lnSpc>
-                <a:spcPct val="100000"/>
-              </a:lnSpc>
-              <a:spcBef>
-                <a:spcPts val="0"/>
-              </a:spcBef>
-              <a:spcAft>
-                <a:spcPts val="0"/>
-              </a:spcAft>
-              <a:buClrTx/>
-              <a:buSzTx/>
-              <a:buFontTx/>
-              <a:buNone/>
-              <a:tabLst/>
-              <a:defRPr/>
-            </a:pPr>
-            <a:r>
-              <a:rPr lang="en-US" sz="1200" b="0" i="0" kern="1200" dirty="0">
-                <a:solidFill>
-                  <a:schemeClr val="tx1"/>
-                </a:solidFill>
-                <a:effectLst/>
-                <a:latin typeface="+mn-lt"/>
-                <a:ea typeface="+mn-ea"/>
-                <a:cs typeface="+mn-cs"/>
-              </a:rPr>
-              <a:t>Expectations here are to provide the following in sections and subsections:</a:t>
-            </a:r>
-          </a:p>
-          <a:p>
-            <a:pPr marL="0" marR="0" lvl="0" indent="0" algn="l" defTabSz="914400" rtl="0" eaLnBrk="1" fontAlgn="auto" latinLnBrk="0" hangingPunct="1">
-              <a:lnSpc>
-                <a:spcPct val="100000"/>
-              </a:lnSpc>
-              <a:spcBef>
-                <a:spcPts val="0"/>
-              </a:spcBef>
-              <a:spcAft>
-                <a:spcPts val="0"/>
-              </a:spcAft>
-              <a:buClrTx/>
-              <a:buSzTx/>
-              <a:buFontTx/>
-              <a:buNone/>
-              <a:tabLst/>
-              <a:defRPr/>
-            </a:pPr>
-            <a:endParaRPr lang="en-US" sz="1200" b="0" i="0" kern="1200" dirty="0">
-              <a:solidFill>
-                <a:schemeClr val="tx1"/>
-              </a:solidFill>
-              <a:effectLst/>
-              <a:latin typeface="+mn-lt"/>
-              <a:ea typeface="+mn-ea"/>
-              <a:cs typeface="+mn-cs"/>
-            </a:endParaRPr>
-          </a:p>
-          <a:p>
-            <a:pPr marL="0" marR="0" lvl="0" indent="0" algn="l" defTabSz="914400" rtl="0" eaLnBrk="1" fontAlgn="auto" latinLnBrk="0" hangingPunct="1">
-              <a:lnSpc>
-                <a:spcPct val="100000"/>
-              </a:lnSpc>
-              <a:spcBef>
-                <a:spcPts val="0"/>
-              </a:spcBef>
-              <a:spcAft>
-                <a:spcPts val="0"/>
-              </a:spcAft>
-              <a:buClrTx/>
-              <a:buSzTx/>
-              <a:buFontTx/>
-              <a:buNone/>
-              <a:tabLst/>
-              <a:defRPr/>
-            </a:pPr>
-            <a:r>
-              <a:rPr lang="en-US" sz="1200" b="0" i="0" kern="1200" dirty="0">
-                <a:solidFill>
-                  <a:schemeClr val="tx1"/>
-                </a:solidFill>
-                <a:effectLst/>
-                <a:latin typeface="+mn-lt"/>
-                <a:ea typeface="+mn-ea"/>
-                <a:cs typeface="+mn-cs"/>
-              </a:rPr>
-              <a:t>[</a:t>
-            </a:r>
-            <a:r>
               <a:rPr lang="en-US" sz="1200" b="0" i="0" kern="1200" dirty="0" err="1">
                 <a:solidFill>
                   <a:schemeClr val="tx1"/>
@@ -939,37 +831,41 @@
                 <a:ea typeface="+mn-ea"/>
                 <a:cs typeface="+mn-cs"/>
               </a:rPr>
-              <a:t>CaDoD</a:t>
-            </a:r>
-            <a:r>
-              <a:rPr lang="en-US" sz="1200" b="0" i="0" kern="1200" dirty="0">
-                <a:solidFill>
-                  <a:schemeClr val="tx1"/>
-                </a:solidFill>
-                <a:effectLst/>
-                <a:latin typeface="+mn-lt"/>
-                <a:ea typeface="+mn-ea"/>
-                <a:cs typeface="+mn-cs"/>
-              </a:rPr>
-              <a:t>]</a:t>
+              <a:t>ConclusionExpectations</a:t>
+            </a:r>
+            <a:r>
+              <a:rPr lang="en-US" sz="1200" b="0" i="0" kern="1200" dirty="0">
+                <a:solidFill>
+                  <a:schemeClr val="tx1"/>
+                </a:solidFill>
+                <a:effectLst/>
+                <a:latin typeface="+mn-lt"/>
+                <a:ea typeface="+mn-ea"/>
+                <a:cs typeface="+mn-cs"/>
+              </a:rPr>
+              <a:t> here are to address the following following in your conclusion (in about 150 words) in a main section by itself:</a:t>
             </a:r>
             <a:br>
-              <a:rPr lang="en-US" dirty="0"/>
+              <a:rPr lang="en-US" sz="1200" b="0" i="0" kern="1200" dirty="0">
+                <a:solidFill>
+                  <a:schemeClr val="tx1"/>
+                </a:solidFill>
+                <a:effectLst/>
+                <a:latin typeface="+mn-lt"/>
+                <a:ea typeface="+mn-ea"/>
+                <a:cs typeface="+mn-cs"/>
+              </a:rPr>
             </a:br>
-            <a:r>
-              <a:rPr lang="en-US" sz="1200" b="0" i="0" kern="1200" dirty="0">
-                <a:solidFill>
-                  <a:schemeClr val="tx1"/>
-                </a:solidFill>
-                <a:effectLst/>
-                <a:latin typeface="+mn-lt"/>
-                <a:ea typeface="+mn-ea"/>
-                <a:cs typeface="+mn-cs"/>
-              </a:rPr>
-              <a:t>Modeling Pipelines</a:t>
-            </a:r>
             <a:br>
-              <a:rPr lang="en-US" dirty="0"/>
+              <a:rPr lang="en-US" sz="1200" b="0" i="0" kern="1200" dirty="0">
+                <a:solidFill>
+                  <a:schemeClr val="tx1"/>
+                </a:solidFill>
+                <a:effectLst/>
+                <a:latin typeface="+mn-lt"/>
+                <a:ea typeface="+mn-ea"/>
+                <a:cs typeface="+mn-cs"/>
+              </a:rPr>
             </a:br>
             <a:r>
               <a:rPr lang="en-US" sz="1200" b="0" i="0" kern="1200" dirty="0">
@@ -981,25 +877,29 @@
                 <a:ea typeface="+mn-ea"/>
                 <a:cs typeface="+mn-cs"/>
               </a:rPr>
-              <a:t>-- Preprocessing images</a:t>
+              <a:t>-- Restate your project focus explain why it’s important. Make sure that this part of the conclusion is concise and clear.</a:t>
             </a:r>
             <a:br>
-              <a:rPr lang="en-US" dirty="0"/>
+              <a:rPr lang="en-US" sz="1200" b="0" i="0" kern="1200" dirty="0">
+                <a:solidFill>
+                  <a:schemeClr val="tx1"/>
+                </a:solidFill>
+                <a:effectLst/>
+                <a:latin typeface="+mn-lt"/>
+                <a:ea typeface="+mn-ea"/>
+                <a:cs typeface="+mn-cs"/>
+              </a:rPr>
             </a:br>
-            <a:r>
-              <a:rPr lang="en-US" sz="1200" b="0" i="0" kern="1200" dirty="0">
-                <a:solidFill>
-                  <a:schemeClr val="tx1"/>
-                </a:solidFill>
-                <a:effectLst/>
-                <a:latin typeface="+mn-lt"/>
-                <a:ea typeface="+mn-ea"/>
-                <a:cs typeface="+mn-cs"/>
-              </a:rPr>
-              <a:t>-- input Image size (w, h)</a:t>
-            </a:r>
             <a:br>
-              <a:rPr lang="en-US" dirty="0"/>
+              <a:rPr lang="en-US" sz="1200" b="0" i="0" kern="1200" dirty="0">
+                <a:solidFill>
+                  <a:schemeClr val="tx1"/>
+                </a:solidFill>
+                <a:effectLst/>
+                <a:latin typeface="+mn-lt"/>
+                <a:ea typeface="+mn-ea"/>
+                <a:cs typeface="+mn-cs"/>
+              </a:rPr>
             </a:br>
             <a:r>
               <a:rPr lang="en-US" sz="1200" b="0" i="0" kern="1200" dirty="0">
@@ -1011,25 +911,29 @@
                 <a:ea typeface="+mn-ea"/>
                 <a:cs typeface="+mn-cs"/>
               </a:rPr>
-              <a:t>-- Loss function used (data loss and regularization parts) in latex</a:t>
+              <a:t>-- Restate your hypothesis (e.g., ML pipelines with custom features can accurately forecast box office returns)</a:t>
             </a:r>
             <a:br>
-              <a:rPr lang="en-US" dirty="0"/>
+              <a:rPr lang="en-US" sz="1200" b="0" i="0" kern="1200" dirty="0">
+                <a:solidFill>
+                  <a:schemeClr val="tx1"/>
+                </a:solidFill>
+                <a:effectLst/>
+                <a:latin typeface="+mn-lt"/>
+                <a:ea typeface="+mn-ea"/>
+                <a:cs typeface="+mn-cs"/>
+              </a:rPr>
             </a:br>
-            <a:r>
-              <a:rPr lang="en-US" sz="1200" b="0" i="0" kern="1200" dirty="0">
-                <a:solidFill>
-                  <a:schemeClr val="tx1"/>
-                </a:solidFill>
-                <a:effectLst/>
-                <a:latin typeface="+mn-lt"/>
-                <a:ea typeface="+mn-ea"/>
-                <a:cs typeface="+mn-cs"/>
-              </a:rPr>
-              <a:t>-- Number of experiments conducted</a:t>
-            </a:r>
             <a:br>
-              <a:rPr lang="en-US" dirty="0"/>
+              <a:rPr lang="en-US" sz="1200" b="0" i="0" kern="1200" dirty="0">
+                <a:solidFill>
+                  <a:schemeClr val="tx1"/>
+                </a:solidFill>
+                <a:effectLst/>
+                <a:latin typeface="+mn-lt"/>
+                <a:ea typeface="+mn-ea"/>
+                <a:cs typeface="+mn-cs"/>
+              </a:rPr>
             </a:br>
             <a:r>
               <a:rPr lang="en-US" sz="1200" b="0" i="0" kern="1200" dirty="0">
@@ -1041,25 +945,29 @@
                 <a:ea typeface="+mn-ea"/>
                 <a:cs typeface="+mn-cs"/>
               </a:rPr>
-              <a:t>-- Experiment table with the following details per experiment:</a:t>
+              <a:t>-- Summarize main points of your project: Remind your readers your key points.</a:t>
             </a:r>
             <a:br>
-              <a:rPr lang="en-US" dirty="0"/>
+              <a:rPr lang="en-US" sz="1200" b="0" i="0" kern="1200" dirty="0">
+                <a:solidFill>
+                  <a:schemeClr val="tx1"/>
+                </a:solidFill>
+                <a:effectLst/>
+                <a:latin typeface="+mn-lt"/>
+                <a:ea typeface="+mn-ea"/>
+                <a:cs typeface="+mn-cs"/>
+              </a:rPr>
             </a:br>
-            <a:r>
-              <a:rPr lang="en-US" sz="1200" b="0" i="0" kern="1200" dirty="0">
-                <a:solidFill>
-                  <a:schemeClr val="tx1"/>
-                </a:solidFill>
-                <a:effectLst/>
-                <a:latin typeface="+mn-lt"/>
-                <a:ea typeface="+mn-ea"/>
-                <a:cs typeface="+mn-cs"/>
-              </a:rPr>
-              <a:t>----- Baseline experiment</a:t>
-            </a:r>
             <a:br>
-              <a:rPr lang="en-US" dirty="0"/>
+              <a:rPr lang="en-US" sz="1200" b="0" i="0" kern="1200" dirty="0">
+                <a:solidFill>
+                  <a:schemeClr val="tx1"/>
+                </a:solidFill>
+                <a:effectLst/>
+                <a:latin typeface="+mn-lt"/>
+                <a:ea typeface="+mn-ea"/>
+                <a:cs typeface="+mn-cs"/>
+              </a:rPr>
             </a:br>
             <a:r>
               <a:rPr lang="en-US" sz="1200" b="0" i="0" kern="1200" dirty="0">
@@ -1071,49 +979,29 @@
                 <a:ea typeface="+mn-ea"/>
                 <a:cs typeface="+mn-cs"/>
               </a:rPr>
-              <a:t>---- The families of input features used</a:t>
+              <a:t>-- Discuss the significance of your results</a:t>
             </a:r>
             <a:br>
-              <a:rPr lang="en-US" dirty="0"/>
+              <a:rPr lang="en-US" sz="1200" b="0" i="0" kern="1200" dirty="0">
+                <a:solidFill>
+                  <a:schemeClr val="tx1"/>
+                </a:solidFill>
+                <a:effectLst/>
+                <a:latin typeface="+mn-lt"/>
+                <a:ea typeface="+mn-ea"/>
+                <a:cs typeface="+mn-cs"/>
+              </a:rPr>
             </a:br>
-            <a:r>
-              <a:rPr lang="en-US" sz="1200" b="0" i="0" kern="1200" dirty="0">
-                <a:solidFill>
-                  <a:schemeClr val="tx1"/>
-                </a:solidFill>
-                <a:effectLst/>
-                <a:latin typeface="+mn-lt"/>
-                <a:ea typeface="+mn-ea"/>
-                <a:cs typeface="+mn-cs"/>
-              </a:rPr>
-              <a:t>----- For train/valid/test record the following in a Pandas </a:t>
-            </a:r>
-            <a:r>
-              <a:rPr lang="en-US" sz="1200" b="0" i="0" kern="1200" dirty="0" err="1">
-                <a:solidFill>
-                  <a:schemeClr val="tx1"/>
-                </a:solidFill>
-                <a:effectLst/>
-                <a:latin typeface="+mn-lt"/>
-                <a:ea typeface="+mn-ea"/>
-                <a:cs typeface="+mn-cs"/>
-              </a:rPr>
-              <a:t>DataFrame</a:t>
-            </a:r>
-            <a:r>
-              <a:rPr lang="en-US" sz="1200" b="0" i="0" kern="1200" dirty="0">
-                <a:solidFill>
-                  <a:schemeClr val="tx1"/>
-                </a:solidFill>
-                <a:effectLst/>
-                <a:latin typeface="+mn-lt"/>
-                <a:ea typeface="+mn-ea"/>
-                <a:cs typeface="+mn-cs"/>
-              </a:rPr>
-              <a:t>:</a:t>
-            </a:r>
             <a:br>
-              <a:rPr lang="en-US" dirty="0"/>
+              <a:rPr lang="en-US" sz="1200" b="0" i="0" kern="1200" dirty="0">
+                <a:solidFill>
+                  <a:schemeClr val="tx1"/>
+                </a:solidFill>
+                <a:effectLst/>
+                <a:latin typeface="+mn-lt"/>
+                <a:ea typeface="+mn-ea"/>
+                <a:cs typeface="+mn-cs"/>
+              </a:rPr>
             </a:br>
             <a:r>
               <a:rPr lang="en-US" sz="1200" b="0" i="0" kern="1200" dirty="0">
@@ -1125,7 +1013,7 @@
                 <a:ea typeface="+mn-ea"/>
                 <a:cs typeface="+mn-cs"/>
               </a:rPr>
-              <a:t>---- Accuracy</a:t>
+              <a:t>-- Discuss the future of your project and closing thoughts.</a:t>
             </a:r>
           </a:p>
           <a:p>
@@ -1151,1478 +1039,6 @@
             <a:fld id="{25E2E259-F0C1-274B-BB83-2518BC0EEFC9}" type="slidenum">
               <a:rPr lang="en-US" smtClean="0"/>
               <a:t>10</a:t>
-            </a:fld>
-            <a:endParaRPr lang="en-US"/>
-          </a:p>
-        </p:txBody>
-      </p:sp>
-    </p:spTree>
-    <p:extLst>
-      <p:ext uri="{BB962C8B-B14F-4D97-AF65-F5344CB8AC3E}">
-        <p14:creationId xmlns:p14="http://schemas.microsoft.com/office/powerpoint/2010/main" val="3227829649"/>
-      </p:ext>
-    </p:extLst>
-  </p:cSld>
-  <p:clrMapOvr>
-    <a:masterClrMapping/>
-  </p:clrMapOvr>
-</p:notes>
-</file>
-
-<file path=ppt/notesSlides/notesSlide11.xml><?xml version="1.0" encoding="utf-8"?>
-<p:notes xmlns:a="http://schemas.openxmlformats.org/drawingml/2006/main" xmlns:r="http://schemas.openxmlformats.org/officeDocument/2006/relationships" xmlns:p="http://schemas.openxmlformats.org/presentationml/2006/main">
-  <p:cSld>
-    <p:spTree>
-      <p:nvGrpSpPr>
-        <p:cNvPr id="1" name=""/>
-        <p:cNvGrpSpPr/>
-        <p:nvPr/>
-      </p:nvGrpSpPr>
-      <p:grpSpPr>
-        <a:xfrm>
-          <a:off x="0" y="0"/>
-          <a:ext cx="0" cy="0"/>
-          <a:chOff x="0" y="0"/>
-          <a:chExt cx="0" cy="0"/>
-        </a:xfrm>
-      </p:grpSpPr>
-      <p:sp>
-        <p:nvSpPr>
-          <p:cNvPr id="2" name="Slide Image Placeholder 1"/>
-          <p:cNvSpPr>
-            <a:spLocks noGrp="1" noRot="1" noChangeAspect="1"/>
-          </p:cNvSpPr>
-          <p:nvPr>
-            <p:ph type="sldImg"/>
-          </p:nvPr>
-        </p:nvSpPr>
-        <p:spPr/>
-      </p:sp>
-      <p:sp>
-        <p:nvSpPr>
-          <p:cNvPr id="3" name="Notes Placeholder 2"/>
-          <p:cNvSpPr>
-            <a:spLocks noGrp="1"/>
-          </p:cNvSpPr>
-          <p:nvPr>
-            <p:ph type="body" idx="1"/>
-          </p:nvPr>
-        </p:nvSpPr>
-        <p:spPr/>
-        <p:txBody>
-          <a:bodyPr/>
-          <a:lstStyle/>
-          <a:p>
-            <a:pPr marL="0" marR="0" lvl="0" indent="0" algn="l" defTabSz="914400" rtl="0" eaLnBrk="1" fontAlgn="auto" latinLnBrk="0" hangingPunct="1">
-              <a:lnSpc>
-                <a:spcPct val="100000"/>
-              </a:lnSpc>
-              <a:spcBef>
-                <a:spcPts val="0"/>
-              </a:spcBef>
-              <a:spcAft>
-                <a:spcPts val="0"/>
-              </a:spcAft>
-              <a:buClrTx/>
-              <a:buSzTx/>
-              <a:buFontTx/>
-              <a:buNone/>
-              <a:tabLst/>
-              <a:defRPr/>
-            </a:pPr>
-            <a:r>
-              <a:rPr lang="en-US" sz="1200" b="0" i="0" kern="1200" dirty="0">
-                <a:solidFill>
-                  <a:schemeClr val="tx1"/>
-                </a:solidFill>
-                <a:effectLst/>
-                <a:latin typeface="+mn-lt"/>
-                <a:ea typeface="+mn-ea"/>
-                <a:cs typeface="+mn-cs"/>
-              </a:rPr>
-              <a:t>This criterion is linked to a Learning Outcome</a:t>
-            </a:r>
-          </a:p>
-          <a:p>
-            <a:pPr marL="0" marR="0" lvl="0" indent="0" algn="l" defTabSz="914400" rtl="0" eaLnBrk="1" fontAlgn="auto" latinLnBrk="0" hangingPunct="1">
-              <a:lnSpc>
-                <a:spcPct val="100000"/>
-              </a:lnSpc>
-              <a:spcBef>
-                <a:spcPts val="0"/>
-              </a:spcBef>
-              <a:spcAft>
-                <a:spcPts val="0"/>
-              </a:spcAft>
-              <a:buClrTx/>
-              <a:buSzTx/>
-              <a:buFontTx/>
-              <a:buNone/>
-              <a:tabLst/>
-              <a:defRPr/>
-            </a:pPr>
-            <a:r>
-              <a:rPr lang="en-US" sz="1200" b="0" i="0" kern="1200" dirty="0">
-                <a:solidFill>
-                  <a:schemeClr val="tx1"/>
-                </a:solidFill>
-                <a:effectLst/>
-                <a:latin typeface="+mn-lt"/>
-                <a:ea typeface="+mn-ea"/>
-                <a:cs typeface="+mn-cs"/>
-              </a:rPr>
-              <a:t>Results and discussion of results</a:t>
-            </a:r>
-          </a:p>
-          <a:p>
-            <a:pPr marL="0" marR="0" lvl="0" indent="0" algn="l" defTabSz="914400" rtl="0" eaLnBrk="1" fontAlgn="auto" latinLnBrk="0" hangingPunct="1">
-              <a:lnSpc>
-                <a:spcPct val="100000"/>
-              </a:lnSpc>
-              <a:spcBef>
-                <a:spcPts val="0"/>
-              </a:spcBef>
-              <a:spcAft>
-                <a:spcPts val="0"/>
-              </a:spcAft>
-              <a:buClrTx/>
-              <a:buSzTx/>
-              <a:buFontTx/>
-              <a:buNone/>
-              <a:tabLst/>
-              <a:defRPr/>
-            </a:pPr>
-            <a:r>
-              <a:rPr lang="en-US" sz="1200" b="0" i="0" kern="1200" dirty="0">
-                <a:solidFill>
-                  <a:schemeClr val="tx1"/>
-                </a:solidFill>
-                <a:effectLst/>
-                <a:latin typeface="+mn-lt"/>
-                <a:ea typeface="+mn-ea"/>
-                <a:cs typeface="+mn-cs"/>
-              </a:rPr>
-              <a:t>Expectations here are to provide the following in sections and subsections:</a:t>
-            </a:r>
-            <a:br>
-              <a:rPr lang="en-US" sz="1200" b="0" i="0" kern="1200" dirty="0">
-                <a:solidFill>
-                  <a:schemeClr val="tx1"/>
-                </a:solidFill>
-                <a:effectLst/>
-                <a:latin typeface="+mn-lt"/>
-                <a:ea typeface="+mn-ea"/>
-                <a:cs typeface="+mn-cs"/>
-              </a:rPr>
-            </a:br>
-            <a:br>
-              <a:rPr lang="en-US" sz="1200" b="0" i="0" kern="1200" dirty="0">
-                <a:solidFill>
-                  <a:schemeClr val="tx1"/>
-                </a:solidFill>
-                <a:effectLst/>
-                <a:latin typeface="+mn-lt"/>
-                <a:ea typeface="+mn-ea"/>
-                <a:cs typeface="+mn-cs"/>
-              </a:rPr>
-            </a:br>
-            <a:r>
-              <a:rPr lang="en-US" sz="1200" b="0" i="0" kern="1200" dirty="0">
-                <a:solidFill>
-                  <a:schemeClr val="tx1"/>
-                </a:solidFill>
-                <a:effectLst/>
-                <a:latin typeface="+mn-lt"/>
-                <a:ea typeface="+mn-ea"/>
-                <a:cs typeface="+mn-cs"/>
-              </a:rPr>
-              <a:t>Discussion’s aim is result interpretation, which means explain, </a:t>
-            </a:r>
-            <a:r>
-              <a:rPr lang="en-US" sz="1200" b="0" i="0" kern="1200" dirty="0" err="1">
-                <a:solidFill>
-                  <a:schemeClr val="tx1"/>
-                </a:solidFill>
-                <a:effectLst/>
-                <a:latin typeface="+mn-lt"/>
-                <a:ea typeface="+mn-ea"/>
-                <a:cs typeface="+mn-cs"/>
-              </a:rPr>
-              <a:t>analyse</a:t>
-            </a:r>
-            <a:r>
-              <a:rPr lang="en-US" sz="1200" b="0" i="0" kern="1200" dirty="0">
-                <a:solidFill>
-                  <a:schemeClr val="tx1"/>
-                </a:solidFill>
-                <a:effectLst/>
-                <a:latin typeface="+mn-lt"/>
-                <a:ea typeface="+mn-ea"/>
-                <a:cs typeface="+mn-cs"/>
-              </a:rPr>
-              <a:t>, and compare them. Often, this part is the most important, simply because it lets the researcher take a step back and give a broader look at the experiment. Do not discuss any outcomes not presented in the results part.</a:t>
-            </a:r>
-          </a:p>
-          <a:p>
-            <a:endParaRPr lang="en-US" dirty="0"/>
-          </a:p>
-        </p:txBody>
-      </p:sp>
-      <p:sp>
-        <p:nvSpPr>
-          <p:cNvPr id="4" name="Slide Number Placeholder 3"/>
-          <p:cNvSpPr>
-            <a:spLocks noGrp="1"/>
-          </p:cNvSpPr>
-          <p:nvPr>
-            <p:ph type="sldNum" sz="quarter" idx="5"/>
-          </p:nvPr>
-        </p:nvSpPr>
-        <p:spPr/>
-        <p:txBody>
-          <a:bodyPr/>
-          <a:lstStyle/>
-          <a:p>
-            <a:fld id="{25E2E259-F0C1-274B-BB83-2518BC0EEFC9}" type="slidenum">
-              <a:rPr lang="en-US" smtClean="0"/>
-              <a:t>11</a:t>
-            </a:fld>
-            <a:endParaRPr lang="en-US"/>
-          </a:p>
-        </p:txBody>
-      </p:sp>
-    </p:spTree>
-    <p:extLst>
-      <p:ext uri="{BB962C8B-B14F-4D97-AF65-F5344CB8AC3E}">
-        <p14:creationId xmlns:p14="http://schemas.microsoft.com/office/powerpoint/2010/main" val="3148085847"/>
-      </p:ext>
-    </p:extLst>
-  </p:cSld>
-  <p:clrMapOvr>
-    <a:masterClrMapping/>
-  </p:clrMapOvr>
-</p:notes>
-</file>
-
-<file path=ppt/notesSlides/notesSlide12.xml><?xml version="1.0" encoding="utf-8"?>
-<p:notes xmlns:a="http://schemas.openxmlformats.org/drawingml/2006/main" xmlns:r="http://schemas.openxmlformats.org/officeDocument/2006/relationships" xmlns:p="http://schemas.openxmlformats.org/presentationml/2006/main">
-  <p:cSld>
-    <p:spTree>
-      <p:nvGrpSpPr>
-        <p:cNvPr id="1" name=""/>
-        <p:cNvGrpSpPr/>
-        <p:nvPr/>
-      </p:nvGrpSpPr>
-      <p:grpSpPr>
-        <a:xfrm>
-          <a:off x="0" y="0"/>
-          <a:ext cx="0" cy="0"/>
-          <a:chOff x="0" y="0"/>
-          <a:chExt cx="0" cy="0"/>
-        </a:xfrm>
-      </p:grpSpPr>
-      <p:sp>
-        <p:nvSpPr>
-          <p:cNvPr id="2" name="Slide Image Placeholder 1"/>
-          <p:cNvSpPr>
-            <a:spLocks noGrp="1" noRot="1" noChangeAspect="1"/>
-          </p:cNvSpPr>
-          <p:nvPr>
-            <p:ph type="sldImg"/>
-          </p:nvPr>
-        </p:nvSpPr>
-        <p:spPr/>
-      </p:sp>
-      <p:sp>
-        <p:nvSpPr>
-          <p:cNvPr id="3" name="Notes Placeholder 2"/>
-          <p:cNvSpPr>
-            <a:spLocks noGrp="1"/>
-          </p:cNvSpPr>
-          <p:nvPr>
-            <p:ph type="body" idx="1"/>
-          </p:nvPr>
-        </p:nvSpPr>
-        <p:spPr/>
-        <p:txBody>
-          <a:bodyPr/>
-          <a:lstStyle/>
-          <a:p>
-            <a:pPr marL="0" marR="0" lvl="0" indent="0" algn="l" defTabSz="914400" rtl="0" eaLnBrk="1" fontAlgn="auto" latinLnBrk="0" hangingPunct="1">
-              <a:lnSpc>
-                <a:spcPct val="100000"/>
-              </a:lnSpc>
-              <a:spcBef>
-                <a:spcPts val="0"/>
-              </a:spcBef>
-              <a:spcAft>
-                <a:spcPts val="0"/>
-              </a:spcAft>
-              <a:buClrTx/>
-              <a:buSzTx/>
-              <a:buFontTx/>
-              <a:buNone/>
-              <a:tabLst/>
-              <a:defRPr/>
-            </a:pPr>
-            <a:r>
-              <a:rPr lang="en-US" sz="1200" b="0" i="0" kern="1200" dirty="0">
-                <a:solidFill>
-                  <a:schemeClr val="tx1"/>
-                </a:solidFill>
-                <a:effectLst/>
-                <a:latin typeface="+mn-lt"/>
-                <a:ea typeface="+mn-ea"/>
-                <a:cs typeface="+mn-cs"/>
-              </a:rPr>
-              <a:t>This criterion is linked to a Learning Outcome</a:t>
-            </a:r>
-          </a:p>
-          <a:p>
-            <a:pPr marL="0" marR="0" lvl="0" indent="0" algn="l" defTabSz="914400" rtl="0" eaLnBrk="1" fontAlgn="auto" latinLnBrk="0" hangingPunct="1">
-              <a:lnSpc>
-                <a:spcPct val="100000"/>
-              </a:lnSpc>
-              <a:spcBef>
-                <a:spcPts val="0"/>
-              </a:spcBef>
-              <a:spcAft>
-                <a:spcPts val="0"/>
-              </a:spcAft>
-              <a:buClrTx/>
-              <a:buSzTx/>
-              <a:buFontTx/>
-              <a:buNone/>
-              <a:tabLst/>
-              <a:defRPr/>
-            </a:pPr>
-            <a:r>
-              <a:rPr lang="en-US" sz="1200" b="0" i="0" kern="1200" dirty="0">
-                <a:solidFill>
-                  <a:schemeClr val="tx1"/>
-                </a:solidFill>
-                <a:effectLst/>
-                <a:latin typeface="+mn-lt"/>
-                <a:ea typeface="+mn-ea"/>
-                <a:cs typeface="+mn-cs"/>
-              </a:rPr>
-              <a:t>Results and discussion of results</a:t>
-            </a:r>
-          </a:p>
-          <a:p>
-            <a:pPr marL="0" marR="0" lvl="0" indent="0" algn="l" defTabSz="914400" rtl="0" eaLnBrk="1" fontAlgn="auto" latinLnBrk="0" hangingPunct="1">
-              <a:lnSpc>
-                <a:spcPct val="100000"/>
-              </a:lnSpc>
-              <a:spcBef>
-                <a:spcPts val="0"/>
-              </a:spcBef>
-              <a:spcAft>
-                <a:spcPts val="0"/>
-              </a:spcAft>
-              <a:buClrTx/>
-              <a:buSzTx/>
-              <a:buFontTx/>
-              <a:buNone/>
-              <a:tabLst/>
-              <a:defRPr/>
-            </a:pPr>
-            <a:r>
-              <a:rPr lang="en-US" sz="1200" b="0" i="0" kern="1200" dirty="0">
-                <a:solidFill>
-                  <a:schemeClr val="tx1"/>
-                </a:solidFill>
-                <a:effectLst/>
-                <a:latin typeface="+mn-lt"/>
-                <a:ea typeface="+mn-ea"/>
-                <a:cs typeface="+mn-cs"/>
-              </a:rPr>
-              <a:t>Expectations here are to provide the following in sections and subsections:</a:t>
-            </a:r>
-            <a:br>
-              <a:rPr lang="en-US" sz="1200" b="0" i="0" kern="1200" dirty="0">
-                <a:solidFill>
-                  <a:schemeClr val="tx1"/>
-                </a:solidFill>
-                <a:effectLst/>
-                <a:latin typeface="+mn-lt"/>
-                <a:ea typeface="+mn-ea"/>
-                <a:cs typeface="+mn-cs"/>
-              </a:rPr>
-            </a:br>
-            <a:br>
-              <a:rPr lang="en-US" sz="1200" b="0" i="0" kern="1200" dirty="0">
-                <a:solidFill>
-                  <a:schemeClr val="tx1"/>
-                </a:solidFill>
-                <a:effectLst/>
-                <a:latin typeface="+mn-lt"/>
-                <a:ea typeface="+mn-ea"/>
-                <a:cs typeface="+mn-cs"/>
-              </a:rPr>
-            </a:br>
-            <a:r>
-              <a:rPr lang="en-US" sz="1200" b="0" i="0" kern="1200" dirty="0">
-                <a:solidFill>
-                  <a:schemeClr val="tx1"/>
-                </a:solidFill>
-                <a:effectLst/>
-                <a:latin typeface="+mn-lt"/>
-                <a:ea typeface="+mn-ea"/>
-                <a:cs typeface="+mn-cs"/>
-              </a:rPr>
-              <a:t>Discussion’s aim is result interpretation, which means explain, </a:t>
-            </a:r>
-            <a:r>
-              <a:rPr lang="en-US" sz="1200" b="0" i="0" kern="1200" dirty="0" err="1">
-                <a:solidFill>
-                  <a:schemeClr val="tx1"/>
-                </a:solidFill>
-                <a:effectLst/>
-                <a:latin typeface="+mn-lt"/>
-                <a:ea typeface="+mn-ea"/>
-                <a:cs typeface="+mn-cs"/>
-              </a:rPr>
-              <a:t>analyse</a:t>
-            </a:r>
-            <a:r>
-              <a:rPr lang="en-US" sz="1200" b="0" i="0" kern="1200" dirty="0">
-                <a:solidFill>
-                  <a:schemeClr val="tx1"/>
-                </a:solidFill>
-                <a:effectLst/>
-                <a:latin typeface="+mn-lt"/>
-                <a:ea typeface="+mn-ea"/>
-                <a:cs typeface="+mn-cs"/>
-              </a:rPr>
-              <a:t>, and compare them. Often, this part is the most important, simply because it lets the researcher take a step back and give a broader look at the experiment. Do not discuss any outcomes not presented in the results part.</a:t>
-            </a:r>
-          </a:p>
-          <a:p>
-            <a:endParaRPr lang="en-US" dirty="0"/>
-          </a:p>
-        </p:txBody>
-      </p:sp>
-      <p:sp>
-        <p:nvSpPr>
-          <p:cNvPr id="4" name="Slide Number Placeholder 3"/>
-          <p:cNvSpPr>
-            <a:spLocks noGrp="1"/>
-          </p:cNvSpPr>
-          <p:nvPr>
-            <p:ph type="sldNum" sz="quarter" idx="5"/>
-          </p:nvPr>
-        </p:nvSpPr>
-        <p:spPr/>
-        <p:txBody>
-          <a:bodyPr/>
-          <a:lstStyle/>
-          <a:p>
-            <a:fld id="{25E2E259-F0C1-274B-BB83-2518BC0EEFC9}" type="slidenum">
-              <a:rPr lang="en-US" smtClean="0"/>
-              <a:t>12</a:t>
-            </a:fld>
-            <a:endParaRPr lang="en-US"/>
-          </a:p>
-        </p:txBody>
-      </p:sp>
-    </p:spTree>
-    <p:extLst>
-      <p:ext uri="{BB962C8B-B14F-4D97-AF65-F5344CB8AC3E}">
-        <p14:creationId xmlns:p14="http://schemas.microsoft.com/office/powerpoint/2010/main" val="2859569431"/>
-      </p:ext>
-    </p:extLst>
-  </p:cSld>
-  <p:clrMapOvr>
-    <a:masterClrMapping/>
-  </p:clrMapOvr>
-</p:notes>
-</file>
-
-<file path=ppt/notesSlides/notesSlide13.xml><?xml version="1.0" encoding="utf-8"?>
-<p:notes xmlns:a="http://schemas.openxmlformats.org/drawingml/2006/main" xmlns:r="http://schemas.openxmlformats.org/officeDocument/2006/relationships" xmlns:p="http://schemas.openxmlformats.org/presentationml/2006/main">
-  <p:cSld>
-    <p:spTree>
-      <p:nvGrpSpPr>
-        <p:cNvPr id="1" name=""/>
-        <p:cNvGrpSpPr/>
-        <p:nvPr/>
-      </p:nvGrpSpPr>
-      <p:grpSpPr>
-        <a:xfrm>
-          <a:off x="0" y="0"/>
-          <a:ext cx="0" cy="0"/>
-          <a:chOff x="0" y="0"/>
-          <a:chExt cx="0" cy="0"/>
-        </a:xfrm>
-      </p:grpSpPr>
-      <p:sp>
-        <p:nvSpPr>
-          <p:cNvPr id="2" name="Slide Image Placeholder 1"/>
-          <p:cNvSpPr>
-            <a:spLocks noGrp="1" noRot="1" noChangeAspect="1"/>
-          </p:cNvSpPr>
-          <p:nvPr>
-            <p:ph type="sldImg"/>
-          </p:nvPr>
-        </p:nvSpPr>
-        <p:spPr/>
-      </p:sp>
-      <p:sp>
-        <p:nvSpPr>
-          <p:cNvPr id="3" name="Notes Placeholder 2"/>
-          <p:cNvSpPr>
-            <a:spLocks noGrp="1"/>
-          </p:cNvSpPr>
-          <p:nvPr>
-            <p:ph type="body" idx="1"/>
-          </p:nvPr>
-        </p:nvSpPr>
-        <p:spPr/>
-        <p:txBody>
-          <a:bodyPr/>
-          <a:lstStyle/>
-          <a:p>
-            <a:pPr marL="0" marR="0" lvl="0" indent="0" algn="l" defTabSz="914400" rtl="0" eaLnBrk="1" fontAlgn="auto" latinLnBrk="0" hangingPunct="1">
-              <a:lnSpc>
-                <a:spcPct val="100000"/>
-              </a:lnSpc>
-              <a:spcBef>
-                <a:spcPts val="0"/>
-              </a:spcBef>
-              <a:spcAft>
-                <a:spcPts val="0"/>
-              </a:spcAft>
-              <a:buClrTx/>
-              <a:buSzTx/>
-              <a:buFontTx/>
-              <a:buNone/>
-              <a:tabLst/>
-              <a:defRPr/>
-            </a:pPr>
-            <a:r>
-              <a:rPr lang="en-US" sz="1200" b="0" i="0" kern="1200" dirty="0">
-                <a:solidFill>
-                  <a:schemeClr val="tx1"/>
-                </a:solidFill>
-                <a:effectLst/>
-                <a:latin typeface="+mn-lt"/>
-                <a:ea typeface="+mn-ea"/>
-                <a:cs typeface="+mn-cs"/>
-              </a:rPr>
-              <a:t>This criterion is linked to a Learning Outcome</a:t>
-            </a:r>
-          </a:p>
-          <a:p>
-            <a:pPr marL="0" marR="0" lvl="0" indent="0" algn="l" defTabSz="914400" rtl="0" eaLnBrk="1" fontAlgn="auto" latinLnBrk="0" hangingPunct="1">
-              <a:lnSpc>
-                <a:spcPct val="100000"/>
-              </a:lnSpc>
-              <a:spcBef>
-                <a:spcPts val="0"/>
-              </a:spcBef>
-              <a:spcAft>
-                <a:spcPts val="0"/>
-              </a:spcAft>
-              <a:buClrTx/>
-              <a:buSzTx/>
-              <a:buFontTx/>
-              <a:buNone/>
-              <a:tabLst/>
-              <a:defRPr/>
-            </a:pPr>
-            <a:r>
-              <a:rPr lang="en-US" sz="1200" b="0" i="0" kern="1200" dirty="0">
-                <a:solidFill>
-                  <a:schemeClr val="tx1"/>
-                </a:solidFill>
-                <a:effectLst/>
-                <a:latin typeface="+mn-lt"/>
-                <a:ea typeface="+mn-ea"/>
-                <a:cs typeface="+mn-cs"/>
-              </a:rPr>
-              <a:t>Results and discussion of results</a:t>
-            </a:r>
-          </a:p>
-          <a:p>
-            <a:pPr marL="0" marR="0" lvl="0" indent="0" algn="l" defTabSz="914400" rtl="0" eaLnBrk="1" fontAlgn="auto" latinLnBrk="0" hangingPunct="1">
-              <a:lnSpc>
-                <a:spcPct val="100000"/>
-              </a:lnSpc>
-              <a:spcBef>
-                <a:spcPts val="0"/>
-              </a:spcBef>
-              <a:spcAft>
-                <a:spcPts val="0"/>
-              </a:spcAft>
-              <a:buClrTx/>
-              <a:buSzTx/>
-              <a:buFontTx/>
-              <a:buNone/>
-              <a:tabLst/>
-              <a:defRPr/>
-            </a:pPr>
-            <a:r>
-              <a:rPr lang="en-US" sz="1200" b="0" i="0" kern="1200" dirty="0">
-                <a:solidFill>
-                  <a:schemeClr val="tx1"/>
-                </a:solidFill>
-                <a:effectLst/>
-                <a:latin typeface="+mn-lt"/>
-                <a:ea typeface="+mn-ea"/>
-                <a:cs typeface="+mn-cs"/>
-              </a:rPr>
-              <a:t>Expectations here are to provide the following in sections and subsections:</a:t>
-            </a:r>
-            <a:br>
-              <a:rPr lang="en-US" sz="1200" b="0" i="0" kern="1200" dirty="0">
-                <a:solidFill>
-                  <a:schemeClr val="tx1"/>
-                </a:solidFill>
-                <a:effectLst/>
-                <a:latin typeface="+mn-lt"/>
-                <a:ea typeface="+mn-ea"/>
-                <a:cs typeface="+mn-cs"/>
-              </a:rPr>
-            </a:br>
-            <a:br>
-              <a:rPr lang="en-US" sz="1200" b="0" i="0" kern="1200" dirty="0">
-                <a:solidFill>
-                  <a:schemeClr val="tx1"/>
-                </a:solidFill>
-                <a:effectLst/>
-                <a:latin typeface="+mn-lt"/>
-                <a:ea typeface="+mn-ea"/>
-                <a:cs typeface="+mn-cs"/>
-              </a:rPr>
-            </a:br>
-            <a:r>
-              <a:rPr lang="en-US" sz="1200" b="0" i="0" kern="1200" dirty="0">
-                <a:solidFill>
-                  <a:schemeClr val="tx1"/>
-                </a:solidFill>
-                <a:effectLst/>
-                <a:latin typeface="+mn-lt"/>
-                <a:ea typeface="+mn-ea"/>
-                <a:cs typeface="+mn-cs"/>
-              </a:rPr>
-              <a:t>Discussion’s aim is result interpretation, which means explain, </a:t>
-            </a:r>
-            <a:r>
-              <a:rPr lang="en-US" sz="1200" b="0" i="0" kern="1200" dirty="0" err="1">
-                <a:solidFill>
-                  <a:schemeClr val="tx1"/>
-                </a:solidFill>
-                <a:effectLst/>
-                <a:latin typeface="+mn-lt"/>
-                <a:ea typeface="+mn-ea"/>
-                <a:cs typeface="+mn-cs"/>
-              </a:rPr>
-              <a:t>analyse</a:t>
-            </a:r>
-            <a:r>
-              <a:rPr lang="en-US" sz="1200" b="0" i="0" kern="1200" dirty="0">
-                <a:solidFill>
-                  <a:schemeClr val="tx1"/>
-                </a:solidFill>
-                <a:effectLst/>
-                <a:latin typeface="+mn-lt"/>
-                <a:ea typeface="+mn-ea"/>
-                <a:cs typeface="+mn-cs"/>
-              </a:rPr>
-              <a:t>, and compare them. Often, this part is the most important, simply because it lets the researcher take a step back and give a broader look at the experiment. Do not discuss any outcomes not presented in the results part.</a:t>
-            </a:r>
-          </a:p>
-          <a:p>
-            <a:endParaRPr lang="en-US" dirty="0"/>
-          </a:p>
-        </p:txBody>
-      </p:sp>
-      <p:sp>
-        <p:nvSpPr>
-          <p:cNvPr id="4" name="Slide Number Placeholder 3"/>
-          <p:cNvSpPr>
-            <a:spLocks noGrp="1"/>
-          </p:cNvSpPr>
-          <p:nvPr>
-            <p:ph type="sldNum" sz="quarter" idx="5"/>
-          </p:nvPr>
-        </p:nvSpPr>
-        <p:spPr/>
-        <p:txBody>
-          <a:bodyPr/>
-          <a:lstStyle/>
-          <a:p>
-            <a:fld id="{25E2E259-F0C1-274B-BB83-2518BC0EEFC9}" type="slidenum">
-              <a:rPr lang="en-US" smtClean="0"/>
-              <a:t>13</a:t>
-            </a:fld>
-            <a:endParaRPr lang="en-US"/>
-          </a:p>
-        </p:txBody>
-      </p:sp>
-    </p:spTree>
-    <p:extLst>
-      <p:ext uri="{BB962C8B-B14F-4D97-AF65-F5344CB8AC3E}">
-        <p14:creationId xmlns:p14="http://schemas.microsoft.com/office/powerpoint/2010/main" val="710768679"/>
-      </p:ext>
-    </p:extLst>
-  </p:cSld>
-  <p:clrMapOvr>
-    <a:masterClrMapping/>
-  </p:clrMapOvr>
-</p:notes>
-</file>
-
-<file path=ppt/notesSlides/notesSlide14.xml><?xml version="1.0" encoding="utf-8"?>
-<p:notes xmlns:a="http://schemas.openxmlformats.org/drawingml/2006/main" xmlns:r="http://schemas.openxmlformats.org/officeDocument/2006/relationships" xmlns:p="http://schemas.openxmlformats.org/presentationml/2006/main">
-  <p:cSld>
-    <p:spTree>
-      <p:nvGrpSpPr>
-        <p:cNvPr id="1" name=""/>
-        <p:cNvGrpSpPr/>
-        <p:nvPr/>
-      </p:nvGrpSpPr>
-      <p:grpSpPr>
-        <a:xfrm>
-          <a:off x="0" y="0"/>
-          <a:ext cx="0" cy="0"/>
-          <a:chOff x="0" y="0"/>
-          <a:chExt cx="0" cy="0"/>
-        </a:xfrm>
-      </p:grpSpPr>
-      <p:sp>
-        <p:nvSpPr>
-          <p:cNvPr id="2" name="Slide Image Placeholder 1"/>
-          <p:cNvSpPr>
-            <a:spLocks noGrp="1" noRot="1" noChangeAspect="1"/>
-          </p:cNvSpPr>
-          <p:nvPr>
-            <p:ph type="sldImg"/>
-          </p:nvPr>
-        </p:nvSpPr>
-        <p:spPr/>
-      </p:sp>
-      <p:sp>
-        <p:nvSpPr>
-          <p:cNvPr id="3" name="Notes Placeholder 2"/>
-          <p:cNvSpPr>
-            <a:spLocks noGrp="1"/>
-          </p:cNvSpPr>
-          <p:nvPr>
-            <p:ph type="body" idx="1"/>
-          </p:nvPr>
-        </p:nvSpPr>
-        <p:spPr/>
-        <p:txBody>
-          <a:bodyPr/>
-          <a:lstStyle/>
-          <a:p>
-            <a:pPr marL="0" marR="0" lvl="0" indent="0" algn="l" defTabSz="914400" rtl="0" eaLnBrk="1" fontAlgn="auto" latinLnBrk="0" hangingPunct="1">
-              <a:lnSpc>
-                <a:spcPct val="100000"/>
-              </a:lnSpc>
-              <a:spcBef>
-                <a:spcPts val="0"/>
-              </a:spcBef>
-              <a:spcAft>
-                <a:spcPts val="0"/>
-              </a:spcAft>
-              <a:buClrTx/>
-              <a:buSzTx/>
-              <a:buFontTx/>
-              <a:buNone/>
-              <a:tabLst/>
-              <a:defRPr/>
-            </a:pPr>
-            <a:r>
-              <a:rPr lang="en-US" sz="1200" b="0" i="0" kern="1200" dirty="0">
-                <a:solidFill>
-                  <a:schemeClr val="tx1"/>
-                </a:solidFill>
-                <a:effectLst/>
-                <a:latin typeface="+mn-lt"/>
-                <a:ea typeface="+mn-ea"/>
-                <a:cs typeface="+mn-cs"/>
-              </a:rPr>
-              <a:t>This criterion is linked to a Learning Outcome</a:t>
-            </a:r>
-          </a:p>
-          <a:p>
-            <a:pPr marL="0" marR="0" lvl="0" indent="0" algn="l" defTabSz="914400" rtl="0" eaLnBrk="1" fontAlgn="auto" latinLnBrk="0" hangingPunct="1">
-              <a:lnSpc>
-                <a:spcPct val="100000"/>
-              </a:lnSpc>
-              <a:spcBef>
-                <a:spcPts val="0"/>
-              </a:spcBef>
-              <a:spcAft>
-                <a:spcPts val="0"/>
-              </a:spcAft>
-              <a:buClrTx/>
-              <a:buSzTx/>
-              <a:buFontTx/>
-              <a:buNone/>
-              <a:tabLst/>
-              <a:defRPr/>
-            </a:pPr>
-            <a:r>
-              <a:rPr lang="en-US" sz="1200" b="0" i="0" kern="1200" dirty="0">
-                <a:solidFill>
-                  <a:schemeClr val="tx1"/>
-                </a:solidFill>
-                <a:effectLst/>
-                <a:latin typeface="+mn-lt"/>
-                <a:ea typeface="+mn-ea"/>
-                <a:cs typeface="+mn-cs"/>
-              </a:rPr>
-              <a:t>Results and discussion of results</a:t>
-            </a:r>
-          </a:p>
-          <a:p>
-            <a:pPr marL="0" marR="0" lvl="0" indent="0" algn="l" defTabSz="914400" rtl="0" eaLnBrk="1" fontAlgn="auto" latinLnBrk="0" hangingPunct="1">
-              <a:lnSpc>
-                <a:spcPct val="100000"/>
-              </a:lnSpc>
-              <a:spcBef>
-                <a:spcPts val="0"/>
-              </a:spcBef>
-              <a:spcAft>
-                <a:spcPts val="0"/>
-              </a:spcAft>
-              <a:buClrTx/>
-              <a:buSzTx/>
-              <a:buFontTx/>
-              <a:buNone/>
-              <a:tabLst/>
-              <a:defRPr/>
-            </a:pPr>
-            <a:r>
-              <a:rPr lang="en-US" sz="1200" b="0" i="0" kern="1200" dirty="0">
-                <a:solidFill>
-                  <a:schemeClr val="tx1"/>
-                </a:solidFill>
-                <a:effectLst/>
-                <a:latin typeface="+mn-lt"/>
-                <a:ea typeface="+mn-ea"/>
-                <a:cs typeface="+mn-cs"/>
-              </a:rPr>
-              <a:t>Expectations here are to provide the following in sections and subsections:</a:t>
-            </a:r>
-            <a:br>
-              <a:rPr lang="en-US" sz="1200" b="0" i="0" kern="1200" dirty="0">
-                <a:solidFill>
-                  <a:schemeClr val="tx1"/>
-                </a:solidFill>
-                <a:effectLst/>
-                <a:latin typeface="+mn-lt"/>
-                <a:ea typeface="+mn-ea"/>
-                <a:cs typeface="+mn-cs"/>
-              </a:rPr>
-            </a:br>
-            <a:br>
-              <a:rPr lang="en-US" sz="1200" b="0" i="0" kern="1200" dirty="0">
-                <a:solidFill>
-                  <a:schemeClr val="tx1"/>
-                </a:solidFill>
-                <a:effectLst/>
-                <a:latin typeface="+mn-lt"/>
-                <a:ea typeface="+mn-ea"/>
-                <a:cs typeface="+mn-cs"/>
-              </a:rPr>
-            </a:br>
-            <a:r>
-              <a:rPr lang="en-US" sz="1200" b="0" i="0" kern="1200" dirty="0">
-                <a:solidFill>
-                  <a:schemeClr val="tx1"/>
-                </a:solidFill>
-                <a:effectLst/>
-                <a:latin typeface="+mn-lt"/>
-                <a:ea typeface="+mn-ea"/>
-                <a:cs typeface="+mn-cs"/>
-              </a:rPr>
-              <a:t>Discussion’s aim is result interpretation, which means explain, </a:t>
-            </a:r>
-            <a:r>
-              <a:rPr lang="en-US" sz="1200" b="0" i="0" kern="1200" dirty="0" err="1">
-                <a:solidFill>
-                  <a:schemeClr val="tx1"/>
-                </a:solidFill>
-                <a:effectLst/>
-                <a:latin typeface="+mn-lt"/>
-                <a:ea typeface="+mn-ea"/>
-                <a:cs typeface="+mn-cs"/>
-              </a:rPr>
-              <a:t>analyse</a:t>
-            </a:r>
-            <a:r>
-              <a:rPr lang="en-US" sz="1200" b="0" i="0" kern="1200" dirty="0">
-                <a:solidFill>
-                  <a:schemeClr val="tx1"/>
-                </a:solidFill>
-                <a:effectLst/>
-                <a:latin typeface="+mn-lt"/>
-                <a:ea typeface="+mn-ea"/>
-                <a:cs typeface="+mn-cs"/>
-              </a:rPr>
-              <a:t>, and compare them. Often, this part is the most important, simply because it lets the researcher take a step back and give a broader look at the experiment. Do not discuss any outcomes not presented in the results part.</a:t>
-            </a:r>
-          </a:p>
-          <a:p>
-            <a:endParaRPr lang="en-US" dirty="0"/>
-          </a:p>
-        </p:txBody>
-      </p:sp>
-      <p:sp>
-        <p:nvSpPr>
-          <p:cNvPr id="4" name="Slide Number Placeholder 3"/>
-          <p:cNvSpPr>
-            <a:spLocks noGrp="1"/>
-          </p:cNvSpPr>
-          <p:nvPr>
-            <p:ph type="sldNum" sz="quarter" idx="5"/>
-          </p:nvPr>
-        </p:nvSpPr>
-        <p:spPr/>
-        <p:txBody>
-          <a:bodyPr/>
-          <a:lstStyle/>
-          <a:p>
-            <a:fld id="{25E2E259-F0C1-274B-BB83-2518BC0EEFC9}" type="slidenum">
-              <a:rPr lang="en-US" smtClean="0"/>
-              <a:t>14</a:t>
-            </a:fld>
-            <a:endParaRPr lang="en-US"/>
-          </a:p>
-        </p:txBody>
-      </p:sp>
-    </p:spTree>
-    <p:extLst>
-      <p:ext uri="{BB962C8B-B14F-4D97-AF65-F5344CB8AC3E}">
-        <p14:creationId xmlns:p14="http://schemas.microsoft.com/office/powerpoint/2010/main" val="3816073511"/>
-      </p:ext>
-    </p:extLst>
-  </p:cSld>
-  <p:clrMapOvr>
-    <a:masterClrMapping/>
-  </p:clrMapOvr>
-</p:notes>
-</file>
-
-<file path=ppt/notesSlides/notesSlide15.xml><?xml version="1.0" encoding="utf-8"?>
-<p:notes xmlns:a="http://schemas.openxmlformats.org/drawingml/2006/main" xmlns:r="http://schemas.openxmlformats.org/officeDocument/2006/relationships" xmlns:p="http://schemas.openxmlformats.org/presentationml/2006/main">
-  <p:cSld>
-    <p:spTree>
-      <p:nvGrpSpPr>
-        <p:cNvPr id="1" name=""/>
-        <p:cNvGrpSpPr/>
-        <p:nvPr/>
-      </p:nvGrpSpPr>
-      <p:grpSpPr>
-        <a:xfrm>
-          <a:off x="0" y="0"/>
-          <a:ext cx="0" cy="0"/>
-          <a:chOff x="0" y="0"/>
-          <a:chExt cx="0" cy="0"/>
-        </a:xfrm>
-      </p:grpSpPr>
-      <p:sp>
-        <p:nvSpPr>
-          <p:cNvPr id="2" name="Slide Image Placeholder 1"/>
-          <p:cNvSpPr>
-            <a:spLocks noGrp="1" noRot="1" noChangeAspect="1"/>
-          </p:cNvSpPr>
-          <p:nvPr>
-            <p:ph type="sldImg"/>
-          </p:nvPr>
-        </p:nvSpPr>
-        <p:spPr/>
-      </p:sp>
-      <p:sp>
-        <p:nvSpPr>
-          <p:cNvPr id="3" name="Notes Placeholder 2"/>
-          <p:cNvSpPr>
-            <a:spLocks noGrp="1"/>
-          </p:cNvSpPr>
-          <p:nvPr>
-            <p:ph type="body" idx="1"/>
-          </p:nvPr>
-        </p:nvSpPr>
-        <p:spPr/>
-        <p:txBody>
-          <a:bodyPr/>
-          <a:lstStyle/>
-          <a:p>
-            <a:pPr marL="0" marR="0" lvl="0" indent="0" algn="l" defTabSz="914400" rtl="0" eaLnBrk="1" fontAlgn="auto" latinLnBrk="0" hangingPunct="1">
-              <a:lnSpc>
-                <a:spcPct val="100000"/>
-              </a:lnSpc>
-              <a:spcBef>
-                <a:spcPts val="0"/>
-              </a:spcBef>
-              <a:spcAft>
-                <a:spcPts val="0"/>
-              </a:spcAft>
-              <a:buClrTx/>
-              <a:buSzTx/>
-              <a:buFontTx/>
-              <a:buNone/>
-              <a:tabLst/>
-              <a:defRPr/>
-            </a:pPr>
-            <a:r>
-              <a:rPr lang="en-US" sz="1200" b="0" i="0" kern="1200" dirty="0">
-                <a:solidFill>
-                  <a:schemeClr val="tx1"/>
-                </a:solidFill>
-                <a:effectLst/>
-                <a:latin typeface="+mn-lt"/>
-                <a:ea typeface="+mn-ea"/>
-                <a:cs typeface="+mn-cs"/>
-              </a:rPr>
-              <a:t>This criterion is linked to a Learning Outcome</a:t>
-            </a:r>
-          </a:p>
-          <a:p>
-            <a:pPr marL="0" marR="0" lvl="0" indent="0" algn="l" defTabSz="914400" rtl="0" eaLnBrk="1" fontAlgn="auto" latinLnBrk="0" hangingPunct="1">
-              <a:lnSpc>
-                <a:spcPct val="100000"/>
-              </a:lnSpc>
-              <a:spcBef>
-                <a:spcPts val="0"/>
-              </a:spcBef>
-              <a:spcAft>
-                <a:spcPts val="0"/>
-              </a:spcAft>
-              <a:buClrTx/>
-              <a:buSzTx/>
-              <a:buFontTx/>
-              <a:buNone/>
-              <a:tabLst/>
-              <a:defRPr/>
-            </a:pPr>
-            <a:r>
-              <a:rPr lang="en-US" sz="1200" b="0" i="0" kern="1200" dirty="0">
-                <a:solidFill>
-                  <a:schemeClr val="tx1"/>
-                </a:solidFill>
-                <a:effectLst/>
-                <a:latin typeface="+mn-lt"/>
-                <a:ea typeface="+mn-ea"/>
-                <a:cs typeface="+mn-cs"/>
-              </a:rPr>
-              <a:t>Results and discussion of results</a:t>
-            </a:r>
-          </a:p>
-          <a:p>
-            <a:pPr marL="0" marR="0" lvl="0" indent="0" algn="l" defTabSz="914400" rtl="0" eaLnBrk="1" fontAlgn="auto" latinLnBrk="0" hangingPunct="1">
-              <a:lnSpc>
-                <a:spcPct val="100000"/>
-              </a:lnSpc>
-              <a:spcBef>
-                <a:spcPts val="0"/>
-              </a:spcBef>
-              <a:spcAft>
-                <a:spcPts val="0"/>
-              </a:spcAft>
-              <a:buClrTx/>
-              <a:buSzTx/>
-              <a:buFontTx/>
-              <a:buNone/>
-              <a:tabLst/>
-              <a:defRPr/>
-            </a:pPr>
-            <a:r>
-              <a:rPr lang="en-US" sz="1200" b="0" i="0" kern="1200" dirty="0">
-                <a:solidFill>
-                  <a:schemeClr val="tx1"/>
-                </a:solidFill>
-                <a:effectLst/>
-                <a:latin typeface="+mn-lt"/>
-                <a:ea typeface="+mn-ea"/>
-                <a:cs typeface="+mn-cs"/>
-              </a:rPr>
-              <a:t>Expectations here are to provide the following in sections and subsections:</a:t>
-            </a:r>
-            <a:br>
-              <a:rPr lang="en-US" sz="1200" b="0" i="0" kern="1200" dirty="0">
-                <a:solidFill>
-                  <a:schemeClr val="tx1"/>
-                </a:solidFill>
-                <a:effectLst/>
-                <a:latin typeface="+mn-lt"/>
-                <a:ea typeface="+mn-ea"/>
-                <a:cs typeface="+mn-cs"/>
-              </a:rPr>
-            </a:br>
-            <a:br>
-              <a:rPr lang="en-US" sz="1200" b="0" i="0" kern="1200" dirty="0">
-                <a:solidFill>
-                  <a:schemeClr val="tx1"/>
-                </a:solidFill>
-                <a:effectLst/>
-                <a:latin typeface="+mn-lt"/>
-                <a:ea typeface="+mn-ea"/>
-                <a:cs typeface="+mn-cs"/>
-              </a:rPr>
-            </a:br>
-            <a:r>
-              <a:rPr lang="en-US" sz="1200" b="0" i="0" kern="1200" dirty="0">
-                <a:solidFill>
-                  <a:schemeClr val="tx1"/>
-                </a:solidFill>
-                <a:effectLst/>
-                <a:latin typeface="+mn-lt"/>
-                <a:ea typeface="+mn-ea"/>
-                <a:cs typeface="+mn-cs"/>
-              </a:rPr>
-              <a:t>Discussion’s aim is result interpretation, which means explain, </a:t>
-            </a:r>
-            <a:r>
-              <a:rPr lang="en-US" sz="1200" b="0" i="0" kern="1200" dirty="0" err="1">
-                <a:solidFill>
-                  <a:schemeClr val="tx1"/>
-                </a:solidFill>
-                <a:effectLst/>
-                <a:latin typeface="+mn-lt"/>
-                <a:ea typeface="+mn-ea"/>
-                <a:cs typeface="+mn-cs"/>
-              </a:rPr>
-              <a:t>analyse</a:t>
-            </a:r>
-            <a:r>
-              <a:rPr lang="en-US" sz="1200" b="0" i="0" kern="1200" dirty="0">
-                <a:solidFill>
-                  <a:schemeClr val="tx1"/>
-                </a:solidFill>
-                <a:effectLst/>
-                <a:latin typeface="+mn-lt"/>
-                <a:ea typeface="+mn-ea"/>
-                <a:cs typeface="+mn-cs"/>
-              </a:rPr>
-              <a:t>, and compare them. Often, this part is the most important, simply because it lets the researcher take a step back and give a broader look at the experiment. Do not discuss any outcomes not presented in the results part.</a:t>
-            </a:r>
-          </a:p>
-          <a:p>
-            <a:endParaRPr lang="en-US" dirty="0"/>
-          </a:p>
-        </p:txBody>
-      </p:sp>
-      <p:sp>
-        <p:nvSpPr>
-          <p:cNvPr id="4" name="Slide Number Placeholder 3"/>
-          <p:cNvSpPr>
-            <a:spLocks noGrp="1"/>
-          </p:cNvSpPr>
-          <p:nvPr>
-            <p:ph type="sldNum" sz="quarter" idx="5"/>
-          </p:nvPr>
-        </p:nvSpPr>
-        <p:spPr/>
-        <p:txBody>
-          <a:bodyPr/>
-          <a:lstStyle/>
-          <a:p>
-            <a:fld id="{25E2E259-F0C1-274B-BB83-2518BC0EEFC9}" type="slidenum">
-              <a:rPr lang="en-US" smtClean="0"/>
-              <a:t>15</a:t>
-            </a:fld>
-            <a:endParaRPr lang="en-US"/>
-          </a:p>
-        </p:txBody>
-      </p:sp>
-    </p:spTree>
-    <p:extLst>
-      <p:ext uri="{BB962C8B-B14F-4D97-AF65-F5344CB8AC3E}">
-        <p14:creationId xmlns:p14="http://schemas.microsoft.com/office/powerpoint/2010/main" val="2487888159"/>
-      </p:ext>
-    </p:extLst>
-  </p:cSld>
-  <p:clrMapOvr>
-    <a:masterClrMapping/>
-  </p:clrMapOvr>
-</p:notes>
-</file>
-
-<file path=ppt/notesSlides/notesSlide16.xml><?xml version="1.0" encoding="utf-8"?>
-<p:notes xmlns:a="http://schemas.openxmlformats.org/drawingml/2006/main" xmlns:r="http://schemas.openxmlformats.org/officeDocument/2006/relationships" xmlns:p="http://schemas.openxmlformats.org/presentationml/2006/main">
-  <p:cSld>
-    <p:spTree>
-      <p:nvGrpSpPr>
-        <p:cNvPr id="1" name=""/>
-        <p:cNvGrpSpPr/>
-        <p:nvPr/>
-      </p:nvGrpSpPr>
-      <p:grpSpPr>
-        <a:xfrm>
-          <a:off x="0" y="0"/>
-          <a:ext cx="0" cy="0"/>
-          <a:chOff x="0" y="0"/>
-          <a:chExt cx="0" cy="0"/>
-        </a:xfrm>
-      </p:grpSpPr>
-      <p:sp>
-        <p:nvSpPr>
-          <p:cNvPr id="2" name="Slide Image Placeholder 1"/>
-          <p:cNvSpPr>
-            <a:spLocks noGrp="1" noRot="1" noChangeAspect="1"/>
-          </p:cNvSpPr>
-          <p:nvPr>
-            <p:ph type="sldImg"/>
-          </p:nvPr>
-        </p:nvSpPr>
-        <p:spPr/>
-      </p:sp>
-      <p:sp>
-        <p:nvSpPr>
-          <p:cNvPr id="3" name="Notes Placeholder 2"/>
-          <p:cNvSpPr>
-            <a:spLocks noGrp="1"/>
-          </p:cNvSpPr>
-          <p:nvPr>
-            <p:ph type="body" idx="1"/>
-          </p:nvPr>
-        </p:nvSpPr>
-        <p:spPr/>
-        <p:txBody>
-          <a:bodyPr/>
-          <a:lstStyle/>
-          <a:p>
-            <a:pPr marL="0" marR="0" lvl="0" indent="0" algn="l" defTabSz="914400" rtl="0" eaLnBrk="1" fontAlgn="auto" latinLnBrk="0" hangingPunct="1">
-              <a:lnSpc>
-                <a:spcPct val="100000"/>
-              </a:lnSpc>
-              <a:spcBef>
-                <a:spcPts val="0"/>
-              </a:spcBef>
-              <a:spcAft>
-                <a:spcPts val="0"/>
-              </a:spcAft>
-              <a:buClrTx/>
-              <a:buSzTx/>
-              <a:buFontTx/>
-              <a:buNone/>
-              <a:tabLst/>
-              <a:defRPr/>
-            </a:pPr>
-            <a:r>
-              <a:rPr lang="en-US" sz="1200" b="0" i="0" kern="1200" dirty="0" err="1">
-                <a:solidFill>
-                  <a:schemeClr val="tx1"/>
-                </a:solidFill>
-                <a:effectLst/>
-                <a:latin typeface="+mn-lt"/>
-                <a:ea typeface="+mn-ea"/>
-                <a:cs typeface="+mn-cs"/>
-              </a:rPr>
-              <a:t>ConclusionExpectations</a:t>
-            </a:r>
-            <a:r>
-              <a:rPr lang="en-US" sz="1200" b="0" i="0" kern="1200" dirty="0">
-                <a:solidFill>
-                  <a:schemeClr val="tx1"/>
-                </a:solidFill>
-                <a:effectLst/>
-                <a:latin typeface="+mn-lt"/>
-                <a:ea typeface="+mn-ea"/>
-                <a:cs typeface="+mn-cs"/>
-              </a:rPr>
-              <a:t> here are to address the following following in your conclusion (in about 150 words) in a main section by itself:</a:t>
-            </a:r>
-            <a:br>
-              <a:rPr lang="en-US" sz="1200" b="0" i="0" kern="1200" dirty="0">
-                <a:solidFill>
-                  <a:schemeClr val="tx1"/>
-                </a:solidFill>
-                <a:effectLst/>
-                <a:latin typeface="+mn-lt"/>
-                <a:ea typeface="+mn-ea"/>
-                <a:cs typeface="+mn-cs"/>
-              </a:rPr>
-            </a:br>
-            <a:br>
-              <a:rPr lang="en-US" sz="1200" b="0" i="0" kern="1200" dirty="0">
-                <a:solidFill>
-                  <a:schemeClr val="tx1"/>
-                </a:solidFill>
-                <a:effectLst/>
-                <a:latin typeface="+mn-lt"/>
-                <a:ea typeface="+mn-ea"/>
-                <a:cs typeface="+mn-cs"/>
-              </a:rPr>
-            </a:br>
-            <a:r>
-              <a:rPr lang="en-US" sz="1200" b="0" i="0" kern="1200" dirty="0">
-                <a:solidFill>
-                  <a:schemeClr val="tx1"/>
-                </a:solidFill>
-                <a:effectLst/>
-                <a:latin typeface="+mn-lt"/>
-                <a:ea typeface="+mn-ea"/>
-                <a:cs typeface="+mn-cs"/>
-              </a:rPr>
-              <a:t>-- Restate your project focus explain why it’s important. Make sure that this part of the conclusion is concise and clear.</a:t>
-            </a:r>
-            <a:br>
-              <a:rPr lang="en-US" sz="1200" b="0" i="0" kern="1200" dirty="0">
-                <a:solidFill>
-                  <a:schemeClr val="tx1"/>
-                </a:solidFill>
-                <a:effectLst/>
-                <a:latin typeface="+mn-lt"/>
-                <a:ea typeface="+mn-ea"/>
-                <a:cs typeface="+mn-cs"/>
-              </a:rPr>
-            </a:br>
-            <a:br>
-              <a:rPr lang="en-US" sz="1200" b="0" i="0" kern="1200" dirty="0">
-                <a:solidFill>
-                  <a:schemeClr val="tx1"/>
-                </a:solidFill>
-                <a:effectLst/>
-                <a:latin typeface="+mn-lt"/>
-                <a:ea typeface="+mn-ea"/>
-                <a:cs typeface="+mn-cs"/>
-              </a:rPr>
-            </a:br>
-            <a:r>
-              <a:rPr lang="en-US" sz="1200" b="0" i="0" kern="1200" dirty="0">
-                <a:solidFill>
-                  <a:schemeClr val="tx1"/>
-                </a:solidFill>
-                <a:effectLst/>
-                <a:latin typeface="+mn-lt"/>
-                <a:ea typeface="+mn-ea"/>
-                <a:cs typeface="+mn-cs"/>
-              </a:rPr>
-              <a:t>-- Restate your hypothesis (e.g., ML pipelines with custom features can accurately forecast box office returns)</a:t>
-            </a:r>
-            <a:br>
-              <a:rPr lang="en-US" sz="1200" b="0" i="0" kern="1200" dirty="0">
-                <a:solidFill>
-                  <a:schemeClr val="tx1"/>
-                </a:solidFill>
-                <a:effectLst/>
-                <a:latin typeface="+mn-lt"/>
-                <a:ea typeface="+mn-ea"/>
-                <a:cs typeface="+mn-cs"/>
-              </a:rPr>
-            </a:br>
-            <a:br>
-              <a:rPr lang="en-US" sz="1200" b="0" i="0" kern="1200" dirty="0">
-                <a:solidFill>
-                  <a:schemeClr val="tx1"/>
-                </a:solidFill>
-                <a:effectLst/>
-                <a:latin typeface="+mn-lt"/>
-                <a:ea typeface="+mn-ea"/>
-                <a:cs typeface="+mn-cs"/>
-              </a:rPr>
-            </a:br>
-            <a:r>
-              <a:rPr lang="en-US" sz="1200" b="0" i="0" kern="1200" dirty="0">
-                <a:solidFill>
-                  <a:schemeClr val="tx1"/>
-                </a:solidFill>
-                <a:effectLst/>
-                <a:latin typeface="+mn-lt"/>
-                <a:ea typeface="+mn-ea"/>
-                <a:cs typeface="+mn-cs"/>
-              </a:rPr>
-              <a:t>-- Summarize main points of your project: Remind your readers your key points.</a:t>
-            </a:r>
-            <a:br>
-              <a:rPr lang="en-US" sz="1200" b="0" i="0" kern="1200" dirty="0">
-                <a:solidFill>
-                  <a:schemeClr val="tx1"/>
-                </a:solidFill>
-                <a:effectLst/>
-                <a:latin typeface="+mn-lt"/>
-                <a:ea typeface="+mn-ea"/>
-                <a:cs typeface="+mn-cs"/>
-              </a:rPr>
-            </a:br>
-            <a:br>
-              <a:rPr lang="en-US" sz="1200" b="0" i="0" kern="1200" dirty="0">
-                <a:solidFill>
-                  <a:schemeClr val="tx1"/>
-                </a:solidFill>
-                <a:effectLst/>
-                <a:latin typeface="+mn-lt"/>
-                <a:ea typeface="+mn-ea"/>
-                <a:cs typeface="+mn-cs"/>
-              </a:rPr>
-            </a:br>
-            <a:r>
-              <a:rPr lang="en-US" sz="1200" b="0" i="0" kern="1200" dirty="0">
-                <a:solidFill>
-                  <a:schemeClr val="tx1"/>
-                </a:solidFill>
-                <a:effectLst/>
-                <a:latin typeface="+mn-lt"/>
-                <a:ea typeface="+mn-ea"/>
-                <a:cs typeface="+mn-cs"/>
-              </a:rPr>
-              <a:t>-- Discuss the significance of your results</a:t>
-            </a:r>
-            <a:br>
-              <a:rPr lang="en-US" sz="1200" b="0" i="0" kern="1200" dirty="0">
-                <a:solidFill>
-                  <a:schemeClr val="tx1"/>
-                </a:solidFill>
-                <a:effectLst/>
-                <a:latin typeface="+mn-lt"/>
-                <a:ea typeface="+mn-ea"/>
-                <a:cs typeface="+mn-cs"/>
-              </a:rPr>
-            </a:br>
-            <a:br>
-              <a:rPr lang="en-US" sz="1200" b="0" i="0" kern="1200" dirty="0">
-                <a:solidFill>
-                  <a:schemeClr val="tx1"/>
-                </a:solidFill>
-                <a:effectLst/>
-                <a:latin typeface="+mn-lt"/>
-                <a:ea typeface="+mn-ea"/>
-                <a:cs typeface="+mn-cs"/>
-              </a:rPr>
-            </a:br>
-            <a:r>
-              <a:rPr lang="en-US" sz="1200" b="0" i="0" kern="1200" dirty="0">
-                <a:solidFill>
-                  <a:schemeClr val="tx1"/>
-                </a:solidFill>
-                <a:effectLst/>
-                <a:latin typeface="+mn-lt"/>
-                <a:ea typeface="+mn-ea"/>
-                <a:cs typeface="+mn-cs"/>
-              </a:rPr>
-              <a:t>-- Discuss the future of your project and closing thoughts.</a:t>
-            </a:r>
-          </a:p>
-          <a:p>
-            <a:endParaRPr lang="en-US" dirty="0"/>
-          </a:p>
-        </p:txBody>
-      </p:sp>
-      <p:sp>
-        <p:nvSpPr>
-          <p:cNvPr id="4" name="Slide Number Placeholder 3"/>
-          <p:cNvSpPr>
-            <a:spLocks noGrp="1"/>
-          </p:cNvSpPr>
-          <p:nvPr>
-            <p:ph type="sldNum" sz="quarter" idx="5"/>
-          </p:nvPr>
-        </p:nvSpPr>
-        <p:spPr/>
-        <p:txBody>
-          <a:bodyPr/>
-          <a:lstStyle/>
-          <a:p>
-            <a:fld id="{25E2E259-F0C1-274B-BB83-2518BC0EEFC9}" type="slidenum">
-              <a:rPr lang="en-US" smtClean="0"/>
-              <a:t>16</a:t>
             </a:fld>
             <a:endParaRPr lang="en-US"/>
           </a:p>
@@ -4021,7 +2437,97 @@
                 <a:ea typeface="+mn-ea"/>
                 <a:cs typeface="+mn-cs"/>
               </a:rPr>
-              <a:t>This criterion is linked to a Learning </a:t>
+              <a:t>Modeling Pipelines</a:t>
+            </a:r>
+          </a:p>
+          <a:p>
+            <a:pPr marL="0" marR="0" lvl="0" indent="0" algn="l" defTabSz="914400" rtl="0" eaLnBrk="1" fontAlgn="auto" latinLnBrk="0" hangingPunct="1">
+              <a:lnSpc>
+                <a:spcPct val="100000"/>
+              </a:lnSpc>
+              <a:spcBef>
+                <a:spcPts val="0"/>
+              </a:spcBef>
+              <a:spcAft>
+                <a:spcPts val="0"/>
+              </a:spcAft>
+              <a:buClrTx/>
+              <a:buSzTx/>
+              <a:buFontTx/>
+              <a:buNone/>
+              <a:tabLst/>
+              <a:defRPr/>
+            </a:pPr>
+            <a:r>
+              <a:rPr lang="en-US" sz="1200" b="0" i="0" kern="1200" dirty="0">
+                <a:solidFill>
+                  <a:schemeClr val="tx1"/>
+                </a:solidFill>
+                <a:effectLst/>
+                <a:latin typeface="+mn-lt"/>
+                <a:ea typeface="+mn-ea"/>
+                <a:cs typeface="+mn-cs"/>
+              </a:rPr>
+              <a:t>Expectations here are to provide the following in sections and subsections:</a:t>
+            </a:r>
+          </a:p>
+          <a:p>
+            <a:pPr marL="0" marR="0" lvl="0" indent="0" algn="l" defTabSz="914400" rtl="0" eaLnBrk="1" fontAlgn="auto" latinLnBrk="0" hangingPunct="1">
+              <a:lnSpc>
+                <a:spcPct val="100000"/>
+              </a:lnSpc>
+              <a:spcBef>
+                <a:spcPts val="0"/>
+              </a:spcBef>
+              <a:spcAft>
+                <a:spcPts val="0"/>
+              </a:spcAft>
+              <a:buClrTx/>
+              <a:buSzTx/>
+              <a:buFontTx/>
+              <a:buNone/>
+              <a:tabLst/>
+              <a:defRPr/>
+            </a:pPr>
+            <a:endParaRPr lang="en-US" sz="1200" b="0" i="0" kern="1200" dirty="0">
+              <a:solidFill>
+                <a:schemeClr val="tx1"/>
+              </a:solidFill>
+              <a:effectLst/>
+              <a:latin typeface="+mn-lt"/>
+              <a:ea typeface="+mn-ea"/>
+              <a:cs typeface="+mn-cs"/>
+            </a:endParaRPr>
+          </a:p>
+          <a:p>
+            <a:pPr marL="0" marR="0" lvl="0" indent="0" algn="l" defTabSz="914400" rtl="0" eaLnBrk="1" fontAlgn="auto" latinLnBrk="0" hangingPunct="1">
+              <a:lnSpc>
+                <a:spcPct val="100000"/>
+              </a:lnSpc>
+              <a:spcBef>
+                <a:spcPts val="0"/>
+              </a:spcBef>
+              <a:spcAft>
+                <a:spcPts val="0"/>
+              </a:spcAft>
+              <a:buClrTx/>
+              <a:buSzTx/>
+              <a:buFontTx/>
+              <a:buNone/>
+              <a:tabLst/>
+              <a:defRPr/>
+            </a:pPr>
+            <a:r>
+              <a:rPr lang="en-US" sz="1200" b="0" i="0" kern="1200" dirty="0">
+                <a:solidFill>
+                  <a:schemeClr val="tx1"/>
+                </a:solidFill>
+                <a:effectLst/>
+                <a:latin typeface="+mn-lt"/>
+                <a:ea typeface="+mn-ea"/>
+                <a:cs typeface="+mn-cs"/>
+              </a:rPr>
+              <a:t>[</a:t>
             </a:r>
             <a:r>
               <a:rPr lang="en-US" sz="1200" b="0" i="0" kern="1200" dirty="0" err="1">
@@ -4033,41 +2539,37 @@
                 <a:ea typeface="+mn-ea"/>
                 <a:cs typeface="+mn-cs"/>
               </a:rPr>
-              <a:t>OutcomeProject</a:t>
-            </a:r>
-            <a:r>
-              <a:rPr lang="en-US" sz="1200" b="0" i="0" kern="1200" dirty="0">
-                <a:solidFill>
-                  <a:schemeClr val="tx1"/>
-                </a:solidFill>
-                <a:effectLst/>
-                <a:latin typeface="+mn-lt"/>
-                <a:ea typeface="+mn-ea"/>
-                <a:cs typeface="+mn-cs"/>
-              </a:rPr>
-              <a:t> Description (data and tasks)Expectations here are to provide the following in sections and subsections:</a:t>
+              <a:t>CaDoD</a:t>
+            </a:r>
+            <a:r>
+              <a:rPr lang="en-US" sz="1200" b="0" i="0" kern="1200" dirty="0">
+                <a:solidFill>
+                  <a:schemeClr val="tx1"/>
+                </a:solidFill>
+                <a:effectLst/>
+                <a:latin typeface="+mn-lt"/>
+                <a:ea typeface="+mn-ea"/>
+                <a:cs typeface="+mn-cs"/>
+              </a:rPr>
+              <a:t>]</a:t>
             </a:r>
             <a:br>
-              <a:rPr lang="en-US" sz="1200" b="0" i="0" kern="1200" dirty="0">
-                <a:solidFill>
-                  <a:schemeClr val="tx1"/>
-                </a:solidFill>
-                <a:effectLst/>
-                <a:latin typeface="+mn-lt"/>
-                <a:ea typeface="+mn-ea"/>
-                <a:cs typeface="+mn-cs"/>
-              </a:rPr>
+              <a:rPr lang="en-US" dirty="0"/>
             </a:br>
+            <a:r>
+              <a:rPr lang="en-US" sz="1200" b="0" i="0" kern="1200" dirty="0">
+                <a:solidFill>
+                  <a:schemeClr val="tx1"/>
+                </a:solidFill>
+                <a:effectLst/>
+                <a:latin typeface="+mn-lt"/>
+                <a:ea typeface="+mn-ea"/>
+                <a:cs typeface="+mn-cs"/>
+              </a:rPr>
+              <a:t>Modeling Pipelines</a:t>
+            </a:r>
             <a:br>
-              <a:rPr lang="en-US" sz="1200" b="0" i="0" kern="1200" dirty="0">
-                <a:solidFill>
-                  <a:schemeClr val="tx1"/>
-                </a:solidFill>
-                <a:effectLst/>
-                <a:latin typeface="+mn-lt"/>
-                <a:ea typeface="+mn-ea"/>
-                <a:cs typeface="+mn-cs"/>
-              </a:rPr>
+              <a:rPr lang="en-US" dirty="0"/>
             </a:br>
             <a:r>
               <a:rPr lang="en-US" sz="1200" b="0" i="0" kern="1200" dirty="0">
@@ -4079,18 +2581,10 @@
                 <a:ea typeface="+mn-ea"/>
                 <a:cs typeface="+mn-cs"/>
               </a:rPr>
-              <a:t>Description of the data and task at hand</a:t>
+              <a:t>-- Preprocessing images</a:t>
             </a:r>
             <a:br>
-              <a:rPr lang="en-US" sz="1200" b="0" i="0" kern="1200" dirty="0">
-                <a:solidFill>
-                  <a:schemeClr val="tx1"/>
-                </a:solidFill>
-                <a:effectLst/>
-                <a:latin typeface="+mn-lt"/>
-                <a:ea typeface="+mn-ea"/>
-                <a:cs typeface="+mn-cs"/>
-              </a:rPr>
+              <a:rPr lang="en-US" dirty="0"/>
             </a:br>
             <a:r>
               <a:rPr lang="en-US" sz="1200" b="0" i="0" kern="1200" dirty="0">
@@ -4102,18 +2596,10 @@
                 <a:ea typeface="+mn-ea"/>
                 <a:cs typeface="+mn-cs"/>
               </a:rPr>
-              <a:t>--Data description</a:t>
+              <a:t>-- input Image size (w, h)</a:t>
             </a:r>
             <a:br>
-              <a:rPr lang="en-US" sz="1200" b="0" i="0" kern="1200" dirty="0">
-                <a:solidFill>
-                  <a:schemeClr val="tx1"/>
-                </a:solidFill>
-                <a:effectLst/>
-                <a:latin typeface="+mn-lt"/>
-                <a:ea typeface="+mn-ea"/>
-                <a:cs typeface="+mn-cs"/>
-              </a:rPr>
+              <a:rPr lang="en-US" dirty="0"/>
             </a:br>
             <a:r>
               <a:rPr lang="en-US" sz="1200" b="0" i="0" kern="1200" dirty="0">
@@ -4125,18 +2611,10 @@
                 <a:ea typeface="+mn-ea"/>
                 <a:cs typeface="+mn-cs"/>
               </a:rPr>
-              <a:t>--Task to be tackled</a:t>
+              <a:t>-- Loss function used (data loss and regularization parts) in latex</a:t>
             </a:r>
             <a:br>
-              <a:rPr lang="en-US" sz="1200" b="0" i="0" kern="1200" dirty="0">
-                <a:solidFill>
-                  <a:schemeClr val="tx1"/>
-                </a:solidFill>
-                <a:effectLst/>
-                <a:latin typeface="+mn-lt"/>
-                <a:ea typeface="+mn-ea"/>
-                <a:cs typeface="+mn-cs"/>
-              </a:rPr>
+              <a:rPr lang="en-US" dirty="0"/>
             </a:br>
             <a:r>
               <a:rPr lang="en-US" sz="1200" b="0" i="0" kern="1200" dirty="0">
@@ -4148,8 +2626,110 @@
                 <a:ea typeface="+mn-ea"/>
                 <a:cs typeface="+mn-cs"/>
               </a:rPr>
-              <a:t>-- Provide diagrams to aid understanding the workflow</a:t>
-            </a:r>
+              <a:t>-- Number of experiments conducted</a:t>
+            </a:r>
+            <a:br>
+              <a:rPr lang="en-US" dirty="0"/>
+            </a:br>
+            <a:r>
+              <a:rPr lang="en-US" sz="1200" b="0" i="0" kern="1200" dirty="0">
+                <a:solidFill>
+                  <a:schemeClr val="tx1"/>
+                </a:solidFill>
+                <a:effectLst/>
+                <a:latin typeface="+mn-lt"/>
+                <a:ea typeface="+mn-ea"/>
+                <a:cs typeface="+mn-cs"/>
+              </a:rPr>
+              <a:t>-- Experiment table with the following details per experiment:</a:t>
+            </a:r>
+            <a:br>
+              <a:rPr lang="en-US" dirty="0"/>
+            </a:br>
+            <a:r>
+              <a:rPr lang="en-US" sz="1200" b="0" i="0" kern="1200" dirty="0">
+                <a:solidFill>
+                  <a:schemeClr val="tx1"/>
+                </a:solidFill>
+                <a:effectLst/>
+                <a:latin typeface="+mn-lt"/>
+                <a:ea typeface="+mn-ea"/>
+                <a:cs typeface="+mn-cs"/>
+              </a:rPr>
+              <a:t>----- Baseline experiment</a:t>
+            </a:r>
+            <a:br>
+              <a:rPr lang="en-US" dirty="0"/>
+            </a:br>
+            <a:r>
+              <a:rPr lang="en-US" sz="1200" b="0" i="0" kern="1200" dirty="0">
+                <a:solidFill>
+                  <a:schemeClr val="tx1"/>
+                </a:solidFill>
+                <a:effectLst/>
+                <a:latin typeface="+mn-lt"/>
+                <a:ea typeface="+mn-ea"/>
+                <a:cs typeface="+mn-cs"/>
+              </a:rPr>
+              <a:t>---- The families of input features used</a:t>
+            </a:r>
+            <a:br>
+              <a:rPr lang="en-US" dirty="0"/>
+            </a:br>
+            <a:r>
+              <a:rPr lang="en-US" sz="1200" b="0" i="0" kern="1200" dirty="0">
+                <a:solidFill>
+                  <a:schemeClr val="tx1"/>
+                </a:solidFill>
+                <a:effectLst/>
+                <a:latin typeface="+mn-lt"/>
+                <a:ea typeface="+mn-ea"/>
+                <a:cs typeface="+mn-cs"/>
+              </a:rPr>
+              <a:t>----- For train/valid/test record the following in a Pandas </a:t>
+            </a:r>
+            <a:r>
+              <a:rPr lang="en-US" sz="1200" b="0" i="0" kern="1200" dirty="0" err="1">
+                <a:solidFill>
+                  <a:schemeClr val="tx1"/>
+                </a:solidFill>
+                <a:effectLst/>
+                <a:latin typeface="+mn-lt"/>
+                <a:ea typeface="+mn-ea"/>
+                <a:cs typeface="+mn-cs"/>
+              </a:rPr>
+              <a:t>DataFrame</a:t>
+            </a:r>
+            <a:r>
+              <a:rPr lang="en-US" sz="1200" b="0" i="0" kern="1200" dirty="0">
+                <a:solidFill>
+                  <a:schemeClr val="tx1"/>
+                </a:solidFill>
+                <a:effectLst/>
+                <a:latin typeface="+mn-lt"/>
+                <a:ea typeface="+mn-ea"/>
+                <a:cs typeface="+mn-cs"/>
+              </a:rPr>
+              <a:t>:</a:t>
+            </a:r>
+            <a:br>
+              <a:rPr lang="en-US" dirty="0"/>
+            </a:br>
+            <a:r>
+              <a:rPr lang="en-US" sz="1200" b="0" i="0" kern="1200" dirty="0">
+                <a:solidFill>
+                  <a:schemeClr val="tx1"/>
+                </a:solidFill>
+                <a:effectLst/>
+                <a:latin typeface="+mn-lt"/>
+                <a:ea typeface="+mn-ea"/>
+                <a:cs typeface="+mn-cs"/>
+              </a:rPr>
+              <a:t>---- Accuracy</a:t>
+            </a:r>
+          </a:p>
+          <a:p>
+            <a:endParaRPr lang="en-US" dirty="0"/>
           </a:p>
         </p:txBody>
       </p:sp>
@@ -4179,7 +2759,7 @@
     </p:spTree>
     <p:extLst>
       <p:ext uri="{BB962C8B-B14F-4D97-AF65-F5344CB8AC3E}">
-        <p14:creationId xmlns:p14="http://schemas.microsoft.com/office/powerpoint/2010/main" val="3310434117"/>
+        <p14:creationId xmlns:p14="http://schemas.microsoft.com/office/powerpoint/2010/main" val="3227829649"/>
       </p:ext>
     </p:extLst>
   </p:cSld>
@@ -4233,6 +2813,157 @@
           <a:bodyPr/>
           <a:lstStyle/>
           <a:p>
+            <a:pPr marL="0" marR="0" lvl="0" indent="0" algn="l" defTabSz="914400" rtl="0" eaLnBrk="1" fontAlgn="auto" latinLnBrk="0" hangingPunct="1">
+              <a:lnSpc>
+                <a:spcPct val="100000"/>
+              </a:lnSpc>
+              <a:spcBef>
+                <a:spcPts val="0"/>
+              </a:spcBef>
+              <a:spcAft>
+                <a:spcPts val="0"/>
+              </a:spcAft>
+              <a:buClrTx/>
+              <a:buSzTx/>
+              <a:buFontTx/>
+              <a:buNone/>
+              <a:tabLst/>
+              <a:defRPr/>
+            </a:pPr>
+            <a:r>
+              <a:rPr lang="en-US" sz="1200" b="0" i="0" kern="1200" dirty="0">
+                <a:solidFill>
+                  <a:schemeClr val="tx1"/>
+                </a:solidFill>
+                <a:effectLst/>
+                <a:latin typeface="+mn-lt"/>
+                <a:ea typeface="+mn-ea"/>
+                <a:cs typeface="+mn-cs"/>
+              </a:rPr>
+              <a:t>This criterion is linked to a Learning Outcome</a:t>
+            </a:r>
+          </a:p>
+          <a:p>
+            <a:pPr marL="0" marR="0" lvl="0" indent="0" algn="l" defTabSz="914400" rtl="0" eaLnBrk="1" fontAlgn="auto" latinLnBrk="0" hangingPunct="1">
+              <a:lnSpc>
+                <a:spcPct val="100000"/>
+              </a:lnSpc>
+              <a:spcBef>
+                <a:spcPts val="0"/>
+              </a:spcBef>
+              <a:spcAft>
+                <a:spcPts val="0"/>
+              </a:spcAft>
+              <a:buClrTx/>
+              <a:buSzTx/>
+              <a:buFontTx/>
+              <a:buNone/>
+              <a:tabLst/>
+              <a:defRPr/>
+            </a:pPr>
+            <a:r>
+              <a:rPr lang="en-US" sz="1200" b="0" i="0" kern="1200" dirty="0">
+                <a:solidFill>
+                  <a:schemeClr val="tx1"/>
+                </a:solidFill>
+                <a:effectLst/>
+                <a:latin typeface="+mn-lt"/>
+                <a:ea typeface="+mn-ea"/>
+                <a:cs typeface="+mn-cs"/>
+              </a:rPr>
+              <a:t>Results and discussion of results</a:t>
+            </a:r>
+          </a:p>
+          <a:p>
+            <a:pPr marL="0" marR="0" lvl="0" indent="0" algn="l" defTabSz="914400" rtl="0" eaLnBrk="1" fontAlgn="auto" latinLnBrk="0" hangingPunct="1">
+              <a:lnSpc>
+                <a:spcPct val="100000"/>
+              </a:lnSpc>
+              <a:spcBef>
+                <a:spcPts val="0"/>
+              </a:spcBef>
+              <a:spcAft>
+                <a:spcPts val="0"/>
+              </a:spcAft>
+              <a:buClrTx/>
+              <a:buSzTx/>
+              <a:buFontTx/>
+              <a:buNone/>
+              <a:tabLst/>
+              <a:defRPr/>
+            </a:pPr>
+            <a:r>
+              <a:rPr lang="en-US" sz="1200" b="0" i="0" kern="1200" dirty="0">
+                <a:solidFill>
+                  <a:schemeClr val="tx1"/>
+                </a:solidFill>
+                <a:effectLst/>
+                <a:latin typeface="+mn-lt"/>
+                <a:ea typeface="+mn-ea"/>
+                <a:cs typeface="+mn-cs"/>
+              </a:rPr>
+              <a:t>Expectations here are to provide the following in sections and subsections:</a:t>
+            </a:r>
+            <a:br>
+              <a:rPr lang="en-US" sz="1200" b="0" i="0" kern="1200" dirty="0">
+                <a:solidFill>
+                  <a:schemeClr val="tx1"/>
+                </a:solidFill>
+                <a:effectLst/>
+                <a:latin typeface="+mn-lt"/>
+                <a:ea typeface="+mn-ea"/>
+                <a:cs typeface="+mn-cs"/>
+              </a:rPr>
+            </a:br>
+            <a:br>
+              <a:rPr lang="en-US" sz="1200" b="0" i="0" kern="1200" dirty="0">
+                <a:solidFill>
+                  <a:schemeClr val="tx1"/>
+                </a:solidFill>
+                <a:effectLst/>
+                <a:latin typeface="+mn-lt"/>
+                <a:ea typeface="+mn-ea"/>
+                <a:cs typeface="+mn-cs"/>
+              </a:rPr>
+            </a:br>
+            <a:r>
+              <a:rPr lang="en-US" sz="1200" b="0" i="0" kern="1200" dirty="0">
+                <a:solidFill>
+                  <a:schemeClr val="tx1"/>
+                </a:solidFill>
+                <a:effectLst/>
+                <a:latin typeface="+mn-lt"/>
+                <a:ea typeface="+mn-ea"/>
+                <a:cs typeface="+mn-cs"/>
+              </a:rPr>
+              <a:t>Discussion’s aim is result interpretation, which means explain, </a:t>
+            </a:r>
+            <a:r>
+              <a:rPr lang="en-US" sz="1200" b="0" i="0" kern="1200" dirty="0" err="1">
+                <a:solidFill>
+                  <a:schemeClr val="tx1"/>
+                </a:solidFill>
+                <a:effectLst/>
+                <a:latin typeface="+mn-lt"/>
+                <a:ea typeface="+mn-ea"/>
+                <a:cs typeface="+mn-cs"/>
+              </a:rPr>
+              <a:t>analyse</a:t>
+            </a:r>
+            <a:r>
+              <a:rPr lang="en-US" sz="1200" b="0" i="0" kern="1200" dirty="0">
+                <a:solidFill>
+                  <a:schemeClr val="tx1"/>
+                </a:solidFill>
+                <a:effectLst/>
+                <a:latin typeface="+mn-lt"/>
+                <a:ea typeface="+mn-ea"/>
+                <a:cs typeface="+mn-cs"/>
+              </a:rPr>
+              <a:t>, and compare them. Often, this part is the most important, simply because it lets the researcher take a step back and give a broader look at the experiment. Do not discuss any outcomes not presented in the results part.</a:t>
+            </a:r>
+          </a:p>
+          <a:p>
             <a:endParaRPr lang="en-US" dirty="0"/>
           </a:p>
         </p:txBody>
@@ -4263,7 +2994,7 @@
     </p:spTree>
     <p:extLst>
       <p:ext uri="{BB962C8B-B14F-4D97-AF65-F5344CB8AC3E}">
-        <p14:creationId xmlns:p14="http://schemas.microsoft.com/office/powerpoint/2010/main" val="834931234"/>
+        <p14:creationId xmlns:p14="http://schemas.microsoft.com/office/powerpoint/2010/main" val="2859569431"/>
       </p:ext>
     </p:extLst>
   </p:cSld>
@@ -4317,9 +3048,6 @@
           <a:bodyPr/>
           <a:lstStyle/>
           <a:p>
-            <a:endParaRPr lang="en-US" dirty="0"/>
-          </a:p>
-          <a:p>
             <a:pPr marL="0" marR="0" lvl="0" indent="0" algn="l" defTabSz="914400" rtl="0" eaLnBrk="1" fontAlgn="auto" latinLnBrk="0" hangingPunct="1">
               <a:lnSpc>
                 <a:spcPct val="100000"/>
@@ -4378,7 +3106,7 @@
                 <a:ea typeface="+mn-ea"/>
                 <a:cs typeface="+mn-cs"/>
               </a:rPr>
-              <a:t>EDA</a:t>
+              <a:t>Results and discussion of results</a:t>
             </a:r>
           </a:p>
           <a:p>
@@ -4411,19 +3139,39 @@
               </a:rPr>
               <a:t>Expectations here are to provide the following in sections and subsections:</a:t>
             </a:r>
-          </a:p>
-          <a:p>
-            <a:r>
-              <a:rPr lang="en-US" sz="1200" b="0" i="0" kern="1200" dirty="0">
-                <a:solidFill>
-                  <a:schemeClr val="tx1"/>
-                </a:solidFill>
-                <a:effectLst/>
-                <a:latin typeface="+mn-lt"/>
-                <a:ea typeface="+mn-ea"/>
-                <a:cs typeface="+mn-cs"/>
-              </a:rPr>
-              <a:t>[</a:t>
+            <a:br>
+              <a:rPr lang="en-US" sz="1200" b="0" i="0" kern="1200" dirty="0">
+                <a:solidFill>
+                  <a:schemeClr val="tx1"/>
+                </a:solidFill>
+                <a:effectLst/>
+                <a:latin typeface="+mn-lt"/>
+                <a:ea typeface="+mn-ea"/>
+                <a:cs typeface="+mn-cs"/>
+              </a:rPr>
+            </a:br>
+            <a:br>
+              <a:rPr lang="en-US" sz="1200" b="0" i="0" kern="1200" dirty="0">
+                <a:solidFill>
+                  <a:schemeClr val="tx1"/>
+                </a:solidFill>
+                <a:effectLst/>
+                <a:latin typeface="+mn-lt"/>
+                <a:ea typeface="+mn-ea"/>
+                <a:cs typeface="+mn-cs"/>
+              </a:rPr>
+            </a:br>
+            <a:r>
+              <a:rPr lang="en-US" sz="1200" b="0" i="0" kern="1200" dirty="0">
+                <a:solidFill>
+                  <a:schemeClr val="tx1"/>
+                </a:solidFill>
+                <a:effectLst/>
+                <a:latin typeface="+mn-lt"/>
+                <a:ea typeface="+mn-ea"/>
+                <a:cs typeface="+mn-cs"/>
+              </a:rPr>
+              <a:t>Discussion’s aim is result interpretation, which means explain, </a:t>
             </a:r>
             <a:r>
               <a:rPr lang="en-US" sz="1200" b="0" i="0" kern="1200" dirty="0" err="1">
@@ -4435,218 +3183,22 @@
                 <a:ea typeface="+mn-ea"/>
                 <a:cs typeface="+mn-cs"/>
               </a:rPr>
-              <a:t>CaDoD</a:t>
-            </a:r>
-            <a:r>
-              <a:rPr lang="en-US" sz="1200" b="0" i="0" kern="1200" dirty="0">
-                <a:solidFill>
-                  <a:schemeClr val="tx1"/>
-                </a:solidFill>
-                <a:effectLst/>
-                <a:latin typeface="+mn-lt"/>
-                <a:ea typeface="+mn-ea"/>
-                <a:cs typeface="+mn-cs"/>
-              </a:rPr>
-              <a:t>]</a:t>
-            </a:r>
-            <a:br>
-              <a:rPr lang="en-US" dirty="0"/>
-            </a:br>
-            <a:r>
-              <a:rPr lang="en-US" sz="1200" b="0" i="0" kern="1200" dirty="0">
-                <a:solidFill>
-                  <a:schemeClr val="tx1"/>
-                </a:solidFill>
-                <a:effectLst/>
-                <a:latin typeface="+mn-lt"/>
-                <a:ea typeface="+mn-ea"/>
-                <a:cs typeface="+mn-cs"/>
-              </a:rPr>
-              <a:t>-- Overview of images (i.e. count of cat images, dog images, total images, memory size of images, etc..)</a:t>
-            </a:r>
-            <a:br>
-              <a:rPr lang="en-US" dirty="0"/>
-            </a:br>
-            <a:r>
-              <a:rPr lang="en-US" sz="1200" b="0" i="0" kern="1200" dirty="0">
-                <a:solidFill>
-                  <a:schemeClr val="tx1"/>
-                </a:solidFill>
-                <a:effectLst/>
-                <a:latin typeface="+mn-lt"/>
-                <a:ea typeface="+mn-ea"/>
-                <a:cs typeface="+mn-cs"/>
-              </a:rPr>
-              <a:t>-- Other useful text-based analysis (as opposed to graphic-based)</a:t>
-            </a:r>
-          </a:p>
-          <a:p>
-            <a:endParaRPr lang="en-US" sz="1200" b="0" i="0" kern="1200" dirty="0">
-              <a:solidFill>
-                <a:schemeClr val="tx1"/>
-              </a:solidFill>
-              <a:effectLst/>
-              <a:latin typeface="+mn-lt"/>
-              <a:ea typeface="+mn-ea"/>
-              <a:cs typeface="+mn-cs"/>
-            </a:endParaRPr>
-          </a:p>
-          <a:p>
-            <a:endParaRPr lang="en-US" sz="1200" b="0" i="0" kern="1200" dirty="0">
-              <a:solidFill>
-                <a:schemeClr val="tx1"/>
-              </a:solidFill>
-              <a:effectLst/>
-              <a:latin typeface="+mn-lt"/>
-              <a:ea typeface="+mn-ea"/>
-              <a:cs typeface="+mn-cs"/>
-            </a:endParaRPr>
-          </a:p>
-          <a:p>
-            <a:pPr marL="0" marR="0" lvl="0" indent="0" algn="l" defTabSz="914400" rtl="0" eaLnBrk="1" fontAlgn="auto" latinLnBrk="0" hangingPunct="1">
-              <a:lnSpc>
-                <a:spcPct val="100000"/>
-              </a:lnSpc>
-              <a:spcBef>
-                <a:spcPts val="0"/>
-              </a:spcBef>
-              <a:spcAft>
-                <a:spcPts val="0"/>
-              </a:spcAft>
-              <a:buClrTx/>
-              <a:buSzTx/>
-              <a:buFontTx/>
-              <a:buNone/>
-              <a:tabLst/>
-              <a:defRPr/>
-            </a:pPr>
-            <a:r>
-              <a:rPr lang="en-US" sz="1200" b="0" i="0" kern="1200" dirty="0">
-                <a:solidFill>
-                  <a:schemeClr val="tx1"/>
-                </a:solidFill>
-                <a:effectLst/>
-                <a:latin typeface="+mn-lt"/>
-                <a:ea typeface="+mn-ea"/>
-                <a:cs typeface="+mn-cs"/>
-              </a:rPr>
-              <a:t>This criterion is linked to a Learning Outcome</a:t>
-            </a:r>
-          </a:p>
-          <a:p>
-            <a:pPr marL="0" marR="0" lvl="0" indent="0" algn="l" defTabSz="914400" rtl="0" eaLnBrk="1" fontAlgn="auto" latinLnBrk="0" hangingPunct="1">
-              <a:lnSpc>
-                <a:spcPct val="100000"/>
-              </a:lnSpc>
-              <a:spcBef>
-                <a:spcPts val="0"/>
-              </a:spcBef>
-              <a:spcAft>
-                <a:spcPts val="0"/>
-              </a:spcAft>
-              <a:buClrTx/>
-              <a:buSzTx/>
-              <a:buFontTx/>
-              <a:buNone/>
-              <a:tabLst/>
-              <a:defRPr/>
-            </a:pPr>
-            <a:r>
-              <a:rPr lang="en-US" sz="1200" b="0" i="0" kern="1200" dirty="0">
-                <a:solidFill>
-                  <a:schemeClr val="tx1"/>
-                </a:solidFill>
-                <a:effectLst/>
-                <a:latin typeface="+mn-lt"/>
-                <a:ea typeface="+mn-ea"/>
-                <a:cs typeface="+mn-cs"/>
-              </a:rPr>
-              <a:t>Visual EDA</a:t>
-            </a:r>
-          </a:p>
-          <a:p>
-            <a:pPr marL="0" marR="0" lvl="0" indent="0" algn="l" defTabSz="914400" rtl="0" eaLnBrk="1" fontAlgn="auto" latinLnBrk="0" hangingPunct="1">
-              <a:lnSpc>
-                <a:spcPct val="100000"/>
-              </a:lnSpc>
-              <a:spcBef>
-                <a:spcPts val="0"/>
-              </a:spcBef>
-              <a:spcAft>
-                <a:spcPts val="0"/>
-              </a:spcAft>
-              <a:buClrTx/>
-              <a:buSzTx/>
-              <a:buFontTx/>
-              <a:buNone/>
-              <a:tabLst/>
-              <a:defRPr/>
-            </a:pPr>
-            <a:r>
-              <a:rPr lang="en-US" sz="1200" b="0" i="0" kern="1200" dirty="0">
-                <a:solidFill>
-                  <a:schemeClr val="tx1"/>
-                </a:solidFill>
-                <a:effectLst/>
-                <a:latin typeface="+mn-lt"/>
-                <a:ea typeface="+mn-ea"/>
-                <a:cs typeface="+mn-cs"/>
-              </a:rPr>
-              <a:t>Expectations here are to provide the following in sections and subsections:</a:t>
-            </a:r>
-          </a:p>
-          <a:p>
-            <a:r>
-              <a:rPr lang="en-US" sz="1200" b="0" i="0" kern="1200" dirty="0">
-                <a:solidFill>
-                  <a:schemeClr val="tx1"/>
-                </a:solidFill>
-                <a:effectLst/>
-                <a:latin typeface="+mn-lt"/>
-                <a:ea typeface="+mn-ea"/>
-                <a:cs typeface="+mn-cs"/>
-              </a:rPr>
-              <a:t>[</a:t>
-            </a:r>
-            <a:r>
-              <a:rPr lang="en-US" sz="1200" b="0" i="0" kern="1200" dirty="0" err="1">
-                <a:solidFill>
-                  <a:schemeClr val="tx1"/>
-                </a:solidFill>
-                <a:effectLst/>
-                <a:latin typeface="+mn-lt"/>
-                <a:ea typeface="+mn-ea"/>
-                <a:cs typeface="+mn-cs"/>
-              </a:rPr>
-              <a:t>CaDoD</a:t>
-            </a:r>
-            <a:r>
-              <a:rPr lang="en-US" sz="1200" b="0" i="0" kern="1200" dirty="0">
-                <a:solidFill>
-                  <a:schemeClr val="tx1"/>
-                </a:solidFill>
-                <a:effectLst/>
-                <a:latin typeface="+mn-lt"/>
-                <a:ea typeface="+mn-ea"/>
-                <a:cs typeface="+mn-cs"/>
-              </a:rPr>
-              <a:t>]</a:t>
-            </a:r>
-            <a:br>
-              <a:rPr lang="en-US" dirty="0"/>
-            </a:br>
-            <a:r>
-              <a:rPr lang="en-US" sz="1200" b="0" i="0" kern="1200" dirty="0">
-                <a:solidFill>
-                  <a:schemeClr val="tx1"/>
-                </a:solidFill>
-                <a:effectLst/>
-                <a:latin typeface="+mn-lt"/>
-                <a:ea typeface="+mn-ea"/>
-                <a:cs typeface="+mn-cs"/>
-              </a:rPr>
-              <a:t>-- preview and a small sample of images before and after transformations</a:t>
-            </a:r>
+              <a:t>analyse</a:t>
+            </a:r>
+            <a:r>
+              <a:rPr lang="en-US" sz="1200" b="0" i="0" kern="1200" dirty="0">
+                <a:solidFill>
+                  <a:schemeClr val="tx1"/>
+                </a:solidFill>
+                <a:effectLst/>
+                <a:latin typeface="+mn-lt"/>
+                <a:ea typeface="+mn-ea"/>
+                <a:cs typeface="+mn-cs"/>
+              </a:rPr>
+              <a:t>, and compare them. Often, this part is the most important, simply because it lets the researcher take a step back and give a broader look at the experiment. Do not discuss any outcomes not presented in the results part.</a:t>
+            </a:r>
+          </a:p>
+          <a:p>
             <a:endParaRPr lang="en-US" dirty="0"/>
           </a:p>
         </p:txBody>
@@ -4677,7 +3229,7 @@
     </p:spTree>
     <p:extLst>
       <p:ext uri="{BB962C8B-B14F-4D97-AF65-F5344CB8AC3E}">
-        <p14:creationId xmlns:p14="http://schemas.microsoft.com/office/powerpoint/2010/main" val="2413518338"/>
+        <p14:creationId xmlns:p14="http://schemas.microsoft.com/office/powerpoint/2010/main" val="3816073511"/>
       </p:ext>
     </p:extLst>
   </p:cSld>
@@ -4758,7 +3310,7 @@
                 <a:ea typeface="+mn-ea"/>
                 <a:cs typeface="+mn-cs"/>
               </a:rPr>
-              <a:t>Modeling Pipelines</a:t>
+              <a:t>This criterion is linked to a Learning Outcome</a:t>
             </a:r>
           </a:p>
           <a:p>
@@ -4789,7 +3341,7 @@
                 <a:ea typeface="+mn-ea"/>
                 <a:cs typeface="+mn-cs"/>
               </a:rPr>
-              <a:t>Expectations here are to provide the following in sections and subsections:</a:t>
+              <a:t>Results and discussion of results</a:t>
             </a:r>
           </a:p>
           <a:p>
@@ -4810,45 +3362,51 @@
               <a:tabLst/>
               <a:defRPr/>
             </a:pPr>
-            <a:endParaRPr lang="en-US" sz="1200" b="0" i="0" kern="1200" dirty="0">
-              <a:solidFill>
-                <a:schemeClr val="tx1"/>
-              </a:solidFill>
-              <a:effectLst/>
-              <a:latin typeface="+mn-lt"/>
-              <a:ea typeface="+mn-ea"/>
-              <a:cs typeface="+mn-cs"/>
-            </a:endParaRPr>
-          </a:p>
-          <a:p>
-            <a:pPr marL="0" marR="0" lvl="0" indent="0" algn="l" defTabSz="914400" rtl="0" eaLnBrk="1" fontAlgn="auto" latinLnBrk="0" hangingPunct="1">
-              <a:lnSpc>
-                <a:spcPct val="100000"/>
-              </a:lnSpc>
-              <a:spcBef>
-                <a:spcPts val="0"/>
-              </a:spcBef>
-              <a:spcAft>
-                <a:spcPts val="0"/>
-              </a:spcAft>
-              <a:buClrTx/>
-              <a:buSzTx/>
-              <a:buFontTx/>
-              <a:buNone/>
-              <a:tabLst/>
-              <a:defRPr/>
-            </a:pPr>
-            <a:r>
-              <a:rPr lang="en-US" sz="1200" b="0" i="0" kern="1200" dirty="0">
-                <a:solidFill>
-                  <a:schemeClr val="tx1"/>
-                </a:solidFill>
-                <a:effectLst/>
-                <a:latin typeface="+mn-lt"/>
-                <a:ea typeface="+mn-ea"/>
-                <a:cs typeface="+mn-cs"/>
-              </a:rPr>
-              <a:t>[</a:t>
+            <a:r>
+              <a:rPr lang="en-US" sz="1200" b="0" i="0" kern="1200" dirty="0">
+                <a:solidFill>
+                  <a:schemeClr val="tx1"/>
+                </a:solidFill>
+                <a:effectLst/>
+                <a:latin typeface="+mn-lt"/>
+                <a:ea typeface="+mn-ea"/>
+                <a:cs typeface="+mn-cs"/>
+              </a:rPr>
+              <a:t>Expectations here are to provide the following in sections and subsections:</a:t>
+            </a:r>
+            <a:br>
+              <a:rPr lang="en-US" sz="1200" b="0" i="0" kern="1200" dirty="0">
+                <a:solidFill>
+                  <a:schemeClr val="tx1"/>
+                </a:solidFill>
+                <a:effectLst/>
+                <a:latin typeface="+mn-lt"/>
+                <a:ea typeface="+mn-ea"/>
+                <a:cs typeface="+mn-cs"/>
+              </a:rPr>
+            </a:br>
+            <a:br>
+              <a:rPr lang="en-US" sz="1200" b="0" i="0" kern="1200" dirty="0">
+                <a:solidFill>
+                  <a:schemeClr val="tx1"/>
+                </a:solidFill>
+                <a:effectLst/>
+                <a:latin typeface="+mn-lt"/>
+                <a:ea typeface="+mn-ea"/>
+                <a:cs typeface="+mn-cs"/>
+              </a:rPr>
+            </a:br>
+            <a:r>
+              <a:rPr lang="en-US" sz="1200" b="0" i="0" kern="1200" dirty="0">
+                <a:solidFill>
+                  <a:schemeClr val="tx1"/>
+                </a:solidFill>
+                <a:effectLst/>
+                <a:latin typeface="+mn-lt"/>
+                <a:ea typeface="+mn-ea"/>
+                <a:cs typeface="+mn-cs"/>
+              </a:rPr>
+              <a:t>Discussion’s aim is result interpretation, which means explain, </a:t>
             </a:r>
             <a:r>
               <a:rPr lang="en-US" sz="1200" b="0" i="0" kern="1200" dirty="0" err="1">
@@ -4860,193 +3418,19 @@
                 <a:ea typeface="+mn-ea"/>
                 <a:cs typeface="+mn-cs"/>
               </a:rPr>
-              <a:t>CaDoD</a:t>
-            </a:r>
-            <a:r>
-              <a:rPr lang="en-US" sz="1200" b="0" i="0" kern="1200" dirty="0">
-                <a:solidFill>
-                  <a:schemeClr val="tx1"/>
-                </a:solidFill>
-                <a:effectLst/>
-                <a:latin typeface="+mn-lt"/>
-                <a:ea typeface="+mn-ea"/>
-                <a:cs typeface="+mn-cs"/>
-              </a:rPr>
-              <a:t>]</a:t>
-            </a:r>
-            <a:br>
-              <a:rPr lang="en-US" dirty="0"/>
-            </a:br>
-            <a:r>
-              <a:rPr lang="en-US" sz="1200" b="0" i="0" kern="1200" dirty="0">
-                <a:solidFill>
-                  <a:schemeClr val="tx1"/>
-                </a:solidFill>
-                <a:effectLst/>
-                <a:latin typeface="+mn-lt"/>
-                <a:ea typeface="+mn-ea"/>
-                <a:cs typeface="+mn-cs"/>
-              </a:rPr>
-              <a:t>Modeling Pipelines</a:t>
-            </a:r>
-            <a:br>
-              <a:rPr lang="en-US" dirty="0"/>
-            </a:br>
-            <a:r>
-              <a:rPr lang="en-US" sz="1200" b="0" i="0" kern="1200" dirty="0">
-                <a:solidFill>
-                  <a:schemeClr val="tx1"/>
-                </a:solidFill>
-                <a:effectLst/>
-                <a:latin typeface="+mn-lt"/>
-                <a:ea typeface="+mn-ea"/>
-                <a:cs typeface="+mn-cs"/>
-              </a:rPr>
-              <a:t>-- Preprocessing images</a:t>
-            </a:r>
-            <a:br>
-              <a:rPr lang="en-US" dirty="0"/>
-            </a:br>
-            <a:r>
-              <a:rPr lang="en-US" sz="1200" b="0" i="0" kern="1200" dirty="0">
-                <a:solidFill>
-                  <a:schemeClr val="tx1"/>
-                </a:solidFill>
-                <a:effectLst/>
-                <a:latin typeface="+mn-lt"/>
-                <a:ea typeface="+mn-ea"/>
-                <a:cs typeface="+mn-cs"/>
-              </a:rPr>
-              <a:t>-- input Image size (w, h)</a:t>
-            </a:r>
-            <a:br>
-              <a:rPr lang="en-US" dirty="0"/>
-            </a:br>
-            <a:r>
-              <a:rPr lang="en-US" sz="1200" b="0" i="0" kern="1200" dirty="0">
-                <a:solidFill>
-                  <a:schemeClr val="tx1"/>
-                </a:solidFill>
-                <a:effectLst/>
-                <a:latin typeface="+mn-lt"/>
-                <a:ea typeface="+mn-ea"/>
-                <a:cs typeface="+mn-cs"/>
-              </a:rPr>
-              <a:t>-- Loss function used (data loss and regularization parts) in latex</a:t>
-            </a:r>
-            <a:br>
-              <a:rPr lang="en-US" dirty="0"/>
-            </a:br>
-            <a:r>
-              <a:rPr lang="en-US" sz="1200" b="0" i="0" kern="1200" dirty="0">
-                <a:solidFill>
-                  <a:schemeClr val="tx1"/>
-                </a:solidFill>
-                <a:effectLst/>
-                <a:latin typeface="+mn-lt"/>
-                <a:ea typeface="+mn-ea"/>
-                <a:cs typeface="+mn-cs"/>
-              </a:rPr>
-              <a:t>-- Number of experiments conducted</a:t>
-            </a:r>
-            <a:br>
-              <a:rPr lang="en-US" dirty="0"/>
-            </a:br>
-            <a:r>
-              <a:rPr lang="en-US" sz="1200" b="0" i="0" kern="1200" dirty="0">
-                <a:solidFill>
-                  <a:schemeClr val="tx1"/>
-                </a:solidFill>
-                <a:effectLst/>
-                <a:latin typeface="+mn-lt"/>
-                <a:ea typeface="+mn-ea"/>
-                <a:cs typeface="+mn-cs"/>
-              </a:rPr>
-              <a:t>-- Experiment table with the following details per experiment:</a:t>
-            </a:r>
-            <a:br>
-              <a:rPr lang="en-US" dirty="0"/>
-            </a:br>
-            <a:r>
-              <a:rPr lang="en-US" sz="1200" b="0" i="0" kern="1200" dirty="0">
-                <a:solidFill>
-                  <a:schemeClr val="tx1"/>
-                </a:solidFill>
-                <a:effectLst/>
-                <a:latin typeface="+mn-lt"/>
-                <a:ea typeface="+mn-ea"/>
-                <a:cs typeface="+mn-cs"/>
-              </a:rPr>
-              <a:t>----- Baseline experiment</a:t>
-            </a:r>
-            <a:br>
-              <a:rPr lang="en-US" dirty="0"/>
-            </a:br>
-            <a:r>
-              <a:rPr lang="en-US" sz="1200" b="0" i="0" kern="1200" dirty="0">
-                <a:solidFill>
-                  <a:schemeClr val="tx1"/>
-                </a:solidFill>
-                <a:effectLst/>
-                <a:latin typeface="+mn-lt"/>
-                <a:ea typeface="+mn-ea"/>
-                <a:cs typeface="+mn-cs"/>
-              </a:rPr>
-              <a:t>---- The families of input features used</a:t>
-            </a:r>
-            <a:br>
-              <a:rPr lang="en-US" dirty="0"/>
-            </a:br>
-            <a:r>
-              <a:rPr lang="en-US" sz="1200" b="0" i="0" kern="1200" dirty="0">
-                <a:solidFill>
-                  <a:schemeClr val="tx1"/>
-                </a:solidFill>
-                <a:effectLst/>
-                <a:latin typeface="+mn-lt"/>
-                <a:ea typeface="+mn-ea"/>
-                <a:cs typeface="+mn-cs"/>
-              </a:rPr>
-              <a:t>----- For train/valid/test record the following in a Pandas </a:t>
-            </a:r>
-            <a:r>
-              <a:rPr lang="en-US" sz="1200" b="0" i="0" kern="1200" dirty="0" err="1">
-                <a:solidFill>
-                  <a:schemeClr val="tx1"/>
-                </a:solidFill>
-                <a:effectLst/>
-                <a:latin typeface="+mn-lt"/>
-                <a:ea typeface="+mn-ea"/>
-                <a:cs typeface="+mn-cs"/>
-              </a:rPr>
-              <a:t>DataFrame</a:t>
-            </a:r>
-            <a:r>
-              <a:rPr lang="en-US" sz="1200" b="0" i="0" kern="1200" dirty="0">
-                <a:solidFill>
-                  <a:schemeClr val="tx1"/>
-                </a:solidFill>
-                <a:effectLst/>
-                <a:latin typeface="+mn-lt"/>
-                <a:ea typeface="+mn-ea"/>
-                <a:cs typeface="+mn-cs"/>
-              </a:rPr>
-              <a:t>:</a:t>
-            </a:r>
-            <a:br>
-              <a:rPr lang="en-US" dirty="0"/>
-            </a:br>
-            <a:r>
-              <a:rPr lang="en-US" sz="1200" b="0" i="0" kern="1200" dirty="0">
-                <a:solidFill>
-                  <a:schemeClr val="tx1"/>
-                </a:solidFill>
-                <a:effectLst/>
-                <a:latin typeface="+mn-lt"/>
-                <a:ea typeface="+mn-ea"/>
-                <a:cs typeface="+mn-cs"/>
-              </a:rPr>
-              <a:t>---- Accuracy</a:t>
+              <a:t>analyse</a:t>
+            </a:r>
+            <a:r>
+              <a:rPr lang="en-US" sz="1200" b="0" i="0" kern="1200" dirty="0">
+                <a:solidFill>
+                  <a:schemeClr val="tx1"/>
+                </a:solidFill>
+                <a:effectLst/>
+                <a:latin typeface="+mn-lt"/>
+                <a:ea typeface="+mn-ea"/>
+                <a:cs typeface="+mn-cs"/>
+              </a:rPr>
+              <a:t>, and compare them. Often, this part is the most important, simply because it lets the researcher take a step back and give a broader look at the experiment. Do not discuss any outcomes not presented in the results part.</a:t>
             </a:r>
           </a:p>
           <a:p>
@@ -5080,7 +3464,7 @@
     </p:spTree>
     <p:extLst>
       <p:ext uri="{BB962C8B-B14F-4D97-AF65-F5344CB8AC3E}">
-        <p14:creationId xmlns:p14="http://schemas.microsoft.com/office/powerpoint/2010/main" val="3798094749"/>
+        <p14:creationId xmlns:p14="http://schemas.microsoft.com/office/powerpoint/2010/main" val="2487888159"/>
       </p:ext>
     </p:extLst>
   </p:cSld>
@@ -5185,7 +3569,7 @@
           <a:effectLst/>
           <a:extLst>
             <a:ext uri="{91240B29-F687-4f45-9708-019B960494DF}">
-              <a14:hiddenLine xmlns="" xmlns:a14="http://schemas.microsoft.com/office/drawing/2010/main" w="9525">
+              <a14:hiddenLine xmlns:a14="http://schemas.microsoft.com/office/drawing/2010/main" xmlns="" w="9525">
                 <a:solidFill>
                   <a:srgbClr val="000000"/>
                 </a:solidFill>
@@ -5377,7 +3761,7 @@
           <a:p>
             <a:fld id="{173EB323-9D5E-2047-A0AF-D762DA7A1F92}" type="datetimeFigureOut">
               <a:rPr lang="en-US" smtClean="0"/>
-              <a:t>4/26/21</a:t>
+              <a:t>4/27/21</a:t>
             </a:fld>
             <a:endParaRPr lang="en-US"/>
           </a:p>
@@ -5695,7 +4079,7 @@
           <a:p>
             <a:fld id="{173EB323-9D5E-2047-A0AF-D762DA7A1F92}" type="datetimeFigureOut">
               <a:rPr lang="en-US" smtClean="0"/>
-              <a:t>4/26/21</a:t>
+              <a:t>4/27/21</a:t>
             </a:fld>
             <a:endParaRPr lang="en-US"/>
           </a:p>
@@ -6183,7 +4567,7 @@
           <a:p>
             <a:fld id="{173EB323-9D5E-2047-A0AF-D762DA7A1F92}" type="datetimeFigureOut">
               <a:rPr lang="en-US" smtClean="0"/>
-              <a:t>4/26/21</a:t>
+              <a:t>4/27/21</a:t>
             </a:fld>
             <a:endParaRPr lang="en-US"/>
           </a:p>
@@ -6552,7 +4936,7 @@
           <a:p>
             <a:fld id="{173EB323-9D5E-2047-A0AF-D762DA7A1F92}" type="datetimeFigureOut">
               <a:rPr lang="en-US" smtClean="0"/>
-              <a:t>4/26/21</a:t>
+              <a:t>4/27/21</a:t>
             </a:fld>
             <a:endParaRPr lang="en-US"/>
           </a:p>
@@ -6707,7 +5091,7 @@
           <a:ln/>
           <a:extLst>
             <a:ext uri="{91240B29-F687-4f45-9708-019B960494DF}">
-              <a14:hiddenLine xmlns="" xmlns:a14="http://schemas.microsoft.com/office/drawing/2010/main" w="9525">
+              <a14:hiddenLine xmlns:a14="http://schemas.microsoft.com/office/drawing/2010/main" xmlns="" w="9525">
                 <a:solidFill>
                   <a:srgbClr val="000000"/>
                 </a:solidFill>
@@ -6825,7 +5209,7 @@
           <a:p>
             <a:fld id="{173EB323-9D5E-2047-A0AF-D762DA7A1F92}" type="datetimeFigureOut">
               <a:rPr lang="en-US" smtClean="0"/>
-              <a:t>4/26/21</a:t>
+              <a:t>4/27/21</a:t>
             </a:fld>
             <a:endParaRPr lang="en-US"/>
           </a:p>
@@ -6982,7 +5366,7 @@
           <a:ln/>
           <a:extLst>
             <a:ext uri="{91240B29-F687-4f45-9708-019B960494DF}">
-              <a14:hiddenLine xmlns="" xmlns:a14="http://schemas.microsoft.com/office/drawing/2010/main" w="9525">
+              <a14:hiddenLine xmlns:a14="http://schemas.microsoft.com/office/drawing/2010/main" xmlns="" w="9525">
                 <a:solidFill>
                   <a:srgbClr val="000000"/>
                 </a:solidFill>
@@ -7110,7 +5494,7 @@
           <a:p>
             <a:fld id="{173EB323-9D5E-2047-A0AF-D762DA7A1F92}" type="datetimeFigureOut">
               <a:rPr lang="en-US" smtClean="0"/>
-              <a:t>4/26/21</a:t>
+              <a:t>4/27/21</a:t>
             </a:fld>
             <a:endParaRPr lang="en-US"/>
           </a:p>
@@ -7265,7 +5649,7 @@
           <a:ln/>
           <a:extLst>
             <a:ext uri="{91240B29-F687-4f45-9708-019B960494DF}">
-              <a14:hiddenLine xmlns="" xmlns:a14="http://schemas.microsoft.com/office/drawing/2010/main" w="9525">
+              <a14:hiddenLine xmlns:a14="http://schemas.microsoft.com/office/drawing/2010/main" xmlns="" w="9525">
                 <a:solidFill>
                   <a:srgbClr val="000000"/>
                 </a:solidFill>
@@ -7393,7 +5777,7 @@
           <a:p>
             <a:fld id="{173EB323-9D5E-2047-A0AF-D762DA7A1F92}" type="datetimeFigureOut">
               <a:rPr lang="en-US" smtClean="0"/>
-              <a:t>4/26/21</a:t>
+              <a:t>4/27/21</a:t>
             </a:fld>
             <a:endParaRPr lang="en-US"/>
           </a:p>
@@ -7736,7 +6120,7 @@
           <a:p>
             <a:fld id="{173EB323-9D5E-2047-A0AF-D762DA7A1F92}" type="datetimeFigureOut">
               <a:rPr lang="en-US" smtClean="0"/>
-              <a:t>4/26/21</a:t>
+              <a:t>4/27/21</a:t>
             </a:fld>
             <a:endParaRPr lang="en-US"/>
           </a:p>
@@ -7891,7 +6275,7 @@
           <a:ln/>
           <a:extLst>
             <a:ext uri="{91240B29-F687-4f45-9708-019B960494DF}">
-              <a14:hiddenLine xmlns="" xmlns:a14="http://schemas.microsoft.com/office/drawing/2010/main" w="9525">
+              <a14:hiddenLine xmlns:a14="http://schemas.microsoft.com/office/drawing/2010/main" xmlns="" w="9525">
                 <a:solidFill>
                   <a:srgbClr val="000000"/>
                 </a:solidFill>
@@ -8075,7 +6459,7 @@
           <a:p>
             <a:fld id="{173EB323-9D5E-2047-A0AF-D762DA7A1F92}" type="datetimeFigureOut">
               <a:rPr lang="en-US" smtClean="0"/>
-              <a:t>4/26/21</a:t>
+              <a:t>4/27/21</a:t>
             </a:fld>
             <a:endParaRPr lang="en-US"/>
           </a:p>
@@ -8230,7 +6614,7 @@
           <a:ln/>
           <a:extLst>
             <a:ext uri="{91240B29-F687-4f45-9708-019B960494DF}">
-              <a14:hiddenLine xmlns="" xmlns:a14="http://schemas.microsoft.com/office/drawing/2010/main" w="9525">
+              <a14:hiddenLine xmlns:a14="http://schemas.microsoft.com/office/drawing/2010/main" xmlns="" w="9525">
                 <a:solidFill>
                   <a:srgbClr val="000000"/>
                 </a:solidFill>
@@ -8552,7 +6936,7 @@
           <a:p>
             <a:fld id="{173EB323-9D5E-2047-A0AF-D762DA7A1F92}" type="datetimeFigureOut">
               <a:rPr lang="en-US" smtClean="0"/>
-              <a:t>4/26/21</a:t>
+              <a:t>4/27/21</a:t>
             </a:fld>
             <a:endParaRPr lang="en-US"/>
           </a:p>
@@ -8707,7 +7091,7 @@
           <a:ln/>
           <a:extLst>
             <a:ext uri="{91240B29-F687-4f45-9708-019B960494DF}">
-              <a14:hiddenLine xmlns="" xmlns:a14="http://schemas.microsoft.com/office/drawing/2010/main" w="9525">
+              <a14:hiddenLine xmlns:a14="http://schemas.microsoft.com/office/drawing/2010/main" xmlns="" w="9525">
                 <a:solidFill>
                   <a:srgbClr val="000000"/>
                 </a:solidFill>
@@ -8773,7 +7157,7 @@
           <a:p>
             <a:fld id="{173EB323-9D5E-2047-A0AF-D762DA7A1F92}" type="datetimeFigureOut">
               <a:rPr lang="en-US" smtClean="0"/>
-              <a:t>4/26/21</a:t>
+              <a:t>4/27/21</a:t>
             </a:fld>
             <a:endParaRPr lang="en-US"/>
           </a:p>
@@ -8868,7 +7252,7 @@
           <a:p>
             <a:fld id="{173EB323-9D5E-2047-A0AF-D762DA7A1F92}" type="datetimeFigureOut">
               <a:rPr lang="en-US" smtClean="0"/>
-              <a:t>4/26/21</a:t>
+              <a:t>4/27/21</a:t>
             </a:fld>
             <a:endParaRPr lang="en-US"/>
           </a:p>
@@ -9136,7 +7520,7 @@
           <a:ln/>
           <a:extLst>
             <a:ext uri="{91240B29-F687-4f45-9708-019B960494DF}">
-              <a14:hiddenLine xmlns="" xmlns:a14="http://schemas.microsoft.com/office/drawing/2010/main" w="9525">
+              <a14:hiddenLine xmlns:a14="http://schemas.microsoft.com/office/drawing/2010/main" xmlns="" w="9525">
                 <a:solidFill>
                   <a:srgbClr val="000000"/>
                 </a:solidFill>
@@ -9335,7 +7719,7 @@
           <a:p>
             <a:fld id="{173EB323-9D5E-2047-A0AF-D762DA7A1F92}" type="datetimeFigureOut">
               <a:rPr lang="en-US" smtClean="0"/>
-              <a:t>4/26/21</a:t>
+              <a:t>4/27/21</a:t>
             </a:fld>
             <a:endParaRPr lang="en-US"/>
           </a:p>
@@ -9648,7 +8032,7 @@
           <a:p>
             <a:fld id="{173EB323-9D5E-2047-A0AF-D762DA7A1F92}" type="datetimeFigureOut">
               <a:rPr lang="en-US" smtClean="0"/>
-              <a:t>4/26/21</a:t>
+              <a:t>4/27/21</a:t>
             </a:fld>
             <a:endParaRPr lang="en-US"/>
           </a:p>
@@ -9918,7 +8302,7 @@
           <a:p>
             <a:fld id="{173EB323-9D5E-2047-A0AF-D762DA7A1F92}" type="datetimeFigureOut">
               <a:rPr lang="en-US" smtClean="0"/>
-              <a:t>4/26/21</a:t>
+              <a:t>4/27/21</a:t>
             </a:fld>
             <a:endParaRPr lang="en-US"/>
           </a:p>
@@ -10643,1014 +9027,6 @@
       </p:grpSpPr>
       <p:sp>
         <p:nvSpPr>
-          <p:cNvPr id="12" name="Rectangle 11">
-            <a:extLst>
-              <a:ext uri="{FF2B5EF4-FFF2-40B4-BE49-F238E27FC236}">
-                <a16:creationId xmlns:a16="http://schemas.microsoft.com/office/drawing/2014/main" id="{CDF99C8B-0D92-2E4E-9F8C-CDCDEB1D8343}"/>
-              </a:ext>
-            </a:extLst>
-          </p:cNvPr>
-          <p:cNvSpPr/>
-          <p:nvPr/>
-        </p:nvSpPr>
-        <p:spPr>
-          <a:xfrm>
-            <a:off x="-127000" y="-158646"/>
-            <a:ext cx="12319000" cy="7175292"/>
-          </a:xfrm>
-          <a:prstGeom prst="rect">
-            <a:avLst/>
-          </a:prstGeom>
-          <a:gradFill flip="none" rotWithShape="1">
-            <a:gsLst>
-              <a:gs pos="0">
-                <a:schemeClr val="tx1">
-                  <a:shade val="30000"/>
-                  <a:satMod val="115000"/>
-                  <a:alpha val="35000"/>
-                </a:schemeClr>
-              </a:gs>
-              <a:gs pos="50000">
-                <a:schemeClr val="tx1">
-                  <a:shade val="67500"/>
-                  <a:satMod val="115000"/>
-                </a:schemeClr>
-              </a:gs>
-              <a:gs pos="100000">
-                <a:schemeClr val="tx1">
-                  <a:shade val="100000"/>
-                  <a:satMod val="115000"/>
-                </a:schemeClr>
-              </a:gs>
-            </a:gsLst>
-            <a:lin ang="5400000" scaled="1"/>
-            <a:tileRect/>
-          </a:gradFill>
-          <a:ln>
-            <a:noFill/>
-          </a:ln>
-        </p:spPr>
-        <p:style>
-          <a:lnRef idx="2">
-            <a:schemeClr val="accent1">
-              <a:shade val="50000"/>
-            </a:schemeClr>
-          </a:lnRef>
-          <a:fillRef idx="1">
-            <a:schemeClr val="accent1"/>
-          </a:fillRef>
-          <a:effectRef idx="0">
-            <a:schemeClr val="accent1"/>
-          </a:effectRef>
-          <a:fontRef idx="minor">
-            <a:schemeClr val="lt1"/>
-          </a:fontRef>
-        </p:style>
-        <p:txBody>
-          <a:bodyPr rtlCol="0" anchor="ctr"/>
-          <a:lstStyle/>
-          <a:p>
-            <a:pPr algn="ctr"/>
-            <a:endParaRPr lang="en-US"/>
-          </a:p>
-        </p:txBody>
-      </p:sp>
-      <p:sp>
-        <p:nvSpPr>
-          <p:cNvPr id="2" name="Title 1">
-            <a:extLst>
-              <a:ext uri="{FF2B5EF4-FFF2-40B4-BE49-F238E27FC236}">
-                <a16:creationId xmlns:a16="http://schemas.microsoft.com/office/drawing/2014/main" id="{D9D8CB60-0A8C-9C4B-A752-E6E560BA3B7A}"/>
-              </a:ext>
-            </a:extLst>
-          </p:cNvPr>
-          <p:cNvSpPr>
-            <a:spLocks noGrp="1"/>
-          </p:cNvSpPr>
-          <p:nvPr>
-            <p:ph type="title"/>
-          </p:nvPr>
-        </p:nvSpPr>
-        <p:spPr>
-          <a:xfrm>
-            <a:off x="0" y="-164892"/>
-            <a:ext cx="7614471" cy="760588"/>
-          </a:xfrm>
-          <a:effectLst/>
-        </p:spPr>
-        <p:txBody>
-          <a:bodyPr/>
-          <a:lstStyle/>
-          <a:p>
-            <a:r>
-              <a:rPr lang="en-US" sz="3200" dirty="0" err="1">
-                <a:solidFill>
-                  <a:schemeClr val="tx1"/>
-                </a:solidFill>
-              </a:rPr>
-              <a:t>PyTorch</a:t>
-            </a:r>
-            <a:r>
-              <a:rPr lang="en-US" sz="3200" dirty="0">
-                <a:solidFill>
-                  <a:schemeClr val="tx1"/>
-                </a:solidFill>
-              </a:rPr>
-              <a:t> Workflow</a:t>
-            </a:r>
-            <a:endParaRPr lang="en-US" sz="1800" dirty="0">
-              <a:solidFill>
-                <a:schemeClr val="tx1"/>
-              </a:solidFill>
-            </a:endParaRPr>
-          </a:p>
-        </p:txBody>
-      </p:sp>
-    </p:spTree>
-    <p:extLst>
-      <p:ext uri="{BB962C8B-B14F-4D97-AF65-F5344CB8AC3E}">
-        <p14:creationId xmlns:p14="http://schemas.microsoft.com/office/powerpoint/2010/main" val="4195565770"/>
-      </p:ext>
-    </p:extLst>
-  </p:cSld>
-  <p:clrMapOvr>
-    <a:masterClrMapping/>
-  </p:clrMapOvr>
-</p:sld>
-</file>
-
-<file path=ppt/slides/slide11.xml><?xml version="1.0" encoding="utf-8"?>
-<p:sld xmlns:a="http://schemas.openxmlformats.org/drawingml/2006/main" xmlns:r="http://schemas.openxmlformats.org/officeDocument/2006/relationships" xmlns:p="http://schemas.openxmlformats.org/presentationml/2006/main">
-  <p:cSld>
-    <p:spTree>
-      <p:nvGrpSpPr>
-        <p:cNvPr id="1" name=""/>
-        <p:cNvGrpSpPr/>
-        <p:nvPr/>
-      </p:nvGrpSpPr>
-      <p:grpSpPr>
-        <a:xfrm>
-          <a:off x="0" y="0"/>
-          <a:ext cx="0" cy="0"/>
-          <a:chOff x="0" y="0"/>
-          <a:chExt cx="0" cy="0"/>
-        </a:xfrm>
-      </p:grpSpPr>
-      <p:sp>
-        <p:nvSpPr>
-          <p:cNvPr id="2" name="Title 1">
-            <a:extLst>
-              <a:ext uri="{FF2B5EF4-FFF2-40B4-BE49-F238E27FC236}">
-                <a16:creationId xmlns:a16="http://schemas.microsoft.com/office/drawing/2014/main" id="{0CAFC94C-B8F1-2F46-8429-1C6AC60091C5}"/>
-              </a:ext>
-            </a:extLst>
-          </p:cNvPr>
-          <p:cNvSpPr>
-            <a:spLocks noGrp="1"/>
-          </p:cNvSpPr>
-          <p:nvPr>
-            <p:ph type="title"/>
-          </p:nvPr>
-        </p:nvSpPr>
-        <p:spPr/>
-        <p:txBody>
-          <a:bodyPr/>
-          <a:lstStyle/>
-          <a:p>
-            <a:r>
-              <a:rPr lang="en-US" dirty="0"/>
-              <a:t>Models - </a:t>
-            </a:r>
-            <a:r>
-              <a:rPr lang="en-US" dirty="0" err="1"/>
-              <a:t>SKLearn</a:t>
-            </a:r>
-            <a:endParaRPr lang="en-US" sz="2400" dirty="0"/>
-          </a:p>
-        </p:txBody>
-      </p:sp>
-      <p:sp>
-        <p:nvSpPr>
-          <p:cNvPr id="3" name="Text Placeholder 2">
-            <a:extLst>
-              <a:ext uri="{FF2B5EF4-FFF2-40B4-BE49-F238E27FC236}">
-                <a16:creationId xmlns:a16="http://schemas.microsoft.com/office/drawing/2014/main" id="{20A48431-64F0-3A41-9438-12793F22BE0C}"/>
-              </a:ext>
-            </a:extLst>
-          </p:cNvPr>
-          <p:cNvSpPr>
-            <a:spLocks noGrp="1"/>
-          </p:cNvSpPr>
-          <p:nvPr>
-            <p:ph type="body" idx="1"/>
-          </p:nvPr>
-        </p:nvSpPr>
-        <p:spPr/>
-        <p:txBody>
-          <a:bodyPr/>
-          <a:lstStyle/>
-          <a:p>
-            <a:pPr algn="l"/>
-            <a:r>
-              <a:rPr lang="en-US" b="1" dirty="0"/>
-              <a:t>Bounding Box Prediction Models</a:t>
-            </a:r>
-          </a:p>
-        </p:txBody>
-      </p:sp>
-      <p:sp>
-        <p:nvSpPr>
-          <p:cNvPr id="4" name="Content Placeholder 3">
-            <a:extLst>
-              <a:ext uri="{FF2B5EF4-FFF2-40B4-BE49-F238E27FC236}">
-                <a16:creationId xmlns:a16="http://schemas.microsoft.com/office/drawing/2014/main" id="{7E935AF4-F7C7-9748-99D9-82C158F6E60A}"/>
-              </a:ext>
-            </a:extLst>
-          </p:cNvPr>
-          <p:cNvSpPr>
-            <a:spLocks noGrp="1"/>
-          </p:cNvSpPr>
-          <p:nvPr>
-            <p:ph sz="half" idx="2"/>
-          </p:nvPr>
-        </p:nvSpPr>
-        <p:spPr>
-          <a:xfrm>
-            <a:off x="814729" y="2751138"/>
-            <a:ext cx="5189856" cy="3409632"/>
-          </a:xfrm>
-        </p:spPr>
-        <p:txBody>
-          <a:bodyPr>
-            <a:normAutofit/>
-          </a:bodyPr>
-          <a:lstStyle/>
-          <a:p>
-            <a:pPr marL="0" indent="0">
-              <a:buNone/>
-            </a:pPr>
-            <a:r>
-              <a:rPr lang="en-US" dirty="0"/>
-              <a:t>3 models evaluated with </a:t>
-            </a:r>
-            <a:r>
-              <a:rPr lang="en-US" dirty="0" err="1"/>
-              <a:t>GridSearchCV</a:t>
-            </a:r>
-            <a:r>
-              <a:rPr lang="en-US" dirty="0"/>
-              <a:t> and different alpha parameters and KNN parameters (in order of performance)</a:t>
-            </a:r>
-          </a:p>
-          <a:p>
-            <a:r>
-              <a:rPr lang="en-US" dirty="0"/>
-              <a:t>Lasso Linear Regression *</a:t>
-            </a:r>
-          </a:p>
-          <a:p>
-            <a:r>
-              <a:rPr lang="en-US" dirty="0"/>
-              <a:t>K Nearest Neighbor</a:t>
-            </a:r>
-          </a:p>
-          <a:p>
-            <a:r>
-              <a:rPr lang="en-US" dirty="0"/>
-              <a:t>Ridge Linear Regression</a:t>
-            </a:r>
-          </a:p>
-          <a:p>
-            <a:pPr marL="0" indent="0">
-              <a:buNone/>
-            </a:pPr>
-            <a:r>
-              <a:rPr lang="en-US" dirty="0"/>
-              <a:t>* winner with alpha = 1 during subset training</a:t>
-            </a:r>
-            <a:br>
-              <a:rPr lang="en-US" dirty="0"/>
-            </a:br>
-            <a:br>
-              <a:rPr lang="en-US" dirty="0"/>
-            </a:br>
-            <a:r>
-              <a:rPr lang="en-US" dirty="0"/>
-              <a:t>Winning model (along with its params) placed into the localization pipeline.</a:t>
-            </a:r>
-          </a:p>
-        </p:txBody>
-      </p:sp>
-      <p:sp>
-        <p:nvSpPr>
-          <p:cNvPr id="5" name="Text Placeholder 4">
-            <a:extLst>
-              <a:ext uri="{FF2B5EF4-FFF2-40B4-BE49-F238E27FC236}">
-                <a16:creationId xmlns:a16="http://schemas.microsoft.com/office/drawing/2014/main" id="{7E4336B0-BB02-A142-A285-FD9A822C128D}"/>
-              </a:ext>
-            </a:extLst>
-          </p:cNvPr>
-          <p:cNvSpPr>
-            <a:spLocks noGrp="1"/>
-          </p:cNvSpPr>
-          <p:nvPr>
-            <p:ph type="body" sz="quarter" idx="3"/>
-          </p:nvPr>
-        </p:nvSpPr>
-        <p:spPr/>
-        <p:txBody>
-          <a:bodyPr/>
-          <a:lstStyle/>
-          <a:p>
-            <a:pPr algn="l"/>
-            <a:r>
-              <a:rPr lang="en-US" b="1" dirty="0"/>
-              <a:t>Classification Models</a:t>
-            </a:r>
-          </a:p>
-        </p:txBody>
-      </p:sp>
-      <p:sp>
-        <p:nvSpPr>
-          <p:cNvPr id="6" name="Content Placeholder 5">
-            <a:extLst>
-              <a:ext uri="{FF2B5EF4-FFF2-40B4-BE49-F238E27FC236}">
-                <a16:creationId xmlns:a16="http://schemas.microsoft.com/office/drawing/2014/main" id="{D12C8C3A-B4EC-FE46-AD92-3ADD3B823098}"/>
-              </a:ext>
-            </a:extLst>
-          </p:cNvPr>
-          <p:cNvSpPr>
-            <a:spLocks noGrp="1"/>
-          </p:cNvSpPr>
-          <p:nvPr>
-            <p:ph sz="quarter" idx="4"/>
-          </p:nvPr>
-        </p:nvSpPr>
-        <p:spPr/>
-        <p:txBody>
-          <a:bodyPr>
-            <a:normAutofit/>
-          </a:bodyPr>
-          <a:lstStyle/>
-          <a:p>
-            <a:r>
-              <a:rPr lang="en-US" dirty="0" err="1"/>
-              <a:t>SKLearn</a:t>
-            </a:r>
-            <a:r>
-              <a:rPr lang="en-US" dirty="0"/>
-              <a:t> Logistic Regression model</a:t>
-            </a:r>
-          </a:p>
-          <a:p>
-            <a:r>
-              <a:rPr lang="en-US" dirty="0"/>
-              <a:t>Homegrown Logistic Regression model using gradient descent</a:t>
-            </a:r>
-          </a:p>
-          <a:p>
-            <a:pPr marL="0" indent="0">
-              <a:buNone/>
-            </a:pPr>
-            <a:r>
-              <a:rPr lang="en-US" dirty="0"/>
-              <a:t>We did not have sufficient time to perform CV on these two models, but ran them both through training and test sets to compare predictions and performance.</a:t>
-            </a:r>
-          </a:p>
-        </p:txBody>
-      </p:sp>
-    </p:spTree>
-    <p:extLst>
-      <p:ext uri="{BB962C8B-B14F-4D97-AF65-F5344CB8AC3E}">
-        <p14:creationId xmlns:p14="http://schemas.microsoft.com/office/powerpoint/2010/main" val="4092814027"/>
-      </p:ext>
-    </p:extLst>
-  </p:cSld>
-  <p:clrMapOvr>
-    <a:masterClrMapping/>
-  </p:clrMapOvr>
-</p:sld>
-</file>
-
-<file path=ppt/slides/slide12.xml><?xml version="1.0" encoding="utf-8"?>
-<p:sld xmlns:a="http://schemas.openxmlformats.org/drawingml/2006/main" xmlns:r="http://schemas.openxmlformats.org/officeDocument/2006/relationships" xmlns:p="http://schemas.openxmlformats.org/presentationml/2006/main">
-  <p:cSld>
-    <p:spTree>
-      <p:nvGrpSpPr>
-        <p:cNvPr id="1" name=""/>
-        <p:cNvGrpSpPr/>
-        <p:nvPr/>
-      </p:nvGrpSpPr>
-      <p:grpSpPr>
-        <a:xfrm>
-          <a:off x="0" y="0"/>
-          <a:ext cx="0" cy="0"/>
-          <a:chOff x="0" y="0"/>
-          <a:chExt cx="0" cy="0"/>
-        </a:xfrm>
-      </p:grpSpPr>
-      <p:sp>
-        <p:nvSpPr>
-          <p:cNvPr id="2" name="Title 1">
-            <a:extLst>
-              <a:ext uri="{FF2B5EF4-FFF2-40B4-BE49-F238E27FC236}">
-                <a16:creationId xmlns:a16="http://schemas.microsoft.com/office/drawing/2014/main" id="{0CAFC94C-B8F1-2F46-8429-1C6AC60091C5}"/>
-              </a:ext>
-            </a:extLst>
-          </p:cNvPr>
-          <p:cNvSpPr>
-            <a:spLocks noGrp="1"/>
-          </p:cNvSpPr>
-          <p:nvPr>
-            <p:ph type="title"/>
-          </p:nvPr>
-        </p:nvSpPr>
-        <p:spPr/>
-        <p:txBody>
-          <a:bodyPr/>
-          <a:lstStyle/>
-          <a:p>
-            <a:r>
-              <a:rPr lang="en-US" dirty="0"/>
-              <a:t>Models - </a:t>
-            </a:r>
-            <a:r>
-              <a:rPr lang="en-US" dirty="0" err="1"/>
-              <a:t>PyTorch</a:t>
-            </a:r>
-            <a:endParaRPr lang="en-US" sz="2400" dirty="0"/>
-          </a:p>
-        </p:txBody>
-      </p:sp>
-    </p:spTree>
-    <p:extLst>
-      <p:ext uri="{BB962C8B-B14F-4D97-AF65-F5344CB8AC3E}">
-        <p14:creationId xmlns:p14="http://schemas.microsoft.com/office/powerpoint/2010/main" val="4096984414"/>
-      </p:ext>
-    </p:extLst>
-  </p:cSld>
-  <p:clrMapOvr>
-    <a:masterClrMapping/>
-  </p:clrMapOvr>
-</p:sld>
-</file>
-
-<file path=ppt/slides/slide13.xml><?xml version="1.0" encoding="utf-8"?>
-<p:sld xmlns:a="http://schemas.openxmlformats.org/drawingml/2006/main" xmlns:r="http://schemas.openxmlformats.org/officeDocument/2006/relationships" xmlns:p="http://schemas.openxmlformats.org/presentationml/2006/main">
-  <p:cSld>
-    <p:spTree>
-      <p:nvGrpSpPr>
-        <p:cNvPr id="1" name=""/>
-        <p:cNvGrpSpPr/>
-        <p:nvPr/>
-      </p:nvGrpSpPr>
-      <p:grpSpPr>
-        <a:xfrm>
-          <a:off x="0" y="0"/>
-          <a:ext cx="0" cy="0"/>
-          <a:chOff x="0" y="0"/>
-          <a:chExt cx="0" cy="0"/>
-        </a:xfrm>
-      </p:grpSpPr>
-      <p:sp>
-        <p:nvSpPr>
-          <p:cNvPr id="2" name="Title 1">
-            <a:extLst>
-              <a:ext uri="{FF2B5EF4-FFF2-40B4-BE49-F238E27FC236}">
-                <a16:creationId xmlns:a16="http://schemas.microsoft.com/office/drawing/2014/main" id="{0CAFC94C-B8F1-2F46-8429-1C6AC60091C5}"/>
-              </a:ext>
-            </a:extLst>
-          </p:cNvPr>
-          <p:cNvSpPr>
-            <a:spLocks noGrp="1"/>
-          </p:cNvSpPr>
-          <p:nvPr>
-            <p:ph type="title"/>
-          </p:nvPr>
-        </p:nvSpPr>
-        <p:spPr>
-          <a:xfrm>
-            <a:off x="556798" y="345588"/>
-            <a:ext cx="10571998" cy="970450"/>
-          </a:xfrm>
-        </p:spPr>
-        <p:txBody>
-          <a:bodyPr anchor="t"/>
-          <a:lstStyle/>
-          <a:p>
-            <a:r>
-              <a:rPr lang="en-US" dirty="0"/>
-              <a:t>Metrics - </a:t>
-            </a:r>
-            <a:r>
-              <a:rPr lang="en-US" dirty="0" err="1"/>
-              <a:t>SKLearn</a:t>
-            </a:r>
-            <a:endParaRPr lang="en-US" sz="2400" dirty="0"/>
-          </a:p>
-        </p:txBody>
-      </p:sp>
-      <p:pic>
-        <p:nvPicPr>
-          <p:cNvPr id="12" name="Picture 11" descr="Chart&#10;&#10;Description automatically generated">
-            <a:extLst>
-              <a:ext uri="{FF2B5EF4-FFF2-40B4-BE49-F238E27FC236}">
-                <a16:creationId xmlns:a16="http://schemas.microsoft.com/office/drawing/2014/main" id="{3855AA50-30B8-B741-B36E-604C4EF7941F}"/>
-              </a:ext>
-            </a:extLst>
-          </p:cNvPr>
-          <p:cNvPicPr>
-            <a:picLocks noChangeAspect="1"/>
-          </p:cNvPicPr>
-          <p:nvPr/>
-        </p:nvPicPr>
-        <p:blipFill rotWithShape="1">
-          <a:blip r:embed="rId3"/>
-          <a:srcRect t="3345"/>
-          <a:stretch/>
-        </p:blipFill>
-        <p:spPr>
-          <a:xfrm>
-            <a:off x="190500" y="2108200"/>
-            <a:ext cx="5905500" cy="3413612"/>
-          </a:xfrm>
-          <a:prstGeom prst="rect">
-            <a:avLst/>
-          </a:prstGeom>
-        </p:spPr>
-      </p:pic>
-      <p:pic>
-        <p:nvPicPr>
-          <p:cNvPr id="4" name="Picture 3" descr="Table&#10;&#10;Description automatically generated">
-            <a:extLst>
-              <a:ext uri="{FF2B5EF4-FFF2-40B4-BE49-F238E27FC236}">
-                <a16:creationId xmlns:a16="http://schemas.microsoft.com/office/drawing/2014/main" id="{DA6B71DC-553F-154A-83BE-A9DC9B6293E3}"/>
-              </a:ext>
-            </a:extLst>
-          </p:cNvPr>
-          <p:cNvPicPr>
-            <a:picLocks noChangeAspect="1"/>
-          </p:cNvPicPr>
-          <p:nvPr/>
-        </p:nvPicPr>
-        <p:blipFill>
-          <a:blip r:embed="rId4"/>
-          <a:stretch>
-            <a:fillRect/>
-          </a:stretch>
-        </p:blipFill>
-        <p:spPr>
-          <a:xfrm>
-            <a:off x="6529070" y="2645018"/>
-            <a:ext cx="5346700" cy="2827094"/>
-          </a:xfrm>
-          <a:prstGeom prst="rect">
-            <a:avLst/>
-          </a:prstGeom>
-        </p:spPr>
-      </p:pic>
-      <p:sp>
-        <p:nvSpPr>
-          <p:cNvPr id="5" name="TextBox 4">
-            <a:extLst>
-              <a:ext uri="{FF2B5EF4-FFF2-40B4-BE49-F238E27FC236}">
-                <a16:creationId xmlns:a16="http://schemas.microsoft.com/office/drawing/2014/main" id="{5CCFA8BA-102A-814F-A288-A982069E7238}"/>
-              </a:ext>
-            </a:extLst>
-          </p:cNvPr>
-          <p:cNvSpPr txBox="1"/>
-          <p:nvPr/>
-        </p:nvSpPr>
-        <p:spPr>
-          <a:xfrm>
-            <a:off x="6546533" y="5715000"/>
-            <a:ext cx="5057775" cy="369332"/>
-          </a:xfrm>
-          <a:prstGeom prst="rect">
-            <a:avLst/>
-          </a:prstGeom>
-          <a:noFill/>
-        </p:spPr>
-        <p:txBody>
-          <a:bodyPr wrap="square" rtlCol="0">
-            <a:spAutoFit/>
-          </a:bodyPr>
-          <a:lstStyle/>
-          <a:p>
-            <a:r>
-              <a:rPr lang="en-US" dirty="0"/>
-              <a:t>Linear Model Comparison with MSE</a:t>
-            </a:r>
-          </a:p>
-        </p:txBody>
-      </p:sp>
-      <p:sp>
-        <p:nvSpPr>
-          <p:cNvPr id="6" name="TextBox 5">
-            <a:extLst>
-              <a:ext uri="{FF2B5EF4-FFF2-40B4-BE49-F238E27FC236}">
-                <a16:creationId xmlns:a16="http://schemas.microsoft.com/office/drawing/2014/main" id="{C69F0322-2477-E547-80D9-C01F408423B6}"/>
-              </a:ext>
-            </a:extLst>
-          </p:cNvPr>
-          <p:cNvSpPr txBox="1"/>
-          <p:nvPr/>
-        </p:nvSpPr>
-        <p:spPr>
-          <a:xfrm>
-            <a:off x="190500" y="5715000"/>
-            <a:ext cx="5905500" cy="369332"/>
-          </a:xfrm>
-          <a:prstGeom prst="rect">
-            <a:avLst/>
-          </a:prstGeom>
-          <a:noFill/>
-        </p:spPr>
-        <p:txBody>
-          <a:bodyPr wrap="square" rtlCol="0">
-            <a:spAutoFit/>
-          </a:bodyPr>
-          <a:lstStyle/>
-          <a:p>
-            <a:r>
-              <a:rPr lang="en-US" dirty="0"/>
-              <a:t>Loss and Cost over Epochs with </a:t>
-            </a:r>
-            <a:r>
-              <a:rPr lang="en-US"/>
-              <a:t>Logistic Regression</a:t>
-            </a:r>
-          </a:p>
-        </p:txBody>
-      </p:sp>
-    </p:spTree>
-    <p:extLst>
-      <p:ext uri="{BB962C8B-B14F-4D97-AF65-F5344CB8AC3E}">
-        <p14:creationId xmlns:p14="http://schemas.microsoft.com/office/powerpoint/2010/main" val="3656580415"/>
-      </p:ext>
-    </p:extLst>
-  </p:cSld>
-  <p:clrMapOvr>
-    <a:masterClrMapping/>
-  </p:clrMapOvr>
-</p:sld>
-</file>
-
-<file path=ppt/slides/slide14.xml><?xml version="1.0" encoding="utf-8"?>
-<p:sld xmlns:a="http://schemas.openxmlformats.org/drawingml/2006/main" xmlns:r="http://schemas.openxmlformats.org/officeDocument/2006/relationships" xmlns:p="http://schemas.openxmlformats.org/presentationml/2006/main">
-  <p:cSld>
-    <p:spTree>
-      <p:nvGrpSpPr>
-        <p:cNvPr id="1" name=""/>
-        <p:cNvGrpSpPr/>
-        <p:nvPr/>
-      </p:nvGrpSpPr>
-      <p:grpSpPr>
-        <a:xfrm>
-          <a:off x="0" y="0"/>
-          <a:ext cx="0" cy="0"/>
-          <a:chOff x="0" y="0"/>
-          <a:chExt cx="0" cy="0"/>
-        </a:xfrm>
-      </p:grpSpPr>
-      <p:sp>
-        <p:nvSpPr>
-          <p:cNvPr id="2" name="Title 1">
-            <a:extLst>
-              <a:ext uri="{FF2B5EF4-FFF2-40B4-BE49-F238E27FC236}">
-                <a16:creationId xmlns:a16="http://schemas.microsoft.com/office/drawing/2014/main" id="{0CAFC94C-B8F1-2F46-8429-1C6AC60091C5}"/>
-              </a:ext>
-            </a:extLst>
-          </p:cNvPr>
-          <p:cNvSpPr>
-            <a:spLocks noGrp="1"/>
-          </p:cNvSpPr>
-          <p:nvPr>
-            <p:ph type="title"/>
-          </p:nvPr>
-        </p:nvSpPr>
-        <p:spPr>
-          <a:xfrm>
-            <a:off x="556798" y="345588"/>
-            <a:ext cx="10571998" cy="970450"/>
-          </a:xfrm>
-        </p:spPr>
-        <p:txBody>
-          <a:bodyPr anchor="t"/>
-          <a:lstStyle/>
-          <a:p>
-            <a:r>
-              <a:rPr lang="en-US" dirty="0"/>
-              <a:t>Metrics - </a:t>
-            </a:r>
-            <a:r>
-              <a:rPr lang="en-US" dirty="0" err="1"/>
-              <a:t>PyTorch</a:t>
-            </a:r>
-            <a:endParaRPr lang="en-US" sz="2400" dirty="0"/>
-          </a:p>
-        </p:txBody>
-      </p:sp>
-    </p:spTree>
-    <p:extLst>
-      <p:ext uri="{BB962C8B-B14F-4D97-AF65-F5344CB8AC3E}">
-        <p14:creationId xmlns:p14="http://schemas.microsoft.com/office/powerpoint/2010/main" val="3947111687"/>
-      </p:ext>
-    </p:extLst>
-  </p:cSld>
-  <p:clrMapOvr>
-    <a:masterClrMapping/>
-  </p:clrMapOvr>
-</p:sld>
-</file>
-
-<file path=ppt/slides/slide15.xml><?xml version="1.0" encoding="utf-8"?>
-<p:sld xmlns:a="http://schemas.openxmlformats.org/drawingml/2006/main" xmlns:r="http://schemas.openxmlformats.org/officeDocument/2006/relationships" xmlns:p="http://schemas.openxmlformats.org/presentationml/2006/main">
-  <p:cSld>
-    <p:spTree>
-      <p:nvGrpSpPr>
-        <p:cNvPr id="1" name=""/>
-        <p:cNvGrpSpPr/>
-        <p:nvPr/>
-      </p:nvGrpSpPr>
-      <p:grpSpPr>
-        <a:xfrm>
-          <a:off x="0" y="0"/>
-          <a:ext cx="0" cy="0"/>
-          <a:chOff x="0" y="0"/>
-          <a:chExt cx="0" cy="0"/>
-        </a:xfrm>
-      </p:grpSpPr>
-      <p:sp>
-        <p:nvSpPr>
-          <p:cNvPr id="2" name="Title 1">
-            <a:extLst>
-              <a:ext uri="{FF2B5EF4-FFF2-40B4-BE49-F238E27FC236}">
-                <a16:creationId xmlns:a16="http://schemas.microsoft.com/office/drawing/2014/main" id="{0CAFC94C-B8F1-2F46-8429-1C6AC60091C5}"/>
-              </a:ext>
-            </a:extLst>
-          </p:cNvPr>
-          <p:cNvSpPr>
-            <a:spLocks noGrp="1"/>
-          </p:cNvSpPr>
-          <p:nvPr>
-            <p:ph type="title"/>
-          </p:nvPr>
-        </p:nvSpPr>
-        <p:spPr>
-          <a:xfrm>
-            <a:off x="179953" y="467075"/>
-            <a:ext cx="10571998" cy="970450"/>
-          </a:xfrm>
-        </p:spPr>
-        <p:txBody>
-          <a:bodyPr/>
-          <a:lstStyle/>
-          <a:p>
-            <a:r>
-              <a:rPr lang="en-US" dirty="0"/>
-              <a:t>Results &amp;</a:t>
-            </a:r>
-            <a:br>
-              <a:rPr lang="en-US" dirty="0"/>
-            </a:br>
-            <a:r>
-              <a:rPr lang="en-US" dirty="0"/>
-              <a:t>Discussion</a:t>
-            </a:r>
-            <a:endParaRPr lang="en-US" sz="2400" dirty="0"/>
-          </a:p>
-        </p:txBody>
-      </p:sp>
-      <p:sp>
-        <p:nvSpPr>
-          <p:cNvPr id="4" name="Content Placeholder 3">
-            <a:extLst>
-              <a:ext uri="{FF2B5EF4-FFF2-40B4-BE49-F238E27FC236}">
-                <a16:creationId xmlns:a16="http://schemas.microsoft.com/office/drawing/2014/main" id="{7E935AF4-F7C7-9748-99D9-82C158F6E60A}"/>
-              </a:ext>
-            </a:extLst>
-          </p:cNvPr>
-          <p:cNvSpPr>
-            <a:spLocks noGrp="1"/>
-          </p:cNvSpPr>
-          <p:nvPr>
-            <p:ph sz="half" idx="2"/>
-          </p:nvPr>
-        </p:nvSpPr>
-        <p:spPr>
-          <a:xfrm>
-            <a:off x="814727" y="2751138"/>
-            <a:ext cx="11197319" cy="4106862"/>
-          </a:xfrm>
-        </p:spPr>
-        <p:txBody>
-          <a:bodyPr>
-            <a:normAutofit fontScale="92500" lnSpcReduction="10000"/>
-          </a:bodyPr>
-          <a:lstStyle/>
-          <a:p>
-            <a:pPr marL="0" indent="0">
-              <a:buNone/>
-            </a:pPr>
-            <a:r>
-              <a:rPr lang="en-US" sz="2400" b="1" dirty="0"/>
-              <a:t>Project challenges/difficulties</a:t>
-            </a:r>
-          </a:p>
-          <a:p>
-            <a:endParaRPr lang="en-US" dirty="0"/>
-          </a:p>
-          <a:p>
-            <a:r>
-              <a:rPr lang="en-US" sz="2000" dirty="0"/>
-              <a:t>Confusion over which models to use and Phase 1 expectations took time away from coding efforts, took a while to understand which data to use for which step</a:t>
-            </a:r>
-          </a:p>
-          <a:p>
-            <a:r>
-              <a:rPr lang="en-US" sz="2000" dirty="0"/>
-              <a:t>Not able to perform ideal optimization or cross validation of Homegrown vs </a:t>
-            </a:r>
-            <a:r>
-              <a:rPr lang="en-US" sz="2000" dirty="0" err="1"/>
-              <a:t>LogReg</a:t>
-            </a:r>
-            <a:r>
-              <a:rPr lang="en-US" sz="2000" dirty="0"/>
-              <a:t> model for classification</a:t>
-            </a:r>
-          </a:p>
-          <a:p>
-            <a:r>
-              <a:rPr lang="en-US" sz="2000" dirty="0"/>
-              <a:t>Pipelines not optimized, unable to debug Feature Union in time for ideal flow from </a:t>
-            </a:r>
-            <a:r>
-              <a:rPr lang="en-US" sz="2000" dirty="0" err="1"/>
-              <a:t>bbox</a:t>
-            </a:r>
-            <a:r>
-              <a:rPr lang="en-US" sz="2000" dirty="0"/>
-              <a:t> predict &gt; feature engineering &gt; class predict</a:t>
-            </a:r>
-          </a:p>
-          <a:p>
-            <a:r>
-              <a:rPr lang="en-US" sz="2000" b="1" dirty="0"/>
-              <a:t>Irregular image ground truth </a:t>
-            </a:r>
-            <a:r>
-              <a:rPr lang="en-US" sz="2000" dirty="0"/>
-              <a:t>(raccoon image classified as dog, inaccurate bounding boxes, “depictions” which could be paintings, statues, filtered images, etc.)</a:t>
-            </a:r>
-          </a:p>
-          <a:p>
-            <a:r>
-              <a:rPr lang="en-US" sz="2000" dirty="0" err="1"/>
-              <a:t>Cuda</a:t>
-            </a:r>
-            <a:r>
-              <a:rPr lang="en-US" sz="2000" dirty="0"/>
-              <a:t> GPU requirement for </a:t>
-            </a:r>
-            <a:r>
-              <a:rPr lang="en-US" sz="2000" dirty="0" err="1"/>
-              <a:t>PyTorch</a:t>
-            </a:r>
-            <a:r>
-              <a:rPr lang="en-US" sz="2000" dirty="0"/>
-              <a:t> required use of Google </a:t>
-            </a:r>
-            <a:r>
-              <a:rPr lang="en-US" sz="2000" dirty="0" err="1"/>
-              <a:t>Colab</a:t>
-            </a:r>
-            <a:r>
-              <a:rPr lang="en-US" sz="2000" dirty="0"/>
-              <a:t> (team working from Mac laptops that did not have applicable GPUs) </a:t>
-            </a:r>
-          </a:p>
-        </p:txBody>
-      </p:sp>
-      <p:pic>
-        <p:nvPicPr>
-          <p:cNvPr id="7" name="Picture 6" descr="A picture containing text, mammal, indoor&#10;&#10;Description automatically generated">
-            <a:extLst>
-              <a:ext uri="{FF2B5EF4-FFF2-40B4-BE49-F238E27FC236}">
-                <a16:creationId xmlns:a16="http://schemas.microsoft.com/office/drawing/2014/main" id="{D1D5A68E-5BF2-8B4B-96ED-C01F176BDC1C}"/>
-              </a:ext>
-            </a:extLst>
-          </p:cNvPr>
-          <p:cNvPicPr>
-            <a:picLocks noChangeAspect="1"/>
-          </p:cNvPicPr>
-          <p:nvPr/>
-        </p:nvPicPr>
-        <p:blipFill rotWithShape="1">
-          <a:blip r:embed="rId3"/>
-          <a:srcRect b="3614"/>
-          <a:stretch/>
-        </p:blipFill>
-        <p:spPr>
-          <a:xfrm>
-            <a:off x="9784079" y="123911"/>
-            <a:ext cx="2227967" cy="1704739"/>
-          </a:xfrm>
-          <a:prstGeom prst="round2DiagRect">
-            <a:avLst>
-              <a:gd name="adj1" fmla="val 16667"/>
-              <a:gd name="adj2" fmla="val 0"/>
-            </a:avLst>
-          </a:prstGeom>
-          <a:ln w="88900" cap="sq">
-            <a:solidFill>
-              <a:srgbClr val="FFFFFF"/>
-            </a:solidFill>
-            <a:miter lim="800000"/>
-          </a:ln>
-          <a:effectLst>
-            <a:outerShdw blurRad="254000" algn="tl" rotWithShape="0">
-              <a:srgbClr val="000000">
-                <a:alpha val="43000"/>
-              </a:srgbClr>
-            </a:outerShdw>
-          </a:effectLst>
-        </p:spPr>
-      </p:pic>
-      <p:sp>
-        <p:nvSpPr>
-          <p:cNvPr id="8" name="TextBox 7">
-            <a:extLst>
-              <a:ext uri="{FF2B5EF4-FFF2-40B4-BE49-F238E27FC236}">
-                <a16:creationId xmlns:a16="http://schemas.microsoft.com/office/drawing/2014/main" id="{2E8FC593-31CB-9E41-A2D2-BFC2847188C2}"/>
-              </a:ext>
-            </a:extLst>
-          </p:cNvPr>
-          <p:cNvSpPr txBox="1"/>
-          <p:nvPr/>
-        </p:nvSpPr>
-        <p:spPr>
-          <a:xfrm>
-            <a:off x="9781798" y="976280"/>
-            <a:ext cx="1066800" cy="461665"/>
-          </a:xfrm>
-          <a:prstGeom prst="rect">
-            <a:avLst/>
-          </a:prstGeom>
-          <a:noFill/>
-        </p:spPr>
-        <p:txBody>
-          <a:bodyPr wrap="square" rtlCol="0">
-            <a:spAutoFit/>
-          </a:bodyPr>
-          <a:lstStyle/>
-          <a:p>
-            <a:r>
-              <a:rPr lang="en-US" sz="2400" b="1" dirty="0">
-                <a:solidFill>
-                  <a:schemeClr val="accent1">
-                    <a:lumMod val="50000"/>
-                  </a:schemeClr>
-                </a:solidFill>
-              </a:rPr>
-              <a:t>dog?</a:t>
-            </a:r>
-          </a:p>
-        </p:txBody>
-      </p:sp>
-    </p:spTree>
-    <p:extLst>
-      <p:ext uri="{BB962C8B-B14F-4D97-AF65-F5344CB8AC3E}">
-        <p14:creationId xmlns:p14="http://schemas.microsoft.com/office/powerpoint/2010/main" val="1837173560"/>
-      </p:ext>
-    </p:extLst>
-  </p:cSld>
-  <p:clrMapOvr>
-    <a:masterClrMapping/>
-  </p:clrMapOvr>
-</p:sld>
-</file>
-
-<file path=ppt/slides/slide16.xml><?xml version="1.0" encoding="utf-8"?>
-<p:sld xmlns:a="http://schemas.openxmlformats.org/drawingml/2006/main" xmlns:r="http://schemas.openxmlformats.org/officeDocument/2006/relationships" xmlns:p="http://schemas.openxmlformats.org/presentationml/2006/main">
-  <p:cSld>
-    <p:spTree>
-      <p:nvGrpSpPr>
-        <p:cNvPr id="1" name=""/>
-        <p:cNvGrpSpPr/>
-        <p:nvPr/>
-      </p:nvGrpSpPr>
-      <p:grpSpPr>
-        <a:xfrm>
-          <a:off x="0" y="0"/>
-          <a:ext cx="0" cy="0"/>
-          <a:chOff x="0" y="0"/>
-          <a:chExt cx="0" cy="0"/>
-        </a:xfrm>
-      </p:grpSpPr>
-      <p:sp>
-        <p:nvSpPr>
           <p:cNvPr id="4" name="Title 3">
             <a:extLst>
               <a:ext uri="{FF2B5EF4-FFF2-40B4-BE49-F238E27FC236}">
@@ -11707,40 +9083,28 @@
           <a:p>
             <a:r>
               <a:rPr lang="en-US" dirty="0"/>
-              <a:t>Future Steps:</a:t>
-            </a:r>
-          </a:p>
-          <a:p>
-            <a:r>
-              <a:rPr lang="en-US" dirty="0">
-                <a:solidFill>
-                  <a:srgbClr val="FF0000"/>
-                </a:solidFill>
-              </a:rPr>
-              <a:t>Develop  unsupervised machine learning models in </a:t>
-            </a:r>
-            <a:r>
-              <a:rPr lang="en-US" dirty="0" err="1">
-                <a:solidFill>
-                  <a:srgbClr val="FF0000"/>
-                </a:solidFill>
-              </a:rPr>
+              <a:t>Next Steps:</a:t>
+            </a:r>
+          </a:p>
+          <a:p>
+            <a:r>
+              <a:rPr lang="en-US" dirty="0"/>
+              <a:t>Tune </a:t>
+            </a:r>
+            <a:r>
+              <a:rPr lang="en-US" dirty="0" err="1"/>
               <a:t>PyTorch</a:t>
             </a:r>
+            <a:r>
+              <a:rPr lang="en-US" dirty="0"/>
+              <a:t> models and image transformations to improve</a:t>
+            </a:r>
             <a:br>
-              <a:rPr lang="en-US" dirty="0">
-                <a:solidFill>
-                  <a:srgbClr val="FF0000"/>
-                </a:solidFill>
-              </a:rPr>
+              <a:rPr lang="en-US" dirty="0"/>
             </a:br>
             <a:r>
-              <a:rPr lang="en-US" dirty="0">
-                <a:solidFill>
-                  <a:srgbClr val="FF0000"/>
-                </a:solidFill>
-              </a:rPr>
-              <a:t>to better predict bounding boxes and image classes.  </a:t>
+              <a:rPr lang="en-US" dirty="0"/>
+              <a:t>prediction performance and accuracy.</a:t>
             </a:r>
           </a:p>
         </p:txBody>
@@ -11760,7 +9124,7 @@
         <p:spPr>
           <a:xfrm>
             <a:off x="1155939" y="966158"/>
-            <a:ext cx="9558068" cy="3693319"/>
+            <a:ext cx="9558068" cy="3139321"/>
           </a:xfrm>
           <a:prstGeom prst="rect">
             <a:avLst/>
@@ -11779,7 +9143,7 @@
                   <a:schemeClr val="bg1"/>
                 </a:solidFill>
               </a:rPr>
-              <a:t>We aimed to train a model to predict bounding boxes based on provided images and then predict whether each image was a dog or cat as a classification step, using pipelines, </a:t>
+              <a:t>We aimed to train a model to predict bounding boxes based on provided images and then predict whether each image was a dog or cat as a classification step, using </a:t>
             </a:r>
             <a:r>
               <a:rPr lang="en-US" dirty="0" err="1">
@@ -11787,7 +9151,7 @@
                   <a:schemeClr val="bg1"/>
                 </a:solidFill>
               </a:rPr>
-              <a:t>SKLearn</a:t>
+              <a:t>PyTorch</a:t>
             </a:r>
             <a:r>
               <a:rPr lang="en-US" dirty="0">
@@ -11795,47 +9159,11 @@
                   <a:schemeClr val="bg1"/>
                 </a:solidFill>
               </a:rPr>
-              <a:t>, and a homegrown model. Image classification’s a complex ML problem. Focusing on a subset of data allowed a short-term project to be approachable. Class prediction based on bounding-boxes alone doesn’t seem to indicate a high probability of success. </a:t>
-            </a:r>
-            <a:r>
-              <a:rPr lang="en-US" dirty="0">
-                <a:solidFill>
-                  <a:srgbClr val="FF0000"/>
-                </a:solidFill>
-              </a:rPr>
-              <a:t>We’d hoped to achieve above 50% accuracy and planned to use confusion matrices and a combination of F1/accuracy scoring to compare our classification models. Time limitations affected our outcome and though the </a:t>
-            </a:r>
-            <a:r>
-              <a:rPr lang="en-US" dirty="0" err="1">
-                <a:solidFill>
-                  <a:srgbClr val="FF0000"/>
-                </a:solidFill>
-              </a:rPr>
-              <a:t>bbox</a:t>
-            </a:r>
-            <a:r>
-              <a:rPr lang="en-US" dirty="0">
-                <a:solidFill>
-                  <a:srgbClr val="FF0000"/>
-                </a:solidFill>
-              </a:rPr>
-              <a:t> prediction models and pipelines function properly, the predictions from our classification models were not usable. They predicted the same values for all images. We hope that implementing unsupervised machine learning with </a:t>
-            </a:r>
-            <a:r>
-              <a:rPr lang="en-US" dirty="0" err="1">
-                <a:solidFill>
-                  <a:srgbClr val="FF0000"/>
-                </a:solidFill>
-              </a:rPr>
-              <a:t>PyTorch</a:t>
-            </a:r>
-            <a:r>
-              <a:rPr lang="en-US" dirty="0">
-                <a:solidFill>
-                  <a:srgbClr val="FF0000"/>
-                </a:solidFill>
-              </a:rPr>
-              <a:t> and additional tools available therein will allow us to examine metrics on the classification task.</a:t>
+              <a:t> and neural networks. Image classification is a complex machine learning problem. Focusing on a subset of data allowed a short-term project to be approachable. Class prediction based on bounding-boxes alone doesn’t seem to indicate a high probability of success. </a:t>
+            </a:r>
+            <a:r>
+              <a:rPr lang="en-US" dirty="0"/>
+              <a:t>We achieved about 53% accuracy and intended to explore additional convolutional layer options and image transformations to increase accuracy, and time limitations affected our outcome. One out of two of our model training processes functions properly. We hope to explore additional model setups and transformations to improve prediction accuracy.</a:t>
             </a:r>
           </a:p>
         </p:txBody>
@@ -12322,8 +9650,8 @@
         </p:nvSpPr>
         <p:spPr>
           <a:xfrm>
-            <a:off x="3183641" y="340516"/>
-            <a:ext cx="8933061" cy="576262"/>
+            <a:off x="590753" y="285593"/>
+            <a:ext cx="11121083" cy="576262"/>
           </a:xfrm>
         </p:spPr>
         <p:txBody>
@@ -12332,9 +9660,13 @@
           <a:p>
             <a:r>
               <a:rPr lang="en-US" sz="3600" dirty="0"/>
-              <a:t>Data – Description and Statistics</a:t>
-            </a:r>
-            <a:endParaRPr lang="en-US" sz="2000" dirty="0">
+              <a:t>Data – Description and Statistics </a:t>
+            </a:r>
+            <a:r>
+              <a:rPr lang="en-US" sz="2400" b="0" dirty="0"/>
+              <a:t>– no Phase 2 updates</a:t>
+            </a:r>
+            <a:endParaRPr lang="en-US" sz="2000" b="0" dirty="0">
               <a:solidFill>
                 <a:schemeClr val="accent1">
                   <a:lumMod val="50000"/>
@@ -12608,11 +9940,15 @@
           <a:p>
             <a:r>
               <a:rPr lang="en-US" sz="3600" dirty="0"/>
-              <a:t>Data Tasks – Updated for </a:t>
+              <a:t>Data Tasks – Updated for Phase 2 - </a:t>
             </a:r>
             <a:r>
               <a:rPr lang="en-US" sz="3600" dirty="0" err="1"/>
               <a:t>PyTorch</a:t>
+            </a:r>
+            <a:r>
+              <a:rPr lang="en-US" sz="3600" dirty="0"/>
+              <a:t> </a:t>
             </a:r>
             <a:endParaRPr lang="en-US" sz="2000" dirty="0">
               <a:solidFill>
@@ -12665,10 +10001,11 @@
             </a:r>
             <a:r>
               <a:rPr lang="en-US" dirty="0"/>
-              <a:t> CSV and parse metadata</a:t>
-            </a:r>
-          </a:p>
-          <a:p>
+              <a:t> CSV and parse metadata, </a:t>
+            </a:r>
+            <a:br>
+              <a:rPr lang="en-US" dirty="0"/>
+            </a:br>
             <a:r>
               <a:rPr lang="en-US" dirty="0">
                 <a:solidFill>
@@ -12678,12 +10015,27 @@
                   </a:schemeClr>
                 </a:solidFill>
               </a:rPr>
-              <a:t>Extract</a:t>
+              <a:t>Train/Test split </a:t>
+            </a:r>
+            <a:r>
+              <a:rPr lang="en-US" dirty="0"/>
+              <a:t>data indices using </a:t>
+            </a:r>
+            <a:r>
+              <a:rPr lang="en-US" dirty="0" err="1"/>
+              <a:t>SubsetRandomSampler</a:t>
             </a:r>
             <a:r>
               <a:rPr lang="en-US" dirty="0"/>
               <a:t> and </a:t>
             </a:r>
+            <a:r>
+              <a:rPr lang="en-US" dirty="0" err="1"/>
+              <a:t>DataLoader</a:t>
+            </a:r>
+            <a:endParaRPr lang="en-US" dirty="0"/>
+          </a:p>
+          <a:p>
             <a:r>
               <a:rPr lang="en-US" dirty="0">
                 <a:solidFill>
@@ -12693,22 +10045,12 @@
                   </a:schemeClr>
                 </a:solidFill>
               </a:rPr>
-              <a:t>import images </a:t>
+              <a:t>Transform </a:t>
             </a:r>
             <a:r>
               <a:rPr lang="en-US" dirty="0"/>
-              <a:t>&amp; examine width, height, ratios, </a:t>
-            </a:r>
-            <a:r>
-              <a:rPr lang="en-US" dirty="0" err="1"/>
-              <a:t>filesize</a:t>
-            </a:r>
-            <a:r>
-              <a:rPr lang="en-US" dirty="0"/>
-              <a:t>, etc.</a:t>
-            </a:r>
-          </a:p>
-          <a:p>
+              <a:t>with</a:t>
+            </a:r>
             <a:r>
               <a:rPr lang="en-US" dirty="0">
                 <a:solidFill>
@@ -12718,17 +10060,7 @@
                   </a:schemeClr>
                 </a:solidFill>
               </a:rPr>
-              <a:t>Resize images to 128x128</a:t>
-            </a:r>
-            <a:r>
-              <a:rPr lang="en-US" dirty="0"/>
-              <a:t> as normalization</a:t>
-            </a:r>
-          </a:p>
-          <a:p>
-            <a:r>
-              <a:rPr lang="en-US" dirty="0"/>
-              <a:t>Convert resized image data to a </a:t>
+              <a:t> </a:t>
             </a:r>
             <a:r>
               <a:rPr lang="en-US" dirty="0" err="1">
@@ -12739,24 +10071,7 @@
                   </a:schemeClr>
                 </a:solidFill>
               </a:rPr>
-              <a:t>numpy</a:t>
-            </a:r>
-            <a:r>
-              <a:rPr lang="en-US" dirty="0">
-                <a:solidFill>
-                  <a:schemeClr val="accent1">
-                    <a:lumMod val="60000"/>
-                    <a:lumOff val="40000"/>
-                  </a:schemeClr>
-                </a:solidFill>
-              </a:rPr>
-              <a:t> array</a:t>
-            </a:r>
-          </a:p>
-          <a:p>
-            <a:r>
-              <a:rPr lang="en-US" dirty="0"/>
-              <a:t>Exploratory Data Analysis </a:t>
+              <a:t>CustomDataset</a:t>
             </a:r>
             <a:endParaRPr lang="en-US" dirty="0">
               <a:solidFill>
@@ -12768,9 +10083,10 @@
             </a:endParaRPr>
           </a:p>
           <a:p>
+            <a:pPr lvl="1"/>
             <a:r>
               <a:rPr lang="en-US" dirty="0"/>
-              <a:t>Save resized images, </a:t>
+              <a:t>Convert to </a:t>
             </a:r>
             <a:r>
               <a:rPr lang="en-US" dirty="0">
@@ -12781,11 +10097,14 @@
                   </a:schemeClr>
                 </a:solidFill>
               </a:rPr>
-              <a:t>bounding box points </a:t>
-            </a:r>
+              <a:t>Tensor</a:t>
+            </a:r>
+          </a:p>
+          <a:p>
+            <a:pPr lvl="1"/>
             <a:r>
               <a:rPr lang="en-US" dirty="0"/>
-              <a:t>and </a:t>
+              <a:t>Transform to </a:t>
             </a:r>
             <a:r>
               <a:rPr lang="en-US" dirty="0">
@@ -12796,26 +10115,15 @@
                   </a:schemeClr>
                 </a:solidFill>
               </a:rPr>
-              <a:t>image labels </a:t>
+              <a:t>grayscale</a:t>
             </a:r>
             <a:r>
               <a:rPr lang="en-US" dirty="0"/>
-              <a:t>to </a:t>
-            </a:r>
-            <a:r>
-              <a:rPr lang="en-US" dirty="0" err="1"/>
-              <a:t>numpy</a:t>
-            </a:r>
-            <a:r>
-              <a:rPr lang="en-US" dirty="0"/>
-              <a:t> files as a checkpoint</a:t>
-            </a:r>
-          </a:p>
-          <a:p>
-            <a:r>
-              <a:rPr lang="en-US" dirty="0"/>
-              <a:t>Feature engineering, </a:t>
-            </a:r>
+              <a:t> to reduce channels</a:t>
+            </a:r>
+          </a:p>
+          <a:p>
+            <a:pPr lvl="1"/>
             <a:r>
               <a:rPr lang="en-US" dirty="0">
                 <a:solidFill>
@@ -12825,41 +10133,12 @@
                   </a:schemeClr>
                 </a:solidFill>
               </a:rPr>
-              <a:t>create additional columns </a:t>
+              <a:t>Resize images to 128x128</a:t>
             </a:r>
             <a:r>
               <a:rPr lang="en-US" dirty="0"/>
-              <a:t>from bounding box </a:t>
-            </a:r>
-            <a:r>
-              <a:rPr lang="en-US" dirty="0" err="1"/>
-              <a:t>XMin</a:t>
-            </a:r>
-            <a:r>
-              <a:rPr lang="en-US" dirty="0"/>
-              <a:t>, </a:t>
-            </a:r>
-            <a:r>
-              <a:rPr lang="en-US" dirty="0" err="1"/>
-              <a:t>YMin</a:t>
-            </a:r>
-            <a:r>
-              <a:rPr lang="en-US" dirty="0"/>
-              <a:t>, </a:t>
-            </a:r>
-            <a:r>
-              <a:rPr lang="en-US" dirty="0" err="1"/>
-              <a:t>XMax</a:t>
-            </a:r>
-            <a:r>
-              <a:rPr lang="en-US" dirty="0"/>
-              <a:t>, </a:t>
-            </a:r>
-            <a:r>
-              <a:rPr lang="en-US" dirty="0" err="1"/>
-              <a:t>YMax</a:t>
-            </a:r>
-            <a:endParaRPr lang="en-US" dirty="0"/>
+              <a:t> as normalization</a:t>
+            </a:r>
           </a:p>
           <a:p>
             <a:r>
@@ -12871,26 +10150,11 @@
                   </a:schemeClr>
                 </a:solidFill>
               </a:rPr>
-              <a:t>Train/Test split </a:t>
+              <a:t>Predict</a:t>
             </a:r>
             <a:r>
               <a:rPr lang="en-US" dirty="0"/>
-              <a:t>data, and </a:t>
-            </a:r>
-            <a:r>
-              <a:rPr lang="en-US" dirty="0">
-                <a:solidFill>
-                  <a:schemeClr val="accent1">
-                    <a:lumMod val="60000"/>
-                    <a:lumOff val="40000"/>
-                  </a:schemeClr>
-                </a:solidFill>
-              </a:rPr>
-              <a:t>run feature engineering steps </a:t>
-            </a:r>
-            <a:r>
-              <a:rPr lang="en-US" dirty="0"/>
-              <a:t>after training models</a:t>
+              <a:t> class and bounding boxes</a:t>
             </a:r>
           </a:p>
         </p:txBody>
@@ -12927,3531 +10191,6 @@
       </p:grpSpPr>
       <p:sp>
         <p:nvSpPr>
-          <p:cNvPr id="2" name="Title 1">
-            <a:extLst>
-              <a:ext uri="{FF2B5EF4-FFF2-40B4-BE49-F238E27FC236}">
-                <a16:creationId xmlns:a16="http://schemas.microsoft.com/office/drawing/2014/main" id="{270EC188-A6EC-CA47-B52E-241DA02EA7A9}"/>
-              </a:ext>
-            </a:extLst>
-          </p:cNvPr>
-          <p:cNvSpPr>
-            <a:spLocks noGrp="1"/>
-          </p:cNvSpPr>
-          <p:nvPr>
-            <p:ph type="title" idx="4294967295"/>
-          </p:nvPr>
-        </p:nvSpPr>
-        <p:spPr>
-          <a:xfrm>
-            <a:off x="80010" y="113983"/>
-            <a:ext cx="7486650" cy="411798"/>
-          </a:xfrm>
-        </p:spPr>
-        <p:txBody>
-          <a:bodyPr/>
-          <a:lstStyle/>
-          <a:p>
-            <a:r>
-              <a:rPr lang="en-US" sz="1800" b="0" dirty="0"/>
-              <a:t>Data Dictionary – result of Exploratory Data Analysis</a:t>
-            </a:r>
-            <a:endParaRPr lang="en-US" sz="1800" b="0" dirty="0">
-              <a:solidFill>
-                <a:schemeClr val="accent1">
-                  <a:lumMod val="60000"/>
-                  <a:lumOff val="40000"/>
-                </a:schemeClr>
-              </a:solidFill>
-            </a:endParaRPr>
-          </a:p>
-        </p:txBody>
-      </p:sp>
-      <p:graphicFrame>
-        <p:nvGraphicFramePr>
-          <p:cNvPr id="7" name="Table 7">
-            <a:extLst>
-              <a:ext uri="{FF2B5EF4-FFF2-40B4-BE49-F238E27FC236}">
-                <a16:creationId xmlns:a16="http://schemas.microsoft.com/office/drawing/2014/main" id="{7D3A0FCA-FD9C-244E-AABD-6D319CCE8F61}"/>
-              </a:ext>
-            </a:extLst>
-          </p:cNvPr>
-          <p:cNvGraphicFramePr>
-            <a:graphicFrameLocks noGrp="1"/>
-          </p:cNvGraphicFramePr>
-          <p:nvPr>
-            <p:extLst>
-              <p:ext uri="{D42A27DB-BD31-4B8C-83A1-F6EECF244321}">
-                <p14:modId xmlns:p14="http://schemas.microsoft.com/office/powerpoint/2010/main" val="1393055495"/>
-              </p:ext>
-            </p:extLst>
-          </p:nvPr>
-        </p:nvGraphicFramePr>
-        <p:xfrm>
-          <a:off x="414549" y="651510"/>
-          <a:ext cx="11088631" cy="5979160"/>
-        </p:xfrm>
-        <a:graphic>
-          <a:graphicData uri="http://schemas.openxmlformats.org/drawingml/2006/table">
-            <a:tbl>
-              <a:tblPr firstRow="1" bandRow="1">
-                <a:tableStyleId>{5C22544A-7EE6-4342-B048-85BDC9FD1C3A}</a:tableStyleId>
-              </a:tblPr>
-              <a:tblGrid>
-                <a:gridCol w="1873294">
-                  <a:extLst>
-                    <a:ext uri="{9D8B030D-6E8A-4147-A177-3AD203B41FA5}">
-                      <a16:colId xmlns:a16="http://schemas.microsoft.com/office/drawing/2014/main" val="3429861605"/>
-                    </a:ext>
-                  </a:extLst>
-                </a:gridCol>
-                <a:gridCol w="6044627">
-                  <a:extLst>
-                    <a:ext uri="{9D8B030D-6E8A-4147-A177-3AD203B41FA5}">
-                      <a16:colId xmlns:a16="http://schemas.microsoft.com/office/drawing/2014/main" val="344384848"/>
-                    </a:ext>
-                  </a:extLst>
-                </a:gridCol>
-                <a:gridCol w="1325880">
-                  <a:extLst>
-                    <a:ext uri="{9D8B030D-6E8A-4147-A177-3AD203B41FA5}">
-                      <a16:colId xmlns:a16="http://schemas.microsoft.com/office/drawing/2014/main" val="948178988"/>
-                    </a:ext>
-                  </a:extLst>
-                </a:gridCol>
-                <a:gridCol w="964719">
-                  <a:extLst>
-                    <a:ext uri="{9D8B030D-6E8A-4147-A177-3AD203B41FA5}">
-                      <a16:colId xmlns:a16="http://schemas.microsoft.com/office/drawing/2014/main" val="2802357095"/>
-                    </a:ext>
-                  </a:extLst>
-                </a:gridCol>
-                <a:gridCol w="880111">
-                  <a:extLst>
-                    <a:ext uri="{9D8B030D-6E8A-4147-A177-3AD203B41FA5}">
-                      <a16:colId xmlns:a16="http://schemas.microsoft.com/office/drawing/2014/main" val="125473935"/>
-                    </a:ext>
-                  </a:extLst>
-                </a:gridCol>
-              </a:tblGrid>
-              <a:tr h="0">
-                <a:tc>
-                  <a:txBody>
-                    <a:bodyPr/>
-                    <a:lstStyle/>
-                    <a:p>
-                      <a:pPr algn="ctr"/>
-                      <a:r>
-                        <a:rPr lang="en-US" sz="1100" dirty="0"/>
-                        <a:t>Item</a:t>
-                      </a:r>
-                    </a:p>
-                  </a:txBody>
-                  <a:tcPr/>
-                </a:tc>
-                <a:tc>
-                  <a:txBody>
-                    <a:bodyPr/>
-                    <a:lstStyle/>
-                    <a:p>
-                      <a:pPr algn="ctr"/>
-                      <a:r>
-                        <a:rPr lang="en-US" sz="1100" dirty="0"/>
-                        <a:t>Description</a:t>
-                      </a:r>
-                    </a:p>
-                  </a:txBody>
-                  <a:tcPr/>
-                </a:tc>
-                <a:tc>
-                  <a:txBody>
-                    <a:bodyPr/>
-                    <a:lstStyle/>
-                    <a:p>
-                      <a:pPr algn="ctr"/>
-                      <a:r>
-                        <a:rPr lang="en-US" sz="1100" dirty="0"/>
-                        <a:t>Source</a:t>
-                      </a:r>
-                    </a:p>
-                  </a:txBody>
-                  <a:tcPr/>
-                </a:tc>
-                <a:tc>
-                  <a:txBody>
-                    <a:bodyPr/>
-                    <a:lstStyle/>
-                    <a:p>
-                      <a:pPr algn="ctr"/>
-                      <a:r>
-                        <a:rPr lang="en-US" sz="1100" dirty="0"/>
-                        <a:t>Type</a:t>
-                      </a:r>
-                    </a:p>
-                  </a:txBody>
-                  <a:tcPr/>
-                </a:tc>
-                <a:tc>
-                  <a:txBody>
-                    <a:bodyPr/>
-                    <a:lstStyle/>
-                    <a:p>
-                      <a:pPr algn="ctr"/>
-                      <a:r>
-                        <a:rPr lang="en-US" sz="1100" dirty="0"/>
-                        <a:t>Required?</a:t>
-                      </a:r>
-                    </a:p>
-                  </a:txBody>
-                  <a:tcPr/>
-                </a:tc>
-                <a:extLst>
-                  <a:ext uri="{0D108BD9-81ED-4DB2-BD59-A6C34878D82A}">
-                    <a16:rowId xmlns:a16="http://schemas.microsoft.com/office/drawing/2014/main" val="3106989091"/>
-                  </a:ext>
-                </a:extLst>
-              </a:tr>
-              <a:tr h="370840">
-                <a:tc>
-                  <a:txBody>
-                    <a:bodyPr/>
-                    <a:lstStyle/>
-                    <a:p>
-                      <a:r>
-                        <a:rPr lang="en-US" sz="1200" dirty="0"/>
-                        <a:t>image</a:t>
-                      </a:r>
-                    </a:p>
-                  </a:txBody>
-                  <a:tcPr/>
-                </a:tc>
-                <a:tc>
-                  <a:txBody>
-                    <a:bodyPr/>
-                    <a:lstStyle/>
-                    <a:p>
-                      <a:r>
-                        <a:rPr lang="en-US" sz="1100" dirty="0"/>
-                        <a:t>The original, unresized image data of a cat or dog. Various widths, heights and file sizes.</a:t>
-                      </a:r>
-                    </a:p>
-                  </a:txBody>
-                  <a:tcPr/>
-                </a:tc>
-                <a:tc>
-                  <a:txBody>
-                    <a:bodyPr/>
-                    <a:lstStyle/>
-                    <a:p>
-                      <a:r>
-                        <a:rPr lang="en-US" sz="1200" dirty="0" err="1"/>
-                        <a:t>cadod.tar.gz</a:t>
-                      </a:r>
-                      <a:endParaRPr lang="en-US" sz="1200" dirty="0"/>
-                    </a:p>
-                  </a:txBody>
-                  <a:tcPr/>
-                </a:tc>
-                <a:tc>
-                  <a:txBody>
-                    <a:bodyPr/>
-                    <a:lstStyle/>
-                    <a:p>
-                      <a:r>
-                        <a:rPr lang="en-US" sz="1200" dirty="0"/>
-                        <a:t>bitmap image</a:t>
-                      </a:r>
-                    </a:p>
-                  </a:txBody>
-                  <a:tcPr/>
-                </a:tc>
-                <a:tc>
-                  <a:txBody>
-                    <a:bodyPr/>
-                    <a:lstStyle/>
-                    <a:p>
-                      <a:r>
-                        <a:rPr lang="en-US" sz="1200" dirty="0">
-                          <a:solidFill>
-                            <a:schemeClr val="accent1">
-                              <a:lumMod val="75000"/>
-                            </a:schemeClr>
-                          </a:solidFill>
-                        </a:rPr>
-                        <a:t>yes</a:t>
-                      </a:r>
-                    </a:p>
-                  </a:txBody>
-                  <a:tcPr/>
-                </a:tc>
-                <a:extLst>
-                  <a:ext uri="{0D108BD9-81ED-4DB2-BD59-A6C34878D82A}">
-                    <a16:rowId xmlns:a16="http://schemas.microsoft.com/office/drawing/2014/main" val="4100705440"/>
-                  </a:ext>
-                </a:extLst>
-              </a:tr>
-              <a:tr h="370840">
-                <a:tc>
-                  <a:txBody>
-                    <a:bodyPr/>
-                    <a:lstStyle/>
-                    <a:p>
-                      <a:r>
-                        <a:rPr lang="en-US" sz="1200" dirty="0" err="1"/>
-                        <a:t>bb_coords</a:t>
-                      </a:r>
-                      <a:br>
-                        <a:rPr lang="en-US" sz="1200" dirty="0"/>
-                      </a:br>
-                      <a:r>
-                        <a:rPr lang="en-US" sz="1200" dirty="0"/>
-                        <a:t>(aka </a:t>
-                      </a:r>
-                      <a:r>
-                        <a:rPr lang="en-US" sz="1200" dirty="0" err="1"/>
-                        <a:t>y_bbox</a:t>
-                      </a:r>
-                      <a:r>
-                        <a:rPr lang="en-US" sz="1200" dirty="0"/>
-                        <a:t>)</a:t>
-                      </a:r>
-                    </a:p>
-                  </a:txBody>
-                  <a:tcPr/>
-                </a:tc>
-                <a:tc>
-                  <a:txBody>
-                    <a:bodyPr/>
-                    <a:lstStyle/>
-                    <a:p>
-                      <a:r>
-                        <a:rPr lang="en-US" sz="1100" b="1" dirty="0" err="1"/>
-                        <a:t>XMin</a:t>
-                      </a:r>
-                      <a:r>
-                        <a:rPr lang="en-US" sz="1100" b="1" dirty="0"/>
-                        <a:t>, </a:t>
-                      </a:r>
-                      <a:r>
-                        <a:rPr lang="en-US" sz="1100" b="1" dirty="0" err="1"/>
-                        <a:t>YMin</a:t>
-                      </a:r>
-                      <a:r>
-                        <a:rPr lang="en-US" sz="1100" b="1" dirty="0"/>
-                        <a:t>, </a:t>
-                      </a:r>
-                      <a:r>
-                        <a:rPr lang="en-US" sz="1100" b="1" dirty="0" err="1"/>
-                        <a:t>XMax</a:t>
-                      </a:r>
-                      <a:r>
-                        <a:rPr lang="en-US" sz="1100" b="1" dirty="0"/>
-                        <a:t>, </a:t>
-                      </a:r>
-                      <a:r>
-                        <a:rPr lang="en-US" sz="1100" b="1" dirty="0" err="1"/>
-                        <a:t>YMax</a:t>
-                      </a:r>
-                      <a:br>
-                        <a:rPr lang="en-US" sz="1100" dirty="0"/>
-                      </a:br>
-                      <a:r>
-                        <a:rPr lang="en-US" sz="1100" dirty="0"/>
-                        <a:t>The (</a:t>
-                      </a:r>
-                      <a:r>
-                        <a:rPr lang="en-US" sz="1100" dirty="0" err="1"/>
-                        <a:t>x,y</a:t>
-                      </a:r>
-                      <a:r>
-                        <a:rPr lang="en-US" sz="1100" dirty="0"/>
-                        <a:t>) points of the upper left and lower right boundaries of an object to be classified as a cat or dog in the resized image. Represents a percentage of the width, not actual pixels. Acts as ground truth for the localization model and as training data for the classification model.</a:t>
-                      </a:r>
-                    </a:p>
-                  </a:txBody>
-                  <a:tcPr/>
-                </a:tc>
-                <a:tc>
-                  <a:txBody>
-                    <a:bodyPr/>
-                    <a:lstStyle/>
-                    <a:p>
-                      <a:r>
-                        <a:rPr lang="en-US" sz="1200" dirty="0" err="1"/>
-                        <a:t>cadod.csv</a:t>
-                      </a:r>
-                      <a:br>
-                        <a:rPr lang="en-US" sz="1200" dirty="0"/>
-                      </a:br>
-                      <a:r>
-                        <a:rPr lang="en-US" sz="1200" dirty="0"/>
-                        <a:t>or</a:t>
-                      </a:r>
-                      <a:br>
-                        <a:rPr lang="en-US" sz="1200" dirty="0"/>
-                      </a:br>
-                      <a:r>
-                        <a:rPr lang="en-US" sz="1200" dirty="0"/>
-                        <a:t>localization prediction</a:t>
-                      </a:r>
-                    </a:p>
-                  </a:txBody>
-                  <a:tcPr/>
-                </a:tc>
-                <a:tc>
-                  <a:txBody>
-                    <a:bodyPr/>
-                    <a:lstStyle/>
-                    <a:p>
-                      <a:r>
-                        <a:rPr lang="en-US" sz="1200" dirty="0"/>
-                        <a:t>float,</a:t>
-                      </a:r>
-                      <a:br>
-                        <a:rPr lang="en-US" sz="1200" dirty="0"/>
-                      </a:br>
-                      <a:r>
-                        <a:rPr lang="en-US" sz="1200" dirty="0"/>
-                        <a:t>%</a:t>
-                      </a:r>
-                      <a:br>
-                        <a:rPr lang="en-US" sz="1200" dirty="0"/>
-                      </a:br>
-                      <a:r>
-                        <a:rPr lang="en-US" sz="1200" dirty="0"/>
-                        <a:t>between</a:t>
-                      </a:r>
-                      <a:br>
-                        <a:rPr lang="en-US" sz="1200" dirty="0"/>
-                      </a:br>
-                      <a:r>
-                        <a:rPr lang="en-US" sz="1200" dirty="0"/>
-                        <a:t>0 and 1</a:t>
-                      </a:r>
-                    </a:p>
-                  </a:txBody>
-                  <a:tcPr/>
-                </a:tc>
-                <a:tc>
-                  <a:txBody>
-                    <a:bodyPr/>
-                    <a:lstStyle/>
-                    <a:p>
-                      <a:r>
-                        <a:rPr lang="en-US" sz="1200" dirty="0">
-                          <a:solidFill>
-                            <a:schemeClr val="accent1">
-                              <a:lumMod val="75000"/>
-                            </a:schemeClr>
-                          </a:solidFill>
-                        </a:rPr>
-                        <a:t>yes</a:t>
-                      </a:r>
-                    </a:p>
-                  </a:txBody>
-                  <a:tcPr/>
-                </a:tc>
-                <a:extLst>
-                  <a:ext uri="{0D108BD9-81ED-4DB2-BD59-A6C34878D82A}">
-                    <a16:rowId xmlns:a16="http://schemas.microsoft.com/office/drawing/2014/main" val="1637186868"/>
-                  </a:ext>
-                </a:extLst>
-              </a:tr>
-              <a:tr h="370840">
-                <a:tc>
-                  <a:txBody>
-                    <a:bodyPr/>
-                    <a:lstStyle/>
-                    <a:p>
-                      <a:r>
-                        <a:rPr lang="en-US" sz="1200" dirty="0" err="1"/>
-                        <a:t>resized_image</a:t>
-                      </a:r>
-                      <a:endParaRPr lang="en-US" sz="1200" dirty="0"/>
-                    </a:p>
-                  </a:txBody>
-                  <a:tcPr/>
-                </a:tc>
-                <a:tc>
-                  <a:txBody>
-                    <a:bodyPr/>
-                    <a:lstStyle/>
-                    <a:p>
-                      <a:r>
-                        <a:rPr lang="en-US" sz="1100" dirty="0"/>
-                        <a:t>A 128x128 pixel resized version of the original image data, for normalization purposes.</a:t>
-                      </a:r>
-                    </a:p>
-                  </a:txBody>
-                  <a:tcPr/>
-                </a:tc>
-                <a:tc>
-                  <a:txBody>
-                    <a:bodyPr/>
-                    <a:lstStyle/>
-                    <a:p>
-                      <a:r>
-                        <a:rPr lang="en-US" sz="1200" dirty="0"/>
-                        <a:t>preprocessing</a:t>
-                      </a:r>
-                    </a:p>
-                  </a:txBody>
-                  <a:tcPr/>
-                </a:tc>
-                <a:tc>
-                  <a:txBody>
-                    <a:bodyPr/>
-                    <a:lstStyle/>
-                    <a:p>
-                      <a:r>
-                        <a:rPr lang="en-US" sz="1200" dirty="0"/>
-                        <a:t>bitmap image</a:t>
-                      </a:r>
-                    </a:p>
-                  </a:txBody>
-                  <a:tcPr/>
-                </a:tc>
-                <a:tc>
-                  <a:txBody>
-                    <a:bodyPr/>
-                    <a:lstStyle/>
-                    <a:p>
-                      <a:r>
-                        <a:rPr lang="en-US" sz="1200" dirty="0">
-                          <a:solidFill>
-                            <a:schemeClr val="accent1">
-                              <a:lumMod val="75000"/>
-                            </a:schemeClr>
-                          </a:solidFill>
-                        </a:rPr>
-                        <a:t>yes</a:t>
-                      </a:r>
-                    </a:p>
-                  </a:txBody>
-                  <a:tcPr/>
-                </a:tc>
-                <a:extLst>
-                  <a:ext uri="{0D108BD9-81ED-4DB2-BD59-A6C34878D82A}">
-                    <a16:rowId xmlns:a16="http://schemas.microsoft.com/office/drawing/2014/main" val="3675887088"/>
-                  </a:ext>
-                </a:extLst>
-              </a:tr>
-              <a:tr h="370840">
-                <a:tc>
-                  <a:txBody>
-                    <a:bodyPr/>
-                    <a:lstStyle/>
-                    <a:p>
-                      <a:r>
-                        <a:rPr lang="en-US" sz="1200" dirty="0" err="1"/>
-                        <a:t>img_npy</a:t>
-                      </a:r>
-                      <a:endParaRPr lang="en-US" sz="1200" dirty="0"/>
-                    </a:p>
-                  </a:txBody>
-                  <a:tcPr/>
-                </a:tc>
-                <a:tc>
-                  <a:txBody>
-                    <a:bodyPr/>
-                    <a:lstStyle/>
-                    <a:p>
-                      <a:r>
-                        <a:rPr lang="en-US" sz="1100" dirty="0"/>
-                        <a:t>A </a:t>
-                      </a:r>
-                      <a:r>
-                        <a:rPr lang="en-US" sz="1100" dirty="0" err="1"/>
-                        <a:t>numpy</a:t>
-                      </a:r>
-                      <a:r>
-                        <a:rPr lang="en-US" sz="1100" dirty="0"/>
-                        <a:t> array of image data (int) based on the resized image.</a:t>
-                      </a:r>
-                    </a:p>
-                  </a:txBody>
-                  <a:tcPr/>
-                </a:tc>
-                <a:tc>
-                  <a:txBody>
-                    <a:bodyPr/>
-                    <a:lstStyle/>
-                    <a:p>
-                      <a:r>
-                        <a:rPr lang="en-US" sz="1200" dirty="0"/>
-                        <a:t>preprocessing</a:t>
-                      </a:r>
-                    </a:p>
-                  </a:txBody>
-                  <a:tcPr/>
-                </a:tc>
-                <a:tc>
-                  <a:txBody>
-                    <a:bodyPr/>
-                    <a:lstStyle/>
-                    <a:p>
-                      <a:r>
-                        <a:rPr lang="en-US" sz="1200" dirty="0"/>
-                        <a:t>int array</a:t>
-                      </a:r>
-                    </a:p>
-                  </a:txBody>
-                  <a:tcPr/>
-                </a:tc>
-                <a:tc>
-                  <a:txBody>
-                    <a:bodyPr/>
-                    <a:lstStyle/>
-                    <a:p>
-                      <a:r>
-                        <a:rPr lang="en-US" sz="1200" dirty="0">
-                          <a:solidFill>
-                            <a:schemeClr val="accent1">
-                              <a:lumMod val="75000"/>
-                            </a:schemeClr>
-                          </a:solidFill>
-                        </a:rPr>
-                        <a:t>yes</a:t>
-                      </a:r>
-                    </a:p>
-                  </a:txBody>
-                  <a:tcPr/>
-                </a:tc>
-                <a:extLst>
-                  <a:ext uri="{0D108BD9-81ED-4DB2-BD59-A6C34878D82A}">
-                    <a16:rowId xmlns:a16="http://schemas.microsoft.com/office/drawing/2014/main" val="4033814718"/>
-                  </a:ext>
-                </a:extLst>
-              </a:tr>
-              <a:tr h="370840">
-                <a:tc>
-                  <a:txBody>
-                    <a:bodyPr/>
-                    <a:lstStyle/>
-                    <a:p>
-                      <a:r>
-                        <a:rPr lang="en-US" sz="1200" dirty="0"/>
-                        <a:t>label (aka </a:t>
-                      </a:r>
-                      <a:r>
-                        <a:rPr lang="en-US" sz="1200" dirty="0" err="1"/>
-                        <a:t>y_label</a:t>
-                      </a:r>
-                      <a:r>
-                        <a:rPr lang="en-US" sz="1200" dirty="0"/>
-                        <a:t>)</a:t>
-                      </a:r>
-                    </a:p>
-                  </a:txBody>
-                  <a:tcPr/>
-                </a:tc>
-                <a:tc>
-                  <a:txBody>
-                    <a:bodyPr/>
-                    <a:lstStyle/>
-                    <a:p>
-                      <a:r>
-                        <a:rPr lang="en-US" sz="1100" dirty="0"/>
-                        <a:t>A classification label, ‘cat’ or ‘dog’ (also encoded to 0 or 1), used as ground truth for training the classification model.</a:t>
-                      </a:r>
-                      <a:br>
-                        <a:rPr lang="en-US" sz="1100" dirty="0"/>
-                      </a:br>
-                      <a:r>
-                        <a:rPr lang="en-US" sz="1100" dirty="0"/>
-                        <a:t>Also, the output prediction from the classification model.</a:t>
-                      </a:r>
-                    </a:p>
-                  </a:txBody>
-                  <a:tcPr/>
-                </a:tc>
-                <a:tc>
-                  <a:txBody>
-                    <a:bodyPr/>
-                    <a:lstStyle/>
-                    <a:p>
-                      <a:r>
-                        <a:rPr lang="en-US" sz="1200" dirty="0" err="1"/>
-                        <a:t>cadod.csv</a:t>
-                      </a:r>
-                      <a:endParaRPr lang="en-US" sz="1200" dirty="0"/>
-                    </a:p>
-                  </a:txBody>
-                  <a:tcPr/>
-                </a:tc>
-                <a:tc>
-                  <a:txBody>
-                    <a:bodyPr/>
-                    <a:lstStyle/>
-                    <a:p>
-                      <a:r>
-                        <a:rPr lang="en-US" sz="1200" dirty="0"/>
-                        <a:t>str</a:t>
-                      </a:r>
-                      <a:br>
-                        <a:rPr lang="en-US" sz="1200" dirty="0"/>
-                      </a:br>
-                      <a:r>
-                        <a:rPr lang="en-US" sz="1200" dirty="0"/>
-                        <a:t>or</a:t>
-                      </a:r>
-                    </a:p>
-                    <a:p>
-                      <a:r>
-                        <a:rPr lang="en-US" sz="1200" dirty="0"/>
-                        <a:t>int (0, 1)</a:t>
-                      </a:r>
-                    </a:p>
-                  </a:txBody>
-                  <a:tcPr/>
-                </a:tc>
-                <a:tc>
-                  <a:txBody>
-                    <a:bodyPr/>
-                    <a:lstStyle/>
-                    <a:p>
-                      <a:r>
-                        <a:rPr lang="en-US" sz="1200" dirty="0">
-                          <a:solidFill>
-                            <a:schemeClr val="accent1">
-                              <a:lumMod val="75000"/>
-                            </a:schemeClr>
-                          </a:solidFill>
-                        </a:rPr>
-                        <a:t>yes</a:t>
-                      </a:r>
-                    </a:p>
-                  </a:txBody>
-                  <a:tcPr/>
-                </a:tc>
-                <a:extLst>
-                  <a:ext uri="{0D108BD9-81ED-4DB2-BD59-A6C34878D82A}">
-                    <a16:rowId xmlns:a16="http://schemas.microsoft.com/office/drawing/2014/main" val="1119112190"/>
-                  </a:ext>
-                </a:extLst>
-              </a:tr>
-              <a:tr h="370840">
-                <a:tc>
-                  <a:txBody>
-                    <a:bodyPr/>
-                    <a:lstStyle/>
-                    <a:p>
-                      <a:r>
-                        <a:rPr lang="en-US" sz="1200" dirty="0" err="1"/>
-                        <a:t>bb_meta</a:t>
-                      </a:r>
-                      <a:endParaRPr lang="en-US" sz="1200" dirty="0"/>
-                    </a:p>
-                  </a:txBody>
-                  <a:tcPr/>
-                </a:tc>
-                <a:tc>
-                  <a:txBody>
-                    <a:bodyPr/>
-                    <a:lstStyle/>
-                    <a:p>
-                      <a:r>
-                        <a:rPr lang="en-US" sz="1100" b="1" dirty="0" err="1"/>
-                        <a:t>bbox_w_percent</a:t>
-                      </a:r>
-                      <a:r>
-                        <a:rPr lang="en-US" sz="1100" b="1" dirty="0"/>
-                        <a:t>, </a:t>
-                      </a:r>
-                      <a:r>
-                        <a:rPr lang="en-US" sz="1100" b="1" dirty="0" err="1"/>
-                        <a:t>bbox_h_percent</a:t>
-                      </a:r>
-                      <a:r>
-                        <a:rPr lang="en-US" sz="1100" b="1" dirty="0"/>
-                        <a:t>, </a:t>
-                      </a:r>
-                      <a:r>
-                        <a:rPr lang="en-US" sz="1100" b="1" dirty="0" err="1"/>
-                        <a:t>bbox_centerX</a:t>
-                      </a:r>
-                      <a:r>
-                        <a:rPr lang="en-US" sz="1100" b="1" dirty="0"/>
-                        <a:t>, </a:t>
-                      </a:r>
-                      <a:r>
-                        <a:rPr lang="en-US" sz="1100" b="1" dirty="0" err="1"/>
-                        <a:t>bbox_centerY</a:t>
-                      </a:r>
-                      <a:r>
-                        <a:rPr lang="en-US" sz="1100" b="1" dirty="0"/>
-                        <a:t>, </a:t>
-                      </a:r>
-                      <a:r>
-                        <a:rPr lang="en-US" sz="1100" b="1" dirty="0" err="1"/>
-                        <a:t>bbox_area</a:t>
-                      </a:r>
-                      <a:r>
-                        <a:rPr lang="en-US" sz="1100" b="1" dirty="0"/>
-                        <a:t> </a:t>
-                      </a:r>
-                      <a:r>
-                        <a:rPr lang="en-US" sz="1100" dirty="0"/>
-                        <a:t>(float between 0 and 1 as percentages)</a:t>
-                      </a:r>
-                      <a:br>
-                        <a:rPr lang="en-US" sz="1100" dirty="0"/>
-                      </a:br>
-                      <a:r>
-                        <a:rPr lang="en-US" sz="1100" b="1" dirty="0" err="1"/>
-                        <a:t>bb_touch_left</a:t>
-                      </a:r>
-                      <a:r>
-                        <a:rPr lang="en-US" sz="1100" b="1" dirty="0"/>
-                        <a:t>, </a:t>
-                      </a:r>
-                      <a:r>
-                        <a:rPr lang="en-US" sz="1100" b="1" dirty="0" err="1"/>
-                        <a:t>bb_touch_right</a:t>
-                      </a:r>
-                      <a:r>
-                        <a:rPr lang="en-US" sz="1100" b="1" dirty="0"/>
-                        <a:t>, </a:t>
-                      </a:r>
-                      <a:r>
-                        <a:rPr lang="en-US" sz="1100" b="1" dirty="0" err="1"/>
-                        <a:t>bb_touch_top</a:t>
-                      </a:r>
-                      <a:r>
-                        <a:rPr lang="en-US" sz="1100" b="1" dirty="0"/>
-                        <a:t>, </a:t>
-                      </a:r>
-                      <a:r>
-                        <a:rPr lang="en-US" sz="1100" b="1" dirty="0" err="1"/>
-                        <a:t>bb_touch_bottom</a:t>
-                      </a:r>
-                      <a:r>
-                        <a:rPr lang="en-US" sz="1100" b="1" dirty="0"/>
-                        <a:t> </a:t>
-                      </a:r>
-                      <a:r>
-                        <a:rPr lang="en-US" sz="1100" dirty="0"/>
-                        <a:t>(int 0 or 1) </a:t>
-                      </a:r>
-                      <a:r>
-                        <a:rPr lang="en-US" sz="1100" b="1" dirty="0" err="1"/>
-                        <a:t>num_touch_edges</a:t>
-                      </a:r>
-                      <a:r>
-                        <a:rPr lang="en-US" sz="1100" b="1" dirty="0"/>
-                        <a:t> </a:t>
-                      </a:r>
-                      <a:r>
-                        <a:rPr lang="en-US" sz="1100" dirty="0"/>
-                        <a:t>(int from 0 to 4)</a:t>
-                      </a:r>
-                      <a:br>
-                        <a:rPr lang="en-US" sz="1100" dirty="0"/>
-                      </a:br>
-                      <a:r>
-                        <a:rPr lang="en-US" sz="1100" dirty="0"/>
-                        <a:t>Metadata generated using </a:t>
-                      </a:r>
-                      <a:r>
-                        <a:rPr lang="en-US" sz="1100" b="1" dirty="0" err="1"/>
-                        <a:t>bb_coords</a:t>
-                      </a:r>
-                      <a:r>
-                        <a:rPr lang="en-US" sz="1100" dirty="0"/>
-                        <a:t>. Float values are dimensional percentages or locations, and ‘</a:t>
-                      </a:r>
-                      <a:r>
-                        <a:rPr lang="en-US" sz="1100" dirty="0" err="1"/>
-                        <a:t>bb_touch</a:t>
-                      </a:r>
-                      <a:r>
-                        <a:rPr lang="en-US" sz="1100" dirty="0"/>
-                        <a:t>’ items are 0 if false and 1 if true.</a:t>
-                      </a:r>
-                    </a:p>
-                    <a:p>
-                      <a:r>
-                        <a:rPr lang="en-US" sz="1100" dirty="0" err="1"/>
-                        <a:t>num_touch_edges</a:t>
-                      </a:r>
-                      <a:r>
-                        <a:rPr lang="en-US" sz="1100" dirty="0"/>
-                        <a:t> is total number of ‘touching edges’ min 0 and max 4</a:t>
-                      </a:r>
-                    </a:p>
-                  </a:txBody>
-                  <a:tcPr/>
-                </a:tc>
-                <a:tc>
-                  <a:txBody>
-                    <a:bodyPr/>
-                    <a:lstStyle/>
-                    <a:p>
-                      <a:r>
-                        <a:rPr lang="en-US" sz="1200" dirty="0"/>
-                        <a:t>feature engineering pipeline</a:t>
-                      </a:r>
-                    </a:p>
-                  </a:txBody>
-                  <a:tcPr/>
-                </a:tc>
-                <a:tc>
-                  <a:txBody>
-                    <a:bodyPr/>
-                    <a:lstStyle/>
-                    <a:p>
-                      <a:r>
-                        <a:rPr lang="en-US" sz="1200" dirty="0"/>
-                        <a:t>float, % between 0 and 1, or int 0/1</a:t>
-                      </a:r>
-                      <a:br>
-                        <a:rPr lang="en-US" sz="1200" dirty="0"/>
-                      </a:br>
-                      <a:r>
-                        <a:rPr lang="en-US" sz="1200" dirty="0"/>
-                        <a:t>or int 0..4</a:t>
-                      </a:r>
-                    </a:p>
-                  </a:txBody>
-                  <a:tcPr/>
-                </a:tc>
-                <a:tc>
-                  <a:txBody>
-                    <a:bodyPr/>
-                    <a:lstStyle/>
-                    <a:p>
-                      <a:r>
-                        <a:rPr lang="en-US" sz="1200" dirty="0">
-                          <a:solidFill>
-                            <a:schemeClr val="accent1">
-                              <a:lumMod val="75000"/>
-                            </a:schemeClr>
-                          </a:solidFill>
-                        </a:rPr>
-                        <a:t>yes</a:t>
-                      </a:r>
-                    </a:p>
-                  </a:txBody>
-                  <a:tcPr/>
-                </a:tc>
-                <a:extLst>
-                  <a:ext uri="{0D108BD9-81ED-4DB2-BD59-A6C34878D82A}">
-                    <a16:rowId xmlns:a16="http://schemas.microsoft.com/office/drawing/2014/main" val="2092578387"/>
-                  </a:ext>
-                </a:extLst>
-              </a:tr>
-              <a:tr h="370840">
-                <a:tc>
-                  <a:txBody>
-                    <a:bodyPr/>
-                    <a:lstStyle/>
-                    <a:p>
-                      <a:r>
-                        <a:rPr lang="en-US" sz="1200" dirty="0" err="1"/>
-                        <a:t>XClick</a:t>
-                      </a:r>
-                      <a:endParaRPr lang="en-US" sz="1200" dirty="0"/>
-                    </a:p>
-                  </a:txBody>
-                  <a:tcPr/>
-                </a:tc>
-                <a:tc>
-                  <a:txBody>
-                    <a:bodyPr/>
-                    <a:lstStyle/>
-                    <a:p>
-                      <a:r>
-                        <a:rPr lang="en-US" sz="1100" b="1" dirty="0"/>
-                        <a:t>XClick1X, XClick1Y, XClick2X, XClick2Y, XClick3X, XClick3Y</a:t>
-                      </a:r>
-                      <a:br>
-                        <a:rPr lang="en-US" sz="1100" dirty="0"/>
-                      </a:br>
-                      <a:r>
-                        <a:rPr lang="en-US" sz="1100" dirty="0"/>
-                        <a:t>The (</a:t>
-                      </a:r>
-                      <a:r>
-                        <a:rPr lang="en-US" sz="1100" dirty="0" err="1"/>
-                        <a:t>x,y</a:t>
-                      </a:r>
-                      <a:r>
-                        <a:rPr lang="en-US" sz="1100" dirty="0"/>
-                        <a:t>) points that a human reviewer marked as ‘outer features’ when using a bounding box tool. These points can be any order and any shape, and are used to determine a rectangular bounding box. These points are contained by the bounding box in </a:t>
-                      </a:r>
-                      <a:r>
-                        <a:rPr lang="en-US" sz="1100" dirty="0" err="1"/>
-                        <a:t>bb_coords</a:t>
-                      </a:r>
-                      <a:r>
-                        <a:rPr lang="en-US" sz="1100" dirty="0"/>
-                        <a:t> above. Not present for all provided images.</a:t>
-                      </a:r>
-                    </a:p>
-                  </a:txBody>
-                  <a:tcPr/>
-                </a:tc>
-                <a:tc>
-                  <a:txBody>
-                    <a:bodyPr/>
-                    <a:lstStyle/>
-                    <a:p>
-                      <a:r>
-                        <a:rPr lang="en-US" sz="1200" dirty="0" err="1"/>
-                        <a:t>cadod.csv</a:t>
-                      </a:r>
-                      <a:endParaRPr lang="en-US" sz="1200" dirty="0"/>
-                    </a:p>
-                  </a:txBody>
-                  <a:tcPr/>
-                </a:tc>
-                <a:tc>
-                  <a:txBody>
-                    <a:bodyPr/>
-                    <a:lstStyle/>
-                    <a:p>
-                      <a:r>
-                        <a:rPr lang="en-US" sz="1200" dirty="0"/>
-                        <a:t>float, %</a:t>
-                      </a:r>
-                      <a:br>
-                        <a:rPr lang="en-US" sz="1200" dirty="0"/>
-                      </a:br>
-                      <a:r>
-                        <a:rPr lang="en-US" sz="1200" dirty="0"/>
-                        <a:t>between</a:t>
-                      </a:r>
-                    </a:p>
-                    <a:p>
-                      <a:r>
-                        <a:rPr lang="en-US" sz="1200" dirty="0"/>
-                        <a:t>0 and 1</a:t>
-                      </a:r>
-                    </a:p>
-                    <a:p>
-                      <a:r>
-                        <a:rPr lang="en-US" sz="1200" dirty="0"/>
-                        <a:t>or -1 if not present</a:t>
-                      </a:r>
-                    </a:p>
-                  </a:txBody>
-                  <a:tcPr/>
-                </a:tc>
-                <a:tc>
-                  <a:txBody>
-                    <a:bodyPr/>
-                    <a:lstStyle/>
-                    <a:p>
-                      <a:r>
-                        <a:rPr lang="en-US" sz="1200" dirty="0">
-                          <a:solidFill>
-                            <a:srgbClr val="C00000"/>
-                          </a:solidFill>
-                        </a:rPr>
-                        <a:t>no</a:t>
-                      </a:r>
-                    </a:p>
-                  </a:txBody>
-                  <a:tcPr/>
-                </a:tc>
-                <a:extLst>
-                  <a:ext uri="{0D108BD9-81ED-4DB2-BD59-A6C34878D82A}">
-                    <a16:rowId xmlns:a16="http://schemas.microsoft.com/office/drawing/2014/main" val="3115639158"/>
-                  </a:ext>
-                </a:extLst>
-              </a:tr>
-              <a:tr h="370840">
-                <a:tc>
-                  <a:txBody>
-                    <a:bodyPr/>
-                    <a:lstStyle/>
-                    <a:p>
-                      <a:r>
-                        <a:rPr lang="en-US" sz="1200" dirty="0"/>
-                        <a:t>other metadata</a:t>
-                      </a:r>
-                    </a:p>
-                  </a:txBody>
-                  <a:tcPr/>
-                </a:tc>
-                <a:tc>
-                  <a:txBody>
-                    <a:bodyPr/>
-                    <a:lstStyle/>
-                    <a:p>
-                      <a:r>
-                        <a:rPr lang="en-US" sz="1100" b="1" dirty="0"/>
-                        <a:t>Source</a:t>
-                      </a:r>
-                      <a:r>
-                        <a:rPr lang="en-US" sz="1100" dirty="0"/>
-                        <a:t> (string “</a:t>
-                      </a:r>
-                      <a:r>
-                        <a:rPr lang="en-US" sz="1100" dirty="0" err="1"/>
-                        <a:t>xclick</a:t>
-                      </a:r>
-                      <a:r>
-                        <a:rPr lang="en-US" sz="1100" dirty="0"/>
-                        <a:t>” or “</a:t>
-                      </a:r>
-                      <a:r>
-                        <a:rPr lang="en-US" sz="1100" dirty="0" err="1"/>
-                        <a:t>activemil</a:t>
-                      </a:r>
-                      <a:r>
-                        <a:rPr lang="en-US" sz="1100" dirty="0"/>
-                        <a:t>”)</a:t>
-                      </a:r>
-                      <a:br>
-                        <a:rPr lang="en-US" sz="1100" dirty="0"/>
-                      </a:br>
-                      <a:r>
-                        <a:rPr lang="en-US" sz="1100" b="1" dirty="0" err="1"/>
-                        <a:t>IsOccluded</a:t>
-                      </a:r>
-                      <a:r>
-                        <a:rPr lang="en-US" sz="1100" b="1" dirty="0"/>
-                        <a:t>, </a:t>
-                      </a:r>
-                      <a:r>
-                        <a:rPr lang="en-US" sz="1100" b="1" dirty="0" err="1"/>
-                        <a:t>IsTruncated</a:t>
-                      </a:r>
-                      <a:r>
-                        <a:rPr lang="en-US" sz="1100" b="1" dirty="0"/>
-                        <a:t>, </a:t>
-                      </a:r>
-                      <a:r>
-                        <a:rPr lang="en-US" sz="1100" b="1" dirty="0" err="1"/>
-                        <a:t>IsGroup</a:t>
-                      </a:r>
-                      <a:r>
-                        <a:rPr lang="en-US" sz="1100" b="1" dirty="0"/>
-                        <a:t>, </a:t>
-                      </a:r>
-                      <a:r>
-                        <a:rPr lang="en-US" sz="1100" b="1" dirty="0" err="1"/>
-                        <a:t>IsDepiction</a:t>
-                      </a:r>
-                      <a:r>
-                        <a:rPr lang="en-US" sz="1100" b="1" dirty="0"/>
-                        <a:t> </a:t>
-                      </a:r>
-                      <a:r>
-                        <a:rPr lang="en-US" sz="1100" dirty="0"/>
-                        <a:t>(int 0 or 1)</a:t>
-                      </a:r>
-                      <a:br>
-                        <a:rPr lang="en-US" sz="1100" dirty="0"/>
-                      </a:br>
-                      <a:r>
-                        <a:rPr lang="en-US" sz="1100" b="1" dirty="0"/>
-                        <a:t>Confidence</a:t>
-                      </a:r>
-                      <a:r>
-                        <a:rPr lang="en-US" sz="1100" dirty="0"/>
-                        <a:t> (set to 1 for every row)</a:t>
-                      </a:r>
-                    </a:p>
-                  </a:txBody>
-                  <a:tcPr/>
-                </a:tc>
-                <a:tc>
-                  <a:txBody>
-                    <a:bodyPr/>
-                    <a:lstStyle/>
-                    <a:p>
-                      <a:r>
-                        <a:rPr lang="en-US" sz="1200" dirty="0" err="1"/>
-                        <a:t>cadod.csv</a:t>
-                      </a:r>
-                      <a:endParaRPr lang="en-US" sz="1200" dirty="0"/>
-                    </a:p>
-                  </a:txBody>
-                  <a:tcPr/>
-                </a:tc>
-                <a:tc>
-                  <a:txBody>
-                    <a:bodyPr/>
-                    <a:lstStyle/>
-                    <a:p>
-                      <a:r>
-                        <a:rPr lang="en-US" sz="1200" dirty="0"/>
-                        <a:t>string or</a:t>
-                      </a:r>
-                    </a:p>
-                    <a:p>
-                      <a:r>
-                        <a:rPr lang="en-US" sz="1200" dirty="0"/>
-                        <a:t>int 0 or 1</a:t>
-                      </a:r>
-                    </a:p>
-                  </a:txBody>
-                  <a:tcPr/>
-                </a:tc>
-                <a:tc>
-                  <a:txBody>
-                    <a:bodyPr/>
-                    <a:lstStyle/>
-                    <a:p>
-                      <a:r>
-                        <a:rPr lang="en-US" sz="1200" dirty="0">
-                          <a:solidFill>
-                            <a:srgbClr val="C00000"/>
-                          </a:solidFill>
-                        </a:rPr>
-                        <a:t>no</a:t>
-                      </a:r>
-                    </a:p>
-                  </a:txBody>
-                  <a:tcPr/>
-                </a:tc>
-                <a:extLst>
-                  <a:ext uri="{0D108BD9-81ED-4DB2-BD59-A6C34878D82A}">
-                    <a16:rowId xmlns:a16="http://schemas.microsoft.com/office/drawing/2014/main" val="4061961135"/>
-                  </a:ext>
-                </a:extLst>
-              </a:tr>
-            </a:tbl>
-          </a:graphicData>
-        </a:graphic>
-      </p:graphicFrame>
-    </p:spTree>
-    <p:extLst>
-      <p:ext uri="{BB962C8B-B14F-4D97-AF65-F5344CB8AC3E}">
-        <p14:creationId xmlns:p14="http://schemas.microsoft.com/office/powerpoint/2010/main" val="3898009058"/>
-      </p:ext>
-    </p:extLst>
-  </p:cSld>
-  <p:clrMapOvr>
-    <a:masterClrMapping/>
-  </p:clrMapOvr>
-</p:sld>
-</file>
-
-<file path=ppt/slides/slide7.xml><?xml version="1.0" encoding="utf-8"?>
-<p:sld xmlns:a="http://schemas.openxmlformats.org/drawingml/2006/main" xmlns:r="http://schemas.openxmlformats.org/officeDocument/2006/relationships" xmlns:p="http://schemas.openxmlformats.org/presentationml/2006/main">
-  <p:cSld>
-    <p:spTree>
-      <p:nvGrpSpPr>
-        <p:cNvPr id="1" name=""/>
-        <p:cNvGrpSpPr/>
-        <p:nvPr/>
-      </p:nvGrpSpPr>
-      <p:grpSpPr>
-        <a:xfrm>
-          <a:off x="0" y="0"/>
-          <a:ext cx="0" cy="0"/>
-          <a:chOff x="0" y="0"/>
-          <a:chExt cx="0" cy="0"/>
-        </a:xfrm>
-      </p:grpSpPr>
-      <p:sp>
-        <p:nvSpPr>
-          <p:cNvPr id="2" name="Title 1">
-            <a:extLst>
-              <a:ext uri="{FF2B5EF4-FFF2-40B4-BE49-F238E27FC236}">
-                <a16:creationId xmlns:a16="http://schemas.microsoft.com/office/drawing/2014/main" id="{31E3BA86-9F58-EB42-9DEF-D6FF4A2C5AAD}"/>
-              </a:ext>
-            </a:extLst>
-          </p:cNvPr>
-          <p:cNvSpPr>
-            <a:spLocks noGrp="1"/>
-          </p:cNvSpPr>
-          <p:nvPr>
-            <p:ph type="title"/>
-          </p:nvPr>
-        </p:nvSpPr>
-        <p:spPr/>
-        <p:txBody>
-          <a:bodyPr/>
-          <a:lstStyle/>
-          <a:p>
-            <a:r>
-              <a:rPr lang="en-US" dirty="0"/>
-              <a:t>Data: Bounding Box Detail</a:t>
-            </a:r>
-            <a:endParaRPr lang="en-US" sz="2400" dirty="0"/>
-          </a:p>
-        </p:txBody>
-      </p:sp>
-      <p:sp>
-        <p:nvSpPr>
-          <p:cNvPr id="3" name="Text Placeholder 2">
-            <a:extLst>
-              <a:ext uri="{FF2B5EF4-FFF2-40B4-BE49-F238E27FC236}">
-                <a16:creationId xmlns:a16="http://schemas.microsoft.com/office/drawing/2014/main" id="{BFCCC159-BD20-2D4A-8FDF-A3D23348AB55}"/>
-              </a:ext>
-            </a:extLst>
-          </p:cNvPr>
-          <p:cNvSpPr>
-            <a:spLocks noGrp="1"/>
-          </p:cNvSpPr>
-          <p:nvPr>
-            <p:ph type="body" idx="1"/>
-          </p:nvPr>
-        </p:nvSpPr>
-        <p:spPr>
-          <a:xfrm>
-            <a:off x="320040" y="2003425"/>
-            <a:ext cx="5189857" cy="576262"/>
-          </a:xfrm>
-        </p:spPr>
-        <p:txBody>
-          <a:bodyPr/>
-          <a:lstStyle/>
-          <a:p>
-            <a:pPr algn="l"/>
-            <a:r>
-              <a:rPr lang="en-US" dirty="0"/>
-              <a:t>Example Image, annotated</a:t>
-            </a:r>
-          </a:p>
-        </p:txBody>
-      </p:sp>
-      <p:sp>
-        <p:nvSpPr>
-          <p:cNvPr id="7" name="Text Placeholder 2">
-            <a:extLst>
-              <a:ext uri="{FF2B5EF4-FFF2-40B4-BE49-F238E27FC236}">
-                <a16:creationId xmlns:a16="http://schemas.microsoft.com/office/drawing/2014/main" id="{FE16D99E-CDF4-EA40-A23C-2A42BFA2D909}"/>
-              </a:ext>
-            </a:extLst>
-          </p:cNvPr>
-          <p:cNvSpPr txBox="1">
-            <a:spLocks/>
-          </p:cNvSpPr>
-          <p:nvPr/>
-        </p:nvSpPr>
-        <p:spPr>
-          <a:xfrm>
-            <a:off x="5615980" y="2018030"/>
-            <a:ext cx="4320783" cy="576262"/>
-          </a:xfrm>
-          <a:prstGeom prst="rect">
-            <a:avLst/>
-          </a:prstGeom>
-          <a:effectLst>
-            <a:outerShdw blurRad="50800" dir="14400000">
-              <a:srgbClr val="000000">
-                <a:alpha val="40000"/>
-              </a:srgbClr>
-            </a:outerShdw>
-          </a:effectLst>
-        </p:spPr>
-        <p:txBody>
-          <a:bodyPr vert="horz" lIns="91440" tIns="45720" rIns="91440" bIns="45720" rtlCol="0" anchor="b">
-            <a:noAutofit/>
-          </a:bodyPr>
-          <a:lstStyle>
-            <a:lvl1pPr marL="0" indent="0" algn="ctr" defTabSz="457200" rtl="0" eaLnBrk="1" latinLnBrk="0" hangingPunct="1">
-              <a:spcBef>
-                <a:spcPct val="20000"/>
-              </a:spcBef>
-              <a:spcAft>
-                <a:spcPts val="600"/>
-              </a:spcAft>
-              <a:buClr>
-                <a:schemeClr val="accent1"/>
-              </a:buClr>
-              <a:buFont typeface="Wingdings 2" charset="2"/>
-              <a:buNone/>
-              <a:defRPr sz="2000" b="0" kern="1200">
-                <a:solidFill>
-                  <a:schemeClr val="tx1"/>
-                </a:solidFill>
-                <a:latin typeface="+mn-lt"/>
-                <a:ea typeface="+mn-ea"/>
-                <a:cs typeface="+mn-cs"/>
-              </a:defRPr>
-            </a:lvl1pPr>
-            <a:lvl2pPr marL="457200" indent="0" algn="l" defTabSz="457200" rtl="0" eaLnBrk="1" latinLnBrk="0" hangingPunct="1">
-              <a:spcBef>
-                <a:spcPct val="20000"/>
-              </a:spcBef>
-              <a:spcAft>
-                <a:spcPts val="600"/>
-              </a:spcAft>
-              <a:buClr>
-                <a:schemeClr val="accent1"/>
-              </a:buClr>
-              <a:buFont typeface="Wingdings 2" charset="2"/>
-              <a:buNone/>
-              <a:defRPr sz="2000" b="1" kern="1200">
-                <a:solidFill>
-                  <a:schemeClr val="tx1"/>
-                </a:solidFill>
-                <a:latin typeface="+mn-lt"/>
-                <a:ea typeface="+mn-ea"/>
-                <a:cs typeface="+mn-cs"/>
-              </a:defRPr>
-            </a:lvl2pPr>
-            <a:lvl3pPr marL="914400" indent="0" algn="l" defTabSz="457200" rtl="0" eaLnBrk="1" latinLnBrk="0" hangingPunct="1">
-              <a:spcBef>
-                <a:spcPct val="20000"/>
-              </a:spcBef>
-              <a:spcAft>
-                <a:spcPts val="600"/>
-              </a:spcAft>
-              <a:buClr>
-                <a:schemeClr val="accent1"/>
-              </a:buClr>
-              <a:buFont typeface="Wingdings 2" charset="2"/>
-              <a:buNone/>
-              <a:defRPr sz="1800" b="1" kern="1200">
-                <a:solidFill>
-                  <a:schemeClr val="tx1"/>
-                </a:solidFill>
-                <a:latin typeface="+mn-lt"/>
-                <a:ea typeface="+mn-ea"/>
-                <a:cs typeface="+mn-cs"/>
-              </a:defRPr>
-            </a:lvl3pPr>
-            <a:lvl4pPr marL="1371600" indent="0" algn="l" defTabSz="457200" rtl="0" eaLnBrk="1" latinLnBrk="0" hangingPunct="1">
-              <a:spcBef>
-                <a:spcPct val="20000"/>
-              </a:spcBef>
-              <a:spcAft>
-                <a:spcPts val="600"/>
-              </a:spcAft>
-              <a:buClr>
-                <a:schemeClr val="accent1"/>
-              </a:buClr>
-              <a:buFont typeface="Wingdings 2" charset="2"/>
-              <a:buNone/>
-              <a:defRPr sz="1600" b="1" kern="1200">
-                <a:solidFill>
-                  <a:schemeClr val="tx1"/>
-                </a:solidFill>
-                <a:latin typeface="+mn-lt"/>
-                <a:ea typeface="+mn-ea"/>
-                <a:cs typeface="+mn-cs"/>
-              </a:defRPr>
-            </a:lvl4pPr>
-            <a:lvl5pPr marL="1828800" indent="0" algn="l" defTabSz="457200" rtl="0" eaLnBrk="1" latinLnBrk="0" hangingPunct="1">
-              <a:spcBef>
-                <a:spcPct val="20000"/>
-              </a:spcBef>
-              <a:spcAft>
-                <a:spcPts val="600"/>
-              </a:spcAft>
-              <a:buClr>
-                <a:schemeClr val="accent1"/>
-              </a:buClr>
-              <a:buFont typeface="Wingdings 2" charset="2"/>
-              <a:buNone/>
-              <a:defRPr sz="1600" b="1" kern="1200">
-                <a:solidFill>
-                  <a:schemeClr val="tx1"/>
-                </a:solidFill>
-                <a:latin typeface="+mn-lt"/>
-                <a:ea typeface="+mn-ea"/>
-                <a:cs typeface="+mn-cs"/>
-              </a:defRPr>
-            </a:lvl5pPr>
-            <a:lvl6pPr marL="2286000" indent="0" algn="l" defTabSz="457200" rtl="0" eaLnBrk="1" latinLnBrk="0" hangingPunct="1">
-              <a:spcBef>
-                <a:spcPct val="20000"/>
-              </a:spcBef>
-              <a:spcAft>
-                <a:spcPts val="600"/>
-              </a:spcAft>
-              <a:buClr>
-                <a:schemeClr val="accent1"/>
-              </a:buClr>
-              <a:buFont typeface="Wingdings 2" charset="2"/>
-              <a:buNone/>
-              <a:defRPr sz="1600" b="1" kern="1200">
-                <a:solidFill>
-                  <a:schemeClr val="tx1"/>
-                </a:solidFill>
-                <a:latin typeface="+mn-lt"/>
-                <a:ea typeface="+mn-ea"/>
-                <a:cs typeface="+mn-cs"/>
-              </a:defRPr>
-            </a:lvl6pPr>
-            <a:lvl7pPr marL="2743200" indent="0" algn="l" defTabSz="457200" rtl="0" eaLnBrk="1" latinLnBrk="0" hangingPunct="1">
-              <a:spcBef>
-                <a:spcPct val="20000"/>
-              </a:spcBef>
-              <a:spcAft>
-                <a:spcPts val="600"/>
-              </a:spcAft>
-              <a:buClr>
-                <a:schemeClr val="accent1"/>
-              </a:buClr>
-              <a:buFont typeface="Wingdings 2" charset="2"/>
-              <a:buNone/>
-              <a:defRPr sz="1600" b="1" kern="1200">
-                <a:solidFill>
-                  <a:schemeClr val="tx1"/>
-                </a:solidFill>
-                <a:latin typeface="+mn-lt"/>
-                <a:ea typeface="+mn-ea"/>
-                <a:cs typeface="+mn-cs"/>
-              </a:defRPr>
-            </a:lvl7pPr>
-            <a:lvl8pPr marL="3200400" indent="0" algn="l" defTabSz="457200" rtl="0" eaLnBrk="1" latinLnBrk="0" hangingPunct="1">
-              <a:spcBef>
-                <a:spcPct val="20000"/>
-              </a:spcBef>
-              <a:spcAft>
-                <a:spcPts val="600"/>
-              </a:spcAft>
-              <a:buClr>
-                <a:schemeClr val="accent1"/>
-              </a:buClr>
-              <a:buFont typeface="Wingdings 2" charset="2"/>
-              <a:buNone/>
-              <a:defRPr sz="1600" b="1" kern="1200">
-                <a:solidFill>
-                  <a:schemeClr val="tx1"/>
-                </a:solidFill>
-                <a:latin typeface="+mn-lt"/>
-                <a:ea typeface="+mn-ea"/>
-                <a:cs typeface="+mn-cs"/>
-              </a:defRPr>
-            </a:lvl8pPr>
-            <a:lvl9pPr marL="3657600" indent="0" algn="l" defTabSz="457200" rtl="0" eaLnBrk="1" latinLnBrk="0" hangingPunct="1">
-              <a:spcBef>
-                <a:spcPct val="20000"/>
-              </a:spcBef>
-              <a:spcAft>
-                <a:spcPts val="600"/>
-              </a:spcAft>
-              <a:buClr>
-                <a:schemeClr val="accent1"/>
-              </a:buClr>
-              <a:buFont typeface="Wingdings 2" charset="2"/>
-              <a:buNone/>
-              <a:defRPr sz="1600" b="1" kern="1200">
-                <a:solidFill>
-                  <a:schemeClr val="tx1"/>
-                </a:solidFill>
-                <a:latin typeface="+mn-lt"/>
-                <a:ea typeface="+mn-ea"/>
-                <a:cs typeface="+mn-cs"/>
-              </a:defRPr>
-            </a:lvl9pPr>
-          </a:lstStyle>
-          <a:p>
-            <a:pPr algn="l"/>
-            <a:r>
-              <a:rPr lang="en-US" dirty="0"/>
-              <a:t>Bounding Box Attributes</a:t>
-            </a:r>
-          </a:p>
-        </p:txBody>
-      </p:sp>
-      <p:sp>
-        <p:nvSpPr>
-          <p:cNvPr id="8" name="Content Placeholder 3">
-            <a:extLst>
-              <a:ext uri="{FF2B5EF4-FFF2-40B4-BE49-F238E27FC236}">
-                <a16:creationId xmlns:a16="http://schemas.microsoft.com/office/drawing/2014/main" id="{FBC57DAB-A8FE-624E-ABF4-DC93C598EA19}"/>
-              </a:ext>
-            </a:extLst>
-          </p:cNvPr>
-          <p:cNvSpPr txBox="1">
-            <a:spLocks/>
-          </p:cNvSpPr>
-          <p:nvPr/>
-        </p:nvSpPr>
-        <p:spPr>
-          <a:xfrm>
-            <a:off x="6096000" y="2751138"/>
-            <a:ext cx="5894070" cy="3908454"/>
-          </a:xfrm>
-          <a:prstGeom prst="rect">
-            <a:avLst/>
-          </a:prstGeom>
-          <a:effectLst>
-            <a:outerShdw blurRad="50800" dir="14400000">
-              <a:srgbClr val="000000">
-                <a:alpha val="40000"/>
-              </a:srgbClr>
-            </a:outerShdw>
-          </a:effectLst>
-        </p:spPr>
-        <p:txBody>
-          <a:bodyPr vert="horz" lIns="91440" tIns="45720" rIns="91440" bIns="45720" rtlCol="0" anchor="t">
-            <a:normAutofit/>
-          </a:bodyPr>
-          <a:lstStyle>
-            <a:lvl1pPr marL="342900" indent="-342900" algn="l" defTabSz="457200" rtl="0" eaLnBrk="1" latinLnBrk="0" hangingPunct="1">
-              <a:spcBef>
-                <a:spcPct val="20000"/>
-              </a:spcBef>
-              <a:spcAft>
-                <a:spcPts val="600"/>
-              </a:spcAft>
-              <a:buClr>
-                <a:schemeClr val="accent1"/>
-              </a:buClr>
-              <a:buFont typeface="Wingdings 2" charset="2"/>
-              <a:buChar char=""/>
-              <a:defRPr sz="1800" kern="1200">
-                <a:solidFill>
-                  <a:schemeClr val="tx1"/>
-                </a:solidFill>
-                <a:latin typeface="+mn-lt"/>
-                <a:ea typeface="+mn-ea"/>
-                <a:cs typeface="+mn-cs"/>
-              </a:defRPr>
-            </a:lvl1pPr>
-            <a:lvl2pPr marL="742950" indent="-285750" algn="l" defTabSz="457200" rtl="0" eaLnBrk="1" latinLnBrk="0" hangingPunct="1">
-              <a:spcBef>
-                <a:spcPct val="20000"/>
-              </a:spcBef>
-              <a:spcAft>
-                <a:spcPts val="600"/>
-              </a:spcAft>
-              <a:buClr>
-                <a:schemeClr val="accent1"/>
-              </a:buClr>
-              <a:buFont typeface="Wingdings 2" charset="2"/>
-              <a:buChar char=""/>
-              <a:defRPr sz="1600" kern="1200">
-                <a:solidFill>
-                  <a:schemeClr val="tx1"/>
-                </a:solidFill>
-                <a:latin typeface="+mn-lt"/>
-                <a:ea typeface="+mn-ea"/>
-                <a:cs typeface="+mn-cs"/>
-              </a:defRPr>
-            </a:lvl2pPr>
-            <a:lvl3pPr marL="1143000" indent="-228600" algn="l" defTabSz="457200" rtl="0" eaLnBrk="1" latinLnBrk="0" hangingPunct="1">
-              <a:spcBef>
-                <a:spcPct val="20000"/>
-              </a:spcBef>
-              <a:spcAft>
-                <a:spcPts val="600"/>
-              </a:spcAft>
-              <a:buClr>
-                <a:schemeClr val="accent1"/>
-              </a:buClr>
-              <a:buFont typeface="Wingdings 2" charset="2"/>
-              <a:buChar char=""/>
-              <a:defRPr sz="1400" kern="1200">
-                <a:solidFill>
-                  <a:schemeClr val="tx1"/>
-                </a:solidFill>
-                <a:latin typeface="+mn-lt"/>
-                <a:ea typeface="+mn-ea"/>
-                <a:cs typeface="+mn-cs"/>
-              </a:defRPr>
-            </a:lvl3pPr>
-            <a:lvl4pPr marL="1600200" indent="-228600" algn="l" defTabSz="457200" rtl="0" eaLnBrk="1" latinLnBrk="0" hangingPunct="1">
-              <a:spcBef>
-                <a:spcPct val="20000"/>
-              </a:spcBef>
-              <a:spcAft>
-                <a:spcPts val="600"/>
-              </a:spcAft>
-              <a:buClr>
-                <a:schemeClr val="accent1"/>
-              </a:buClr>
-              <a:buFont typeface="Wingdings 2" charset="2"/>
-              <a:buChar char=""/>
-              <a:defRPr sz="1200" kern="1200">
-                <a:solidFill>
-                  <a:schemeClr val="tx1"/>
-                </a:solidFill>
-                <a:latin typeface="+mn-lt"/>
-                <a:ea typeface="+mn-ea"/>
-                <a:cs typeface="+mn-cs"/>
-              </a:defRPr>
-            </a:lvl4pPr>
-            <a:lvl5pPr marL="2057400" indent="-228600" algn="l" defTabSz="457200" rtl="0" eaLnBrk="1" latinLnBrk="0" hangingPunct="1">
-              <a:spcBef>
-                <a:spcPct val="20000"/>
-              </a:spcBef>
-              <a:spcAft>
-                <a:spcPts val="600"/>
-              </a:spcAft>
-              <a:buClr>
-                <a:schemeClr val="accent1"/>
-              </a:buClr>
-              <a:buFont typeface="Wingdings 2" charset="2"/>
-              <a:buChar char=""/>
-              <a:defRPr sz="1200" kern="1200">
-                <a:solidFill>
-                  <a:schemeClr val="tx1"/>
-                </a:solidFill>
-                <a:latin typeface="+mn-lt"/>
-                <a:ea typeface="+mn-ea"/>
-                <a:cs typeface="+mn-cs"/>
-              </a:defRPr>
-            </a:lvl5pPr>
-            <a:lvl6pPr marL="2400000" indent="-228600" algn="l" defTabSz="457200" rtl="0" eaLnBrk="1" latinLnBrk="0" hangingPunct="1">
-              <a:spcBef>
-                <a:spcPct val="20000"/>
-              </a:spcBef>
-              <a:spcAft>
-                <a:spcPts val="600"/>
-              </a:spcAft>
-              <a:buClr>
-                <a:schemeClr val="accent1"/>
-              </a:buClr>
-              <a:buFont typeface="Wingdings 2" charset="2"/>
-              <a:buChar char=""/>
-              <a:defRPr sz="1200" kern="1200">
-                <a:solidFill>
-                  <a:schemeClr val="tx1"/>
-                </a:solidFill>
-                <a:latin typeface="+mn-lt"/>
-                <a:ea typeface="+mn-ea"/>
-                <a:cs typeface="+mn-cs"/>
-              </a:defRPr>
-            </a:lvl6pPr>
-            <a:lvl7pPr marL="2800000" indent="-228600" algn="l" defTabSz="457200" rtl="0" eaLnBrk="1" latinLnBrk="0" hangingPunct="1">
-              <a:spcBef>
-                <a:spcPct val="20000"/>
-              </a:spcBef>
-              <a:spcAft>
-                <a:spcPts val="600"/>
-              </a:spcAft>
-              <a:buClr>
-                <a:schemeClr val="accent1"/>
-              </a:buClr>
-              <a:buFont typeface="Wingdings 2" charset="2"/>
-              <a:buChar char=""/>
-              <a:defRPr sz="1200" kern="1200">
-                <a:solidFill>
-                  <a:schemeClr val="tx1"/>
-                </a:solidFill>
-                <a:latin typeface="+mn-lt"/>
-                <a:ea typeface="+mn-ea"/>
-                <a:cs typeface="+mn-cs"/>
-              </a:defRPr>
-            </a:lvl7pPr>
-            <a:lvl8pPr marL="3200000" indent="-228600" algn="l" defTabSz="457200" rtl="0" eaLnBrk="1" latinLnBrk="0" hangingPunct="1">
-              <a:spcBef>
-                <a:spcPct val="20000"/>
-              </a:spcBef>
-              <a:spcAft>
-                <a:spcPts val="600"/>
-              </a:spcAft>
-              <a:buClr>
-                <a:schemeClr val="accent1"/>
-              </a:buClr>
-              <a:buFont typeface="Wingdings 2" charset="2"/>
-              <a:buChar char=""/>
-              <a:defRPr sz="1200" kern="1200">
-                <a:solidFill>
-                  <a:schemeClr val="tx1"/>
-                </a:solidFill>
-                <a:latin typeface="+mn-lt"/>
-                <a:ea typeface="+mn-ea"/>
-                <a:cs typeface="+mn-cs"/>
-              </a:defRPr>
-            </a:lvl8pPr>
-            <a:lvl9pPr marL="3600000" indent="-228600" algn="l" defTabSz="457200" rtl="0" eaLnBrk="1" latinLnBrk="0" hangingPunct="1">
-              <a:spcBef>
-                <a:spcPct val="20000"/>
-              </a:spcBef>
-              <a:spcAft>
-                <a:spcPts val="600"/>
-              </a:spcAft>
-              <a:buClr>
-                <a:schemeClr val="accent1"/>
-              </a:buClr>
-              <a:buFont typeface="Wingdings 2" charset="2"/>
-              <a:buChar char=""/>
-              <a:defRPr sz="1200" kern="1200">
-                <a:solidFill>
-                  <a:schemeClr val="tx1"/>
-                </a:solidFill>
-                <a:latin typeface="+mn-lt"/>
-                <a:ea typeface="+mn-ea"/>
-                <a:cs typeface="+mn-cs"/>
-              </a:defRPr>
-            </a:lvl9pPr>
-          </a:lstStyle>
-          <a:p>
-            <a:r>
-              <a:rPr lang="en-US" sz="1600" dirty="0" err="1">
-                <a:solidFill>
-                  <a:schemeClr val="accent1">
-                    <a:lumMod val="60000"/>
-                    <a:lumOff val="40000"/>
-                  </a:schemeClr>
-                </a:solidFill>
-              </a:rPr>
-              <a:t>XClick</a:t>
-            </a:r>
-            <a:r>
-              <a:rPr lang="en-US" sz="1600" dirty="0"/>
-              <a:t> attributes are coordinates that a human reviewer clicked on an image to choose 4 ‘outer’ feature points, any order, </a:t>
-            </a:r>
-            <a:r>
-              <a:rPr lang="en-US" sz="1600" dirty="0" err="1"/>
-              <a:t>eg</a:t>
-            </a:r>
-            <a:r>
-              <a:rPr lang="en-US" sz="1600" dirty="0"/>
-              <a:t> tips of ears and paws</a:t>
-            </a:r>
-            <a:br>
-              <a:rPr lang="en-US" sz="1600" dirty="0"/>
-            </a:br>
-            <a:r>
-              <a:rPr lang="en-US" sz="1600" dirty="0"/>
-              <a:t>(shown here as 4 circles with plusses     )</a:t>
-            </a:r>
-          </a:p>
-          <a:p>
-            <a:r>
-              <a:rPr lang="en-US" sz="1600" dirty="0" err="1">
-                <a:solidFill>
-                  <a:schemeClr val="accent1">
-                    <a:lumMod val="60000"/>
-                    <a:lumOff val="40000"/>
-                  </a:schemeClr>
-                </a:solidFill>
-              </a:rPr>
-              <a:t>XMin</a:t>
-            </a:r>
-            <a:r>
-              <a:rPr lang="en-US" sz="1600" dirty="0">
-                <a:solidFill>
-                  <a:schemeClr val="accent1">
-                    <a:lumMod val="60000"/>
-                    <a:lumOff val="40000"/>
-                  </a:schemeClr>
-                </a:solidFill>
-              </a:rPr>
-              <a:t>, </a:t>
-            </a:r>
-            <a:r>
-              <a:rPr lang="en-US" sz="1600" dirty="0" err="1">
-                <a:solidFill>
-                  <a:schemeClr val="accent1">
-                    <a:lumMod val="60000"/>
-                    <a:lumOff val="40000"/>
-                  </a:schemeClr>
-                </a:solidFill>
-              </a:rPr>
-              <a:t>YMin</a:t>
-            </a:r>
-            <a:r>
-              <a:rPr lang="en-US" sz="1600" dirty="0">
-                <a:solidFill>
-                  <a:schemeClr val="accent1">
-                    <a:lumMod val="60000"/>
-                    <a:lumOff val="40000"/>
-                  </a:schemeClr>
-                </a:solidFill>
-              </a:rPr>
-              <a:t>, </a:t>
-            </a:r>
-            <a:r>
-              <a:rPr lang="en-US" sz="1600" dirty="0" err="1">
-                <a:solidFill>
-                  <a:schemeClr val="accent1">
-                    <a:lumMod val="60000"/>
-                    <a:lumOff val="40000"/>
-                  </a:schemeClr>
-                </a:solidFill>
-              </a:rPr>
-              <a:t>XMax</a:t>
-            </a:r>
-            <a:r>
-              <a:rPr lang="en-US" sz="1600" dirty="0">
-                <a:solidFill>
-                  <a:schemeClr val="accent1">
-                    <a:lumMod val="60000"/>
-                    <a:lumOff val="40000"/>
-                  </a:schemeClr>
-                </a:solidFill>
-              </a:rPr>
-              <a:t> </a:t>
-            </a:r>
-            <a:r>
-              <a:rPr lang="en-US" sz="1600" dirty="0"/>
-              <a:t>and </a:t>
-            </a:r>
-            <a:r>
-              <a:rPr lang="en-US" sz="1600" dirty="0" err="1">
-                <a:solidFill>
-                  <a:schemeClr val="accent1">
-                    <a:lumMod val="60000"/>
-                    <a:lumOff val="40000"/>
-                  </a:schemeClr>
-                </a:solidFill>
-              </a:rPr>
-              <a:t>YMax</a:t>
-            </a:r>
-            <a:r>
-              <a:rPr lang="en-US" sz="1600" dirty="0"/>
-              <a:t> points are the bounding box </a:t>
-            </a:r>
-            <a:r>
-              <a:rPr lang="en-US" sz="1600" dirty="0">
-                <a:solidFill>
-                  <a:schemeClr val="accent1">
-                    <a:lumMod val="75000"/>
-                  </a:schemeClr>
-                </a:solidFill>
-              </a:rPr>
-              <a:t>upper left </a:t>
-            </a:r>
-            <a:r>
-              <a:rPr lang="en-US" sz="1600" dirty="0"/>
-              <a:t>and </a:t>
-            </a:r>
-            <a:r>
-              <a:rPr lang="en-US" sz="1600" dirty="0">
-                <a:solidFill>
-                  <a:schemeClr val="accent1">
-                    <a:lumMod val="75000"/>
-                  </a:schemeClr>
-                </a:solidFill>
-              </a:rPr>
-              <a:t>lower right </a:t>
-            </a:r>
-            <a:r>
-              <a:rPr lang="en-US" sz="1600" dirty="0"/>
-              <a:t>points that contain all of the </a:t>
-            </a:r>
-            <a:r>
-              <a:rPr lang="en-US" sz="1600" dirty="0" err="1"/>
-              <a:t>XClick</a:t>
-            </a:r>
-            <a:r>
-              <a:rPr lang="en-US" sz="1600" dirty="0"/>
-              <a:t> points (shown here plotted as   a red box  )</a:t>
-            </a:r>
-          </a:p>
-          <a:p>
-            <a:r>
-              <a:rPr lang="en-US" sz="1400" dirty="0"/>
-              <a:t>Each of these bounding boxes and the class information is </a:t>
-            </a:r>
-            <a:r>
-              <a:rPr lang="en-US" sz="1400" dirty="0">
-                <a:solidFill>
-                  <a:schemeClr val="accent1">
-                    <a:lumMod val="60000"/>
-                    <a:lumOff val="40000"/>
-                  </a:schemeClr>
-                </a:solidFill>
-              </a:rPr>
-              <a:t>only as good </a:t>
-            </a:r>
-            <a:r>
-              <a:rPr lang="en-US" sz="1400" dirty="0"/>
-              <a:t>as the human’s interpretation (examples: raccoon labeled as dog, inaccurate bounding boxes)</a:t>
-            </a:r>
-          </a:p>
-          <a:p>
-            <a:r>
-              <a:rPr lang="en-US" sz="1400" dirty="0"/>
-              <a:t>We decided to perform feature engineering to determine the width, </a:t>
-            </a:r>
-            <a:r>
-              <a:rPr lang="en-US" sz="1400" dirty="0">
-                <a:solidFill>
-                  <a:schemeClr val="accent1">
-                    <a:lumMod val="60000"/>
-                    <a:lumOff val="40000"/>
-                  </a:schemeClr>
-                </a:solidFill>
-              </a:rPr>
-              <a:t>center point</a:t>
-            </a:r>
-            <a:r>
-              <a:rPr lang="en-US" sz="1400" dirty="0"/>
-              <a:t>, and height of the bounding boxes. Center point of bounding box shown here as a </a:t>
-            </a:r>
-            <a:r>
-              <a:rPr lang="en-US" sz="1400" dirty="0">
-                <a:solidFill>
-                  <a:srgbClr val="0070C0"/>
-                </a:solidFill>
-              </a:rPr>
-              <a:t>blue</a:t>
-            </a:r>
-            <a:r>
-              <a:rPr lang="en-US" sz="1400" dirty="0"/>
-              <a:t> dot with white center, center of images as a </a:t>
-            </a:r>
-            <a:r>
-              <a:rPr lang="en-US" sz="1400" dirty="0">
-                <a:solidFill>
-                  <a:srgbClr val="C00000"/>
-                </a:solidFill>
-              </a:rPr>
-              <a:t>red</a:t>
-            </a:r>
-            <a:r>
-              <a:rPr lang="en-US" sz="1400" dirty="0"/>
-              <a:t> dot/white center.</a:t>
-            </a:r>
-          </a:p>
-        </p:txBody>
-      </p:sp>
-      <p:sp>
-        <p:nvSpPr>
-          <p:cNvPr id="11" name="Oval 10">
-            <a:extLst>
-              <a:ext uri="{FF2B5EF4-FFF2-40B4-BE49-F238E27FC236}">
-                <a16:creationId xmlns:a16="http://schemas.microsoft.com/office/drawing/2014/main" id="{0E5DD94E-1819-4B4F-BDAC-D68D74B8C13B}"/>
-              </a:ext>
-            </a:extLst>
-          </p:cNvPr>
-          <p:cNvSpPr/>
-          <p:nvPr/>
-        </p:nvSpPr>
-        <p:spPr>
-          <a:xfrm>
-            <a:off x="10093959" y="3577318"/>
-            <a:ext cx="171450" cy="164689"/>
-          </a:xfrm>
-          <a:prstGeom prst="ellipse">
-            <a:avLst/>
-          </a:prstGeom>
-          <a:solidFill>
-            <a:schemeClr val="tx1"/>
-          </a:solidFill>
-          <a:ln>
-            <a:noFill/>
-          </a:ln>
-        </p:spPr>
-        <p:style>
-          <a:lnRef idx="2">
-            <a:schemeClr val="accent1">
-              <a:shade val="50000"/>
-            </a:schemeClr>
-          </a:lnRef>
-          <a:fillRef idx="1">
-            <a:schemeClr val="accent1"/>
-          </a:fillRef>
-          <a:effectRef idx="0">
-            <a:schemeClr val="accent1"/>
-          </a:effectRef>
-          <a:fontRef idx="minor">
-            <a:schemeClr val="lt1"/>
-          </a:fontRef>
-        </p:style>
-        <p:txBody>
-          <a:bodyPr rtlCol="0" anchor="ctr"/>
-          <a:lstStyle/>
-          <a:p>
-            <a:pPr algn="ctr"/>
-            <a:r>
-              <a:rPr lang="en-US" dirty="0">
-                <a:solidFill>
-                  <a:srgbClr val="002060"/>
-                </a:solidFill>
-              </a:rPr>
-              <a:t>+</a:t>
-            </a:r>
-          </a:p>
-        </p:txBody>
-      </p:sp>
-      <p:sp>
-        <p:nvSpPr>
-          <p:cNvPr id="12" name="Rectangle 11">
-            <a:extLst>
-              <a:ext uri="{FF2B5EF4-FFF2-40B4-BE49-F238E27FC236}">
-                <a16:creationId xmlns:a16="http://schemas.microsoft.com/office/drawing/2014/main" id="{08D0DAFB-A1B5-D949-8F01-98C64B7D3C12}"/>
-              </a:ext>
-            </a:extLst>
-          </p:cNvPr>
-          <p:cNvSpPr/>
-          <p:nvPr/>
-        </p:nvSpPr>
-        <p:spPr>
-          <a:xfrm flipV="1">
-            <a:off x="10539096" y="4390708"/>
-            <a:ext cx="1096643" cy="297180"/>
-          </a:xfrm>
-          <a:prstGeom prst="rect">
-            <a:avLst/>
-          </a:prstGeom>
-          <a:noFill/>
-          <a:ln w="28575">
-            <a:solidFill>
-              <a:srgbClr val="C00000"/>
-            </a:solidFill>
-          </a:ln>
-        </p:spPr>
-        <p:style>
-          <a:lnRef idx="2">
-            <a:schemeClr val="accent1">
-              <a:shade val="50000"/>
-            </a:schemeClr>
-          </a:lnRef>
-          <a:fillRef idx="1">
-            <a:schemeClr val="accent1"/>
-          </a:fillRef>
-          <a:effectRef idx="0">
-            <a:schemeClr val="accent1"/>
-          </a:effectRef>
-          <a:fontRef idx="minor">
-            <a:schemeClr val="lt1"/>
-          </a:fontRef>
-        </p:style>
-        <p:txBody>
-          <a:bodyPr rtlCol="0" anchor="ctr"/>
-          <a:lstStyle/>
-          <a:p>
-            <a:pPr algn="ctr"/>
-            <a:endParaRPr lang="en-US"/>
-          </a:p>
-        </p:txBody>
-      </p:sp>
-      <p:grpSp>
-        <p:nvGrpSpPr>
-          <p:cNvPr id="19" name="Group 18">
-            <a:extLst>
-              <a:ext uri="{FF2B5EF4-FFF2-40B4-BE49-F238E27FC236}">
-                <a16:creationId xmlns:a16="http://schemas.microsoft.com/office/drawing/2014/main" id="{67B921B1-3D25-C140-93B1-15755F4196C5}"/>
-              </a:ext>
-            </a:extLst>
-          </p:cNvPr>
-          <p:cNvGrpSpPr/>
-          <p:nvPr/>
-        </p:nvGrpSpPr>
-        <p:grpSpPr>
-          <a:xfrm>
-            <a:off x="1619250" y="2751138"/>
-            <a:ext cx="3657600" cy="3721100"/>
-            <a:chOff x="1973580" y="2802890"/>
-            <a:chExt cx="3657600" cy="3721100"/>
-          </a:xfrm>
-        </p:grpSpPr>
-        <p:pic>
-          <p:nvPicPr>
-            <p:cNvPr id="6" name="Picture 5" descr="A picture containing text, cat, monitor, screen&#10;&#10;Description automatically generated">
-              <a:extLst>
-                <a:ext uri="{FF2B5EF4-FFF2-40B4-BE49-F238E27FC236}">
-                  <a16:creationId xmlns:a16="http://schemas.microsoft.com/office/drawing/2014/main" id="{0D60C05E-1C17-324A-AD33-EE8ADD0E4569}"/>
-                </a:ext>
-              </a:extLst>
-            </p:cNvPr>
-            <p:cNvPicPr>
-              <a:picLocks noChangeAspect="1"/>
-            </p:cNvPicPr>
-            <p:nvPr/>
-          </p:nvPicPr>
-          <p:blipFill>
-            <a:blip r:embed="rId3"/>
-            <a:stretch>
-              <a:fillRect/>
-            </a:stretch>
-          </p:blipFill>
-          <p:spPr>
-            <a:xfrm>
-              <a:off x="1973580" y="2802890"/>
-              <a:ext cx="3657600" cy="3721100"/>
-            </a:xfrm>
-            <a:prstGeom prst="rect">
-              <a:avLst/>
-            </a:prstGeom>
-          </p:spPr>
-        </p:pic>
-        <p:sp>
-          <p:nvSpPr>
-            <p:cNvPr id="14" name="Rectangle 13">
-              <a:extLst>
-                <a:ext uri="{FF2B5EF4-FFF2-40B4-BE49-F238E27FC236}">
-                  <a16:creationId xmlns:a16="http://schemas.microsoft.com/office/drawing/2014/main" id="{7E45DA13-B899-CD4D-9D98-FDEF03D898D6}"/>
-                </a:ext>
-              </a:extLst>
-            </p:cNvPr>
-            <p:cNvSpPr/>
-            <p:nvPr/>
-          </p:nvSpPr>
-          <p:spPr>
-            <a:xfrm>
-              <a:off x="2395221" y="3421380"/>
-              <a:ext cx="2451735" cy="2636520"/>
-            </a:xfrm>
-            <a:prstGeom prst="rect">
-              <a:avLst/>
-            </a:prstGeom>
-            <a:noFill/>
-            <a:ln w="28575">
-              <a:solidFill>
-                <a:srgbClr val="C00000"/>
-              </a:solidFill>
-            </a:ln>
-          </p:spPr>
-          <p:style>
-            <a:lnRef idx="2">
-              <a:schemeClr val="accent1">
-                <a:shade val="50000"/>
-              </a:schemeClr>
-            </a:lnRef>
-            <a:fillRef idx="1">
-              <a:schemeClr val="accent1"/>
-            </a:fillRef>
-            <a:effectRef idx="0">
-              <a:schemeClr val="accent1"/>
-            </a:effectRef>
-            <a:fontRef idx="minor">
-              <a:schemeClr val="lt1"/>
-            </a:fontRef>
-          </p:style>
-          <p:txBody>
-            <a:bodyPr rtlCol="0" anchor="ctr"/>
-            <a:lstStyle/>
-            <a:p>
-              <a:pPr algn="ctr"/>
-              <a:endParaRPr lang="en-US"/>
-            </a:p>
-          </p:txBody>
-        </p:sp>
-        <p:sp>
-          <p:nvSpPr>
-            <p:cNvPr id="15" name="Oval 14">
-              <a:extLst>
-                <a:ext uri="{FF2B5EF4-FFF2-40B4-BE49-F238E27FC236}">
-                  <a16:creationId xmlns:a16="http://schemas.microsoft.com/office/drawing/2014/main" id="{057B1CB4-C6BF-674F-AC1D-5DDED05AD254}"/>
-                </a:ext>
-              </a:extLst>
-            </p:cNvPr>
-            <p:cNvSpPr/>
-            <p:nvPr/>
-          </p:nvSpPr>
-          <p:spPr>
-            <a:xfrm>
-              <a:off x="2581911" y="3346655"/>
-              <a:ext cx="171450" cy="164689"/>
-            </a:xfrm>
-            <a:prstGeom prst="ellipse">
-              <a:avLst/>
-            </a:prstGeom>
-            <a:solidFill>
-              <a:schemeClr val="tx1"/>
-            </a:solidFill>
-            <a:ln>
-              <a:noFill/>
-            </a:ln>
-          </p:spPr>
-          <p:style>
-            <a:lnRef idx="2">
-              <a:schemeClr val="accent1">
-                <a:shade val="50000"/>
-              </a:schemeClr>
-            </a:lnRef>
-            <a:fillRef idx="1">
-              <a:schemeClr val="accent1"/>
-            </a:fillRef>
-            <a:effectRef idx="0">
-              <a:schemeClr val="accent1"/>
-            </a:effectRef>
-            <a:fontRef idx="minor">
-              <a:schemeClr val="lt1"/>
-            </a:fontRef>
-          </p:style>
-          <p:txBody>
-            <a:bodyPr rtlCol="0" anchor="ctr"/>
-            <a:lstStyle/>
-            <a:p>
-              <a:pPr algn="ctr"/>
-              <a:r>
-                <a:rPr lang="en-US" dirty="0">
-                  <a:solidFill>
-                    <a:srgbClr val="002060"/>
-                  </a:solidFill>
-                </a:rPr>
-                <a:t>+</a:t>
-              </a:r>
-            </a:p>
-          </p:txBody>
-        </p:sp>
-        <p:sp>
-          <p:nvSpPr>
-            <p:cNvPr id="16" name="Oval 15">
-              <a:extLst>
-                <a:ext uri="{FF2B5EF4-FFF2-40B4-BE49-F238E27FC236}">
-                  <a16:creationId xmlns:a16="http://schemas.microsoft.com/office/drawing/2014/main" id="{E0E959D4-619F-9F46-9F85-3AA5FF7AB5B5}"/>
-                </a:ext>
-              </a:extLst>
-            </p:cNvPr>
-            <p:cNvSpPr/>
-            <p:nvPr/>
-          </p:nvSpPr>
-          <p:spPr>
-            <a:xfrm>
-              <a:off x="4742818" y="3882594"/>
-              <a:ext cx="171450" cy="164689"/>
-            </a:xfrm>
-            <a:prstGeom prst="ellipse">
-              <a:avLst/>
-            </a:prstGeom>
-            <a:solidFill>
-              <a:schemeClr val="tx1"/>
-            </a:solidFill>
-            <a:ln>
-              <a:noFill/>
-            </a:ln>
-          </p:spPr>
-          <p:style>
-            <a:lnRef idx="2">
-              <a:schemeClr val="accent1">
-                <a:shade val="50000"/>
-              </a:schemeClr>
-            </a:lnRef>
-            <a:fillRef idx="1">
-              <a:schemeClr val="accent1"/>
-            </a:fillRef>
-            <a:effectRef idx="0">
-              <a:schemeClr val="accent1"/>
-            </a:effectRef>
-            <a:fontRef idx="minor">
-              <a:schemeClr val="lt1"/>
-            </a:fontRef>
-          </p:style>
-          <p:txBody>
-            <a:bodyPr rtlCol="0" anchor="ctr"/>
-            <a:lstStyle/>
-            <a:p>
-              <a:pPr algn="ctr"/>
-              <a:r>
-                <a:rPr lang="en-US" dirty="0">
-                  <a:solidFill>
-                    <a:srgbClr val="002060"/>
-                  </a:solidFill>
-                </a:rPr>
-                <a:t>+</a:t>
-              </a:r>
-            </a:p>
-          </p:txBody>
-        </p:sp>
-        <p:sp>
-          <p:nvSpPr>
-            <p:cNvPr id="17" name="Oval 16">
-              <a:extLst>
-                <a:ext uri="{FF2B5EF4-FFF2-40B4-BE49-F238E27FC236}">
-                  <a16:creationId xmlns:a16="http://schemas.microsoft.com/office/drawing/2014/main" id="{BAA81CBD-D06F-F04C-9D6E-757EA22F3894}"/>
-                </a:ext>
-              </a:extLst>
-            </p:cNvPr>
-            <p:cNvSpPr/>
-            <p:nvPr/>
-          </p:nvSpPr>
-          <p:spPr>
-            <a:xfrm>
-              <a:off x="3261997" y="5967936"/>
-              <a:ext cx="171450" cy="164689"/>
-            </a:xfrm>
-            <a:prstGeom prst="ellipse">
-              <a:avLst/>
-            </a:prstGeom>
-            <a:solidFill>
-              <a:schemeClr val="tx1"/>
-            </a:solidFill>
-            <a:ln>
-              <a:noFill/>
-            </a:ln>
-          </p:spPr>
-          <p:style>
-            <a:lnRef idx="2">
-              <a:schemeClr val="accent1">
-                <a:shade val="50000"/>
-              </a:schemeClr>
-            </a:lnRef>
-            <a:fillRef idx="1">
-              <a:schemeClr val="accent1"/>
-            </a:fillRef>
-            <a:effectRef idx="0">
-              <a:schemeClr val="accent1"/>
-            </a:effectRef>
-            <a:fontRef idx="minor">
-              <a:schemeClr val="lt1"/>
-            </a:fontRef>
-          </p:style>
-          <p:txBody>
-            <a:bodyPr rtlCol="0" anchor="ctr"/>
-            <a:lstStyle/>
-            <a:p>
-              <a:pPr algn="ctr"/>
-              <a:r>
-                <a:rPr lang="en-US" dirty="0">
-                  <a:solidFill>
-                    <a:srgbClr val="002060"/>
-                  </a:solidFill>
-                </a:rPr>
-                <a:t>+</a:t>
-              </a:r>
-            </a:p>
-          </p:txBody>
-        </p:sp>
-        <p:sp>
-          <p:nvSpPr>
-            <p:cNvPr id="18" name="Oval 17">
-              <a:extLst>
-                <a:ext uri="{FF2B5EF4-FFF2-40B4-BE49-F238E27FC236}">
-                  <a16:creationId xmlns:a16="http://schemas.microsoft.com/office/drawing/2014/main" id="{BAA37924-150A-FF49-8B68-A6D1B378B5DD}"/>
-                </a:ext>
-              </a:extLst>
-            </p:cNvPr>
-            <p:cNvSpPr/>
-            <p:nvPr/>
-          </p:nvSpPr>
-          <p:spPr>
-            <a:xfrm>
-              <a:off x="2309496" y="5212080"/>
-              <a:ext cx="171450" cy="164689"/>
-            </a:xfrm>
-            <a:prstGeom prst="ellipse">
-              <a:avLst/>
-            </a:prstGeom>
-            <a:solidFill>
-              <a:schemeClr val="tx1"/>
-            </a:solidFill>
-            <a:ln>
-              <a:noFill/>
-            </a:ln>
-          </p:spPr>
-          <p:style>
-            <a:lnRef idx="2">
-              <a:schemeClr val="accent1">
-                <a:shade val="50000"/>
-              </a:schemeClr>
-            </a:lnRef>
-            <a:fillRef idx="1">
-              <a:schemeClr val="accent1"/>
-            </a:fillRef>
-            <a:effectRef idx="0">
-              <a:schemeClr val="accent1"/>
-            </a:effectRef>
-            <a:fontRef idx="minor">
-              <a:schemeClr val="lt1"/>
-            </a:fontRef>
-          </p:style>
-          <p:txBody>
-            <a:bodyPr rtlCol="0" anchor="ctr"/>
-            <a:lstStyle/>
-            <a:p>
-              <a:pPr algn="ctr"/>
-              <a:r>
-                <a:rPr lang="en-US" dirty="0">
-                  <a:solidFill>
-                    <a:srgbClr val="002060"/>
-                  </a:solidFill>
-                </a:rPr>
-                <a:t>+</a:t>
-              </a:r>
-            </a:p>
-          </p:txBody>
-        </p:sp>
-      </p:grpSp>
-      <p:sp>
-        <p:nvSpPr>
-          <p:cNvPr id="22" name="Left Arrow 21">
-            <a:extLst>
-              <a:ext uri="{FF2B5EF4-FFF2-40B4-BE49-F238E27FC236}">
-                <a16:creationId xmlns:a16="http://schemas.microsoft.com/office/drawing/2014/main" id="{A65A21FF-3596-F44F-9086-4FD3CD894AE8}"/>
-              </a:ext>
-            </a:extLst>
-          </p:cNvPr>
-          <p:cNvSpPr/>
-          <p:nvPr/>
-        </p:nvSpPr>
-        <p:spPr>
-          <a:xfrm>
-            <a:off x="4608831" y="5609806"/>
-            <a:ext cx="1651000" cy="777444"/>
-          </a:xfrm>
-          <a:prstGeom prst="leftArrow">
-            <a:avLst>
-              <a:gd name="adj1" fmla="val 52940"/>
-              <a:gd name="adj2" fmla="val 50000"/>
-            </a:avLst>
-          </a:prstGeom>
-        </p:spPr>
-        <p:style>
-          <a:lnRef idx="2">
-            <a:schemeClr val="accent1">
-              <a:shade val="50000"/>
-            </a:schemeClr>
-          </a:lnRef>
-          <a:fillRef idx="1">
-            <a:schemeClr val="accent1"/>
-          </a:fillRef>
-          <a:effectRef idx="0">
-            <a:schemeClr val="accent1"/>
-          </a:effectRef>
-          <a:fontRef idx="minor">
-            <a:schemeClr val="lt1"/>
-          </a:fontRef>
-        </p:style>
-        <p:txBody>
-          <a:bodyPr rtlCol="0" anchor="ctr"/>
-          <a:lstStyle/>
-          <a:p>
-            <a:pPr algn="ctr"/>
-            <a:r>
-              <a:rPr lang="en-US" sz="1400" b="1" dirty="0">
-                <a:solidFill>
-                  <a:schemeClr val="tx1"/>
-                </a:solidFill>
-              </a:rPr>
-              <a:t>(</a:t>
-            </a:r>
-            <a:r>
-              <a:rPr lang="en-US" sz="1400" b="1" dirty="0" err="1">
-                <a:solidFill>
-                  <a:schemeClr val="tx2">
-                    <a:lumMod val="50000"/>
-                  </a:schemeClr>
-                </a:solidFill>
-              </a:rPr>
-              <a:t>XMax</a:t>
-            </a:r>
-            <a:r>
-              <a:rPr lang="en-US" sz="1400" b="1" dirty="0">
-                <a:solidFill>
-                  <a:schemeClr val="tx1"/>
-                </a:solidFill>
-              </a:rPr>
-              <a:t>, </a:t>
-            </a:r>
-            <a:r>
-              <a:rPr lang="en-US" sz="1400" b="1" dirty="0" err="1">
-                <a:solidFill>
-                  <a:schemeClr val="tx2">
-                    <a:lumMod val="50000"/>
-                  </a:schemeClr>
-                </a:solidFill>
-              </a:rPr>
-              <a:t>YMax</a:t>
-            </a:r>
-            <a:r>
-              <a:rPr lang="en-US" sz="1400" b="1" dirty="0">
-                <a:solidFill>
-                  <a:schemeClr val="tx1"/>
-                </a:solidFill>
-              </a:rPr>
-              <a:t>)</a:t>
-            </a:r>
-          </a:p>
-        </p:txBody>
-      </p:sp>
-      <p:sp>
-        <p:nvSpPr>
-          <p:cNvPr id="23" name="Right Arrow 22">
-            <a:extLst>
-              <a:ext uri="{FF2B5EF4-FFF2-40B4-BE49-F238E27FC236}">
-                <a16:creationId xmlns:a16="http://schemas.microsoft.com/office/drawing/2014/main" id="{06846DCA-1AA4-2541-8646-24D738C50BEF}"/>
-              </a:ext>
-            </a:extLst>
-          </p:cNvPr>
-          <p:cNvSpPr/>
-          <p:nvPr/>
-        </p:nvSpPr>
-        <p:spPr>
-          <a:xfrm>
-            <a:off x="288290" y="2943906"/>
-            <a:ext cx="1635126" cy="901607"/>
-          </a:xfrm>
-          <a:prstGeom prst="rightArrow">
-            <a:avLst/>
-          </a:prstGeom>
-        </p:spPr>
-        <p:style>
-          <a:lnRef idx="2">
-            <a:schemeClr val="accent1">
-              <a:shade val="50000"/>
-            </a:schemeClr>
-          </a:lnRef>
-          <a:fillRef idx="1">
-            <a:schemeClr val="accent1"/>
-          </a:fillRef>
-          <a:effectRef idx="0">
-            <a:schemeClr val="accent1"/>
-          </a:effectRef>
-          <a:fontRef idx="minor">
-            <a:schemeClr val="lt1"/>
-          </a:fontRef>
-        </p:style>
-        <p:txBody>
-          <a:bodyPr rtlCol="0" anchor="ctr"/>
-          <a:lstStyle/>
-          <a:p>
-            <a:pPr algn="ctr"/>
-            <a:r>
-              <a:rPr lang="en-US" sz="1400" b="1" dirty="0">
-                <a:solidFill>
-                  <a:schemeClr val="tx1"/>
-                </a:solidFill>
-              </a:rPr>
-              <a:t>(</a:t>
-            </a:r>
-            <a:r>
-              <a:rPr lang="en-US" sz="1400" b="1" dirty="0" err="1">
-                <a:solidFill>
-                  <a:schemeClr val="tx2">
-                    <a:lumMod val="50000"/>
-                  </a:schemeClr>
-                </a:solidFill>
-              </a:rPr>
-              <a:t>XMin</a:t>
-            </a:r>
-            <a:r>
-              <a:rPr lang="en-US" sz="1400" b="1" dirty="0">
-                <a:solidFill>
-                  <a:schemeClr val="tx1"/>
-                </a:solidFill>
-              </a:rPr>
-              <a:t>, </a:t>
-            </a:r>
-            <a:r>
-              <a:rPr lang="en-US" sz="1400" b="1" dirty="0" err="1">
-                <a:solidFill>
-                  <a:schemeClr val="tx2">
-                    <a:lumMod val="50000"/>
-                  </a:schemeClr>
-                </a:solidFill>
-              </a:rPr>
-              <a:t>YMin</a:t>
-            </a:r>
-            <a:r>
-              <a:rPr lang="en-US" sz="1400" b="1" dirty="0">
-                <a:solidFill>
-                  <a:schemeClr val="tx1"/>
-                </a:solidFill>
-              </a:rPr>
-              <a:t>)</a:t>
-            </a:r>
-          </a:p>
-        </p:txBody>
-      </p:sp>
-      <p:sp>
-        <p:nvSpPr>
-          <p:cNvPr id="24" name="Oval 23">
-            <a:extLst>
-              <a:ext uri="{FF2B5EF4-FFF2-40B4-BE49-F238E27FC236}">
-                <a16:creationId xmlns:a16="http://schemas.microsoft.com/office/drawing/2014/main" id="{643FFADC-6370-2B4E-90F2-4D5CAEF34A93}"/>
-              </a:ext>
-            </a:extLst>
-          </p:cNvPr>
-          <p:cNvSpPr/>
-          <p:nvPr/>
-        </p:nvSpPr>
-        <p:spPr>
-          <a:xfrm>
-            <a:off x="1916429" y="3294903"/>
-            <a:ext cx="254002" cy="225265"/>
-          </a:xfrm>
-          <a:prstGeom prst="ellipse">
-            <a:avLst/>
-          </a:prstGeom>
-          <a:noFill/>
-          <a:ln w="38100">
-            <a:solidFill>
-              <a:schemeClr val="accent1">
-                <a:lumMod val="60000"/>
-                <a:lumOff val="40000"/>
-              </a:schemeClr>
-            </a:solidFill>
-          </a:ln>
-        </p:spPr>
-        <p:style>
-          <a:lnRef idx="2">
-            <a:schemeClr val="accent1">
-              <a:shade val="50000"/>
-            </a:schemeClr>
-          </a:lnRef>
-          <a:fillRef idx="1">
-            <a:schemeClr val="accent1"/>
-          </a:fillRef>
-          <a:effectRef idx="0">
-            <a:schemeClr val="accent1"/>
-          </a:effectRef>
-          <a:fontRef idx="minor">
-            <a:schemeClr val="lt1"/>
-          </a:fontRef>
-        </p:style>
-        <p:txBody>
-          <a:bodyPr rtlCol="0" anchor="ctr"/>
-          <a:lstStyle/>
-          <a:p>
-            <a:pPr algn="ctr"/>
-            <a:endParaRPr lang="en-US"/>
-          </a:p>
-        </p:txBody>
-      </p:sp>
-      <p:sp>
-        <p:nvSpPr>
-          <p:cNvPr id="25" name="Oval 24">
-            <a:extLst>
-              <a:ext uri="{FF2B5EF4-FFF2-40B4-BE49-F238E27FC236}">
-                <a16:creationId xmlns:a16="http://schemas.microsoft.com/office/drawing/2014/main" id="{5663D468-948C-C04A-8F5E-F4EB743106EE}"/>
-              </a:ext>
-            </a:extLst>
-          </p:cNvPr>
-          <p:cNvSpPr/>
-          <p:nvPr/>
-        </p:nvSpPr>
-        <p:spPr>
-          <a:xfrm>
-            <a:off x="4354829" y="5893323"/>
-            <a:ext cx="254002" cy="225265"/>
-          </a:xfrm>
-          <a:prstGeom prst="ellipse">
-            <a:avLst/>
-          </a:prstGeom>
-          <a:noFill/>
-          <a:ln w="38100">
-            <a:solidFill>
-              <a:schemeClr val="accent1">
-                <a:lumMod val="60000"/>
-                <a:lumOff val="40000"/>
-              </a:schemeClr>
-            </a:solidFill>
-          </a:ln>
-        </p:spPr>
-        <p:style>
-          <a:lnRef idx="2">
-            <a:schemeClr val="accent1">
-              <a:shade val="50000"/>
-            </a:schemeClr>
-          </a:lnRef>
-          <a:fillRef idx="1">
-            <a:schemeClr val="accent1"/>
-          </a:fillRef>
-          <a:effectRef idx="0">
-            <a:schemeClr val="accent1"/>
-          </a:effectRef>
-          <a:fontRef idx="minor">
-            <a:schemeClr val="lt1"/>
-          </a:fontRef>
-        </p:style>
-        <p:txBody>
-          <a:bodyPr rtlCol="0" anchor="ctr"/>
-          <a:lstStyle/>
-          <a:p>
-            <a:pPr algn="ctr"/>
-            <a:endParaRPr lang="en-US"/>
-          </a:p>
-        </p:txBody>
-      </p:sp>
-      <p:sp>
-        <p:nvSpPr>
-          <p:cNvPr id="26" name="Left Arrow 25">
-            <a:extLst>
-              <a:ext uri="{FF2B5EF4-FFF2-40B4-BE49-F238E27FC236}">
-                <a16:creationId xmlns:a16="http://schemas.microsoft.com/office/drawing/2014/main" id="{BABCAED2-2F06-154F-B8E8-6919782F9712}"/>
-              </a:ext>
-            </a:extLst>
-          </p:cNvPr>
-          <p:cNvSpPr/>
-          <p:nvPr/>
-        </p:nvSpPr>
-        <p:spPr>
-          <a:xfrm>
-            <a:off x="3612517" y="4247316"/>
-            <a:ext cx="2451735" cy="695740"/>
-          </a:xfrm>
-          <a:prstGeom prst="leftArrow">
-            <a:avLst>
-              <a:gd name="adj1" fmla="val 52940"/>
-              <a:gd name="adj2" fmla="val 40640"/>
-            </a:avLst>
-          </a:prstGeom>
-          <a:solidFill>
-            <a:srgbClr val="00B0F0"/>
-          </a:solidFill>
-          <a:ln>
-            <a:solidFill>
-              <a:srgbClr val="0019FF"/>
-            </a:solidFill>
-          </a:ln>
-        </p:spPr>
-        <p:style>
-          <a:lnRef idx="0">
-            <a:schemeClr val="accent1"/>
-          </a:lnRef>
-          <a:fillRef idx="3">
-            <a:schemeClr val="accent1"/>
-          </a:fillRef>
-          <a:effectRef idx="3">
-            <a:schemeClr val="accent1"/>
-          </a:effectRef>
-          <a:fontRef idx="minor">
-            <a:schemeClr val="lt1"/>
-          </a:fontRef>
-        </p:style>
-        <p:txBody>
-          <a:bodyPr rtlCol="0" anchor="ctr"/>
-          <a:lstStyle/>
-          <a:p>
-            <a:pPr algn="ctr"/>
-            <a:r>
-              <a:rPr lang="en-US" sz="1050" dirty="0">
-                <a:solidFill>
-                  <a:schemeClr val="tx1"/>
-                </a:solidFill>
-              </a:rPr>
-              <a:t>(</a:t>
-            </a:r>
-            <a:r>
-              <a:rPr lang="en-US" sz="1050" dirty="0" err="1">
-                <a:solidFill>
-                  <a:schemeClr val="tx2">
-                    <a:lumMod val="50000"/>
-                  </a:schemeClr>
-                </a:solidFill>
-              </a:rPr>
-              <a:t>bbox_center_x</a:t>
-            </a:r>
-            <a:r>
-              <a:rPr lang="en-US" sz="1050" dirty="0">
-                <a:solidFill>
-                  <a:schemeClr val="tx1"/>
-                </a:solidFill>
-              </a:rPr>
-              <a:t>, </a:t>
-            </a:r>
-            <a:r>
-              <a:rPr lang="en-US" sz="1050" dirty="0" err="1">
-                <a:solidFill>
-                  <a:schemeClr val="tx2">
-                    <a:lumMod val="50000"/>
-                  </a:schemeClr>
-                </a:solidFill>
-              </a:rPr>
-              <a:t>bbox_center_y</a:t>
-            </a:r>
-            <a:r>
-              <a:rPr lang="en-US" sz="1050" dirty="0">
-                <a:solidFill>
-                  <a:schemeClr val="tx1"/>
-                </a:solidFill>
-              </a:rPr>
-              <a:t>)</a:t>
-            </a:r>
-          </a:p>
-        </p:txBody>
-      </p:sp>
-    </p:spTree>
-    <p:extLst>
-      <p:ext uri="{BB962C8B-B14F-4D97-AF65-F5344CB8AC3E}">
-        <p14:creationId xmlns:p14="http://schemas.microsoft.com/office/powerpoint/2010/main" val="475728299"/>
-      </p:ext>
-    </p:extLst>
-  </p:cSld>
-  <p:clrMapOvr>
-    <a:masterClrMapping/>
-  </p:clrMapOvr>
-</p:sld>
-</file>
-
-<file path=ppt/slides/slide8.xml><?xml version="1.0" encoding="utf-8"?>
-<p:sld xmlns:a="http://schemas.openxmlformats.org/drawingml/2006/main" xmlns:r="http://schemas.openxmlformats.org/officeDocument/2006/relationships" xmlns:p="http://schemas.openxmlformats.org/presentationml/2006/main">
-  <p:cSld>
-    <p:spTree>
-      <p:nvGrpSpPr>
-        <p:cNvPr id="1" name=""/>
-        <p:cNvGrpSpPr/>
-        <p:nvPr/>
-      </p:nvGrpSpPr>
-      <p:grpSpPr>
-        <a:xfrm>
-          <a:off x="0" y="0"/>
-          <a:ext cx="0" cy="0"/>
-          <a:chOff x="0" y="0"/>
-          <a:chExt cx="0" cy="0"/>
-        </a:xfrm>
-      </p:grpSpPr>
-      <p:sp>
-        <p:nvSpPr>
-          <p:cNvPr id="2" name="Title 1">
-            <a:extLst>
-              <a:ext uri="{FF2B5EF4-FFF2-40B4-BE49-F238E27FC236}">
-                <a16:creationId xmlns:a16="http://schemas.microsoft.com/office/drawing/2014/main" id="{270EC188-A6EC-CA47-B52E-241DA02EA7A9}"/>
-              </a:ext>
-            </a:extLst>
-          </p:cNvPr>
-          <p:cNvSpPr>
-            <a:spLocks noGrp="1"/>
-          </p:cNvSpPr>
-          <p:nvPr>
-            <p:ph type="title"/>
-          </p:nvPr>
-        </p:nvSpPr>
-        <p:spPr/>
-        <p:txBody>
-          <a:bodyPr/>
-          <a:lstStyle/>
-          <a:p>
-            <a:r>
-              <a:rPr lang="en-US" dirty="0"/>
-              <a:t>Feature Engineering</a:t>
-            </a:r>
-            <a:endParaRPr lang="en-US" sz="2400" dirty="0"/>
-          </a:p>
-        </p:txBody>
-      </p:sp>
-      <p:sp>
-        <p:nvSpPr>
-          <p:cNvPr id="3" name="Text Placeholder 2">
-            <a:extLst>
-              <a:ext uri="{FF2B5EF4-FFF2-40B4-BE49-F238E27FC236}">
-                <a16:creationId xmlns:a16="http://schemas.microsoft.com/office/drawing/2014/main" id="{FB175BCF-07D1-EC4F-B451-933F1AE1A4F3}"/>
-              </a:ext>
-            </a:extLst>
-          </p:cNvPr>
-          <p:cNvSpPr>
-            <a:spLocks noGrp="1"/>
-          </p:cNvSpPr>
-          <p:nvPr>
-            <p:ph type="body" idx="1"/>
-          </p:nvPr>
-        </p:nvSpPr>
-        <p:spPr/>
-        <p:txBody>
-          <a:bodyPr/>
-          <a:lstStyle/>
-          <a:p>
-            <a:pPr algn="l"/>
-            <a:r>
-              <a:rPr lang="en-US" dirty="0"/>
-              <a:t>From</a:t>
-            </a:r>
-          </a:p>
-        </p:txBody>
-      </p:sp>
-      <p:sp>
-        <p:nvSpPr>
-          <p:cNvPr id="4" name="Content Placeholder 3">
-            <a:extLst>
-              <a:ext uri="{FF2B5EF4-FFF2-40B4-BE49-F238E27FC236}">
-                <a16:creationId xmlns:a16="http://schemas.microsoft.com/office/drawing/2014/main" id="{FBCB5062-A64F-C148-B1C2-CEAC9BB01156}"/>
-              </a:ext>
-            </a:extLst>
-          </p:cNvPr>
-          <p:cNvSpPr>
-            <a:spLocks noGrp="1"/>
-          </p:cNvSpPr>
-          <p:nvPr>
-            <p:ph sz="half" idx="2"/>
-          </p:nvPr>
-        </p:nvSpPr>
-        <p:spPr>
-          <a:xfrm>
-            <a:off x="588644" y="3411537"/>
-            <a:ext cx="2042771" cy="3908454"/>
-          </a:xfrm>
-        </p:spPr>
-        <p:txBody>
-          <a:bodyPr>
-            <a:normAutofit/>
-          </a:bodyPr>
-          <a:lstStyle/>
-          <a:p>
-            <a:r>
-              <a:rPr lang="en-US" sz="2400" dirty="0" err="1"/>
-              <a:t>XMin</a:t>
-            </a:r>
-            <a:endParaRPr lang="en-US" sz="2400" dirty="0"/>
-          </a:p>
-          <a:p>
-            <a:r>
-              <a:rPr lang="en-US" sz="2400" dirty="0" err="1"/>
-              <a:t>YMin</a:t>
-            </a:r>
-            <a:endParaRPr lang="en-US" sz="2400" dirty="0"/>
-          </a:p>
-          <a:p>
-            <a:r>
-              <a:rPr lang="en-US" sz="2400" dirty="0" err="1"/>
-              <a:t>XMax</a:t>
-            </a:r>
-            <a:endParaRPr lang="en-US" sz="2400" dirty="0"/>
-          </a:p>
-          <a:p>
-            <a:r>
-              <a:rPr lang="en-US" sz="2400" dirty="0" err="1"/>
-              <a:t>YMax</a:t>
-            </a:r>
-            <a:endParaRPr lang="en-US" sz="2400" dirty="0"/>
-          </a:p>
-        </p:txBody>
-      </p:sp>
-      <p:sp>
-        <p:nvSpPr>
-          <p:cNvPr id="5" name="Text Placeholder 4">
-            <a:extLst>
-              <a:ext uri="{FF2B5EF4-FFF2-40B4-BE49-F238E27FC236}">
-                <a16:creationId xmlns:a16="http://schemas.microsoft.com/office/drawing/2014/main" id="{FAC477F1-4FBC-404B-AEEF-6A7653555993}"/>
-              </a:ext>
-            </a:extLst>
-          </p:cNvPr>
-          <p:cNvSpPr>
-            <a:spLocks noGrp="1"/>
-          </p:cNvSpPr>
-          <p:nvPr>
-            <p:ph type="body" sz="quarter" idx="3"/>
-          </p:nvPr>
-        </p:nvSpPr>
-        <p:spPr>
-          <a:xfrm>
-            <a:off x="2631415" y="2174875"/>
-            <a:ext cx="5194583" cy="576262"/>
-          </a:xfrm>
-        </p:spPr>
-        <p:txBody>
-          <a:bodyPr/>
-          <a:lstStyle/>
-          <a:p>
-            <a:pPr algn="l"/>
-            <a:r>
-              <a:rPr lang="en-US" dirty="0"/>
-              <a:t>New Features</a:t>
-            </a:r>
-          </a:p>
-        </p:txBody>
-      </p:sp>
-      <p:sp>
-        <p:nvSpPr>
-          <p:cNvPr id="6" name="Content Placeholder 5">
-            <a:extLst>
-              <a:ext uri="{FF2B5EF4-FFF2-40B4-BE49-F238E27FC236}">
-                <a16:creationId xmlns:a16="http://schemas.microsoft.com/office/drawing/2014/main" id="{C3DC9D5F-B396-8A46-BF7D-C05C7AE76AFC}"/>
-              </a:ext>
-            </a:extLst>
-          </p:cNvPr>
-          <p:cNvSpPr>
-            <a:spLocks noGrp="1"/>
-          </p:cNvSpPr>
-          <p:nvPr>
-            <p:ph sz="quarter" idx="4"/>
-          </p:nvPr>
-        </p:nvSpPr>
-        <p:spPr>
-          <a:xfrm>
-            <a:off x="2631415" y="2751138"/>
-            <a:ext cx="6563385" cy="3908454"/>
-          </a:xfrm>
-        </p:spPr>
-        <p:txBody>
-          <a:bodyPr>
-            <a:normAutofit/>
-          </a:bodyPr>
-          <a:lstStyle/>
-          <a:p>
-            <a:r>
-              <a:rPr lang="en-US" sz="1400" dirty="0" err="1"/>
-              <a:t>bbox_w_percent</a:t>
-            </a:r>
-            <a:r>
-              <a:rPr lang="en-US" sz="1400" dirty="0"/>
-              <a:t> </a:t>
-            </a:r>
-            <a:br>
-              <a:rPr lang="en-US" sz="1400" dirty="0"/>
-            </a:br>
-            <a:r>
-              <a:rPr lang="en-US" sz="1400" dirty="0"/>
-              <a:t>(width of </a:t>
-            </a:r>
-            <a:r>
-              <a:rPr lang="en-US" sz="1400" dirty="0" err="1"/>
-              <a:t>bbox</a:t>
-            </a:r>
-            <a:r>
-              <a:rPr lang="en-US" sz="1400" dirty="0"/>
-              <a:t> as a % of the whole image)</a:t>
-            </a:r>
-          </a:p>
-          <a:p>
-            <a:r>
-              <a:rPr lang="en-US" sz="1400" dirty="0" err="1"/>
-              <a:t>bbox_h_percent</a:t>
-            </a:r>
-            <a:br>
-              <a:rPr lang="en-US" sz="1400" dirty="0"/>
-            </a:br>
-            <a:r>
-              <a:rPr lang="en-US" sz="1400" dirty="0"/>
-              <a:t>(height of </a:t>
-            </a:r>
-            <a:r>
-              <a:rPr lang="en-US" sz="1400" dirty="0" err="1"/>
-              <a:t>bbox</a:t>
-            </a:r>
-            <a:r>
-              <a:rPr lang="en-US" sz="1400" dirty="0"/>
-              <a:t> as % of the image)</a:t>
-            </a:r>
-          </a:p>
-          <a:p>
-            <a:r>
-              <a:rPr lang="en-US" sz="1400" dirty="0" err="1"/>
-              <a:t>bbox_centerX</a:t>
-            </a:r>
-            <a:br>
-              <a:rPr lang="en-US" sz="1400" dirty="0"/>
-            </a:br>
-            <a:r>
-              <a:rPr lang="en-US" sz="1400" dirty="0"/>
-              <a:t>(X coordinate of </a:t>
-            </a:r>
-            <a:r>
-              <a:rPr lang="en-US" sz="1400" dirty="0" err="1"/>
-              <a:t>bbox</a:t>
-            </a:r>
-            <a:r>
-              <a:rPr lang="en-US" sz="1400" dirty="0"/>
-              <a:t> </a:t>
-            </a:r>
-            <a:r>
-              <a:rPr lang="en-US" sz="1400" dirty="0" err="1"/>
-              <a:t>centerpoint</a:t>
-            </a:r>
-            <a:r>
-              <a:rPr lang="en-US" sz="1400" dirty="0"/>
-              <a:t> as %)</a:t>
-            </a:r>
-          </a:p>
-          <a:p>
-            <a:r>
-              <a:rPr lang="en-US" sz="1400" dirty="0" err="1"/>
-              <a:t>bbox_centerY</a:t>
-            </a:r>
-            <a:br>
-              <a:rPr lang="en-US" sz="1400" dirty="0"/>
-            </a:br>
-            <a:r>
-              <a:rPr lang="en-US" sz="1400" dirty="0"/>
-              <a:t>(Y coordinate of </a:t>
-            </a:r>
-            <a:r>
-              <a:rPr lang="en-US" sz="1400" dirty="0" err="1"/>
-              <a:t>bbox</a:t>
-            </a:r>
-            <a:r>
-              <a:rPr lang="en-US" sz="1400" dirty="0"/>
-              <a:t> </a:t>
-            </a:r>
-            <a:r>
-              <a:rPr lang="en-US" sz="1400" dirty="0" err="1"/>
-              <a:t>centerpoint</a:t>
-            </a:r>
-            <a:r>
-              <a:rPr lang="en-US" sz="1400" dirty="0"/>
-              <a:t> as %)</a:t>
-            </a:r>
-          </a:p>
-          <a:p>
-            <a:r>
-              <a:rPr lang="en-US" sz="1400" dirty="0" err="1"/>
-              <a:t>bbox_area</a:t>
-            </a:r>
-            <a:r>
-              <a:rPr lang="en-US" sz="1400" dirty="0"/>
-              <a:t> (</a:t>
-            </a:r>
-            <a:r>
-              <a:rPr lang="en-US" sz="1400" dirty="0" err="1"/>
-              <a:t>bbox_w_percent</a:t>
-            </a:r>
-            <a:r>
-              <a:rPr lang="en-US" sz="1400" dirty="0"/>
-              <a:t> * </a:t>
-            </a:r>
-            <a:r>
-              <a:rPr lang="en-US" sz="1400" dirty="0" err="1"/>
-              <a:t>bbox_h_percent</a:t>
-            </a:r>
-            <a:r>
-              <a:rPr lang="en-US" sz="1400" dirty="0"/>
-              <a:t>)</a:t>
-            </a:r>
-          </a:p>
-          <a:p>
-            <a:r>
-              <a:rPr lang="en-US" sz="1400" dirty="0" err="1"/>
-              <a:t>bb_touch_left</a:t>
-            </a:r>
-            <a:r>
-              <a:rPr lang="en-US" sz="1400" dirty="0"/>
-              <a:t>, _right, _top, _bottom (4 features)</a:t>
-            </a:r>
-            <a:br>
-              <a:rPr lang="en-US" sz="1400" dirty="0"/>
-            </a:br>
-            <a:r>
-              <a:rPr lang="en-US" sz="1400" dirty="0"/>
-              <a:t>(1 if bounding box touches image edge, 0 otherwise)</a:t>
-            </a:r>
-          </a:p>
-          <a:p>
-            <a:r>
-              <a:rPr lang="en-US" sz="1400" dirty="0" err="1"/>
-              <a:t>num_touch_edges</a:t>
-            </a:r>
-            <a:r>
-              <a:rPr lang="en-US" sz="1400" dirty="0"/>
-              <a:t> (sum of </a:t>
-            </a:r>
-            <a:r>
-              <a:rPr lang="en-US" sz="1400" dirty="0" err="1"/>
-              <a:t>bb_touch</a:t>
-            </a:r>
-            <a:r>
-              <a:rPr lang="en-US" sz="1400" dirty="0"/>
-              <a:t> edges)</a:t>
-            </a:r>
-          </a:p>
-          <a:p>
-            <a:endParaRPr lang="en-US" sz="1400" dirty="0"/>
-          </a:p>
-        </p:txBody>
-      </p:sp>
-      <p:sp>
-        <p:nvSpPr>
-          <p:cNvPr id="9" name="Left Brace 8">
-            <a:extLst>
-              <a:ext uri="{FF2B5EF4-FFF2-40B4-BE49-F238E27FC236}">
-                <a16:creationId xmlns:a16="http://schemas.microsoft.com/office/drawing/2014/main" id="{6EBF6C3A-A1CE-974E-A34D-06D75469D9ED}"/>
-              </a:ext>
-            </a:extLst>
-          </p:cNvPr>
-          <p:cNvSpPr/>
-          <p:nvPr/>
-        </p:nvSpPr>
-        <p:spPr>
-          <a:xfrm>
-            <a:off x="2146300" y="2959100"/>
-            <a:ext cx="485115" cy="2895600"/>
-          </a:xfrm>
-          <a:prstGeom prst="leftBrace">
-            <a:avLst/>
-          </a:prstGeom>
-        </p:spPr>
-        <p:style>
-          <a:lnRef idx="1">
-            <a:schemeClr val="accent1"/>
-          </a:lnRef>
-          <a:fillRef idx="0">
-            <a:schemeClr val="accent1"/>
-          </a:fillRef>
-          <a:effectRef idx="0">
-            <a:schemeClr val="accent1"/>
-          </a:effectRef>
-          <a:fontRef idx="minor">
-            <a:schemeClr val="tx1"/>
-          </a:fontRef>
-        </p:style>
-        <p:txBody>
-          <a:bodyPr rtlCol="0" anchor="ctr"/>
-          <a:lstStyle/>
-          <a:p>
-            <a:pPr algn="ctr"/>
-            <a:endParaRPr lang="en-US"/>
-          </a:p>
-        </p:txBody>
-      </p:sp>
-      <p:sp>
-        <p:nvSpPr>
-          <p:cNvPr id="10" name="Text Placeholder 4">
-            <a:extLst>
-              <a:ext uri="{FF2B5EF4-FFF2-40B4-BE49-F238E27FC236}">
-                <a16:creationId xmlns:a16="http://schemas.microsoft.com/office/drawing/2014/main" id="{BDA2BC5D-889F-8049-A8CE-0AA17425CC97}"/>
-              </a:ext>
-            </a:extLst>
-          </p:cNvPr>
-          <p:cNvSpPr txBox="1">
-            <a:spLocks/>
-          </p:cNvSpPr>
-          <p:nvPr/>
-        </p:nvSpPr>
-        <p:spPr>
-          <a:xfrm>
-            <a:off x="9494767" y="4419600"/>
-            <a:ext cx="3304798" cy="576262"/>
-          </a:xfrm>
-          <a:prstGeom prst="rect">
-            <a:avLst/>
-          </a:prstGeom>
-          <a:effectLst>
-            <a:outerShdw blurRad="50800" dir="14400000">
-              <a:srgbClr val="000000">
-                <a:alpha val="40000"/>
-              </a:srgbClr>
-            </a:outerShdw>
-          </a:effectLst>
-        </p:spPr>
-        <p:txBody>
-          <a:bodyPr vert="horz" lIns="91440" tIns="45720" rIns="91440" bIns="45720" rtlCol="0" anchor="b">
-            <a:noAutofit/>
-          </a:bodyPr>
-          <a:lstStyle>
-            <a:lvl1pPr marL="0" indent="0" algn="ctr" defTabSz="457200" rtl="0" eaLnBrk="1" latinLnBrk="0" hangingPunct="1">
-              <a:spcBef>
-                <a:spcPct val="20000"/>
-              </a:spcBef>
-              <a:spcAft>
-                <a:spcPts val="600"/>
-              </a:spcAft>
-              <a:buClr>
-                <a:schemeClr val="accent1"/>
-              </a:buClr>
-              <a:buFont typeface="Wingdings 2" charset="2"/>
-              <a:buNone/>
-              <a:defRPr sz="2000" b="0" kern="1200">
-                <a:solidFill>
-                  <a:schemeClr val="tx1"/>
-                </a:solidFill>
-                <a:latin typeface="+mn-lt"/>
-                <a:ea typeface="+mn-ea"/>
-                <a:cs typeface="+mn-cs"/>
-              </a:defRPr>
-            </a:lvl1pPr>
-            <a:lvl2pPr marL="457200" indent="0" algn="l" defTabSz="457200" rtl="0" eaLnBrk="1" latinLnBrk="0" hangingPunct="1">
-              <a:spcBef>
-                <a:spcPct val="20000"/>
-              </a:spcBef>
-              <a:spcAft>
-                <a:spcPts val="600"/>
-              </a:spcAft>
-              <a:buClr>
-                <a:schemeClr val="accent1"/>
-              </a:buClr>
-              <a:buFont typeface="Wingdings 2" charset="2"/>
-              <a:buNone/>
-              <a:defRPr sz="2000" b="1" kern="1200">
-                <a:solidFill>
-                  <a:schemeClr val="tx1"/>
-                </a:solidFill>
-                <a:latin typeface="+mn-lt"/>
-                <a:ea typeface="+mn-ea"/>
-                <a:cs typeface="+mn-cs"/>
-              </a:defRPr>
-            </a:lvl2pPr>
-            <a:lvl3pPr marL="914400" indent="0" algn="l" defTabSz="457200" rtl="0" eaLnBrk="1" latinLnBrk="0" hangingPunct="1">
-              <a:spcBef>
-                <a:spcPct val="20000"/>
-              </a:spcBef>
-              <a:spcAft>
-                <a:spcPts val="600"/>
-              </a:spcAft>
-              <a:buClr>
-                <a:schemeClr val="accent1"/>
-              </a:buClr>
-              <a:buFont typeface="Wingdings 2" charset="2"/>
-              <a:buNone/>
-              <a:defRPr sz="1800" b="1" kern="1200">
-                <a:solidFill>
-                  <a:schemeClr val="tx1"/>
-                </a:solidFill>
-                <a:latin typeface="+mn-lt"/>
-                <a:ea typeface="+mn-ea"/>
-                <a:cs typeface="+mn-cs"/>
-              </a:defRPr>
-            </a:lvl3pPr>
-            <a:lvl4pPr marL="1371600" indent="0" algn="l" defTabSz="457200" rtl="0" eaLnBrk="1" latinLnBrk="0" hangingPunct="1">
-              <a:spcBef>
-                <a:spcPct val="20000"/>
-              </a:spcBef>
-              <a:spcAft>
-                <a:spcPts val="600"/>
-              </a:spcAft>
-              <a:buClr>
-                <a:schemeClr val="accent1"/>
-              </a:buClr>
-              <a:buFont typeface="Wingdings 2" charset="2"/>
-              <a:buNone/>
-              <a:defRPr sz="1600" b="1" kern="1200">
-                <a:solidFill>
-                  <a:schemeClr val="tx1"/>
-                </a:solidFill>
-                <a:latin typeface="+mn-lt"/>
-                <a:ea typeface="+mn-ea"/>
-                <a:cs typeface="+mn-cs"/>
-              </a:defRPr>
-            </a:lvl4pPr>
-            <a:lvl5pPr marL="1828800" indent="0" algn="l" defTabSz="457200" rtl="0" eaLnBrk="1" latinLnBrk="0" hangingPunct="1">
-              <a:spcBef>
-                <a:spcPct val="20000"/>
-              </a:spcBef>
-              <a:spcAft>
-                <a:spcPts val="600"/>
-              </a:spcAft>
-              <a:buClr>
-                <a:schemeClr val="accent1"/>
-              </a:buClr>
-              <a:buFont typeface="Wingdings 2" charset="2"/>
-              <a:buNone/>
-              <a:defRPr sz="1600" b="1" kern="1200">
-                <a:solidFill>
-                  <a:schemeClr val="tx1"/>
-                </a:solidFill>
-                <a:latin typeface="+mn-lt"/>
-                <a:ea typeface="+mn-ea"/>
-                <a:cs typeface="+mn-cs"/>
-              </a:defRPr>
-            </a:lvl5pPr>
-            <a:lvl6pPr marL="2286000" indent="0" algn="l" defTabSz="457200" rtl="0" eaLnBrk="1" latinLnBrk="0" hangingPunct="1">
-              <a:spcBef>
-                <a:spcPct val="20000"/>
-              </a:spcBef>
-              <a:spcAft>
-                <a:spcPts val="600"/>
-              </a:spcAft>
-              <a:buClr>
-                <a:schemeClr val="accent1"/>
-              </a:buClr>
-              <a:buFont typeface="Wingdings 2" charset="2"/>
-              <a:buNone/>
-              <a:defRPr sz="1600" b="1" kern="1200">
-                <a:solidFill>
-                  <a:schemeClr val="tx1"/>
-                </a:solidFill>
-                <a:latin typeface="+mn-lt"/>
-                <a:ea typeface="+mn-ea"/>
-                <a:cs typeface="+mn-cs"/>
-              </a:defRPr>
-            </a:lvl6pPr>
-            <a:lvl7pPr marL="2743200" indent="0" algn="l" defTabSz="457200" rtl="0" eaLnBrk="1" latinLnBrk="0" hangingPunct="1">
-              <a:spcBef>
-                <a:spcPct val="20000"/>
-              </a:spcBef>
-              <a:spcAft>
-                <a:spcPts val="600"/>
-              </a:spcAft>
-              <a:buClr>
-                <a:schemeClr val="accent1"/>
-              </a:buClr>
-              <a:buFont typeface="Wingdings 2" charset="2"/>
-              <a:buNone/>
-              <a:defRPr sz="1600" b="1" kern="1200">
-                <a:solidFill>
-                  <a:schemeClr val="tx1"/>
-                </a:solidFill>
-                <a:latin typeface="+mn-lt"/>
-                <a:ea typeface="+mn-ea"/>
-                <a:cs typeface="+mn-cs"/>
-              </a:defRPr>
-            </a:lvl7pPr>
-            <a:lvl8pPr marL="3200400" indent="0" algn="l" defTabSz="457200" rtl="0" eaLnBrk="1" latinLnBrk="0" hangingPunct="1">
-              <a:spcBef>
-                <a:spcPct val="20000"/>
-              </a:spcBef>
-              <a:spcAft>
-                <a:spcPts val="600"/>
-              </a:spcAft>
-              <a:buClr>
-                <a:schemeClr val="accent1"/>
-              </a:buClr>
-              <a:buFont typeface="Wingdings 2" charset="2"/>
-              <a:buNone/>
-              <a:defRPr sz="1600" b="1" kern="1200">
-                <a:solidFill>
-                  <a:schemeClr val="tx1"/>
-                </a:solidFill>
-                <a:latin typeface="+mn-lt"/>
-                <a:ea typeface="+mn-ea"/>
-                <a:cs typeface="+mn-cs"/>
-              </a:defRPr>
-            </a:lvl8pPr>
-            <a:lvl9pPr marL="3657600" indent="0" algn="l" defTabSz="457200" rtl="0" eaLnBrk="1" latinLnBrk="0" hangingPunct="1">
-              <a:spcBef>
-                <a:spcPct val="20000"/>
-              </a:spcBef>
-              <a:spcAft>
-                <a:spcPts val="600"/>
-              </a:spcAft>
-              <a:buClr>
-                <a:schemeClr val="accent1"/>
-              </a:buClr>
-              <a:buFont typeface="Wingdings 2" charset="2"/>
-              <a:buNone/>
-              <a:defRPr sz="1600" b="1" kern="1200">
-                <a:solidFill>
-                  <a:schemeClr val="tx1"/>
-                </a:solidFill>
-                <a:latin typeface="+mn-lt"/>
-                <a:ea typeface="+mn-ea"/>
-                <a:cs typeface="+mn-cs"/>
-              </a:defRPr>
-            </a:lvl9pPr>
-          </a:lstStyle>
-          <a:p>
-            <a:pPr algn="l"/>
-            <a:r>
-              <a:rPr lang="en-US" dirty="0">
-                <a:solidFill>
-                  <a:schemeClr val="accent1">
-                    <a:lumMod val="75000"/>
-                  </a:schemeClr>
-                </a:solidFill>
-              </a:rPr>
-              <a:t>Correlation Matrix</a:t>
-            </a:r>
-          </a:p>
-        </p:txBody>
-      </p:sp>
-      <p:pic>
-        <p:nvPicPr>
-          <p:cNvPr id="12" name="Picture 11" descr="Chart&#10;&#10;Description automatically generated">
-            <a:extLst>
-              <a:ext uri="{FF2B5EF4-FFF2-40B4-BE49-F238E27FC236}">
-                <a16:creationId xmlns:a16="http://schemas.microsoft.com/office/drawing/2014/main" id="{2D3F71FC-9931-C947-95FC-A2A53669FA8F}"/>
-              </a:ext>
-            </a:extLst>
-          </p:cNvPr>
-          <p:cNvPicPr>
-            <a:picLocks noChangeAspect="1"/>
-          </p:cNvPicPr>
-          <p:nvPr/>
-        </p:nvPicPr>
-        <p:blipFill>
-          <a:blip r:embed="rId3"/>
-          <a:stretch>
-            <a:fillRect/>
-          </a:stretch>
-        </p:blipFill>
-        <p:spPr>
-          <a:xfrm>
-            <a:off x="6999629" y="198408"/>
-            <a:ext cx="4990277" cy="4368800"/>
-          </a:xfrm>
-          <a:prstGeom prst="rect">
-            <a:avLst/>
-          </a:prstGeom>
-        </p:spPr>
-      </p:pic>
-    </p:spTree>
-    <p:extLst>
-      <p:ext uri="{BB962C8B-B14F-4D97-AF65-F5344CB8AC3E}">
-        <p14:creationId xmlns:p14="http://schemas.microsoft.com/office/powerpoint/2010/main" val="1234540890"/>
-      </p:ext>
-    </p:extLst>
-  </p:cSld>
-  <p:clrMapOvr>
-    <a:masterClrMapping/>
-  </p:clrMapOvr>
-</p:sld>
-</file>
-
-<file path=ppt/slides/slide9.xml><?xml version="1.0" encoding="utf-8"?>
-<p:sld xmlns:a="http://schemas.openxmlformats.org/drawingml/2006/main" xmlns:r="http://schemas.openxmlformats.org/officeDocument/2006/relationships" xmlns:p="http://schemas.openxmlformats.org/presentationml/2006/main">
-  <p:cSld>
-    <p:spTree>
-      <p:nvGrpSpPr>
-        <p:cNvPr id="1" name=""/>
-        <p:cNvGrpSpPr/>
-        <p:nvPr/>
-      </p:nvGrpSpPr>
-      <p:grpSpPr>
-        <a:xfrm>
-          <a:off x="0" y="0"/>
-          <a:ext cx="0" cy="0"/>
-          <a:chOff x="0" y="0"/>
-          <a:chExt cx="0" cy="0"/>
-        </a:xfrm>
-      </p:grpSpPr>
-      <p:sp>
-        <p:nvSpPr>
           <p:cNvPr id="12" name="Rectangle 11">
             <a:extLst>
               <a:ext uri="{FF2B5EF4-FFF2-40B4-BE49-F238E27FC236}">
@@ -16464,7 +10203,7 @@
         </p:nvSpPr>
         <p:spPr>
           <a:xfrm>
-            <a:off x="-127000" y="-158646"/>
+            <a:off x="-63500" y="-158646"/>
             <a:ext cx="12319000" cy="7175292"/>
           </a:xfrm>
           <a:prstGeom prst="rect">
@@ -16524,12 +10263,63 @@
           </a:p>
         </p:txBody>
       </p:sp>
+      <p:sp>
+        <p:nvSpPr>
+          <p:cNvPr id="2" name="Title 1">
+            <a:extLst>
+              <a:ext uri="{FF2B5EF4-FFF2-40B4-BE49-F238E27FC236}">
+                <a16:creationId xmlns:a16="http://schemas.microsoft.com/office/drawing/2014/main" id="{D9D8CB60-0A8C-9C4B-A752-E6E560BA3B7A}"/>
+              </a:ext>
+            </a:extLst>
+          </p:cNvPr>
+          <p:cNvSpPr>
+            <a:spLocks noGrp="1"/>
+          </p:cNvSpPr>
+          <p:nvPr>
+            <p:ph type="title"/>
+          </p:nvPr>
+        </p:nvSpPr>
+        <p:spPr>
+          <a:xfrm>
+            <a:off x="0" y="-164892"/>
+            <a:ext cx="7614471" cy="760588"/>
+          </a:xfrm>
+          <a:effectLst/>
+        </p:spPr>
+        <p:txBody>
+          <a:bodyPr/>
+          <a:lstStyle/>
+          <a:p>
+            <a:r>
+              <a:rPr lang="en-US" sz="3200" dirty="0" err="1">
+                <a:solidFill>
+                  <a:schemeClr val="tx1"/>
+                </a:solidFill>
+              </a:rPr>
+              <a:t>PyTorch</a:t>
+            </a:r>
+            <a:r>
+              <a:rPr lang="en-US" sz="3200" dirty="0">
+                <a:solidFill>
+                  <a:schemeClr val="tx1"/>
+                </a:solidFill>
+              </a:rPr>
+              <a:t> Workflow – Phase 2</a:t>
+            </a:r>
+            <a:endParaRPr lang="en-US" sz="1800" dirty="0">
+              <a:solidFill>
+                <a:schemeClr val="tx1"/>
+              </a:solidFill>
+            </a:endParaRPr>
+          </a:p>
+        </p:txBody>
+      </p:sp>
       <p:pic>
         <p:nvPicPr>
-          <p:cNvPr id="10" name="Picture 9" descr="A picture containing timeline&#10;&#10;Description automatically generated">
+          <p:cNvPr id="4" name="Picture 3" descr="Diagram&#10;&#10;Description automatically generated">
             <a:extLst>
               <a:ext uri="{FF2B5EF4-FFF2-40B4-BE49-F238E27FC236}">
-                <a16:creationId xmlns:a16="http://schemas.microsoft.com/office/drawing/2014/main" id="{BB52AB48-4C39-2B42-ABB4-C5D6DDF30FB9}"/>
+                <a16:creationId xmlns:a16="http://schemas.microsoft.com/office/drawing/2014/main" id="{E76118D5-E1E2-D24A-A50B-8E63E70E5C21}"/>
               </a:ext>
             </a:extLst>
           </p:cNvPr>
@@ -16546,20 +10336,50 @@
         </p:blipFill>
         <p:spPr>
           <a:xfrm>
-            <a:off x="2434589" y="573616"/>
-            <a:ext cx="9905893" cy="6284384"/>
+            <a:off x="560969" y="377171"/>
+            <a:ext cx="11295529" cy="6858000"/>
           </a:xfrm>
           <a:prstGeom prst="rect">
             <a:avLst/>
           </a:prstGeom>
         </p:spPr>
       </p:pic>
+    </p:spTree>
+    <p:extLst>
+      <p:ext uri="{BB962C8B-B14F-4D97-AF65-F5344CB8AC3E}">
+        <p14:creationId xmlns:p14="http://schemas.microsoft.com/office/powerpoint/2010/main" val="4195565770"/>
+      </p:ext>
+    </p:extLst>
+  </p:cSld>
+  <p:clrMapOvr>
+    <a:masterClrMapping/>
+  </p:clrMapOvr>
+</p:sld>
+</file>
+
+<file path=ppt/slides/slide7.xml><?xml version="1.0" encoding="utf-8"?>
+<p:sld xmlns:a="http://schemas.openxmlformats.org/drawingml/2006/main" xmlns:r="http://schemas.openxmlformats.org/officeDocument/2006/relationships" xmlns:p="http://schemas.openxmlformats.org/presentationml/2006/main">
+  <p:cSld>
+    <p:spTree>
+      <p:nvGrpSpPr>
+        <p:cNvPr id="1" name=""/>
+        <p:cNvGrpSpPr/>
+        <p:nvPr/>
+      </p:nvGrpSpPr>
+      <p:grpSpPr>
+        <a:xfrm>
+          <a:off x="0" y="0"/>
+          <a:ext cx="0" cy="0"/>
+          <a:chOff x="0" y="0"/>
+          <a:chExt cx="0" cy="0"/>
+        </a:xfrm>
+      </p:grpSpPr>
       <p:sp>
         <p:nvSpPr>
           <p:cNvPr id="2" name="Title 1">
             <a:extLst>
               <a:ext uri="{FF2B5EF4-FFF2-40B4-BE49-F238E27FC236}">
-                <a16:creationId xmlns:a16="http://schemas.microsoft.com/office/drawing/2014/main" id="{D9D8CB60-0A8C-9C4B-A752-E6E560BA3B7A}"/>
+                <a16:creationId xmlns:a16="http://schemas.microsoft.com/office/drawing/2014/main" id="{0CAFC94C-B8F1-2F46-8429-1C6AC60091C5}"/>
               </a:ext>
             </a:extLst>
           </p:cNvPr>
@@ -16570,45 +10390,1109 @@
             <p:ph type="title"/>
           </p:nvPr>
         </p:nvSpPr>
+        <p:spPr/>
+        <p:txBody>
+          <a:bodyPr/>
+          <a:lstStyle/>
+          <a:p>
+            <a:r>
+              <a:rPr lang="en-US" dirty="0"/>
+              <a:t>Models - </a:t>
+            </a:r>
+            <a:r>
+              <a:rPr lang="en-US" dirty="0" err="1"/>
+              <a:t>PyTorch</a:t>
+            </a:r>
+            <a:endParaRPr lang="en-US" sz="2400" dirty="0"/>
+          </a:p>
+        </p:txBody>
+      </p:sp>
+      <p:sp>
+        <p:nvSpPr>
+          <p:cNvPr id="3" name="Text Placeholder 2">
+            <a:extLst>
+              <a:ext uri="{FF2B5EF4-FFF2-40B4-BE49-F238E27FC236}">
+                <a16:creationId xmlns:a16="http://schemas.microsoft.com/office/drawing/2014/main" id="{46485D13-A247-7D40-A2CD-BD1D59EE5CDF}"/>
+              </a:ext>
+            </a:extLst>
+          </p:cNvPr>
+          <p:cNvSpPr>
+            <a:spLocks noGrp="1"/>
+          </p:cNvSpPr>
+          <p:nvPr>
+            <p:ph type="body" idx="1"/>
+          </p:nvPr>
+        </p:nvSpPr>
         <p:spPr>
           <a:xfrm>
-            <a:off x="0" y="-164892"/>
-            <a:ext cx="7614471" cy="760588"/>
+            <a:off x="1328295" y="2658383"/>
+            <a:ext cx="5189857" cy="576262"/>
           </a:xfrm>
-          <a:effectLst/>
         </p:spPr>
         <p:txBody>
           <a:bodyPr/>
           <a:lstStyle/>
           <a:p>
-            <a:r>
-              <a:rPr lang="en-US" sz="3200" dirty="0" err="1">
-                <a:solidFill>
-                  <a:schemeClr val="tx1"/>
-                </a:solidFill>
-              </a:rPr>
-              <a:t>SciKit</a:t>
-            </a:r>
-            <a:r>
-              <a:rPr lang="en-US" sz="3200" dirty="0">
-                <a:solidFill>
-                  <a:schemeClr val="tx1"/>
-                </a:solidFill>
-              </a:rPr>
-              <a:t> Learn Pipelines &amp; Workflow</a:t>
-            </a:r>
-            <a:endParaRPr lang="en-US" sz="1800" dirty="0">
-              <a:solidFill>
-                <a:schemeClr val="tx1"/>
-              </a:solidFill>
-            </a:endParaRPr>
+            <a:pPr algn="l"/>
+            <a:r>
+              <a:rPr lang="en-US" b="1" dirty="0"/>
+              <a:t>Conv2d Model</a:t>
+            </a:r>
+          </a:p>
+        </p:txBody>
+      </p:sp>
+      <p:sp>
+        <p:nvSpPr>
+          <p:cNvPr id="6" name="Content Placeholder 3">
+            <a:extLst>
+              <a:ext uri="{FF2B5EF4-FFF2-40B4-BE49-F238E27FC236}">
+                <a16:creationId xmlns:a16="http://schemas.microsoft.com/office/drawing/2014/main" id="{E3534210-A989-3142-9E05-5D8A792C9593}"/>
+              </a:ext>
+            </a:extLst>
+          </p:cNvPr>
+          <p:cNvSpPr>
+            <a:spLocks noGrp="1"/>
+          </p:cNvSpPr>
+          <p:nvPr>
+            <p:ph sz="half" idx="2"/>
+          </p:nvPr>
+        </p:nvSpPr>
+        <p:spPr>
+          <a:xfrm>
+            <a:off x="1328296" y="3234646"/>
+            <a:ext cx="5189856" cy="3409632"/>
+          </a:xfrm>
+        </p:spPr>
+        <p:txBody>
+          <a:bodyPr>
+            <a:normAutofit/>
+          </a:bodyPr>
+          <a:lstStyle/>
+          <a:p>
+            <a:pPr marL="0" indent="0">
+              <a:buNone/>
+            </a:pPr>
+            <a:r>
+              <a:rPr lang="en-US" dirty="0"/>
+              <a:t>Intended to use 2d convolutions (2) and pooling before linear classification and regression.</a:t>
+            </a:r>
+            <a:br>
+              <a:rPr lang="en-US" dirty="0"/>
+            </a:br>
+            <a:br>
+              <a:rPr lang="en-US" dirty="0"/>
+            </a:br>
+            <a:r>
+              <a:rPr lang="en-US" dirty="0"/>
+              <a:t>Issues: could not format parameters for Conv2d from our image, </a:t>
+            </a:r>
+            <a:r>
+              <a:rPr lang="en-US" dirty="0" err="1"/>
+              <a:t>bbox</a:t>
+            </a:r>
+            <a:r>
+              <a:rPr lang="en-US" dirty="0"/>
+              <a:t> and label tensors successfully.</a:t>
+            </a:r>
+          </a:p>
+          <a:p>
+            <a:pPr marL="0" indent="0">
+              <a:buNone/>
+            </a:pPr>
+            <a:r>
+              <a:rPr lang="en-US" dirty="0"/>
+              <a:t>Did not run due to bugs.</a:t>
+            </a:r>
+          </a:p>
+        </p:txBody>
+      </p:sp>
+      <p:sp>
+        <p:nvSpPr>
+          <p:cNvPr id="11" name="Text Placeholder 2">
+            <a:extLst>
+              <a:ext uri="{FF2B5EF4-FFF2-40B4-BE49-F238E27FC236}">
+                <a16:creationId xmlns:a16="http://schemas.microsoft.com/office/drawing/2014/main" id="{EDB6A969-3CAE-D44A-8CF5-CFF270C14C96}"/>
+              </a:ext>
+            </a:extLst>
+          </p:cNvPr>
+          <p:cNvSpPr txBox="1">
+            <a:spLocks/>
+          </p:cNvSpPr>
+          <p:nvPr/>
+        </p:nvSpPr>
+        <p:spPr>
+          <a:xfrm>
+            <a:off x="2921188" y="2014123"/>
+            <a:ext cx="8853278" cy="576262"/>
+          </a:xfrm>
+          <a:prstGeom prst="rect">
+            <a:avLst/>
+          </a:prstGeom>
+          <a:effectLst>
+            <a:outerShdw blurRad="50800" dir="14400000">
+              <a:srgbClr val="000000">
+                <a:alpha val="40000"/>
+              </a:srgbClr>
+            </a:outerShdw>
+          </a:effectLst>
+        </p:spPr>
+        <p:txBody>
+          <a:bodyPr vert="horz" lIns="91440" tIns="45720" rIns="91440" bIns="45720" rtlCol="0" anchor="b">
+            <a:noAutofit/>
+          </a:bodyPr>
+          <a:lstStyle>
+            <a:lvl1pPr marL="0" indent="0" algn="ctr" defTabSz="457200" rtl="0" eaLnBrk="1" latinLnBrk="0" hangingPunct="1">
+              <a:spcBef>
+                <a:spcPct val="20000"/>
+              </a:spcBef>
+              <a:spcAft>
+                <a:spcPts val="600"/>
+              </a:spcAft>
+              <a:buClr>
+                <a:schemeClr val="accent1"/>
+              </a:buClr>
+              <a:buFont typeface="Wingdings 2" charset="2"/>
+              <a:buNone/>
+              <a:defRPr sz="2000" b="0" kern="1200">
+                <a:solidFill>
+                  <a:schemeClr val="tx1"/>
+                </a:solidFill>
+                <a:latin typeface="+mn-lt"/>
+                <a:ea typeface="+mn-ea"/>
+                <a:cs typeface="+mn-cs"/>
+              </a:defRPr>
+            </a:lvl1pPr>
+            <a:lvl2pPr marL="457200" indent="0" algn="l" defTabSz="457200" rtl="0" eaLnBrk="1" latinLnBrk="0" hangingPunct="1">
+              <a:spcBef>
+                <a:spcPct val="20000"/>
+              </a:spcBef>
+              <a:spcAft>
+                <a:spcPts val="600"/>
+              </a:spcAft>
+              <a:buClr>
+                <a:schemeClr val="accent1"/>
+              </a:buClr>
+              <a:buFont typeface="Wingdings 2" charset="2"/>
+              <a:buNone/>
+              <a:defRPr sz="2000" b="1" kern="1200">
+                <a:solidFill>
+                  <a:schemeClr val="tx1"/>
+                </a:solidFill>
+                <a:latin typeface="+mn-lt"/>
+                <a:ea typeface="+mn-ea"/>
+                <a:cs typeface="+mn-cs"/>
+              </a:defRPr>
+            </a:lvl2pPr>
+            <a:lvl3pPr marL="914400" indent="0" algn="l" defTabSz="457200" rtl="0" eaLnBrk="1" latinLnBrk="0" hangingPunct="1">
+              <a:spcBef>
+                <a:spcPct val="20000"/>
+              </a:spcBef>
+              <a:spcAft>
+                <a:spcPts val="600"/>
+              </a:spcAft>
+              <a:buClr>
+                <a:schemeClr val="accent1"/>
+              </a:buClr>
+              <a:buFont typeface="Wingdings 2" charset="2"/>
+              <a:buNone/>
+              <a:defRPr sz="1800" b="1" kern="1200">
+                <a:solidFill>
+                  <a:schemeClr val="tx1"/>
+                </a:solidFill>
+                <a:latin typeface="+mn-lt"/>
+                <a:ea typeface="+mn-ea"/>
+                <a:cs typeface="+mn-cs"/>
+              </a:defRPr>
+            </a:lvl3pPr>
+            <a:lvl4pPr marL="1371600" indent="0" algn="l" defTabSz="457200" rtl="0" eaLnBrk="1" latinLnBrk="0" hangingPunct="1">
+              <a:spcBef>
+                <a:spcPct val="20000"/>
+              </a:spcBef>
+              <a:spcAft>
+                <a:spcPts val="600"/>
+              </a:spcAft>
+              <a:buClr>
+                <a:schemeClr val="accent1"/>
+              </a:buClr>
+              <a:buFont typeface="Wingdings 2" charset="2"/>
+              <a:buNone/>
+              <a:defRPr sz="1600" b="1" kern="1200">
+                <a:solidFill>
+                  <a:schemeClr val="tx1"/>
+                </a:solidFill>
+                <a:latin typeface="+mn-lt"/>
+                <a:ea typeface="+mn-ea"/>
+                <a:cs typeface="+mn-cs"/>
+              </a:defRPr>
+            </a:lvl4pPr>
+            <a:lvl5pPr marL="1828800" indent="0" algn="l" defTabSz="457200" rtl="0" eaLnBrk="1" latinLnBrk="0" hangingPunct="1">
+              <a:spcBef>
+                <a:spcPct val="20000"/>
+              </a:spcBef>
+              <a:spcAft>
+                <a:spcPts val="600"/>
+              </a:spcAft>
+              <a:buClr>
+                <a:schemeClr val="accent1"/>
+              </a:buClr>
+              <a:buFont typeface="Wingdings 2" charset="2"/>
+              <a:buNone/>
+              <a:defRPr sz="1600" b="1" kern="1200">
+                <a:solidFill>
+                  <a:schemeClr val="tx1"/>
+                </a:solidFill>
+                <a:latin typeface="+mn-lt"/>
+                <a:ea typeface="+mn-ea"/>
+                <a:cs typeface="+mn-cs"/>
+              </a:defRPr>
+            </a:lvl5pPr>
+            <a:lvl6pPr marL="2286000" indent="0" algn="l" defTabSz="457200" rtl="0" eaLnBrk="1" latinLnBrk="0" hangingPunct="1">
+              <a:spcBef>
+                <a:spcPct val="20000"/>
+              </a:spcBef>
+              <a:spcAft>
+                <a:spcPts val="600"/>
+              </a:spcAft>
+              <a:buClr>
+                <a:schemeClr val="accent1"/>
+              </a:buClr>
+              <a:buFont typeface="Wingdings 2" charset="2"/>
+              <a:buNone/>
+              <a:defRPr sz="1600" b="1" kern="1200">
+                <a:solidFill>
+                  <a:schemeClr val="tx1"/>
+                </a:solidFill>
+                <a:latin typeface="+mn-lt"/>
+                <a:ea typeface="+mn-ea"/>
+                <a:cs typeface="+mn-cs"/>
+              </a:defRPr>
+            </a:lvl6pPr>
+            <a:lvl7pPr marL="2743200" indent="0" algn="l" defTabSz="457200" rtl="0" eaLnBrk="1" latinLnBrk="0" hangingPunct="1">
+              <a:spcBef>
+                <a:spcPct val="20000"/>
+              </a:spcBef>
+              <a:spcAft>
+                <a:spcPts val="600"/>
+              </a:spcAft>
+              <a:buClr>
+                <a:schemeClr val="accent1"/>
+              </a:buClr>
+              <a:buFont typeface="Wingdings 2" charset="2"/>
+              <a:buNone/>
+              <a:defRPr sz="1600" b="1" kern="1200">
+                <a:solidFill>
+                  <a:schemeClr val="tx1"/>
+                </a:solidFill>
+                <a:latin typeface="+mn-lt"/>
+                <a:ea typeface="+mn-ea"/>
+                <a:cs typeface="+mn-cs"/>
+              </a:defRPr>
+            </a:lvl7pPr>
+            <a:lvl8pPr marL="3200400" indent="0" algn="l" defTabSz="457200" rtl="0" eaLnBrk="1" latinLnBrk="0" hangingPunct="1">
+              <a:spcBef>
+                <a:spcPct val="20000"/>
+              </a:spcBef>
+              <a:spcAft>
+                <a:spcPts val="600"/>
+              </a:spcAft>
+              <a:buClr>
+                <a:schemeClr val="accent1"/>
+              </a:buClr>
+              <a:buFont typeface="Wingdings 2" charset="2"/>
+              <a:buNone/>
+              <a:defRPr sz="1600" b="1" kern="1200">
+                <a:solidFill>
+                  <a:schemeClr val="tx1"/>
+                </a:solidFill>
+                <a:latin typeface="+mn-lt"/>
+                <a:ea typeface="+mn-ea"/>
+                <a:cs typeface="+mn-cs"/>
+              </a:defRPr>
+            </a:lvl8pPr>
+            <a:lvl9pPr marL="3657600" indent="0" algn="l" defTabSz="457200" rtl="0" eaLnBrk="1" latinLnBrk="0" hangingPunct="1">
+              <a:spcBef>
+                <a:spcPct val="20000"/>
+              </a:spcBef>
+              <a:spcAft>
+                <a:spcPts val="600"/>
+              </a:spcAft>
+              <a:buClr>
+                <a:schemeClr val="accent1"/>
+              </a:buClr>
+              <a:buFont typeface="Wingdings 2" charset="2"/>
+              <a:buNone/>
+              <a:defRPr sz="1600" b="1" kern="1200">
+                <a:solidFill>
+                  <a:schemeClr val="tx1"/>
+                </a:solidFill>
+                <a:latin typeface="+mn-lt"/>
+                <a:ea typeface="+mn-ea"/>
+                <a:cs typeface="+mn-cs"/>
+              </a:defRPr>
+            </a:lvl9pPr>
+          </a:lstStyle>
+          <a:p>
+            <a:pPr algn="l"/>
+            <a:r>
+              <a:rPr lang="en-US" b="1" dirty="0"/>
+              <a:t>Our </a:t>
+            </a:r>
+            <a:r>
+              <a:rPr lang="en-US" b="1" dirty="0" err="1"/>
+              <a:t>PyTorch</a:t>
+            </a:r>
+            <a:r>
+              <a:rPr lang="en-US" b="1" dirty="0"/>
+              <a:t> models are neural networks, and produce predictions for classification and bounding boxes in the same ‘pipeline’</a:t>
+            </a:r>
+          </a:p>
+        </p:txBody>
+      </p:sp>
+      <p:sp>
+        <p:nvSpPr>
+          <p:cNvPr id="12" name="Text Placeholder 2">
+            <a:extLst>
+              <a:ext uri="{FF2B5EF4-FFF2-40B4-BE49-F238E27FC236}">
+                <a16:creationId xmlns:a16="http://schemas.microsoft.com/office/drawing/2014/main" id="{1A5039C8-25F5-7E41-80F9-064483A1C11C}"/>
+              </a:ext>
+            </a:extLst>
+          </p:cNvPr>
+          <p:cNvSpPr txBox="1">
+            <a:spLocks/>
+          </p:cNvSpPr>
+          <p:nvPr/>
+        </p:nvSpPr>
+        <p:spPr>
+          <a:xfrm>
+            <a:off x="7002143" y="2635834"/>
+            <a:ext cx="5189857" cy="576262"/>
+          </a:xfrm>
+          <a:prstGeom prst="rect">
+            <a:avLst/>
+          </a:prstGeom>
+          <a:effectLst>
+            <a:outerShdw blurRad="50800" dir="14400000">
+              <a:srgbClr val="000000">
+                <a:alpha val="40000"/>
+              </a:srgbClr>
+            </a:outerShdw>
+          </a:effectLst>
+        </p:spPr>
+        <p:txBody>
+          <a:bodyPr vert="horz" lIns="91440" tIns="45720" rIns="91440" bIns="45720" rtlCol="0" anchor="b">
+            <a:noAutofit/>
+          </a:bodyPr>
+          <a:lstStyle>
+            <a:lvl1pPr marL="0" indent="0" algn="ctr" defTabSz="457200" rtl="0" eaLnBrk="1" latinLnBrk="0" hangingPunct="1">
+              <a:spcBef>
+                <a:spcPct val="20000"/>
+              </a:spcBef>
+              <a:spcAft>
+                <a:spcPts val="600"/>
+              </a:spcAft>
+              <a:buClr>
+                <a:schemeClr val="accent1"/>
+              </a:buClr>
+              <a:buFont typeface="Wingdings 2" charset="2"/>
+              <a:buNone/>
+              <a:defRPr sz="2000" b="0" kern="1200">
+                <a:solidFill>
+                  <a:schemeClr val="tx1"/>
+                </a:solidFill>
+                <a:latin typeface="+mn-lt"/>
+                <a:ea typeface="+mn-ea"/>
+                <a:cs typeface="+mn-cs"/>
+              </a:defRPr>
+            </a:lvl1pPr>
+            <a:lvl2pPr marL="457200" indent="0" algn="l" defTabSz="457200" rtl="0" eaLnBrk="1" latinLnBrk="0" hangingPunct="1">
+              <a:spcBef>
+                <a:spcPct val="20000"/>
+              </a:spcBef>
+              <a:spcAft>
+                <a:spcPts val="600"/>
+              </a:spcAft>
+              <a:buClr>
+                <a:schemeClr val="accent1"/>
+              </a:buClr>
+              <a:buFont typeface="Wingdings 2" charset="2"/>
+              <a:buNone/>
+              <a:defRPr sz="2000" b="1" kern="1200">
+                <a:solidFill>
+                  <a:schemeClr val="tx1"/>
+                </a:solidFill>
+                <a:latin typeface="+mn-lt"/>
+                <a:ea typeface="+mn-ea"/>
+                <a:cs typeface="+mn-cs"/>
+              </a:defRPr>
+            </a:lvl2pPr>
+            <a:lvl3pPr marL="914400" indent="0" algn="l" defTabSz="457200" rtl="0" eaLnBrk="1" latinLnBrk="0" hangingPunct="1">
+              <a:spcBef>
+                <a:spcPct val="20000"/>
+              </a:spcBef>
+              <a:spcAft>
+                <a:spcPts val="600"/>
+              </a:spcAft>
+              <a:buClr>
+                <a:schemeClr val="accent1"/>
+              </a:buClr>
+              <a:buFont typeface="Wingdings 2" charset="2"/>
+              <a:buNone/>
+              <a:defRPr sz="1800" b="1" kern="1200">
+                <a:solidFill>
+                  <a:schemeClr val="tx1"/>
+                </a:solidFill>
+                <a:latin typeface="+mn-lt"/>
+                <a:ea typeface="+mn-ea"/>
+                <a:cs typeface="+mn-cs"/>
+              </a:defRPr>
+            </a:lvl3pPr>
+            <a:lvl4pPr marL="1371600" indent="0" algn="l" defTabSz="457200" rtl="0" eaLnBrk="1" latinLnBrk="0" hangingPunct="1">
+              <a:spcBef>
+                <a:spcPct val="20000"/>
+              </a:spcBef>
+              <a:spcAft>
+                <a:spcPts val="600"/>
+              </a:spcAft>
+              <a:buClr>
+                <a:schemeClr val="accent1"/>
+              </a:buClr>
+              <a:buFont typeface="Wingdings 2" charset="2"/>
+              <a:buNone/>
+              <a:defRPr sz="1600" b="1" kern="1200">
+                <a:solidFill>
+                  <a:schemeClr val="tx1"/>
+                </a:solidFill>
+                <a:latin typeface="+mn-lt"/>
+                <a:ea typeface="+mn-ea"/>
+                <a:cs typeface="+mn-cs"/>
+              </a:defRPr>
+            </a:lvl4pPr>
+            <a:lvl5pPr marL="1828800" indent="0" algn="l" defTabSz="457200" rtl="0" eaLnBrk="1" latinLnBrk="0" hangingPunct="1">
+              <a:spcBef>
+                <a:spcPct val="20000"/>
+              </a:spcBef>
+              <a:spcAft>
+                <a:spcPts val="600"/>
+              </a:spcAft>
+              <a:buClr>
+                <a:schemeClr val="accent1"/>
+              </a:buClr>
+              <a:buFont typeface="Wingdings 2" charset="2"/>
+              <a:buNone/>
+              <a:defRPr sz="1600" b="1" kern="1200">
+                <a:solidFill>
+                  <a:schemeClr val="tx1"/>
+                </a:solidFill>
+                <a:latin typeface="+mn-lt"/>
+                <a:ea typeface="+mn-ea"/>
+                <a:cs typeface="+mn-cs"/>
+              </a:defRPr>
+            </a:lvl5pPr>
+            <a:lvl6pPr marL="2286000" indent="0" algn="l" defTabSz="457200" rtl="0" eaLnBrk="1" latinLnBrk="0" hangingPunct="1">
+              <a:spcBef>
+                <a:spcPct val="20000"/>
+              </a:spcBef>
+              <a:spcAft>
+                <a:spcPts val="600"/>
+              </a:spcAft>
+              <a:buClr>
+                <a:schemeClr val="accent1"/>
+              </a:buClr>
+              <a:buFont typeface="Wingdings 2" charset="2"/>
+              <a:buNone/>
+              <a:defRPr sz="1600" b="1" kern="1200">
+                <a:solidFill>
+                  <a:schemeClr val="tx1"/>
+                </a:solidFill>
+                <a:latin typeface="+mn-lt"/>
+                <a:ea typeface="+mn-ea"/>
+                <a:cs typeface="+mn-cs"/>
+              </a:defRPr>
+            </a:lvl6pPr>
+            <a:lvl7pPr marL="2743200" indent="0" algn="l" defTabSz="457200" rtl="0" eaLnBrk="1" latinLnBrk="0" hangingPunct="1">
+              <a:spcBef>
+                <a:spcPct val="20000"/>
+              </a:spcBef>
+              <a:spcAft>
+                <a:spcPts val="600"/>
+              </a:spcAft>
+              <a:buClr>
+                <a:schemeClr val="accent1"/>
+              </a:buClr>
+              <a:buFont typeface="Wingdings 2" charset="2"/>
+              <a:buNone/>
+              <a:defRPr sz="1600" b="1" kern="1200">
+                <a:solidFill>
+                  <a:schemeClr val="tx1"/>
+                </a:solidFill>
+                <a:latin typeface="+mn-lt"/>
+                <a:ea typeface="+mn-ea"/>
+                <a:cs typeface="+mn-cs"/>
+              </a:defRPr>
+            </a:lvl7pPr>
+            <a:lvl8pPr marL="3200400" indent="0" algn="l" defTabSz="457200" rtl="0" eaLnBrk="1" latinLnBrk="0" hangingPunct="1">
+              <a:spcBef>
+                <a:spcPct val="20000"/>
+              </a:spcBef>
+              <a:spcAft>
+                <a:spcPts val="600"/>
+              </a:spcAft>
+              <a:buClr>
+                <a:schemeClr val="accent1"/>
+              </a:buClr>
+              <a:buFont typeface="Wingdings 2" charset="2"/>
+              <a:buNone/>
+              <a:defRPr sz="1600" b="1" kern="1200">
+                <a:solidFill>
+                  <a:schemeClr val="tx1"/>
+                </a:solidFill>
+                <a:latin typeface="+mn-lt"/>
+                <a:ea typeface="+mn-ea"/>
+                <a:cs typeface="+mn-cs"/>
+              </a:defRPr>
+            </a:lvl8pPr>
+            <a:lvl9pPr marL="3657600" indent="0" algn="l" defTabSz="457200" rtl="0" eaLnBrk="1" latinLnBrk="0" hangingPunct="1">
+              <a:spcBef>
+                <a:spcPct val="20000"/>
+              </a:spcBef>
+              <a:spcAft>
+                <a:spcPts val="600"/>
+              </a:spcAft>
+              <a:buClr>
+                <a:schemeClr val="accent1"/>
+              </a:buClr>
+              <a:buFont typeface="Wingdings 2" charset="2"/>
+              <a:buNone/>
+              <a:defRPr sz="1600" b="1" kern="1200">
+                <a:solidFill>
+                  <a:schemeClr val="tx1"/>
+                </a:solidFill>
+                <a:latin typeface="+mn-lt"/>
+                <a:ea typeface="+mn-ea"/>
+                <a:cs typeface="+mn-cs"/>
+              </a:defRPr>
+            </a:lvl9pPr>
+          </a:lstStyle>
+          <a:p>
+            <a:pPr algn="l"/>
+            <a:r>
+              <a:rPr lang="en-US" b="1" dirty="0" err="1"/>
+              <a:t>LinNet</a:t>
+            </a:r>
+            <a:r>
+              <a:rPr lang="en-US" b="1" dirty="0"/>
+              <a:t>/</a:t>
+            </a:r>
+            <a:r>
+              <a:rPr lang="en-US" b="1" dirty="0" err="1"/>
+              <a:t>SimpleLinearNet</a:t>
+            </a:r>
+            <a:r>
+              <a:rPr lang="en-US" b="1" dirty="0"/>
+              <a:t> Model</a:t>
+            </a:r>
+          </a:p>
+        </p:txBody>
+      </p:sp>
+      <p:sp>
+        <p:nvSpPr>
+          <p:cNvPr id="13" name="Content Placeholder 3">
+            <a:extLst>
+              <a:ext uri="{FF2B5EF4-FFF2-40B4-BE49-F238E27FC236}">
+                <a16:creationId xmlns:a16="http://schemas.microsoft.com/office/drawing/2014/main" id="{8DC305B0-FFE3-6C45-921E-22122CA239BE}"/>
+              </a:ext>
+            </a:extLst>
+          </p:cNvPr>
+          <p:cNvSpPr txBox="1">
+            <a:spLocks/>
+          </p:cNvSpPr>
+          <p:nvPr/>
+        </p:nvSpPr>
+        <p:spPr>
+          <a:xfrm>
+            <a:off x="7002143" y="3212097"/>
+            <a:ext cx="4596957" cy="3409632"/>
+          </a:xfrm>
+          <a:prstGeom prst="rect">
+            <a:avLst/>
+          </a:prstGeom>
+          <a:effectLst>
+            <a:outerShdw blurRad="50800" dir="14400000">
+              <a:srgbClr val="000000">
+                <a:alpha val="40000"/>
+              </a:srgbClr>
+            </a:outerShdw>
+          </a:effectLst>
+        </p:spPr>
+        <p:txBody>
+          <a:bodyPr vert="horz" lIns="91440" tIns="45720" rIns="91440" bIns="45720" rtlCol="0" anchor="t">
+            <a:normAutofit/>
+          </a:bodyPr>
+          <a:lstStyle>
+            <a:lvl1pPr marL="342900" indent="-342900" algn="l" defTabSz="457200" rtl="0" eaLnBrk="1" latinLnBrk="0" hangingPunct="1">
+              <a:spcBef>
+                <a:spcPct val="20000"/>
+              </a:spcBef>
+              <a:spcAft>
+                <a:spcPts val="600"/>
+              </a:spcAft>
+              <a:buClr>
+                <a:schemeClr val="accent1"/>
+              </a:buClr>
+              <a:buFont typeface="Wingdings 2" charset="2"/>
+              <a:buChar char=""/>
+              <a:defRPr sz="1800" kern="1200">
+                <a:solidFill>
+                  <a:schemeClr val="tx1"/>
+                </a:solidFill>
+                <a:latin typeface="+mn-lt"/>
+                <a:ea typeface="+mn-ea"/>
+                <a:cs typeface="+mn-cs"/>
+              </a:defRPr>
+            </a:lvl1pPr>
+            <a:lvl2pPr marL="742950" indent="-285750" algn="l" defTabSz="457200" rtl="0" eaLnBrk="1" latinLnBrk="0" hangingPunct="1">
+              <a:spcBef>
+                <a:spcPct val="20000"/>
+              </a:spcBef>
+              <a:spcAft>
+                <a:spcPts val="600"/>
+              </a:spcAft>
+              <a:buClr>
+                <a:schemeClr val="accent1"/>
+              </a:buClr>
+              <a:buFont typeface="Wingdings 2" charset="2"/>
+              <a:buChar char=""/>
+              <a:defRPr sz="1600" kern="1200">
+                <a:solidFill>
+                  <a:schemeClr val="tx1"/>
+                </a:solidFill>
+                <a:latin typeface="+mn-lt"/>
+                <a:ea typeface="+mn-ea"/>
+                <a:cs typeface="+mn-cs"/>
+              </a:defRPr>
+            </a:lvl2pPr>
+            <a:lvl3pPr marL="1143000" indent="-228600" algn="l" defTabSz="457200" rtl="0" eaLnBrk="1" latinLnBrk="0" hangingPunct="1">
+              <a:spcBef>
+                <a:spcPct val="20000"/>
+              </a:spcBef>
+              <a:spcAft>
+                <a:spcPts val="600"/>
+              </a:spcAft>
+              <a:buClr>
+                <a:schemeClr val="accent1"/>
+              </a:buClr>
+              <a:buFont typeface="Wingdings 2" charset="2"/>
+              <a:buChar char=""/>
+              <a:defRPr sz="1400" kern="1200">
+                <a:solidFill>
+                  <a:schemeClr val="tx1"/>
+                </a:solidFill>
+                <a:latin typeface="+mn-lt"/>
+                <a:ea typeface="+mn-ea"/>
+                <a:cs typeface="+mn-cs"/>
+              </a:defRPr>
+            </a:lvl3pPr>
+            <a:lvl4pPr marL="1600200" indent="-228600" algn="l" defTabSz="457200" rtl="0" eaLnBrk="1" latinLnBrk="0" hangingPunct="1">
+              <a:spcBef>
+                <a:spcPct val="20000"/>
+              </a:spcBef>
+              <a:spcAft>
+                <a:spcPts val="600"/>
+              </a:spcAft>
+              <a:buClr>
+                <a:schemeClr val="accent1"/>
+              </a:buClr>
+              <a:buFont typeface="Wingdings 2" charset="2"/>
+              <a:buChar char=""/>
+              <a:defRPr sz="1200" kern="1200">
+                <a:solidFill>
+                  <a:schemeClr val="tx1"/>
+                </a:solidFill>
+                <a:latin typeface="+mn-lt"/>
+                <a:ea typeface="+mn-ea"/>
+                <a:cs typeface="+mn-cs"/>
+              </a:defRPr>
+            </a:lvl4pPr>
+            <a:lvl5pPr marL="2057400" indent="-228600" algn="l" defTabSz="457200" rtl="0" eaLnBrk="1" latinLnBrk="0" hangingPunct="1">
+              <a:spcBef>
+                <a:spcPct val="20000"/>
+              </a:spcBef>
+              <a:spcAft>
+                <a:spcPts val="600"/>
+              </a:spcAft>
+              <a:buClr>
+                <a:schemeClr val="accent1"/>
+              </a:buClr>
+              <a:buFont typeface="Wingdings 2" charset="2"/>
+              <a:buChar char=""/>
+              <a:defRPr sz="1200" kern="1200">
+                <a:solidFill>
+                  <a:schemeClr val="tx1"/>
+                </a:solidFill>
+                <a:latin typeface="+mn-lt"/>
+                <a:ea typeface="+mn-ea"/>
+                <a:cs typeface="+mn-cs"/>
+              </a:defRPr>
+            </a:lvl5pPr>
+            <a:lvl6pPr marL="2400000" indent="-228600" algn="l" defTabSz="457200" rtl="0" eaLnBrk="1" latinLnBrk="0" hangingPunct="1">
+              <a:spcBef>
+                <a:spcPct val="20000"/>
+              </a:spcBef>
+              <a:spcAft>
+                <a:spcPts val="600"/>
+              </a:spcAft>
+              <a:buClr>
+                <a:schemeClr val="accent1"/>
+              </a:buClr>
+              <a:buFont typeface="Wingdings 2" charset="2"/>
+              <a:buChar char=""/>
+              <a:defRPr sz="1200" kern="1200">
+                <a:solidFill>
+                  <a:schemeClr val="tx1"/>
+                </a:solidFill>
+                <a:latin typeface="+mn-lt"/>
+                <a:ea typeface="+mn-ea"/>
+                <a:cs typeface="+mn-cs"/>
+              </a:defRPr>
+            </a:lvl6pPr>
+            <a:lvl7pPr marL="2800000" indent="-228600" algn="l" defTabSz="457200" rtl="0" eaLnBrk="1" latinLnBrk="0" hangingPunct="1">
+              <a:spcBef>
+                <a:spcPct val="20000"/>
+              </a:spcBef>
+              <a:spcAft>
+                <a:spcPts val="600"/>
+              </a:spcAft>
+              <a:buClr>
+                <a:schemeClr val="accent1"/>
+              </a:buClr>
+              <a:buFont typeface="Wingdings 2" charset="2"/>
+              <a:buChar char=""/>
+              <a:defRPr sz="1200" kern="1200">
+                <a:solidFill>
+                  <a:schemeClr val="tx1"/>
+                </a:solidFill>
+                <a:latin typeface="+mn-lt"/>
+                <a:ea typeface="+mn-ea"/>
+                <a:cs typeface="+mn-cs"/>
+              </a:defRPr>
+            </a:lvl7pPr>
+            <a:lvl8pPr marL="3200000" indent="-228600" algn="l" defTabSz="457200" rtl="0" eaLnBrk="1" latinLnBrk="0" hangingPunct="1">
+              <a:spcBef>
+                <a:spcPct val="20000"/>
+              </a:spcBef>
+              <a:spcAft>
+                <a:spcPts val="600"/>
+              </a:spcAft>
+              <a:buClr>
+                <a:schemeClr val="accent1"/>
+              </a:buClr>
+              <a:buFont typeface="Wingdings 2" charset="2"/>
+              <a:buChar char=""/>
+              <a:defRPr sz="1200" kern="1200">
+                <a:solidFill>
+                  <a:schemeClr val="tx1"/>
+                </a:solidFill>
+                <a:latin typeface="+mn-lt"/>
+                <a:ea typeface="+mn-ea"/>
+                <a:cs typeface="+mn-cs"/>
+              </a:defRPr>
+            </a:lvl8pPr>
+            <a:lvl9pPr marL="3600000" indent="-228600" algn="l" defTabSz="457200" rtl="0" eaLnBrk="1" latinLnBrk="0" hangingPunct="1">
+              <a:spcBef>
+                <a:spcPct val="20000"/>
+              </a:spcBef>
+              <a:spcAft>
+                <a:spcPts val="600"/>
+              </a:spcAft>
+              <a:buClr>
+                <a:schemeClr val="accent1"/>
+              </a:buClr>
+              <a:buFont typeface="Wingdings 2" charset="2"/>
+              <a:buChar char=""/>
+              <a:defRPr sz="1200" kern="1200">
+                <a:solidFill>
+                  <a:schemeClr val="tx1"/>
+                </a:solidFill>
+                <a:latin typeface="+mn-lt"/>
+                <a:ea typeface="+mn-ea"/>
+                <a:cs typeface="+mn-cs"/>
+              </a:defRPr>
+            </a:lvl9pPr>
+          </a:lstStyle>
+          <a:p>
+            <a:pPr marL="0" indent="0">
+              <a:buFont typeface="Wingdings 2" charset="2"/>
+              <a:buNone/>
+            </a:pPr>
+            <a:r>
+              <a:rPr lang="en-US" dirty="0"/>
+              <a:t>3 linear layers and 2 dropout layers (for regularization).</a:t>
+            </a:r>
+          </a:p>
+          <a:p>
+            <a:pPr marL="0" indent="0">
+              <a:buFont typeface="Wingdings 2" charset="2"/>
+              <a:buNone/>
+            </a:pPr>
+            <a:endParaRPr lang="en-US" dirty="0"/>
+          </a:p>
+          <a:p>
+            <a:pPr marL="0" indent="0">
+              <a:buFont typeface="Wingdings 2" charset="2"/>
+              <a:buNone/>
+            </a:pPr>
+            <a:r>
+              <a:rPr lang="en-US" dirty="0"/>
+              <a:t>Issues: trains, but with max 53% accuracy.</a:t>
+            </a:r>
+            <a:br>
+              <a:rPr lang="en-US" dirty="0"/>
+            </a:br>
+            <a:br>
+              <a:rPr lang="en-US" dirty="0"/>
+            </a:br>
+            <a:r>
+              <a:rPr lang="en-US" dirty="0"/>
+              <a:t>Run several times with train sizes on GPU:</a:t>
+            </a:r>
+            <a:br>
+              <a:rPr lang="en-US" dirty="0"/>
+            </a:br>
+            <a:r>
+              <a:rPr lang="en-US" dirty="0"/>
+              <a:t>4, 10, 30, 80, 500</a:t>
+            </a:r>
           </a:p>
         </p:txBody>
       </p:sp>
     </p:spTree>
     <p:extLst>
       <p:ext uri="{BB962C8B-B14F-4D97-AF65-F5344CB8AC3E}">
-        <p14:creationId xmlns:p14="http://schemas.microsoft.com/office/powerpoint/2010/main" val="1994469208"/>
+        <p14:creationId xmlns:p14="http://schemas.microsoft.com/office/powerpoint/2010/main" val="4096984414"/>
+      </p:ext>
+    </p:extLst>
+  </p:cSld>
+  <p:clrMapOvr>
+    <a:masterClrMapping/>
+  </p:clrMapOvr>
+</p:sld>
+</file>
+
+<file path=ppt/slides/slide8.xml><?xml version="1.0" encoding="utf-8"?>
+<p:sld xmlns:a="http://schemas.openxmlformats.org/drawingml/2006/main" xmlns:r="http://schemas.openxmlformats.org/officeDocument/2006/relationships" xmlns:p="http://schemas.openxmlformats.org/presentationml/2006/main">
+  <p:cSld>
+    <p:spTree>
+      <p:nvGrpSpPr>
+        <p:cNvPr id="1" name=""/>
+        <p:cNvGrpSpPr/>
+        <p:nvPr/>
+      </p:nvGrpSpPr>
+      <p:grpSpPr>
+        <a:xfrm>
+          <a:off x="0" y="0"/>
+          <a:ext cx="0" cy="0"/>
+          <a:chOff x="0" y="0"/>
+          <a:chExt cx="0" cy="0"/>
+        </a:xfrm>
+      </p:grpSpPr>
+      <p:sp>
+        <p:nvSpPr>
+          <p:cNvPr id="2" name="Title 1">
+            <a:extLst>
+              <a:ext uri="{FF2B5EF4-FFF2-40B4-BE49-F238E27FC236}">
+                <a16:creationId xmlns:a16="http://schemas.microsoft.com/office/drawing/2014/main" id="{0CAFC94C-B8F1-2F46-8429-1C6AC60091C5}"/>
+              </a:ext>
+            </a:extLst>
+          </p:cNvPr>
+          <p:cNvSpPr>
+            <a:spLocks noGrp="1"/>
+          </p:cNvSpPr>
+          <p:nvPr>
+            <p:ph type="title"/>
+          </p:nvPr>
+        </p:nvSpPr>
+        <p:spPr>
+          <a:xfrm>
+            <a:off x="556798" y="345588"/>
+            <a:ext cx="10571998" cy="970450"/>
+          </a:xfrm>
+        </p:spPr>
+        <p:txBody>
+          <a:bodyPr anchor="t"/>
+          <a:lstStyle/>
+          <a:p>
+            <a:r>
+              <a:rPr lang="en-US" dirty="0"/>
+              <a:t>Metrics - </a:t>
+            </a:r>
+            <a:r>
+              <a:rPr lang="en-US" dirty="0" err="1"/>
+              <a:t>PyTorch</a:t>
+            </a:r>
+            <a:endParaRPr lang="en-US" sz="2400" dirty="0"/>
+          </a:p>
+        </p:txBody>
+      </p:sp>
+    </p:spTree>
+    <p:extLst>
+      <p:ext uri="{BB962C8B-B14F-4D97-AF65-F5344CB8AC3E}">
+        <p14:creationId xmlns:p14="http://schemas.microsoft.com/office/powerpoint/2010/main" val="3947111687"/>
+      </p:ext>
+    </p:extLst>
+  </p:cSld>
+  <p:clrMapOvr>
+    <a:masterClrMapping/>
+  </p:clrMapOvr>
+</p:sld>
+</file>
+
+<file path=ppt/slides/slide9.xml><?xml version="1.0" encoding="utf-8"?>
+<p:sld xmlns:a="http://schemas.openxmlformats.org/drawingml/2006/main" xmlns:r="http://schemas.openxmlformats.org/officeDocument/2006/relationships" xmlns:p="http://schemas.openxmlformats.org/presentationml/2006/main">
+  <p:cSld>
+    <p:spTree>
+      <p:nvGrpSpPr>
+        <p:cNvPr id="1" name=""/>
+        <p:cNvGrpSpPr/>
+        <p:nvPr/>
+      </p:nvGrpSpPr>
+      <p:grpSpPr>
+        <a:xfrm>
+          <a:off x="0" y="0"/>
+          <a:ext cx="0" cy="0"/>
+          <a:chOff x="0" y="0"/>
+          <a:chExt cx="0" cy="0"/>
+        </a:xfrm>
+      </p:grpSpPr>
+      <p:sp>
+        <p:nvSpPr>
+          <p:cNvPr id="2" name="Title 1">
+            <a:extLst>
+              <a:ext uri="{FF2B5EF4-FFF2-40B4-BE49-F238E27FC236}">
+                <a16:creationId xmlns:a16="http://schemas.microsoft.com/office/drawing/2014/main" id="{0CAFC94C-B8F1-2F46-8429-1C6AC60091C5}"/>
+              </a:ext>
+            </a:extLst>
+          </p:cNvPr>
+          <p:cNvSpPr>
+            <a:spLocks noGrp="1"/>
+          </p:cNvSpPr>
+          <p:nvPr>
+            <p:ph type="title"/>
+          </p:nvPr>
+        </p:nvSpPr>
+        <p:spPr>
+          <a:xfrm>
+            <a:off x="179953" y="467075"/>
+            <a:ext cx="10571998" cy="970450"/>
+          </a:xfrm>
+        </p:spPr>
+        <p:txBody>
+          <a:bodyPr/>
+          <a:lstStyle/>
+          <a:p>
+            <a:r>
+              <a:rPr lang="en-US" dirty="0"/>
+              <a:t>Results &amp;</a:t>
+            </a:r>
+            <a:br>
+              <a:rPr lang="en-US" dirty="0"/>
+            </a:br>
+            <a:r>
+              <a:rPr lang="en-US" dirty="0"/>
+              <a:t>Discussion</a:t>
+            </a:r>
+            <a:endParaRPr lang="en-US" sz="2400" dirty="0"/>
+          </a:p>
+        </p:txBody>
+      </p:sp>
+      <p:sp>
+        <p:nvSpPr>
+          <p:cNvPr id="4" name="Content Placeholder 3">
+            <a:extLst>
+              <a:ext uri="{FF2B5EF4-FFF2-40B4-BE49-F238E27FC236}">
+                <a16:creationId xmlns:a16="http://schemas.microsoft.com/office/drawing/2014/main" id="{7E935AF4-F7C7-9748-99D9-82C158F6E60A}"/>
+              </a:ext>
+            </a:extLst>
+          </p:cNvPr>
+          <p:cNvSpPr>
+            <a:spLocks noGrp="1"/>
+          </p:cNvSpPr>
+          <p:nvPr>
+            <p:ph sz="half" idx="2"/>
+          </p:nvPr>
+        </p:nvSpPr>
+        <p:spPr>
+          <a:xfrm>
+            <a:off x="814727" y="2751138"/>
+            <a:ext cx="11197319" cy="4106862"/>
+          </a:xfrm>
+        </p:spPr>
+        <p:txBody>
+          <a:bodyPr>
+            <a:normAutofit/>
+          </a:bodyPr>
+          <a:lstStyle/>
+          <a:p>
+            <a:pPr marL="0" indent="0">
+              <a:buNone/>
+            </a:pPr>
+            <a:r>
+              <a:rPr lang="en-US" sz="2400" b="1" dirty="0"/>
+              <a:t>Project challenges/difficulties in Phase 2</a:t>
+            </a:r>
+          </a:p>
+          <a:p>
+            <a:endParaRPr lang="en-US" dirty="0"/>
+          </a:p>
+          <a:p>
+            <a:r>
+              <a:rPr lang="en-US" sz="2000" dirty="0" err="1"/>
+              <a:t>Cuda</a:t>
+            </a:r>
+            <a:r>
+              <a:rPr lang="en-US" sz="2000" dirty="0"/>
+              <a:t> GPU requirement for </a:t>
+            </a:r>
+            <a:r>
+              <a:rPr lang="en-US" sz="2000" dirty="0" err="1"/>
+              <a:t>PyTorch</a:t>
+            </a:r>
+            <a:r>
+              <a:rPr lang="en-US" sz="2000" dirty="0"/>
+              <a:t> required use of Google </a:t>
+            </a:r>
+            <a:r>
+              <a:rPr lang="en-US" sz="2000" dirty="0" err="1"/>
+              <a:t>Colab</a:t>
+            </a:r>
+            <a:r>
+              <a:rPr lang="en-US" sz="2000" dirty="0"/>
+              <a:t> (team working from Mac laptops that did not have applicable GPUs) </a:t>
+            </a:r>
+          </a:p>
+          <a:p>
+            <a:r>
+              <a:rPr lang="en-US" sz="2000" dirty="0"/>
+              <a:t>Issues with linking Google Drive (image set and data) reliably due to known issue/race condition</a:t>
+            </a:r>
+          </a:p>
+          <a:p>
+            <a:r>
+              <a:rPr lang="en-US" sz="2000" dirty="0"/>
+              <a:t>Confusion on how to format parameters for Conv2d</a:t>
+            </a:r>
+          </a:p>
+          <a:p>
+            <a:r>
+              <a:rPr lang="en-US" sz="2000" dirty="0"/>
+              <a:t>Low performance on linear neural networks ~ 53% indicates a need for other transformation steps and different layer options in neural net setup</a:t>
+            </a:r>
+          </a:p>
+        </p:txBody>
+      </p:sp>
+    </p:spTree>
+    <p:extLst>
+      <p:ext uri="{BB962C8B-B14F-4D97-AF65-F5344CB8AC3E}">
+        <p14:creationId xmlns:p14="http://schemas.microsoft.com/office/powerpoint/2010/main" val="1837173560"/>
       </p:ext>
     </p:extLst>
   </p:cSld>

--- a/other/Group2_Phase2.pptx
+++ b/other/Group2_Phase2.pptx
@@ -9005,6 +9005,14 @@
   <p:clrMapOvr>
     <a:masterClrMapping/>
   </p:clrMapOvr>
+  <mc:AlternateContent xmlns:mc="http://schemas.openxmlformats.org/markup-compatibility/2006">
+    <mc:Choice xmlns:p14="http://schemas.microsoft.com/office/powerpoint/2010/main" Requires="p14">
+      <p:transition spd="slow" p14:dur="2000" advTm="2645"/>
+    </mc:Choice>
+    <mc:Fallback>
+      <p:transition spd="slow" advTm="2645"/>
+    </mc:Fallback>
+  </mc:AlternateContent>
 </p:sld>
 </file>
 
@@ -9178,6 +9186,14 @@
   <p:clrMapOvr>
     <a:masterClrMapping/>
   </p:clrMapOvr>
+  <mc:AlternateContent xmlns:mc="http://schemas.openxmlformats.org/markup-compatibility/2006">
+    <mc:Choice xmlns:p14="http://schemas.microsoft.com/office/powerpoint/2010/main" Requires="p14">
+      <p:transition spd="slow" p14:dur="2000" advTm="6126"/>
+    </mc:Choice>
+    <mc:Fallback>
+      <p:transition spd="slow" advTm="6126"/>
+    </mc:Fallback>
+  </mc:AlternateContent>
 </p:sld>
 </file>
 
@@ -9415,6 +9431,14 @@
   <p:clrMapOvr>
     <a:masterClrMapping/>
   </p:clrMapOvr>
+  <mc:AlternateContent xmlns:mc="http://schemas.openxmlformats.org/markup-compatibility/2006">
+    <mc:Choice xmlns:p14="http://schemas.microsoft.com/office/powerpoint/2010/main" Requires="p14">
+      <p:transition spd="slow" p14:dur="2000" advTm="2220"/>
+    </mc:Choice>
+    <mc:Fallback>
+      <p:transition spd="slow" advTm="2220"/>
+    </mc:Fallback>
+  </mc:AlternateContent>
 </p:sld>
 </file>
 
@@ -9612,6 +9636,14 @@
   <p:clrMapOvr>
     <a:masterClrMapping/>
   </p:clrMapOvr>
+  <mc:AlternateContent xmlns:mc="http://schemas.openxmlformats.org/markup-compatibility/2006">
+    <mc:Choice xmlns:p14="http://schemas.microsoft.com/office/powerpoint/2010/main" Requires="p14">
+      <p:transition spd="slow" p14:dur="2000" advTm="2649"/>
+    </mc:Choice>
+    <mc:Fallback>
+      <p:transition spd="slow" advTm="2649"/>
+    </mc:Fallback>
+  </mc:AlternateContent>
 </p:sld>
 </file>
 
@@ -9892,6 +9924,14 @@
   <p:clrMapOvr>
     <a:masterClrMapping/>
   </p:clrMapOvr>
+  <mc:AlternateContent xmlns:mc="http://schemas.openxmlformats.org/markup-compatibility/2006">
+    <mc:Choice xmlns:p14="http://schemas.microsoft.com/office/powerpoint/2010/main" Requires="p14">
+      <p:transition spd="slow" p14:dur="2000" advTm="2217"/>
+    </mc:Choice>
+    <mc:Fallback>
+      <p:transition spd="slow" advTm="2217"/>
+    </mc:Fallback>
+  </mc:AlternateContent>
 </p:sld>
 </file>
 
@@ -9978,8 +10018,8 @@
         </p:nvSpPr>
         <p:spPr>
           <a:xfrm>
-            <a:off x="769595" y="2387671"/>
-            <a:ext cx="11049025" cy="3659674"/>
+            <a:off x="571487" y="2130167"/>
+            <a:ext cx="9599647" cy="1389647"/>
           </a:xfrm>
         </p:spPr>
         <p:txBody>
@@ -9989,7 +10029,7 @@
           <a:lstStyle/>
           <a:p>
             <a:r>
-              <a:rPr lang="en-US" dirty="0">
+              <a:rPr lang="en-US" sz="1600" dirty="0">
                 <a:solidFill>
                   <a:schemeClr val="accent1">
                     <a:lumMod val="60000"/>
@@ -10000,14 +10040,14 @@
               <a:t>Import</a:t>
             </a:r>
             <a:r>
-              <a:rPr lang="en-US" dirty="0"/>
+              <a:rPr lang="en-US" sz="1600" dirty="0"/>
               <a:t> CSV and parse metadata, </a:t>
             </a:r>
             <a:br>
-              <a:rPr lang="en-US" dirty="0"/>
+              <a:rPr lang="en-US" sz="1600" dirty="0"/>
             </a:br>
             <a:r>
-              <a:rPr lang="en-US" dirty="0">
+              <a:rPr lang="en-US" sz="1600" dirty="0">
                 <a:solidFill>
                   <a:schemeClr val="accent1">
                     <a:lumMod val="60000"/>
@@ -10018,26 +10058,26 @@
               <a:t>Train/Test split </a:t>
             </a:r>
             <a:r>
-              <a:rPr lang="en-US" dirty="0"/>
+              <a:rPr lang="en-US" sz="1600" dirty="0"/>
               <a:t>data indices using </a:t>
             </a:r>
             <a:r>
-              <a:rPr lang="en-US" dirty="0" err="1"/>
+              <a:rPr lang="en-US" sz="1600" dirty="0" err="1"/>
               <a:t>SubsetRandomSampler</a:t>
             </a:r>
             <a:r>
-              <a:rPr lang="en-US" dirty="0"/>
+              <a:rPr lang="en-US" sz="1600" dirty="0"/>
               <a:t> and </a:t>
             </a:r>
             <a:r>
-              <a:rPr lang="en-US" dirty="0" err="1"/>
+              <a:rPr lang="en-US" sz="1600" dirty="0" err="1"/>
               <a:t>DataLoader</a:t>
             </a:r>
-            <a:endParaRPr lang="en-US" dirty="0"/>
-          </a:p>
-          <a:p>
-            <a:r>
-              <a:rPr lang="en-US" dirty="0">
+            <a:endParaRPr lang="en-US" sz="1600" dirty="0"/>
+          </a:p>
+          <a:p>
+            <a:r>
+              <a:rPr lang="en-US" sz="1600" dirty="0">
                 <a:solidFill>
                   <a:schemeClr val="accent1">
                     <a:lumMod val="60000"/>
@@ -10048,11 +10088,11 @@
               <a:t>Transform </a:t>
             </a:r>
             <a:r>
-              <a:rPr lang="en-US" dirty="0"/>
+              <a:rPr lang="en-US" sz="1600" dirty="0"/>
               <a:t>with</a:t>
             </a:r>
             <a:r>
-              <a:rPr lang="en-US" dirty="0">
+              <a:rPr lang="en-US" sz="1600" dirty="0">
                 <a:solidFill>
                   <a:schemeClr val="accent1">
                     <a:lumMod val="60000"/>
@@ -10063,7 +10103,7 @@
               <a:t> </a:t>
             </a:r>
             <a:r>
-              <a:rPr lang="en-US" dirty="0" err="1">
+              <a:rPr lang="en-US" sz="1600" dirty="0" err="1">
                 <a:solidFill>
                   <a:schemeClr val="accent1">
                     <a:lumMod val="60000"/>
@@ -10073,23 +10113,8 @@
               </a:rPr>
               <a:t>CustomDataset</a:t>
             </a:r>
-            <a:endParaRPr lang="en-US" dirty="0">
-              <a:solidFill>
-                <a:schemeClr val="accent1">
-                  <a:lumMod val="60000"/>
-                  <a:lumOff val="40000"/>
-                </a:schemeClr>
-              </a:solidFill>
-            </a:endParaRPr>
-          </a:p>
-          <a:p>
-            <a:pPr lvl="1"/>
-            <a:r>
-              <a:rPr lang="en-US" dirty="0"/>
-              <a:t>Convert to </a:t>
-            </a:r>
-            <a:r>
-              <a:rPr lang="en-US" dirty="0">
+            <a:r>
+              <a:rPr lang="en-US" sz="1600" dirty="0">
                 <a:solidFill>
                   <a:schemeClr val="accent1">
                     <a:lumMod val="60000"/>
@@ -10097,17 +10122,287 @@
                   </a:schemeClr>
                 </a:solidFill>
               </a:rPr>
-              <a:t>Tensor</a:t>
-            </a:r>
-          </a:p>
+              <a:t>:</a:t>
+            </a:r>
+          </a:p>
+        </p:txBody>
+      </p:sp>
+      <p:sp>
+        <p:nvSpPr>
+          <p:cNvPr id="5" name="TextBox 4">
+            <a:extLst>
+              <a:ext uri="{FF2B5EF4-FFF2-40B4-BE49-F238E27FC236}">
+                <a16:creationId xmlns:a16="http://schemas.microsoft.com/office/drawing/2014/main" id="{EBB32B8A-CF08-FF43-85B9-BB7D115929EA}"/>
+              </a:ext>
+            </a:extLst>
+          </p:cNvPr>
+          <p:cNvSpPr txBox="1"/>
+          <p:nvPr/>
+        </p:nvSpPr>
+        <p:spPr>
+          <a:xfrm>
+            <a:off x="6431909" y="6328776"/>
+            <a:ext cx="5148197" cy="461665"/>
+          </a:xfrm>
+          <a:prstGeom prst="rect">
+            <a:avLst/>
+          </a:prstGeom>
+          <a:noFill/>
+        </p:spPr>
+        <p:txBody>
+          <a:bodyPr wrap="square" rtlCol="0">
+            <a:spAutoFit/>
+          </a:bodyPr>
+          <a:lstStyle/>
+          <a:p>
+            <a:pPr algn="r"/>
+            <a:r>
+              <a:rPr lang="en-US" sz="1200" dirty="0"/>
+              <a:t>Train images after greyscale/resize with overlay</a:t>
+            </a:r>
+            <a:br>
+              <a:rPr lang="en-US" sz="1200" dirty="0"/>
+            </a:br>
+            <a:r>
+              <a:rPr lang="en-US" sz="1200" dirty="0"/>
+              <a:t>ground truth bounding boxes and labels</a:t>
+            </a:r>
+          </a:p>
+        </p:txBody>
+      </p:sp>
+      <p:sp>
+        <p:nvSpPr>
+          <p:cNvPr id="7" name="Content Placeholder 5">
+            <a:extLst>
+              <a:ext uri="{FF2B5EF4-FFF2-40B4-BE49-F238E27FC236}">
+                <a16:creationId xmlns:a16="http://schemas.microsoft.com/office/drawing/2014/main" id="{729849C9-BE3B-B04F-B208-97D6E64EBE42}"/>
+              </a:ext>
+            </a:extLst>
+          </p:cNvPr>
+          <p:cNvSpPr txBox="1">
+            <a:spLocks/>
+          </p:cNvSpPr>
+          <p:nvPr/>
+        </p:nvSpPr>
+        <p:spPr>
+          <a:xfrm>
+            <a:off x="3645387" y="2757470"/>
+            <a:ext cx="5148197" cy="1220917"/>
+          </a:xfrm>
+          <a:prstGeom prst="rect">
+            <a:avLst/>
+          </a:prstGeom>
+          <a:effectLst>
+            <a:outerShdw blurRad="50800" dir="14400000">
+              <a:srgbClr val="000000">
+                <a:alpha val="40000"/>
+              </a:srgbClr>
+            </a:outerShdw>
+          </a:effectLst>
+        </p:spPr>
+        <p:txBody>
+          <a:bodyPr vert="horz" lIns="91440" tIns="45720" rIns="91440" bIns="45720" rtlCol="0" anchor="t">
+            <a:normAutofit/>
+          </a:bodyPr>
+          <a:lstStyle>
+            <a:lvl1pPr marL="342900" indent="-342900" algn="l" defTabSz="457200" rtl="0" eaLnBrk="1" latinLnBrk="0" hangingPunct="1">
+              <a:spcBef>
+                <a:spcPct val="20000"/>
+              </a:spcBef>
+              <a:spcAft>
+                <a:spcPts val="600"/>
+              </a:spcAft>
+              <a:buClr>
+                <a:schemeClr val="accent1"/>
+              </a:buClr>
+              <a:buFont typeface="Wingdings 2" charset="2"/>
+              <a:buChar char=""/>
+              <a:defRPr sz="1800" kern="1200">
+                <a:solidFill>
+                  <a:schemeClr val="tx1"/>
+                </a:solidFill>
+                <a:latin typeface="+mn-lt"/>
+                <a:ea typeface="+mn-ea"/>
+                <a:cs typeface="+mn-cs"/>
+              </a:defRPr>
+            </a:lvl1pPr>
+            <a:lvl2pPr marL="742950" indent="-285750" algn="l" defTabSz="457200" rtl="0" eaLnBrk="1" latinLnBrk="0" hangingPunct="1">
+              <a:spcBef>
+                <a:spcPct val="20000"/>
+              </a:spcBef>
+              <a:spcAft>
+                <a:spcPts val="600"/>
+              </a:spcAft>
+              <a:buClr>
+                <a:schemeClr val="accent1"/>
+              </a:buClr>
+              <a:buFont typeface="Wingdings 2" charset="2"/>
+              <a:buChar char=""/>
+              <a:defRPr sz="1600" kern="1200">
+                <a:solidFill>
+                  <a:schemeClr val="tx1"/>
+                </a:solidFill>
+                <a:latin typeface="+mn-lt"/>
+                <a:ea typeface="+mn-ea"/>
+                <a:cs typeface="+mn-cs"/>
+              </a:defRPr>
+            </a:lvl2pPr>
+            <a:lvl3pPr marL="1143000" indent="-228600" algn="l" defTabSz="457200" rtl="0" eaLnBrk="1" latinLnBrk="0" hangingPunct="1">
+              <a:spcBef>
+                <a:spcPct val="20000"/>
+              </a:spcBef>
+              <a:spcAft>
+                <a:spcPts val="600"/>
+              </a:spcAft>
+              <a:buClr>
+                <a:schemeClr val="accent1"/>
+              </a:buClr>
+              <a:buFont typeface="Wingdings 2" charset="2"/>
+              <a:buChar char=""/>
+              <a:defRPr sz="1400" kern="1200">
+                <a:solidFill>
+                  <a:schemeClr val="tx1"/>
+                </a:solidFill>
+                <a:latin typeface="+mn-lt"/>
+                <a:ea typeface="+mn-ea"/>
+                <a:cs typeface="+mn-cs"/>
+              </a:defRPr>
+            </a:lvl3pPr>
+            <a:lvl4pPr marL="1600200" indent="-228600" algn="l" defTabSz="457200" rtl="0" eaLnBrk="1" latinLnBrk="0" hangingPunct="1">
+              <a:spcBef>
+                <a:spcPct val="20000"/>
+              </a:spcBef>
+              <a:spcAft>
+                <a:spcPts val="600"/>
+              </a:spcAft>
+              <a:buClr>
+                <a:schemeClr val="accent1"/>
+              </a:buClr>
+              <a:buFont typeface="Wingdings 2" charset="2"/>
+              <a:buChar char=""/>
+              <a:defRPr sz="1200" kern="1200">
+                <a:solidFill>
+                  <a:schemeClr val="tx1"/>
+                </a:solidFill>
+                <a:latin typeface="+mn-lt"/>
+                <a:ea typeface="+mn-ea"/>
+                <a:cs typeface="+mn-cs"/>
+              </a:defRPr>
+            </a:lvl4pPr>
+            <a:lvl5pPr marL="2057400" indent="-228600" algn="l" defTabSz="457200" rtl="0" eaLnBrk="1" latinLnBrk="0" hangingPunct="1">
+              <a:spcBef>
+                <a:spcPct val="20000"/>
+              </a:spcBef>
+              <a:spcAft>
+                <a:spcPts val="600"/>
+              </a:spcAft>
+              <a:buClr>
+                <a:schemeClr val="accent1"/>
+              </a:buClr>
+              <a:buFont typeface="Wingdings 2" charset="2"/>
+              <a:buChar char=""/>
+              <a:defRPr sz="1200" kern="1200">
+                <a:solidFill>
+                  <a:schemeClr val="tx1"/>
+                </a:solidFill>
+                <a:latin typeface="+mn-lt"/>
+                <a:ea typeface="+mn-ea"/>
+                <a:cs typeface="+mn-cs"/>
+              </a:defRPr>
+            </a:lvl5pPr>
+            <a:lvl6pPr marL="2400000" indent="-228600" algn="l" defTabSz="457200" rtl="0" eaLnBrk="1" latinLnBrk="0" hangingPunct="1">
+              <a:spcBef>
+                <a:spcPct val="20000"/>
+              </a:spcBef>
+              <a:spcAft>
+                <a:spcPts val="600"/>
+              </a:spcAft>
+              <a:buClr>
+                <a:schemeClr val="accent1"/>
+              </a:buClr>
+              <a:buFont typeface="Wingdings 2" charset="2"/>
+              <a:buChar char=""/>
+              <a:defRPr sz="1200" kern="1200">
+                <a:solidFill>
+                  <a:schemeClr val="tx1"/>
+                </a:solidFill>
+                <a:latin typeface="+mn-lt"/>
+                <a:ea typeface="+mn-ea"/>
+                <a:cs typeface="+mn-cs"/>
+              </a:defRPr>
+            </a:lvl6pPr>
+            <a:lvl7pPr marL="2800000" indent="-228600" algn="l" defTabSz="457200" rtl="0" eaLnBrk="1" latinLnBrk="0" hangingPunct="1">
+              <a:spcBef>
+                <a:spcPct val="20000"/>
+              </a:spcBef>
+              <a:spcAft>
+                <a:spcPts val="600"/>
+              </a:spcAft>
+              <a:buClr>
+                <a:schemeClr val="accent1"/>
+              </a:buClr>
+              <a:buFont typeface="Wingdings 2" charset="2"/>
+              <a:buChar char=""/>
+              <a:defRPr sz="1200" kern="1200">
+                <a:solidFill>
+                  <a:schemeClr val="tx1"/>
+                </a:solidFill>
+                <a:latin typeface="+mn-lt"/>
+                <a:ea typeface="+mn-ea"/>
+                <a:cs typeface="+mn-cs"/>
+              </a:defRPr>
+            </a:lvl7pPr>
+            <a:lvl8pPr marL="3200000" indent="-228600" algn="l" defTabSz="457200" rtl="0" eaLnBrk="1" latinLnBrk="0" hangingPunct="1">
+              <a:spcBef>
+                <a:spcPct val="20000"/>
+              </a:spcBef>
+              <a:spcAft>
+                <a:spcPts val="600"/>
+              </a:spcAft>
+              <a:buClr>
+                <a:schemeClr val="accent1"/>
+              </a:buClr>
+              <a:buFont typeface="Wingdings 2" charset="2"/>
+              <a:buChar char=""/>
+              <a:defRPr sz="1200" kern="1200">
+                <a:solidFill>
+                  <a:schemeClr val="tx1"/>
+                </a:solidFill>
+                <a:latin typeface="+mn-lt"/>
+                <a:ea typeface="+mn-ea"/>
+                <a:cs typeface="+mn-cs"/>
+              </a:defRPr>
+            </a:lvl8pPr>
+            <a:lvl9pPr marL="3600000" indent="-228600" algn="l" defTabSz="457200" rtl="0" eaLnBrk="1" latinLnBrk="0" hangingPunct="1">
+              <a:spcBef>
+                <a:spcPct val="20000"/>
+              </a:spcBef>
+              <a:spcAft>
+                <a:spcPts val="600"/>
+              </a:spcAft>
+              <a:buClr>
+                <a:schemeClr val="accent1"/>
+              </a:buClr>
+              <a:buFont typeface="Wingdings 2" charset="2"/>
+              <a:buChar char=""/>
+              <a:defRPr sz="1200" kern="1200">
+                <a:solidFill>
+                  <a:schemeClr val="tx1"/>
+                </a:solidFill>
+                <a:latin typeface="+mn-lt"/>
+                <a:ea typeface="+mn-ea"/>
+                <a:cs typeface="+mn-cs"/>
+              </a:defRPr>
+            </a:lvl9pPr>
+          </a:lstStyle>
           <a:p>
             <a:pPr lvl="1"/>
             <a:r>
-              <a:rPr lang="en-US" dirty="0"/>
-              <a:t>Transform to </a:t>
-            </a:r>
-            <a:r>
-              <a:rPr lang="en-US" dirty="0">
+              <a:rPr lang="en-US" sz="1400" dirty="0"/>
+              <a:t>Convert to </a:t>
+            </a:r>
+            <a:r>
+              <a:rPr lang="en-US" sz="1400" dirty="0">
                 <a:solidFill>
                   <a:schemeClr val="accent1">
                     <a:lumMod val="60000"/>
@@ -10115,17 +10410,17 @@
                   </a:schemeClr>
                 </a:solidFill>
               </a:rPr>
-              <a:t>grayscale</a:t>
-            </a:r>
-            <a:r>
-              <a:rPr lang="en-US" dirty="0"/>
-              <a:t> to reduce channels</a:t>
+              <a:t>Tensor</a:t>
             </a:r>
           </a:p>
           <a:p>
             <a:pPr lvl="1"/>
             <a:r>
-              <a:rPr lang="en-US" dirty="0">
+              <a:rPr lang="en-US" sz="1400" dirty="0"/>
+              <a:t>Transform to </a:t>
+            </a:r>
+            <a:r>
+              <a:rPr lang="en-US" sz="1400" dirty="0">
                 <a:solidFill>
                   <a:schemeClr val="accent1">
                     <a:lumMod val="60000"/>
@@ -10133,16 +10428,17 @@
                   </a:schemeClr>
                 </a:solidFill>
               </a:rPr>
-              <a:t>Resize images to 128x128</a:t>
-            </a:r>
-            <a:r>
-              <a:rPr lang="en-US" dirty="0"/>
-              <a:t> as normalization</a:t>
-            </a:r>
-          </a:p>
-          <a:p>
-            <a:r>
-              <a:rPr lang="en-US" dirty="0">
+              <a:t>grayscale</a:t>
+            </a:r>
+            <a:r>
+              <a:rPr lang="en-US" sz="1400" dirty="0"/>
+              <a:t> to reduce channels</a:t>
+            </a:r>
+          </a:p>
+          <a:p>
+            <a:pPr lvl="1"/>
+            <a:r>
+              <a:rPr lang="en-US" sz="1400" dirty="0">
                 <a:solidFill>
                   <a:schemeClr val="accent1">
                     <a:lumMod val="60000"/>
@@ -10150,15 +10446,45 @@
                   </a:schemeClr>
                 </a:solidFill>
               </a:rPr>
-              <a:t>Predict</a:t>
-            </a:r>
-            <a:r>
-              <a:rPr lang="en-US" dirty="0"/>
-              <a:t> class and bounding boxes</a:t>
-            </a:r>
-          </a:p>
-        </p:txBody>
-      </p:sp>
+              <a:t>Resize images to 128x128</a:t>
+            </a:r>
+            <a:r>
+              <a:rPr lang="en-US" sz="1400" dirty="0"/>
+              <a:t> as normalization</a:t>
+            </a:r>
+          </a:p>
+        </p:txBody>
+      </p:sp>
+      <p:pic>
+        <p:nvPicPr>
+          <p:cNvPr id="9" name="Picture 8" descr="Graphical user interface&#10;&#10;Description automatically generated">
+            <a:extLst>
+              <a:ext uri="{FF2B5EF4-FFF2-40B4-BE49-F238E27FC236}">
+                <a16:creationId xmlns:a16="http://schemas.microsoft.com/office/drawing/2014/main" id="{2CF472EA-3153-9D45-AEA4-1ECB49E9AA3F}"/>
+              </a:ext>
+            </a:extLst>
+          </p:cNvPr>
+          <p:cNvPicPr>
+            <a:picLocks noChangeAspect="1"/>
+          </p:cNvPicPr>
+          <p:nvPr/>
+        </p:nvPicPr>
+        <p:blipFill>
+          <a:blip r:embed="rId3"/>
+          <a:stretch>
+            <a:fillRect/>
+          </a:stretch>
+        </p:blipFill>
+        <p:spPr>
+          <a:xfrm>
+            <a:off x="1524727" y="3829237"/>
+            <a:ext cx="9814364" cy="2499539"/>
+          </a:xfrm>
+          <a:prstGeom prst="rect">
+            <a:avLst/>
+          </a:prstGeom>
+        </p:spPr>
+      </p:pic>
     </p:spTree>
     <p:extLst>
       <p:ext uri="{BB962C8B-B14F-4D97-AF65-F5344CB8AC3E}">
@@ -10169,6 +10495,14 @@
   <p:clrMapOvr>
     <a:masterClrMapping/>
   </p:clrMapOvr>
+  <mc:AlternateContent xmlns:mc="http://schemas.openxmlformats.org/markup-compatibility/2006">
+    <mc:Choice xmlns:p14="http://schemas.microsoft.com/office/powerpoint/2010/main" Requires="p14">
+      <p:transition spd="slow" p14:dur="2000" advTm="14014"/>
+    </mc:Choice>
+    <mc:Fallback>
+      <p:transition spd="slow" advTm="14014"/>
+    </mc:Fallback>
+  </mc:AlternateContent>
 </p:sld>
 </file>
 
@@ -10354,6 +10688,14 @@
   <p:clrMapOvr>
     <a:masterClrMapping/>
   </p:clrMapOvr>
+  <mc:AlternateContent xmlns:mc="http://schemas.openxmlformats.org/markup-compatibility/2006">
+    <mc:Choice xmlns:p14="http://schemas.microsoft.com/office/powerpoint/2010/main" Requires="p14">
+      <p:transition spd="slow" p14:dur="2000" advTm="16275"/>
+    </mc:Choice>
+    <mc:Fallback>
+      <p:transition spd="slow" advTm="16275"/>
+    </mc:Fallback>
+  </mc:AlternateContent>
 </p:sld>
 </file>
 
@@ -11275,6 +11617,14 @@
   <p:clrMapOvr>
     <a:masterClrMapping/>
   </p:clrMapOvr>
+  <mc:AlternateContent xmlns:mc="http://schemas.openxmlformats.org/markup-compatibility/2006">
+    <mc:Choice xmlns:p14="http://schemas.microsoft.com/office/powerpoint/2010/main" Requires="p14">
+      <p:transition spd="slow" p14:dur="2000" advTm="10886"/>
+    </mc:Choice>
+    <mc:Fallback>
+      <p:transition spd="slow" advTm="10886"/>
+    </mc:Fallback>
+  </mc:AlternateContent>
 </p:sld>
 </file>
 
@@ -11343,6 +11693,14 @@
   <p:clrMapOvr>
     <a:masterClrMapping/>
   </p:clrMapOvr>
+  <mc:AlternateContent xmlns:mc="http://schemas.openxmlformats.org/markup-compatibility/2006">
+    <mc:Choice xmlns:p14="http://schemas.microsoft.com/office/powerpoint/2010/main" Requires="p14">
+      <p:transition spd="slow" p14:dur="2000" advTm="7657"/>
+    </mc:Choice>
+    <mc:Fallback>
+      <p:transition spd="slow" advTm="7657"/>
+    </mc:Fallback>
+  </mc:AlternateContent>
 </p:sld>
 </file>
 
@@ -11472,7 +11830,7 @@
           <a:p>
             <a:r>
               <a:rPr lang="en-US" sz="2000" dirty="0"/>
-              <a:t>Issues with linking Google Drive (image set and data) reliably due to known issue/race condition</a:t>
+              <a:t>Issues with linking Google Drive (image set and data) reliably due to known issue/race condition (would freeze/hang on image open, fail to find image file)</a:t>
             </a:r>
           </a:p>
           <a:p>
@@ -11499,6 +11857,14 @@
   <p:clrMapOvr>
     <a:masterClrMapping/>
   </p:clrMapOvr>
+  <mc:AlternateContent xmlns:mc="http://schemas.openxmlformats.org/markup-compatibility/2006">
+    <mc:Choice xmlns:p14="http://schemas.microsoft.com/office/powerpoint/2010/main" Requires="p14">
+      <p:transition spd="slow" p14:dur="2000" advTm="4313"/>
+    </mc:Choice>
+    <mc:Fallback>
+      <p:transition spd="slow" advTm="4313"/>
+    </mc:Fallback>
+  </mc:AlternateContent>
 </p:sld>
 </file>
 
